--- a/2018/Introduction_to_Rmarkdown.pptx
+++ b/2018/Introduction_to_Rmarkdown.pptx
@@ -7,23 +7,27 @@
   <p:sldIdLst>
     <p:sldId id="256" r:id="rId2"/>
     <p:sldId id="257" r:id="rId3"/>
-    <p:sldId id="258" r:id="rId4"/>
-    <p:sldId id="259" r:id="rId5"/>
-    <p:sldId id="260" r:id="rId6"/>
-    <p:sldId id="264" r:id="rId7"/>
-    <p:sldId id="261" r:id="rId8"/>
-    <p:sldId id="262" r:id="rId9"/>
-    <p:sldId id="265" r:id="rId10"/>
-    <p:sldId id="263" r:id="rId11"/>
-    <p:sldId id="266" r:id="rId12"/>
-    <p:sldId id="267" r:id="rId13"/>
-    <p:sldId id="268" r:id="rId14"/>
-    <p:sldId id="269" r:id="rId15"/>
-    <p:sldId id="270" r:id="rId16"/>
-    <p:sldId id="274" r:id="rId17"/>
-    <p:sldId id="271" r:id="rId18"/>
-    <p:sldId id="272" r:id="rId19"/>
-    <p:sldId id="273" r:id="rId20"/>
+    <p:sldId id="275" r:id="rId4"/>
+    <p:sldId id="258" r:id="rId5"/>
+    <p:sldId id="259" r:id="rId6"/>
+    <p:sldId id="260" r:id="rId7"/>
+    <p:sldId id="264" r:id="rId8"/>
+    <p:sldId id="261" r:id="rId9"/>
+    <p:sldId id="276" r:id="rId10"/>
+    <p:sldId id="262" r:id="rId11"/>
+    <p:sldId id="277" r:id="rId12"/>
+    <p:sldId id="265" r:id="rId13"/>
+    <p:sldId id="263" r:id="rId14"/>
+    <p:sldId id="278" r:id="rId15"/>
+    <p:sldId id="279" r:id="rId16"/>
+    <p:sldId id="266" r:id="rId17"/>
+    <p:sldId id="267" r:id="rId18"/>
+    <p:sldId id="268" r:id="rId19"/>
+    <p:sldId id="270" r:id="rId20"/>
+    <p:sldId id="274" r:id="rId21"/>
+    <p:sldId id="271" r:id="rId22"/>
+    <p:sldId id="272" r:id="rId23"/>
+    <p:sldId id="273" r:id="rId24"/>
   </p:sldIdLst>
   <p:sldSz cx="12192000" cy="6858000"/>
   <p:notesSz cx="6858000" cy="9144000"/>
@@ -122,6 +126,11 @@
       </a:defRPr>
     </a:lvl9pPr>
   </p:defaultTextStyle>
+  <p:extLst>
+    <p:ext uri="{EFAFB233-063F-42B5-8137-9DF3F51BA10A}">
+      <p15:sldGuideLst xmlns:p15="http://schemas.microsoft.com/office/powerpoint/2012/main"/>
+    </p:ext>
+  </p:extLst>
 </p:presentation>
 </file>
 
@@ -256,7 +265,7 @@
           <a:p>
             <a:fld id="{95F34277-3EED-7A4D-A803-67027078CA3E}" type="datetimeFigureOut">
               <a:rPr lang="fr-FR" smtClean="0"/>
-              <a:t>23/02/2018</a:t>
+              <a:t>08/12/2018</a:t>
             </a:fld>
             <a:endParaRPr lang="fr-FR"/>
           </a:p>
@@ -426,7 +435,7 @@
           <a:p>
             <a:fld id="{95F34277-3EED-7A4D-A803-67027078CA3E}" type="datetimeFigureOut">
               <a:rPr lang="fr-FR" smtClean="0"/>
-              <a:t>23/02/2018</a:t>
+              <a:t>08/12/2018</a:t>
             </a:fld>
             <a:endParaRPr lang="fr-FR"/>
           </a:p>
@@ -606,7 +615,7 @@
           <a:p>
             <a:fld id="{95F34277-3EED-7A4D-A803-67027078CA3E}" type="datetimeFigureOut">
               <a:rPr lang="fr-FR" smtClean="0"/>
-              <a:t>23/02/2018</a:t>
+              <a:t>08/12/2018</a:t>
             </a:fld>
             <a:endParaRPr lang="fr-FR"/>
           </a:p>
@@ -776,7 +785,7 @@
           <a:p>
             <a:fld id="{95F34277-3EED-7A4D-A803-67027078CA3E}" type="datetimeFigureOut">
               <a:rPr lang="fr-FR" smtClean="0"/>
-              <a:t>23/02/2018</a:t>
+              <a:t>08/12/2018</a:t>
             </a:fld>
             <a:endParaRPr lang="fr-FR"/>
           </a:p>
@@ -1022,7 +1031,7 @@
           <a:p>
             <a:fld id="{95F34277-3EED-7A4D-A803-67027078CA3E}" type="datetimeFigureOut">
               <a:rPr lang="fr-FR" smtClean="0"/>
-              <a:t>23/02/2018</a:t>
+              <a:t>08/12/2018</a:t>
             </a:fld>
             <a:endParaRPr lang="fr-FR"/>
           </a:p>
@@ -1254,7 +1263,7 @@
           <a:p>
             <a:fld id="{95F34277-3EED-7A4D-A803-67027078CA3E}" type="datetimeFigureOut">
               <a:rPr lang="fr-FR" smtClean="0"/>
-              <a:t>23/02/2018</a:t>
+              <a:t>08/12/2018</a:t>
             </a:fld>
             <a:endParaRPr lang="fr-FR"/>
           </a:p>
@@ -1621,7 +1630,7 @@
           <a:p>
             <a:fld id="{95F34277-3EED-7A4D-A803-67027078CA3E}" type="datetimeFigureOut">
               <a:rPr lang="fr-FR" smtClean="0"/>
-              <a:t>23/02/2018</a:t>
+              <a:t>08/12/2018</a:t>
             </a:fld>
             <a:endParaRPr lang="fr-FR"/>
           </a:p>
@@ -1739,7 +1748,7 @@
           <a:p>
             <a:fld id="{95F34277-3EED-7A4D-A803-67027078CA3E}" type="datetimeFigureOut">
               <a:rPr lang="fr-FR" smtClean="0"/>
-              <a:t>23/02/2018</a:t>
+              <a:t>08/12/2018</a:t>
             </a:fld>
             <a:endParaRPr lang="fr-FR"/>
           </a:p>
@@ -1834,7 +1843,7 @@
           <a:p>
             <a:fld id="{95F34277-3EED-7A4D-A803-67027078CA3E}" type="datetimeFigureOut">
               <a:rPr lang="fr-FR" smtClean="0"/>
-              <a:t>23/02/2018</a:t>
+              <a:t>08/12/2018</a:t>
             </a:fld>
             <a:endParaRPr lang="fr-FR"/>
           </a:p>
@@ -2111,7 +2120,7 @@
           <a:p>
             <a:fld id="{95F34277-3EED-7A4D-A803-67027078CA3E}" type="datetimeFigureOut">
               <a:rPr lang="fr-FR" smtClean="0"/>
-              <a:t>23/02/2018</a:t>
+              <a:t>08/12/2018</a:t>
             </a:fld>
             <a:endParaRPr lang="fr-FR"/>
           </a:p>
@@ -2364,7 +2373,7 @@
           <a:p>
             <a:fld id="{95F34277-3EED-7A4D-A803-67027078CA3E}" type="datetimeFigureOut">
               <a:rPr lang="fr-FR" smtClean="0"/>
-              <a:t>23/02/2018</a:t>
+              <a:t>08/12/2018</a:t>
             </a:fld>
             <a:endParaRPr lang="fr-FR"/>
           </a:p>
@@ -2577,7 +2586,7 @@
           <a:p>
             <a:fld id="{95F34277-3EED-7A4D-A803-67027078CA3E}" type="datetimeFigureOut">
               <a:rPr lang="fr-FR" smtClean="0"/>
-              <a:t>23/02/2018</a:t>
+              <a:t>08/12/2018</a:t>
             </a:fld>
             <a:endParaRPr lang="fr-FR"/>
           </a:p>
@@ -2982,6 +2991,37 @@
           <a:chExt cx="0" cy="0"/>
         </a:xfrm>
       </p:grpSpPr>
+      <p:pic>
+        <p:nvPicPr>
+          <p:cNvPr id="8" name="Image 7"/>
+          <p:cNvPicPr>
+            <a:picLocks noChangeAspect="1"/>
+          </p:cNvPicPr>
+          <p:nvPr/>
+        </p:nvPicPr>
+        <p:blipFill>
+          <a:blip r:embed="rId2">
+            <a:alphaModFix amt="24000"/>
+            <a:extLst>
+              <a:ext uri="{28A0092B-C50C-407E-A947-70E740481C1C}">
+                <a14:useLocalDpi xmlns:a14="http://schemas.microsoft.com/office/drawing/2010/main" val="0"/>
+              </a:ext>
+            </a:extLst>
+          </a:blip>
+          <a:stretch>
+            <a:fillRect/>
+          </a:stretch>
+        </p:blipFill>
+        <p:spPr>
+          <a:xfrm>
+            <a:off x="-2411662" y="16042"/>
+            <a:ext cx="17808514" cy="6858000"/>
+          </a:xfrm>
+          <a:prstGeom prst="rect">
+            <a:avLst/>
+          </a:prstGeom>
+        </p:spPr>
+      </p:pic>
       <p:sp>
         <p:nvSpPr>
           <p:cNvPr id="5" name="ZoneTexte 4"/>
@@ -2990,7 +3030,7 @@
         </p:nvSpPr>
         <p:spPr>
           <a:xfrm>
-            <a:off x="1717269" y="4412841"/>
+            <a:off x="8912979" y="6415403"/>
             <a:ext cx="3556000" cy="369332"/>
           </a:xfrm>
           <a:prstGeom prst="rect">
@@ -3005,10 +3045,22 @@
           <a:lstStyle/>
           <a:p>
             <a:r>
-              <a:rPr lang="en-CA" dirty="0" smtClean="0"/>
+              <a:rPr lang="en-CA" dirty="0" smtClean="0">
+                <a:solidFill>
+                  <a:schemeClr val="bg1">
+                    <a:lumMod val="50000"/>
+                  </a:schemeClr>
+                </a:solidFill>
+              </a:rPr>
               <a:t>Brisbane, Australia, March 2018</a:t>
             </a:r>
-            <a:endParaRPr lang="en-CA" dirty="0"/>
+            <a:endParaRPr lang="en-CA" dirty="0">
+              <a:solidFill>
+                <a:schemeClr val="bg1">
+                  <a:lumMod val="50000"/>
+                </a:schemeClr>
+              </a:solidFill>
+            </a:endParaRPr>
           </a:p>
         </p:txBody>
       </p:sp>
@@ -3020,8 +3072,8 @@
         </p:nvSpPr>
         <p:spPr>
           <a:xfrm>
-            <a:off x="1717269" y="3434274"/>
-            <a:ext cx="4455886" cy="646331"/>
+            <a:off x="4219293" y="3435684"/>
+            <a:ext cx="3594959" cy="646331"/>
           </a:xfrm>
           <a:prstGeom prst="rect">
             <a:avLst/>
@@ -3034,75 +3086,12 @@
           </a:bodyPr>
           <a:lstStyle/>
           <a:p>
-            <a:r>
-              <a:rPr lang="en-CA" dirty="0" smtClean="0"/>
-              <a:t>Yan Holtz: </a:t>
-            </a:r>
-            <a:r>
-              <a:rPr lang="en-CA" dirty="0" smtClean="0">
-                <a:hlinkClick r:id="rId2"/>
-              </a:rPr>
-              <a:t>yan.holtz.data@gmail.com</a:t>
-            </a:r>
-            <a:endParaRPr lang="en-CA" dirty="0" smtClean="0"/>
-          </a:p>
-          <a:p>
-            <a:r>
-              <a:rPr lang="en-CA" dirty="0" smtClean="0"/>
-              <a:t>Florian Rohart: </a:t>
-            </a:r>
-            <a:r>
-              <a:rPr lang="en-CA" dirty="0" smtClean="0">
-                <a:hlinkClick r:id="rId3"/>
-              </a:rPr>
-              <a:t>f.rohart@imb.uq.edu.au</a:t>
-            </a:r>
-            <a:r>
-              <a:rPr lang="en-CA" dirty="0" smtClean="0"/>
-              <a:t> </a:t>
-            </a:r>
-          </a:p>
-        </p:txBody>
-      </p:sp>
-      <p:sp>
-        <p:nvSpPr>
-          <p:cNvPr id="7" name="ZoneTexte 6"/>
-          <p:cNvSpPr txBox="1"/>
-          <p:nvPr/>
-        </p:nvSpPr>
-        <p:spPr>
-          <a:xfrm>
-            <a:off x="1717269" y="1162002"/>
-            <a:ext cx="8838439" cy="1446550"/>
-          </a:xfrm>
-          <a:prstGeom prst="rect">
-            <a:avLst/>
-          </a:prstGeom>
-          <a:noFill/>
-        </p:spPr>
-        <p:txBody>
-          <a:bodyPr wrap="square" rtlCol="0">
-            <a:spAutoFit/>
-          </a:bodyPr>
-          <a:lstStyle/>
-          <a:p>
-            <a:r>
-              <a:rPr lang="en-CA" sz="4400" dirty="0">
-                <a:solidFill>
-                  <a:schemeClr val="accent2">
-                    <a:lumMod val="75000"/>
-                  </a:schemeClr>
-                </a:solidFill>
-              </a:rPr>
-              <a:t>Efficient and reproducible research with R Markdown</a:t>
-            </a:r>
-            <a:endParaRPr lang="en-CA" sz="4400" dirty="0">
-              <a:solidFill>
-                <a:schemeClr val="accent2">
-                  <a:lumMod val="75000"/>
-                </a:schemeClr>
-              </a:solidFill>
-            </a:endParaRPr>
+            <a:pPr algn="ctr"/>
+            <a:r>
+              <a:rPr lang="en-CA" i="1" dirty="0" smtClean="0"/>
+              <a:t>Or how to boost reproducibility in your research projects</a:t>
+            </a:r>
+            <a:endParaRPr lang="en-CA" i="1" dirty="0" smtClean="0"/>
           </a:p>
         </p:txBody>
       </p:sp>
@@ -3114,8 +3103,8 @@
         </p:nvCxnSpPr>
         <p:spPr>
           <a:xfrm>
-            <a:off x="1828803" y="2917371"/>
-            <a:ext cx="8021053" cy="0"/>
+            <a:off x="3633154" y="3018971"/>
+            <a:ext cx="4702626" cy="0"/>
           </a:xfrm>
           <a:prstGeom prst="line">
             <a:avLst/>
@@ -3143,6 +3132,87 @@
           </a:fontRef>
         </p:style>
       </p:cxnSp>
+      <p:sp>
+        <p:nvSpPr>
+          <p:cNvPr id="10" name="ZoneTexte 9"/>
+          <p:cNvSpPr txBox="1"/>
+          <p:nvPr/>
+        </p:nvSpPr>
+        <p:spPr>
+          <a:xfrm>
+            <a:off x="3241268" y="2181733"/>
+            <a:ext cx="5783235" cy="646331"/>
+          </a:xfrm>
+          <a:prstGeom prst="rect">
+            <a:avLst/>
+          </a:prstGeom>
+          <a:noFill/>
+        </p:spPr>
+        <p:txBody>
+          <a:bodyPr wrap="square" rtlCol="0">
+            <a:spAutoFit/>
+          </a:bodyPr>
+          <a:lstStyle/>
+          <a:p>
+            <a:r>
+              <a:rPr lang="fr-FR" sz="3600" smtClean="0"/>
+              <a:t>Introduction to R Markdown</a:t>
+            </a:r>
+            <a:endParaRPr lang="fr-FR" sz="3600" dirty="0"/>
+          </a:p>
+        </p:txBody>
+      </p:sp>
+      <p:sp>
+        <p:nvSpPr>
+          <p:cNvPr id="11" name="TextBox 6"/>
+          <p:cNvSpPr txBox="1"/>
+          <p:nvPr/>
+        </p:nvSpPr>
+        <p:spPr>
+          <a:xfrm>
+            <a:off x="5646055" y="14514"/>
+            <a:ext cx="6691086" cy="369332"/>
+          </a:xfrm>
+          <a:prstGeom prst="rect">
+            <a:avLst/>
+          </a:prstGeom>
+          <a:noFill/>
+        </p:spPr>
+        <p:txBody>
+          <a:bodyPr wrap="square" rtlCol="0">
+            <a:spAutoFit/>
+          </a:bodyPr>
+          <a:lstStyle>
+            <a:defPPr>
+              <a:defRPr lang="fr-FR"/>
+            </a:defPPr>
+            <a:lvl1pPr>
+              <a:defRPr>
+                <a:solidFill>
+                  <a:schemeClr val="bg1">
+                    <a:lumMod val="50000"/>
+                  </a:schemeClr>
+                </a:solidFill>
+              </a:defRPr>
+            </a:lvl1pPr>
+          </a:lstStyle>
+          <a:p>
+            <a:r>
+              <a:rPr lang="en-US" dirty="0"/>
+              <a:t>A tutorial by Yan Holtz, Florian Rohart &amp; Baptiste </a:t>
+            </a:r>
+            <a:r>
+              <a:rPr lang="en-US" dirty="0" err="1"/>
+              <a:t>Couvy</a:t>
+            </a:r>
+            <a:r>
+              <a:rPr lang="en-US" dirty="0"/>
+              <a:t>-Duchesne</a:t>
+            </a:r>
+            <a:endParaRPr lang="en-US" dirty="0"/>
+          </a:p>
+        </p:txBody>
+      </p:sp>
     </p:spTree>
     <p:extLst>
       <p:ext uri="{BB962C8B-B14F-4D97-AF65-F5344CB8AC3E}">
@@ -3182,43 +3252,35 @@
       </p:grpSpPr>
       <p:sp>
         <p:nvSpPr>
-          <p:cNvPr id="2" name="ZoneTexte 1"/>
-          <p:cNvSpPr txBox="1"/>
-          <p:nvPr/>
-        </p:nvSpPr>
-        <p:spPr>
-          <a:xfrm>
-            <a:off x="145140" y="109331"/>
-            <a:ext cx="9506859" cy="769441"/>
-          </a:xfrm>
-          <a:prstGeom prst="rect">
-            <a:avLst/>
-          </a:prstGeom>
-          <a:noFill/>
-        </p:spPr>
-        <p:txBody>
-          <a:bodyPr wrap="square" rtlCol="0">
+          <p:cNvPr id="2" name="Rectangle 1"/>
+          <p:cNvSpPr/>
+          <p:nvPr/>
+        </p:nvSpPr>
+        <p:spPr>
+          <a:xfrm>
+            <a:off x="330105" y="1424701"/>
+            <a:ext cx="4069063" cy="707886"/>
+          </a:xfrm>
+          <a:prstGeom prst="rect">
+            <a:avLst/>
+          </a:prstGeom>
+        </p:spPr>
+        <p:txBody>
+          <a:bodyPr wrap="none">
             <a:spAutoFit/>
           </a:bodyPr>
           <a:lstStyle/>
           <a:p>
             <a:r>
-              <a:rPr lang="en-CA" sz="4400" dirty="0" smtClean="0">
+              <a:rPr lang="en-CA" sz="4000" dirty="0" smtClean="0">
                 <a:solidFill>
                   <a:schemeClr val="accent2">
                     <a:lumMod val="75000"/>
                   </a:schemeClr>
                 </a:solidFill>
               </a:rPr>
-              <a:t>Code chunk options:</a:t>
-            </a:r>
-            <a:endParaRPr lang="en-CA" sz="4400" dirty="0">
-              <a:solidFill>
-                <a:schemeClr val="accent2">
-                  <a:lumMod val="75000"/>
-                </a:schemeClr>
-              </a:solidFill>
-            </a:endParaRPr>
+              <a:t>Customize the text</a:t>
+            </a:r>
           </a:p>
         </p:txBody>
       </p:sp>
@@ -3238,18 +3300,78 @@
         </p:blipFill>
         <p:spPr>
           <a:xfrm>
-            <a:off x="1597192" y="1252954"/>
-            <a:ext cx="9164324" cy="4891171"/>
-          </a:xfrm>
-          <a:prstGeom prst="rect">
-            <a:avLst/>
-          </a:prstGeom>
+            <a:off x="5017762" y="160420"/>
+            <a:ext cx="7047281" cy="6633411"/>
+          </a:xfrm>
+          <a:prstGeom prst="rect">
+            <a:avLst/>
+          </a:prstGeom>
+          <a:ln w="34925">
+            <a:solidFill>
+              <a:schemeClr val="tx1"/>
+            </a:solidFill>
+          </a:ln>
         </p:spPr>
       </p:pic>
+      <p:sp>
+        <p:nvSpPr>
+          <p:cNvPr id="4" name="ZoneTexte 3"/>
+          <p:cNvSpPr txBox="1"/>
+          <p:nvPr/>
+        </p:nvSpPr>
+        <p:spPr>
+          <a:xfrm>
+            <a:off x="331522" y="3429000"/>
+            <a:ext cx="3449053" cy="1477328"/>
+          </a:xfrm>
+          <a:prstGeom prst="rect">
+            <a:avLst/>
+          </a:prstGeom>
+          <a:noFill/>
+        </p:spPr>
+        <p:txBody>
+          <a:bodyPr wrap="square" rtlCol="0">
+            <a:spAutoFit/>
+          </a:bodyPr>
+          <a:lstStyle/>
+          <a:p>
+            <a:r>
+              <a:rPr lang="fr-FR" sz="2400" dirty="0" smtClean="0">
+                <a:hlinkClick r:id="rId3"/>
+              </a:rPr>
+              <a:t>R Markdown cheat </a:t>
+            </a:r>
+            <a:r>
+              <a:rPr lang="fr-FR" sz="2400" dirty="0" smtClean="0">
+                <a:hlinkClick r:id="rId3"/>
+              </a:rPr>
+              <a:t>sheet</a:t>
+            </a:r>
+            <a:endParaRPr lang="fr-FR" sz="2400" dirty="0" smtClean="0"/>
+          </a:p>
+          <a:p>
+            <a:endParaRPr lang="fr-FR" sz="2400" dirty="0"/>
+          </a:p>
+          <a:p>
+            <a:r>
+              <a:rPr lang="fr-FR" sz="2400" dirty="0" err="1" smtClean="0"/>
+              <a:t>bit.ly</a:t>
+            </a:r>
+            <a:r>
+              <a:rPr lang="fr-FR" sz="2400" dirty="0" smtClean="0"/>
+              <a:t>/1SuNTo9</a:t>
+            </a:r>
+            <a:endParaRPr lang="fr-FR" sz="2400" dirty="0" smtClean="0"/>
+          </a:p>
+          <a:p>
+            <a:endParaRPr lang="fr-FR" dirty="0"/>
+          </a:p>
+        </p:txBody>
+      </p:sp>
     </p:spTree>
     <p:extLst>
       <p:ext uri="{BB962C8B-B14F-4D97-AF65-F5344CB8AC3E}">
-        <p14:creationId xmlns:p14="http://schemas.microsoft.com/office/powerpoint/2010/main" val="745646916"/>
+        <p14:creationId xmlns:p14="http://schemas.microsoft.com/office/powerpoint/2010/main" val="1371178239"/>
       </p:ext>
     </p:extLst>
   </p:cSld>
@@ -3285,123 +3407,55 @@
       </p:grpSpPr>
       <p:pic>
         <p:nvPicPr>
-          <p:cNvPr id="5" name="Image 4"/>
+          <p:cNvPr id="8" name="Image 7"/>
           <p:cNvPicPr>
             <a:picLocks noChangeAspect="1"/>
           </p:cNvPicPr>
           <p:nvPr/>
         </p:nvPicPr>
         <p:blipFill>
-          <a:blip r:embed="rId2"/>
+          <a:blip r:embed="rId2">
+            <a:alphaModFix amt="24000"/>
+            <a:extLst>
+              <a:ext uri="{28A0092B-C50C-407E-A947-70E740481C1C}">
+                <a14:useLocalDpi xmlns:a14="http://schemas.microsoft.com/office/drawing/2010/main" val="0"/>
+              </a:ext>
+            </a:extLst>
+          </a:blip>
           <a:stretch>
             <a:fillRect/>
           </a:stretch>
         </p:blipFill>
         <p:spPr>
           <a:xfrm>
-            <a:off x="369970" y="2211470"/>
-            <a:ext cx="2950746" cy="2409063"/>
-          </a:xfrm>
-          <a:prstGeom prst="rect">
-            <a:avLst/>
-          </a:prstGeom>
-          <a:ln w="34925">
-            <a:solidFill>
-              <a:schemeClr val="tx1"/>
-            </a:solidFill>
-          </a:ln>
+            <a:off x="-2411662" y="16042"/>
+            <a:ext cx="17808514" cy="6858000"/>
+          </a:xfrm>
+          <a:prstGeom prst="rect">
+            <a:avLst/>
+          </a:prstGeom>
         </p:spPr>
       </p:pic>
-      <p:pic>
-        <p:nvPicPr>
-          <p:cNvPr id="2" name="Image 1"/>
-          <p:cNvPicPr>
-            <a:picLocks noChangeAspect="1"/>
-          </p:cNvPicPr>
-          <p:nvPr/>
-        </p:nvPicPr>
-        <p:blipFill>
-          <a:blip r:embed="rId3"/>
-          <a:stretch>
-            <a:fillRect/>
-          </a:stretch>
-        </p:blipFill>
-        <p:spPr>
-          <a:xfrm>
-            <a:off x="3985673" y="1201938"/>
-            <a:ext cx="8048598" cy="5217769"/>
-          </a:xfrm>
-          <a:prstGeom prst="rect">
-            <a:avLst/>
-          </a:prstGeom>
-          <a:ln w="34925">
-            <a:solidFill>
-              <a:schemeClr val="tx1"/>
-            </a:solidFill>
-          </a:ln>
-        </p:spPr>
-      </p:pic>
-      <p:sp>
-        <p:nvSpPr>
-          <p:cNvPr id="3" name="ZoneTexte 2"/>
-          <p:cNvSpPr txBox="1"/>
-          <p:nvPr/>
-        </p:nvSpPr>
-        <p:spPr>
-          <a:xfrm>
-            <a:off x="145140" y="109331"/>
-            <a:ext cx="9506859" cy="769441"/>
-          </a:xfrm>
-          <a:prstGeom prst="rect">
-            <a:avLst/>
-          </a:prstGeom>
-          <a:noFill/>
-        </p:spPr>
-        <p:txBody>
-          <a:bodyPr wrap="square" rtlCol="0">
-            <a:spAutoFit/>
-          </a:bodyPr>
-          <a:lstStyle/>
-          <a:p>
-            <a:r>
-              <a:rPr lang="en-CA" sz="4400" dirty="0" smtClean="0">
-                <a:solidFill>
-                  <a:schemeClr val="accent2">
-                    <a:lumMod val="75000"/>
-                  </a:schemeClr>
-                </a:solidFill>
-              </a:rPr>
-              <a:t>Anatomy of the header:</a:t>
-            </a:r>
-            <a:endParaRPr lang="en-CA" sz="4400" dirty="0">
-              <a:solidFill>
-                <a:schemeClr val="accent2">
-                  <a:lumMod val="75000"/>
-                </a:schemeClr>
-              </a:solidFill>
-            </a:endParaRPr>
-          </a:p>
-        </p:txBody>
-      </p:sp>
       <p:cxnSp>
         <p:nvCxnSpPr>
-          <p:cNvPr id="9" name="Connecteur droit avec flèche 8"/>
+          <p:cNvPr id="9" name="Connecteur droit 8"/>
           <p:cNvCxnSpPr/>
           <p:nvPr/>
         </p:nvCxnSpPr>
         <p:spPr>
-          <a:xfrm flipV="1">
-            <a:off x="2005764" y="2422358"/>
-            <a:ext cx="2261436" cy="1324298"/>
-          </a:xfrm>
-          <a:prstGeom prst="straightConnector1">
-            <a:avLst/>
-          </a:prstGeom>
-          <a:ln w="50800">
+          <a:xfrm>
+            <a:off x="3676696" y="3686627"/>
+            <a:ext cx="4702626" cy="0"/>
+          </a:xfrm>
+          <a:prstGeom prst="line">
+            <a:avLst/>
+          </a:prstGeom>
+          <a:ln>
             <a:solidFill>
-              <a:srgbClr val="FF0000"/>
+              <a:schemeClr val="bg2">
+                <a:lumMod val="50000"/>
+              </a:schemeClr>
             </a:solidFill>
-            <a:tailEnd type="triangle"/>
           </a:ln>
         </p:spPr>
         <p:style>
@@ -3419,82 +3473,48 @@
           </a:fontRef>
         </p:style>
       </p:cxnSp>
-      <p:cxnSp>
-        <p:nvCxnSpPr>
-          <p:cNvPr id="23" name="Connecteur droit avec flèche 22"/>
-          <p:cNvCxnSpPr/>
-          <p:nvPr/>
-        </p:nvCxnSpPr>
-        <p:spPr>
-          <a:xfrm>
-            <a:off x="3136482" y="3957544"/>
-            <a:ext cx="8269455" cy="1121810"/>
-          </a:xfrm>
-          <a:prstGeom prst="straightConnector1">
-            <a:avLst/>
-          </a:prstGeom>
-          <a:ln w="50800">
-            <a:solidFill>
-              <a:srgbClr val="FF0000"/>
-            </a:solidFill>
-            <a:tailEnd type="triangle"/>
-          </a:ln>
-        </p:spPr>
-        <p:style>
-          <a:lnRef idx="1">
-            <a:schemeClr val="accent1"/>
-          </a:lnRef>
-          <a:fillRef idx="0">
-            <a:schemeClr val="accent1"/>
-          </a:fillRef>
-          <a:effectRef idx="0">
-            <a:schemeClr val="accent1"/>
-          </a:effectRef>
-          <a:fontRef idx="minor">
-            <a:schemeClr val="tx1"/>
-          </a:fontRef>
-        </p:style>
-      </p:cxnSp>
-      <p:cxnSp>
-        <p:nvCxnSpPr>
-          <p:cNvPr id="24" name="Connecteur droit avec flèche 23"/>
-          <p:cNvCxnSpPr/>
-          <p:nvPr/>
-        </p:nvCxnSpPr>
-        <p:spPr>
-          <a:xfrm>
-            <a:off x="3136481" y="4226708"/>
-            <a:ext cx="1130719" cy="269859"/>
-          </a:xfrm>
-          <a:prstGeom prst="straightConnector1">
-            <a:avLst/>
-          </a:prstGeom>
-          <a:ln w="50800">
-            <a:solidFill>
-              <a:srgbClr val="FF0000"/>
-            </a:solidFill>
-            <a:tailEnd type="triangle"/>
-          </a:ln>
-        </p:spPr>
-        <p:style>
-          <a:lnRef idx="1">
-            <a:schemeClr val="accent1"/>
-          </a:lnRef>
-          <a:fillRef idx="0">
-            <a:schemeClr val="accent1"/>
-          </a:fillRef>
-          <a:effectRef idx="0">
-            <a:schemeClr val="accent1"/>
-          </a:effectRef>
-          <a:fontRef idx="minor">
-            <a:schemeClr val="tx1"/>
-          </a:fontRef>
-        </p:style>
-      </p:cxnSp>
+      <p:sp>
+        <p:nvSpPr>
+          <p:cNvPr id="10" name="ZoneTexte 9"/>
+          <p:cNvSpPr txBox="1"/>
+          <p:nvPr/>
+        </p:nvSpPr>
+        <p:spPr>
+          <a:xfrm>
+            <a:off x="3850867" y="2831940"/>
+            <a:ext cx="4814161" cy="646331"/>
+          </a:xfrm>
+          <a:prstGeom prst="rect">
+            <a:avLst/>
+          </a:prstGeom>
+          <a:noFill/>
+        </p:spPr>
+        <p:txBody>
+          <a:bodyPr wrap="square" rtlCol="0">
+            <a:spAutoFit/>
+          </a:bodyPr>
+          <a:lstStyle/>
+          <a:p>
+            <a:r>
+              <a:rPr lang="fr-FR" sz="3600" dirty="0" smtClean="0"/>
+              <a:t>Code </a:t>
+            </a:r>
+            <a:r>
+              <a:rPr lang="fr-FR" sz="3600" dirty="0" err="1" smtClean="0"/>
+              <a:t>chunks</a:t>
+            </a:r>
+            <a:r>
+              <a:rPr lang="fr-FR" sz="3600" dirty="0" smtClean="0"/>
+              <a:t> option</a:t>
+            </a:r>
+            <a:endParaRPr lang="fr-FR" sz="3600" dirty="0"/>
+          </a:p>
+        </p:txBody>
+      </p:sp>
     </p:spTree>
     <p:extLst>
       <p:ext uri="{BB962C8B-B14F-4D97-AF65-F5344CB8AC3E}">
-        <p14:creationId xmlns:p14="http://schemas.microsoft.com/office/powerpoint/2010/main" val="772918118"/>
+        <p14:creationId xmlns:p14="http://schemas.microsoft.com/office/powerpoint/2010/main" val="689489263"/>
       </p:ext>
     </p:extLst>
   </p:cSld>
@@ -3530,7 +3550,7 @@
       </p:grpSpPr>
       <p:pic>
         <p:nvPicPr>
-          <p:cNvPr id="11" name="Image 10"/>
+          <p:cNvPr id="4" name="Image 3"/>
           <p:cNvPicPr>
             <a:picLocks noChangeAspect="1"/>
           </p:cNvPicPr>
@@ -3544,8 +3564,8 @@
         </p:blipFill>
         <p:spPr>
           <a:xfrm>
-            <a:off x="1285707" y="3008982"/>
-            <a:ext cx="9419443" cy="3600365"/>
+            <a:off x="410409" y="2422358"/>
+            <a:ext cx="10067886" cy="3545306"/>
           </a:xfrm>
           <a:prstGeom prst="rect">
             <a:avLst/>
@@ -3582,7 +3602,7 @@
                   </a:schemeClr>
                 </a:solidFill>
               </a:rPr>
-              <a:t>Insert a table: the DT library</a:t>
+              <a:t>Anatomy of a Code chunk:</a:t>
             </a:r>
             <a:endParaRPr lang="en-CA" sz="4400" dirty="0">
               <a:solidFill>
@@ -3594,40 +3614,16 @@
           </a:p>
         </p:txBody>
       </p:sp>
-      <p:pic>
-        <p:nvPicPr>
-          <p:cNvPr id="4" name="Image 3"/>
-          <p:cNvPicPr>
-            <a:picLocks noChangeAspect="1"/>
-          </p:cNvPicPr>
-          <p:nvPr/>
-        </p:nvPicPr>
-        <p:blipFill>
-          <a:blip r:embed="rId3"/>
-          <a:stretch>
-            <a:fillRect/>
-          </a:stretch>
-        </p:blipFill>
-        <p:spPr>
-          <a:xfrm>
-            <a:off x="145140" y="1208581"/>
-            <a:ext cx="11838313" cy="1247063"/>
-          </a:xfrm>
-          <a:prstGeom prst="rect">
-            <a:avLst/>
-          </a:prstGeom>
-        </p:spPr>
-      </p:pic>
       <p:cxnSp>
         <p:nvCxnSpPr>
-          <p:cNvPr id="24" name="Connecteur droit avec flèche 23"/>
+          <p:cNvPr id="9" name="Connecteur droit avec flèche 8"/>
           <p:cNvCxnSpPr/>
           <p:nvPr/>
         </p:nvCxnSpPr>
         <p:spPr>
           <a:xfrm>
-            <a:off x="5494421" y="2146930"/>
-            <a:ext cx="1147011" cy="2056102"/>
+            <a:off x="1320414" y="2171996"/>
+            <a:ext cx="682362" cy="597772"/>
           </a:xfrm>
           <a:prstGeom prst="straightConnector1">
             <a:avLst/>
@@ -3656,14 +3652,14 @@
       </p:cxnSp>
       <p:sp>
         <p:nvSpPr>
-          <p:cNvPr id="12" name="ZoneTexte 11"/>
+          <p:cNvPr id="13" name="ZoneTexte 12"/>
           <p:cNvSpPr txBox="1"/>
           <p:nvPr/>
         </p:nvSpPr>
         <p:spPr>
           <a:xfrm>
-            <a:off x="114633" y="2467095"/>
-            <a:ext cx="1171074" cy="707886"/>
+            <a:off x="1757371" y="1353996"/>
+            <a:ext cx="1675257" cy="707886"/>
           </a:xfrm>
           <a:prstGeom prst="rect">
             <a:avLst/>
@@ -3677,12 +3673,98 @@
           <a:lstStyle/>
           <a:p>
             <a:r>
+              <a:rPr lang="fr-FR" sz="2000" b="1" dirty="0" err="1" smtClean="0">
+                <a:solidFill>
+                  <a:srgbClr val="FF0000"/>
+                </a:solidFill>
+              </a:rPr>
+              <a:t>Optional</a:t>
+            </a:r>
+            <a:r>
               <a:rPr lang="fr-FR" sz="2000" b="1" dirty="0" smtClean="0">
                 <a:solidFill>
                   <a:srgbClr val="FF0000"/>
                 </a:solidFill>
               </a:rPr>
-              <a:t>Data frame</a:t>
+              <a:t>: </a:t>
+            </a:r>
+            <a:r>
+              <a:rPr lang="fr-FR" sz="2000" b="1" dirty="0" err="1" smtClean="0">
+                <a:solidFill>
+                  <a:srgbClr val="FF0000"/>
+                </a:solidFill>
+              </a:rPr>
+              <a:t>chunk</a:t>
+            </a:r>
+            <a:r>
+              <a:rPr lang="fr-FR" sz="2000" b="1" dirty="0" smtClean="0">
+                <a:solidFill>
+                  <a:srgbClr val="FF0000"/>
+                </a:solidFill>
+              </a:rPr>
+              <a:t> </a:t>
+            </a:r>
+            <a:r>
+              <a:rPr lang="fr-FR" sz="2000" b="1" dirty="0" err="1" smtClean="0">
+                <a:solidFill>
+                  <a:srgbClr val="FF0000"/>
+                </a:solidFill>
+              </a:rPr>
+              <a:t>name</a:t>
+            </a:r>
+            <a:endParaRPr lang="fr-FR" sz="2000" b="1" dirty="0" smtClean="0">
+              <a:solidFill>
+                <a:srgbClr val="FF0000"/>
+              </a:solidFill>
+            </a:endParaRPr>
+          </a:p>
+        </p:txBody>
+      </p:sp>
+      <p:sp>
+        <p:nvSpPr>
+          <p:cNvPr id="16" name="ZoneTexte 15"/>
+          <p:cNvSpPr txBox="1"/>
+          <p:nvPr/>
+        </p:nvSpPr>
+        <p:spPr>
+          <a:xfrm>
+            <a:off x="270229" y="1701406"/>
+            <a:ext cx="1171074" cy="707886"/>
+          </a:xfrm>
+          <a:prstGeom prst="rect">
+            <a:avLst/>
+          </a:prstGeom>
+          <a:noFill/>
+        </p:spPr>
+        <p:txBody>
+          <a:bodyPr wrap="square" rtlCol="0">
+            <a:spAutoFit/>
+          </a:bodyPr>
+          <a:lstStyle/>
+          <a:p>
+            <a:r>
+              <a:rPr lang="fr-FR" sz="2000" b="1" dirty="0" smtClean="0">
+                <a:solidFill>
+                  <a:srgbClr val="FF0000"/>
+                </a:solidFill>
+              </a:rPr>
+              <a:t>R, </a:t>
+            </a:r>
+            <a:r>
+              <a:rPr lang="fr-FR" sz="2000" b="1" dirty="0" err="1" smtClean="0">
+                <a:solidFill>
+                  <a:srgbClr val="FF0000"/>
+                </a:solidFill>
+              </a:rPr>
+              <a:t>bash</a:t>
+            </a:r>
+            <a:r>
+              <a:rPr lang="fr-FR" sz="2000" b="1" dirty="0" smtClean="0">
+                <a:solidFill>
+                  <a:srgbClr val="FF0000"/>
+                </a:solidFill>
+              </a:rPr>
+              <a:t>, python?</a:t>
             </a:r>
           </a:p>
         </p:txBody>
@@ -3694,9 +3776,9 @@
           <p:nvPr/>
         </p:nvCxnSpPr>
         <p:spPr>
-          <a:xfrm flipV="1">
-            <a:off x="1171074" y="2146930"/>
-            <a:ext cx="516020" cy="308714"/>
+          <a:xfrm>
+            <a:off x="2351308" y="2221001"/>
+            <a:ext cx="6676" cy="519136"/>
           </a:xfrm>
           <a:prstGeom prst="straightConnector1">
             <a:avLst/>
@@ -3723,10 +3805,384 @@
           </a:fontRef>
         </p:style>
       </p:cxnSp>
+      <p:sp>
+        <p:nvSpPr>
+          <p:cNvPr id="19" name="ZoneTexte 18"/>
+          <p:cNvSpPr txBox="1"/>
+          <p:nvPr/>
+        </p:nvSpPr>
+        <p:spPr>
+          <a:xfrm>
+            <a:off x="3769095" y="1347463"/>
+            <a:ext cx="1675257" cy="707886"/>
+          </a:xfrm>
+          <a:prstGeom prst="rect">
+            <a:avLst/>
+          </a:prstGeom>
+          <a:noFill/>
+        </p:spPr>
+        <p:txBody>
+          <a:bodyPr wrap="square" rtlCol="0">
+            <a:spAutoFit/>
+          </a:bodyPr>
+          <a:lstStyle/>
+          <a:p>
+            <a:r>
+              <a:rPr lang="fr-FR" sz="2000" b="1" dirty="0" err="1" smtClean="0">
+                <a:solidFill>
+                  <a:srgbClr val="FF0000"/>
+                </a:solidFill>
+              </a:rPr>
+              <a:t>Chunk</a:t>
+            </a:r>
+            <a:r>
+              <a:rPr lang="fr-FR" sz="2000" b="1" dirty="0" smtClean="0">
+                <a:solidFill>
+                  <a:srgbClr val="FF0000"/>
+                </a:solidFill>
+              </a:rPr>
+              <a:t> options</a:t>
+            </a:r>
+          </a:p>
+        </p:txBody>
+      </p:sp>
+      <p:cxnSp>
+        <p:nvCxnSpPr>
+          <p:cNvPr id="20" name="Connecteur droit avec flèche 19"/>
+          <p:cNvCxnSpPr/>
+          <p:nvPr/>
+        </p:nvCxnSpPr>
+        <p:spPr>
+          <a:xfrm>
+            <a:off x="4252297" y="2104418"/>
+            <a:ext cx="6676" cy="519136"/>
+          </a:xfrm>
+          <a:prstGeom prst="straightConnector1">
+            <a:avLst/>
+          </a:prstGeom>
+          <a:ln w="50800">
+            <a:solidFill>
+              <a:srgbClr val="FF0000"/>
+            </a:solidFill>
+            <a:tailEnd type="triangle"/>
+          </a:ln>
+        </p:spPr>
+        <p:style>
+          <a:lnRef idx="1">
+            <a:schemeClr val="accent1"/>
+          </a:lnRef>
+          <a:fillRef idx="0">
+            <a:schemeClr val="accent1"/>
+          </a:fillRef>
+          <a:effectRef idx="0">
+            <a:schemeClr val="accent1"/>
+          </a:effectRef>
+          <a:fontRef idx="minor">
+            <a:schemeClr val="tx1"/>
+          </a:fontRef>
+        </p:style>
+      </p:cxnSp>
+      <p:cxnSp>
+        <p:nvCxnSpPr>
+          <p:cNvPr id="21" name="Connecteur droit avec flèche 20"/>
+          <p:cNvCxnSpPr/>
+          <p:nvPr/>
+        </p:nvCxnSpPr>
+        <p:spPr>
+          <a:xfrm>
+            <a:off x="9645323" y="2051269"/>
+            <a:ext cx="6676" cy="519136"/>
+          </a:xfrm>
+          <a:prstGeom prst="straightConnector1">
+            <a:avLst/>
+          </a:prstGeom>
+          <a:ln w="50800">
+            <a:solidFill>
+              <a:srgbClr val="FF0000"/>
+            </a:solidFill>
+            <a:tailEnd type="triangle"/>
+          </a:ln>
+        </p:spPr>
+        <p:style>
+          <a:lnRef idx="1">
+            <a:schemeClr val="accent1"/>
+          </a:lnRef>
+          <a:fillRef idx="0">
+            <a:schemeClr val="accent1"/>
+          </a:fillRef>
+          <a:effectRef idx="0">
+            <a:schemeClr val="accent1"/>
+          </a:effectRef>
+          <a:fontRef idx="minor">
+            <a:schemeClr val="tx1"/>
+          </a:fontRef>
+        </p:style>
+      </p:cxnSp>
+      <p:cxnSp>
+        <p:nvCxnSpPr>
+          <p:cNvPr id="22" name="Connecteur droit avec flèche 21"/>
+          <p:cNvCxnSpPr/>
+          <p:nvPr/>
+        </p:nvCxnSpPr>
+        <p:spPr>
+          <a:xfrm flipH="1">
+            <a:off x="10213472" y="2112336"/>
+            <a:ext cx="548873" cy="511218"/>
+          </a:xfrm>
+          <a:prstGeom prst="straightConnector1">
+            <a:avLst/>
+          </a:prstGeom>
+          <a:ln w="50800">
+            <a:solidFill>
+              <a:srgbClr val="FF0000"/>
+            </a:solidFill>
+            <a:tailEnd type="triangle"/>
+          </a:ln>
+        </p:spPr>
+        <p:style>
+          <a:lnRef idx="1">
+            <a:schemeClr val="accent1"/>
+          </a:lnRef>
+          <a:fillRef idx="0">
+            <a:schemeClr val="accent1"/>
+          </a:fillRef>
+          <a:effectRef idx="0">
+            <a:schemeClr val="accent1"/>
+          </a:effectRef>
+          <a:fontRef idx="minor">
+            <a:schemeClr val="tx1"/>
+          </a:fontRef>
+        </p:style>
+      </p:cxnSp>
+      <p:sp>
+        <p:nvSpPr>
+          <p:cNvPr id="25" name="ZoneTexte 24"/>
+          <p:cNvSpPr txBox="1"/>
+          <p:nvPr/>
+        </p:nvSpPr>
+        <p:spPr>
+          <a:xfrm>
+            <a:off x="8974791" y="901167"/>
+            <a:ext cx="1179862" cy="1015663"/>
+          </a:xfrm>
+          <a:prstGeom prst="rect">
+            <a:avLst/>
+          </a:prstGeom>
+          <a:noFill/>
+        </p:spPr>
+        <p:txBody>
+          <a:bodyPr wrap="square" rtlCol="0">
+            <a:spAutoFit/>
+          </a:bodyPr>
+          <a:lstStyle/>
+          <a:p>
+            <a:r>
+              <a:rPr lang="fr-FR" sz="2000" b="1" dirty="0" err="1" smtClean="0">
+                <a:solidFill>
+                  <a:srgbClr val="FF0000"/>
+                </a:solidFill>
+              </a:rPr>
+              <a:t>Run</a:t>
+            </a:r>
+            <a:r>
+              <a:rPr lang="fr-FR" sz="2000" b="1" dirty="0" smtClean="0">
+                <a:solidFill>
+                  <a:srgbClr val="FF0000"/>
+                </a:solidFill>
+              </a:rPr>
+              <a:t> all </a:t>
+            </a:r>
+            <a:r>
+              <a:rPr lang="fr-FR" sz="2000" b="1" dirty="0" err="1" smtClean="0">
+                <a:solidFill>
+                  <a:srgbClr val="FF0000"/>
+                </a:solidFill>
+              </a:rPr>
+              <a:t>previous</a:t>
+            </a:r>
+            <a:r>
+              <a:rPr lang="fr-FR" sz="2000" b="1" dirty="0" smtClean="0">
+                <a:solidFill>
+                  <a:srgbClr val="FF0000"/>
+                </a:solidFill>
+              </a:rPr>
+              <a:t> </a:t>
+            </a:r>
+            <a:r>
+              <a:rPr lang="fr-FR" sz="2000" b="1" dirty="0" err="1" smtClean="0">
+                <a:solidFill>
+                  <a:srgbClr val="FF0000"/>
+                </a:solidFill>
+              </a:rPr>
+              <a:t>chunks</a:t>
+            </a:r>
+            <a:endParaRPr lang="fr-FR" sz="2000" b="1" dirty="0" smtClean="0">
+              <a:solidFill>
+                <a:srgbClr val="FF0000"/>
+              </a:solidFill>
+            </a:endParaRPr>
+          </a:p>
+        </p:txBody>
+      </p:sp>
+      <p:sp>
+        <p:nvSpPr>
+          <p:cNvPr id="26" name="ZoneTexte 25"/>
+          <p:cNvSpPr txBox="1"/>
+          <p:nvPr/>
+        </p:nvSpPr>
+        <p:spPr>
+          <a:xfrm>
+            <a:off x="10762345" y="1065164"/>
+            <a:ext cx="1179862" cy="707886"/>
+          </a:xfrm>
+          <a:prstGeom prst="rect">
+            <a:avLst/>
+          </a:prstGeom>
+          <a:noFill/>
+        </p:spPr>
+        <p:txBody>
+          <a:bodyPr wrap="square" rtlCol="0">
+            <a:spAutoFit/>
+          </a:bodyPr>
+          <a:lstStyle/>
+          <a:p>
+            <a:r>
+              <a:rPr lang="fr-FR" sz="2000" b="1" dirty="0" err="1" smtClean="0">
+                <a:solidFill>
+                  <a:srgbClr val="FF0000"/>
+                </a:solidFill>
+              </a:rPr>
+              <a:t>Run</a:t>
+            </a:r>
+            <a:r>
+              <a:rPr lang="fr-FR" sz="2000" b="1" dirty="0" smtClean="0">
+                <a:solidFill>
+                  <a:srgbClr val="FF0000"/>
+                </a:solidFill>
+              </a:rPr>
+              <a:t> </a:t>
+            </a:r>
+            <a:r>
+              <a:rPr lang="fr-FR" sz="2000" b="1" dirty="0" err="1" smtClean="0">
+                <a:solidFill>
+                  <a:srgbClr val="FF0000"/>
+                </a:solidFill>
+              </a:rPr>
+              <a:t>this</a:t>
+            </a:r>
+            <a:r>
+              <a:rPr lang="fr-FR" sz="2000" b="1" dirty="0" smtClean="0">
+                <a:solidFill>
+                  <a:srgbClr val="FF0000"/>
+                </a:solidFill>
+              </a:rPr>
+              <a:t> </a:t>
+            </a:r>
+            <a:r>
+              <a:rPr lang="fr-FR" sz="2000" b="1" dirty="0" err="1" smtClean="0">
+                <a:solidFill>
+                  <a:srgbClr val="FF0000"/>
+                </a:solidFill>
+              </a:rPr>
+              <a:t>chunk</a:t>
+            </a:r>
+            <a:endParaRPr lang="fr-FR" sz="2000" b="1" dirty="0" smtClean="0">
+              <a:solidFill>
+                <a:srgbClr val="FF0000"/>
+              </a:solidFill>
+            </a:endParaRPr>
+          </a:p>
+        </p:txBody>
+      </p:sp>
+      <p:cxnSp>
+        <p:nvCxnSpPr>
+          <p:cNvPr id="27" name="Connecteur droit avec flèche 26"/>
+          <p:cNvCxnSpPr/>
+          <p:nvPr/>
+        </p:nvCxnSpPr>
+        <p:spPr>
+          <a:xfrm flipH="1" flipV="1">
+            <a:off x="3915429" y="3419240"/>
+            <a:ext cx="673735" cy="179695"/>
+          </a:xfrm>
+          <a:prstGeom prst="straightConnector1">
+            <a:avLst/>
+          </a:prstGeom>
+          <a:ln w="50800">
+            <a:solidFill>
+              <a:srgbClr val="FF0000"/>
+            </a:solidFill>
+            <a:tailEnd type="triangle"/>
+          </a:ln>
+        </p:spPr>
+        <p:style>
+          <a:lnRef idx="1">
+            <a:schemeClr val="accent1"/>
+          </a:lnRef>
+          <a:fillRef idx="0">
+            <a:schemeClr val="accent1"/>
+          </a:fillRef>
+          <a:effectRef idx="0">
+            <a:schemeClr val="accent1"/>
+          </a:effectRef>
+          <a:fontRef idx="minor">
+            <a:schemeClr val="tx1"/>
+          </a:fontRef>
+        </p:style>
+      </p:cxnSp>
+      <p:sp>
+        <p:nvSpPr>
+          <p:cNvPr id="29" name="ZoneTexte 28"/>
+          <p:cNvSpPr txBox="1"/>
+          <p:nvPr/>
+        </p:nvSpPr>
+        <p:spPr>
+          <a:xfrm>
+            <a:off x="5001702" y="3487125"/>
+            <a:ext cx="2345582" cy="400110"/>
+          </a:xfrm>
+          <a:prstGeom prst="rect">
+            <a:avLst/>
+          </a:prstGeom>
+          <a:noFill/>
+        </p:spPr>
+        <p:txBody>
+          <a:bodyPr wrap="square" rtlCol="0">
+            <a:spAutoFit/>
+          </a:bodyPr>
+          <a:lstStyle/>
+          <a:p>
+            <a:r>
+              <a:rPr lang="fr-FR" sz="2000" b="1" dirty="0" smtClean="0">
+                <a:solidFill>
+                  <a:srgbClr val="FF0000"/>
+                </a:solidFill>
+              </a:rPr>
+              <a:t>Comment </a:t>
+            </a:r>
+            <a:r>
+              <a:rPr lang="fr-FR" sz="2000" b="1" dirty="0" err="1" smtClean="0">
+                <a:solidFill>
+                  <a:srgbClr val="FF0000"/>
+                </a:solidFill>
+              </a:rPr>
+              <a:t>your</a:t>
+            </a:r>
+            <a:r>
+              <a:rPr lang="fr-FR" sz="2000" b="1" dirty="0" smtClean="0">
+                <a:solidFill>
+                  <a:srgbClr val="FF0000"/>
+                </a:solidFill>
+              </a:rPr>
+              <a:t> code</a:t>
+            </a:r>
+          </a:p>
+        </p:txBody>
+      </p:sp>
     </p:spTree>
     <p:extLst>
       <p:ext uri="{BB962C8B-B14F-4D97-AF65-F5344CB8AC3E}">
-        <p14:creationId xmlns:p14="http://schemas.microsoft.com/office/powerpoint/2010/main" val="1729119071"/>
+        <p14:creationId xmlns:p14="http://schemas.microsoft.com/office/powerpoint/2010/main" val="33611226"/>
       </p:ext>
     </p:extLst>
   </p:cSld>
@@ -3760,9 +4216,51 @@
           <a:chExt cx="0" cy="0"/>
         </a:xfrm>
       </p:grpSpPr>
+      <p:sp>
+        <p:nvSpPr>
+          <p:cNvPr id="2" name="ZoneTexte 1"/>
+          <p:cNvSpPr txBox="1"/>
+          <p:nvPr/>
+        </p:nvSpPr>
+        <p:spPr>
+          <a:xfrm>
+            <a:off x="145140" y="109331"/>
+            <a:ext cx="9506859" cy="769441"/>
+          </a:xfrm>
+          <a:prstGeom prst="rect">
+            <a:avLst/>
+          </a:prstGeom>
+          <a:noFill/>
+        </p:spPr>
+        <p:txBody>
+          <a:bodyPr wrap="square" rtlCol="0">
+            <a:spAutoFit/>
+          </a:bodyPr>
+          <a:lstStyle/>
+          <a:p>
+            <a:r>
+              <a:rPr lang="en-CA" sz="4400" dirty="0" smtClean="0">
+                <a:solidFill>
+                  <a:schemeClr val="accent2">
+                    <a:lumMod val="75000"/>
+                  </a:schemeClr>
+                </a:solidFill>
+              </a:rPr>
+              <a:t>Code chunk options:</a:t>
+            </a:r>
+            <a:endParaRPr lang="en-CA" sz="4400" dirty="0">
+              <a:solidFill>
+                <a:schemeClr val="accent2">
+                  <a:lumMod val="75000"/>
+                </a:schemeClr>
+              </a:solidFill>
+            </a:endParaRPr>
+          </a:p>
+        </p:txBody>
+      </p:sp>
       <p:pic>
         <p:nvPicPr>
-          <p:cNvPr id="2" name="Image 1"/>
+          <p:cNvPr id="3" name="Image 2"/>
           <p:cNvPicPr>
             <a:picLocks noChangeAspect="1"/>
           </p:cNvPicPr>
@@ -3776,406 +4274,18 @@
         </p:blipFill>
         <p:spPr>
           <a:xfrm>
-            <a:off x="145140" y="1208504"/>
-            <a:ext cx="7100762" cy="4871453"/>
+            <a:off x="1597192" y="1252954"/>
+            <a:ext cx="9164324" cy="4891171"/>
           </a:xfrm>
           <a:prstGeom prst="rect">
             <a:avLst/>
           </a:prstGeom>
         </p:spPr>
       </p:pic>
-      <p:pic>
-        <p:nvPicPr>
-          <p:cNvPr id="5" name="Image 4"/>
-          <p:cNvPicPr>
-            <a:picLocks noChangeAspect="1"/>
-          </p:cNvPicPr>
-          <p:nvPr/>
-        </p:nvPicPr>
-        <p:blipFill>
-          <a:blip r:embed="rId3"/>
-          <a:stretch>
-            <a:fillRect/>
-          </a:stretch>
-        </p:blipFill>
-        <p:spPr>
-          <a:xfrm>
-            <a:off x="7658084" y="2085472"/>
-            <a:ext cx="4524520" cy="2775286"/>
-          </a:xfrm>
-          <a:prstGeom prst="rect">
-            <a:avLst/>
-          </a:prstGeom>
-        </p:spPr>
-      </p:pic>
-      <p:sp>
-        <p:nvSpPr>
-          <p:cNvPr id="3" name="ZoneTexte 2"/>
-          <p:cNvSpPr txBox="1"/>
-          <p:nvPr/>
-        </p:nvSpPr>
-        <p:spPr>
-          <a:xfrm>
-            <a:off x="145140" y="109331"/>
-            <a:ext cx="9506859" cy="769441"/>
-          </a:xfrm>
-          <a:prstGeom prst="rect">
-            <a:avLst/>
-          </a:prstGeom>
-          <a:noFill/>
-        </p:spPr>
-        <p:txBody>
-          <a:bodyPr wrap="square" rtlCol="0">
-            <a:spAutoFit/>
-          </a:bodyPr>
-          <a:lstStyle/>
-          <a:p>
-            <a:r>
-              <a:rPr lang="en-CA" sz="4400" dirty="0" smtClean="0">
-                <a:solidFill>
-                  <a:schemeClr val="accent2">
-                    <a:lumMod val="75000"/>
-                  </a:schemeClr>
-                </a:solidFill>
-              </a:rPr>
-              <a:t>Use Interactive graphics</a:t>
-            </a:r>
-            <a:endParaRPr lang="en-CA" sz="4400" dirty="0">
-              <a:solidFill>
-                <a:schemeClr val="accent2">
-                  <a:lumMod val="75000"/>
-                </a:schemeClr>
-              </a:solidFill>
-            </a:endParaRPr>
-          </a:p>
-        </p:txBody>
-      </p:sp>
-      <p:sp>
-        <p:nvSpPr>
-          <p:cNvPr id="12" name="ZoneTexte 11"/>
-          <p:cNvSpPr txBox="1"/>
-          <p:nvPr/>
-        </p:nvSpPr>
-        <p:spPr>
-          <a:xfrm>
-            <a:off x="3462638" y="2270048"/>
-            <a:ext cx="3989355" cy="400110"/>
-          </a:xfrm>
-          <a:prstGeom prst="rect">
-            <a:avLst/>
-          </a:prstGeom>
-          <a:noFill/>
-        </p:spPr>
-        <p:txBody>
-          <a:bodyPr wrap="square" rtlCol="0">
-            <a:spAutoFit/>
-          </a:bodyPr>
-          <a:lstStyle/>
-          <a:p>
-            <a:r>
-              <a:rPr lang="fr-FR" sz="2000" b="1" dirty="0" err="1" smtClean="0">
-                <a:solidFill>
-                  <a:srgbClr val="FF0000"/>
-                </a:solidFill>
-              </a:rPr>
-              <a:t>Plotly</a:t>
-            </a:r>
-            <a:r>
-              <a:rPr lang="fr-FR" sz="2000" b="1" dirty="0" smtClean="0">
-                <a:solidFill>
-                  <a:srgbClr val="FF0000"/>
-                </a:solidFill>
-              </a:rPr>
-              <a:t> </a:t>
-            </a:r>
-            <a:r>
-              <a:rPr lang="fr-FR" sz="2000" b="1" dirty="0" err="1" smtClean="0">
-                <a:solidFill>
-                  <a:srgbClr val="FF0000"/>
-                </a:solidFill>
-              </a:rPr>
-              <a:t>library</a:t>
-            </a:r>
-            <a:endParaRPr lang="fr-FR" sz="2000" b="1" dirty="0" smtClean="0">
-              <a:solidFill>
-                <a:srgbClr val="FF0000"/>
-              </a:solidFill>
-            </a:endParaRPr>
-          </a:p>
-        </p:txBody>
-      </p:sp>
-      <p:cxnSp>
-        <p:nvCxnSpPr>
-          <p:cNvPr id="13" name="Connecteur droit avec flèche 12"/>
-          <p:cNvCxnSpPr/>
-          <p:nvPr/>
-        </p:nvCxnSpPr>
-        <p:spPr>
-          <a:xfrm flipH="1">
-            <a:off x="2630905" y="2510908"/>
-            <a:ext cx="609600" cy="0"/>
-          </a:xfrm>
-          <a:prstGeom prst="straightConnector1">
-            <a:avLst/>
-          </a:prstGeom>
-          <a:ln w="50800">
-            <a:solidFill>
-              <a:srgbClr val="FF0000"/>
-            </a:solidFill>
-            <a:tailEnd type="triangle"/>
-          </a:ln>
-        </p:spPr>
-        <p:style>
-          <a:lnRef idx="1">
-            <a:schemeClr val="accent1"/>
-          </a:lnRef>
-          <a:fillRef idx="0">
-            <a:schemeClr val="accent1"/>
-          </a:fillRef>
-          <a:effectRef idx="0">
-            <a:schemeClr val="accent1"/>
-          </a:effectRef>
-          <a:fontRef idx="minor">
-            <a:schemeClr val="tx1"/>
-          </a:fontRef>
-        </p:style>
-      </p:cxnSp>
-      <p:cxnSp>
-        <p:nvCxnSpPr>
-          <p:cNvPr id="16" name="Connecteur droit avec flèche 15"/>
-          <p:cNvCxnSpPr/>
-          <p:nvPr/>
-        </p:nvCxnSpPr>
-        <p:spPr>
-          <a:xfrm flipH="1">
-            <a:off x="2853038" y="4331687"/>
-            <a:ext cx="609600" cy="0"/>
-          </a:xfrm>
-          <a:prstGeom prst="straightConnector1">
-            <a:avLst/>
-          </a:prstGeom>
-          <a:ln w="50800">
-            <a:solidFill>
-              <a:srgbClr val="FF0000"/>
-            </a:solidFill>
-            <a:tailEnd type="triangle"/>
-          </a:ln>
-        </p:spPr>
-        <p:style>
-          <a:lnRef idx="1">
-            <a:schemeClr val="accent1"/>
-          </a:lnRef>
-          <a:fillRef idx="0">
-            <a:schemeClr val="accent1"/>
-          </a:fillRef>
-          <a:effectRef idx="0">
-            <a:schemeClr val="accent1"/>
-          </a:effectRef>
-          <a:fontRef idx="minor">
-            <a:schemeClr val="tx1"/>
-          </a:fontRef>
-        </p:style>
-      </p:cxnSp>
-      <p:sp>
-        <p:nvSpPr>
-          <p:cNvPr id="18" name="ZoneTexte 17"/>
-          <p:cNvSpPr txBox="1"/>
-          <p:nvPr/>
-        </p:nvSpPr>
-        <p:spPr>
-          <a:xfrm>
-            <a:off x="3695521" y="4019184"/>
-            <a:ext cx="3989355" cy="400110"/>
-          </a:xfrm>
-          <a:prstGeom prst="rect">
-            <a:avLst/>
-          </a:prstGeom>
-          <a:noFill/>
-        </p:spPr>
-        <p:txBody>
-          <a:bodyPr wrap="square" rtlCol="0">
-            <a:spAutoFit/>
-          </a:bodyPr>
-          <a:lstStyle/>
-          <a:p>
-            <a:r>
-              <a:rPr lang="fr-FR" sz="2000" b="1" dirty="0" smtClean="0">
-                <a:solidFill>
-                  <a:srgbClr val="FF0000"/>
-                </a:solidFill>
-              </a:rPr>
-              <a:t>Basic ggplot2 </a:t>
-            </a:r>
-            <a:r>
-              <a:rPr lang="fr-FR" sz="2000" b="1" dirty="0" err="1" smtClean="0">
-                <a:solidFill>
-                  <a:srgbClr val="FF0000"/>
-                </a:solidFill>
-              </a:rPr>
-              <a:t>graphic</a:t>
-            </a:r>
-            <a:endParaRPr lang="fr-FR" sz="2000" b="1" dirty="0" smtClean="0">
-              <a:solidFill>
-                <a:srgbClr val="FF0000"/>
-              </a:solidFill>
-            </a:endParaRPr>
-          </a:p>
-        </p:txBody>
-      </p:sp>
-      <p:sp>
-        <p:nvSpPr>
-          <p:cNvPr id="19" name="ZoneTexte 18"/>
-          <p:cNvSpPr txBox="1"/>
-          <p:nvPr/>
-        </p:nvSpPr>
-        <p:spPr>
-          <a:xfrm>
-            <a:off x="2853038" y="5125243"/>
-            <a:ext cx="3989355" cy="400110"/>
-          </a:xfrm>
-          <a:prstGeom prst="rect">
-            <a:avLst/>
-          </a:prstGeom>
-          <a:noFill/>
-        </p:spPr>
-        <p:txBody>
-          <a:bodyPr wrap="square" rtlCol="0">
-            <a:spAutoFit/>
-          </a:bodyPr>
-          <a:lstStyle/>
-          <a:p>
-            <a:r>
-              <a:rPr lang="fr-FR" sz="2000" b="1" dirty="0" err="1" smtClean="0">
-                <a:solidFill>
-                  <a:srgbClr val="FF0000"/>
-                </a:solidFill>
-              </a:rPr>
-              <a:t>Ggplotly</a:t>
-            </a:r>
-            <a:r>
-              <a:rPr lang="fr-FR" sz="2000" b="1" dirty="0" smtClean="0">
-                <a:solidFill>
-                  <a:srgbClr val="FF0000"/>
-                </a:solidFill>
-              </a:rPr>
-              <a:t> </a:t>
-            </a:r>
-            <a:r>
-              <a:rPr lang="fr-FR" sz="2000" b="1" dirty="0" err="1" smtClean="0">
-                <a:solidFill>
-                  <a:srgbClr val="FF0000"/>
-                </a:solidFill>
-              </a:rPr>
-              <a:t>turn</a:t>
-            </a:r>
-            <a:r>
-              <a:rPr lang="fr-FR" sz="2000" b="1" dirty="0" smtClean="0">
-                <a:solidFill>
-                  <a:srgbClr val="FF0000"/>
-                </a:solidFill>
-              </a:rPr>
-              <a:t> the plot interactive</a:t>
-            </a:r>
-          </a:p>
-        </p:txBody>
-      </p:sp>
-      <p:cxnSp>
-        <p:nvCxnSpPr>
-          <p:cNvPr id="20" name="Connecteur droit avec flèche 19"/>
-          <p:cNvCxnSpPr/>
-          <p:nvPr/>
-        </p:nvCxnSpPr>
-        <p:spPr>
-          <a:xfrm flipH="1">
-            <a:off x="2021305" y="5341340"/>
-            <a:ext cx="609600" cy="0"/>
-          </a:xfrm>
-          <a:prstGeom prst="straightConnector1">
-            <a:avLst/>
-          </a:prstGeom>
-          <a:ln w="50800">
-            <a:solidFill>
-              <a:srgbClr val="FF0000"/>
-            </a:solidFill>
-            <a:tailEnd type="triangle"/>
-          </a:ln>
-        </p:spPr>
-        <p:style>
-          <a:lnRef idx="1">
-            <a:schemeClr val="accent1"/>
-          </a:lnRef>
-          <a:fillRef idx="0">
-            <a:schemeClr val="accent1"/>
-          </a:fillRef>
-          <a:effectRef idx="0">
-            <a:schemeClr val="accent1"/>
-          </a:effectRef>
-          <a:fontRef idx="minor">
-            <a:schemeClr val="tx1"/>
-          </a:fontRef>
-        </p:style>
-      </p:cxnSp>
-      <p:sp>
-        <p:nvSpPr>
-          <p:cNvPr id="21" name="ZoneTexte 20"/>
-          <p:cNvSpPr txBox="1"/>
-          <p:nvPr/>
-        </p:nvSpPr>
-        <p:spPr>
-          <a:xfrm>
-            <a:off x="8165432" y="1507749"/>
-            <a:ext cx="4017172" cy="707886"/>
-          </a:xfrm>
-          <a:prstGeom prst="rect">
-            <a:avLst/>
-          </a:prstGeom>
-          <a:noFill/>
-        </p:spPr>
-        <p:txBody>
-          <a:bodyPr wrap="square" rtlCol="0">
-            <a:spAutoFit/>
-          </a:bodyPr>
-          <a:lstStyle/>
-          <a:p>
-            <a:r>
-              <a:rPr lang="fr-FR" sz="2000" b="1" dirty="0" err="1" smtClean="0">
-                <a:solidFill>
-                  <a:srgbClr val="FF0000"/>
-                </a:solidFill>
-              </a:rPr>
-              <a:t>Result</a:t>
-            </a:r>
-            <a:r>
-              <a:rPr lang="fr-FR" sz="2000" b="1" dirty="0" smtClean="0">
-                <a:solidFill>
-                  <a:srgbClr val="FF0000"/>
-                </a:solidFill>
-              </a:rPr>
-              <a:t>: zoom / </a:t>
-            </a:r>
-            <a:r>
-              <a:rPr lang="fr-FR" sz="2000" b="1" dirty="0" err="1" smtClean="0">
-                <a:solidFill>
-                  <a:srgbClr val="FF0000"/>
-                </a:solidFill>
-              </a:rPr>
-              <a:t>hover</a:t>
-            </a:r>
-            <a:r>
-              <a:rPr lang="fr-FR" sz="2000" b="1" dirty="0" smtClean="0">
-                <a:solidFill>
-                  <a:srgbClr val="FF0000"/>
-                </a:solidFill>
-              </a:rPr>
-              <a:t> / export .. And more</a:t>
-            </a:r>
-          </a:p>
-        </p:txBody>
-      </p:sp>
     </p:spTree>
     <p:extLst>
       <p:ext uri="{BB962C8B-B14F-4D97-AF65-F5344CB8AC3E}">
-        <p14:creationId xmlns:p14="http://schemas.microsoft.com/office/powerpoint/2010/main" val="968261103"/>
+        <p14:creationId xmlns:p14="http://schemas.microsoft.com/office/powerpoint/2010/main" val="745646916"/>
       </p:ext>
     </p:extLst>
   </p:cSld>
@@ -4211,13 +4321,13 @@
       </p:grpSpPr>
       <p:sp>
         <p:nvSpPr>
-          <p:cNvPr id="3" name="ZoneTexte 2"/>
+          <p:cNvPr id="2" name="ZoneTexte 1"/>
           <p:cNvSpPr txBox="1"/>
           <p:nvPr/>
         </p:nvSpPr>
         <p:spPr>
           <a:xfrm>
-            <a:off x="145140" y="109331"/>
+            <a:off x="1175654" y="820531"/>
             <a:ext cx="9506859" cy="769441"/>
           </a:xfrm>
           <a:prstGeom prst="rect">
@@ -4239,7 +4349,17 @@
                   </a:schemeClr>
                 </a:solidFill>
               </a:rPr>
-              <a:t>A note on interactivity</a:t>
+              <a:t>Do not always run the </a:t>
+            </a:r>
+            <a:r>
+              <a:rPr lang="en-CA" sz="4400" smtClean="0">
+                <a:solidFill>
+                  <a:schemeClr val="accent2">
+                    <a:lumMod val="75000"/>
+                  </a:schemeClr>
+                </a:solidFill>
+              </a:rPr>
+              <a:t>whole document</a:t>
             </a:r>
             <a:endParaRPr lang="en-CA" sz="4400" dirty="0">
               <a:solidFill>
@@ -4251,154 +4371,10 @@
           </a:p>
         </p:txBody>
       </p:sp>
-      <p:sp>
-        <p:nvSpPr>
-          <p:cNvPr id="4" name="ZoneTexte 3"/>
-          <p:cNvSpPr txBox="1"/>
-          <p:nvPr/>
-        </p:nvSpPr>
-        <p:spPr>
-          <a:xfrm>
-            <a:off x="1588168" y="1748589"/>
-            <a:ext cx="6978316" cy="3539430"/>
-          </a:xfrm>
-          <a:prstGeom prst="rect">
-            <a:avLst/>
-          </a:prstGeom>
-          <a:noFill/>
-        </p:spPr>
-        <p:txBody>
-          <a:bodyPr wrap="square" rtlCol="0">
-            <a:spAutoFit/>
-          </a:bodyPr>
-          <a:lstStyle/>
-          <a:p>
-            <a:pPr marL="285750" indent="-285750">
-              <a:buFont typeface="Arial" charset="0"/>
-              <a:buChar char="•"/>
-            </a:pPr>
-            <a:r>
-              <a:rPr lang="fr-FR" sz="2800" dirty="0" err="1" smtClean="0"/>
-              <a:t>Interactivity</a:t>
-            </a:r>
-            <a:r>
-              <a:rPr lang="fr-FR" sz="2800" dirty="0" smtClean="0"/>
-              <a:t> = </a:t>
-            </a:r>
-            <a:r>
-              <a:rPr lang="fr-FR" sz="2800" dirty="0" err="1" smtClean="0"/>
-              <a:t>javascript</a:t>
-            </a:r>
-            <a:endParaRPr lang="fr-FR" sz="2800" dirty="0" smtClean="0"/>
-          </a:p>
-          <a:p>
-            <a:endParaRPr lang="fr-FR" sz="2800" dirty="0" smtClean="0"/>
-          </a:p>
-          <a:p>
-            <a:pPr marL="285750" indent="-285750">
-              <a:buFont typeface="Arial" charset="0"/>
-              <a:buChar char="•"/>
-            </a:pPr>
-            <a:r>
-              <a:rPr lang="fr-FR" sz="2800" dirty="0" smtClean="0"/>
-              <a:t>The HTML widgets wrap </a:t>
-            </a:r>
-            <a:r>
-              <a:rPr lang="fr-FR" sz="2800" dirty="0" err="1" smtClean="0"/>
-              <a:t>javascript</a:t>
-            </a:r>
-            <a:r>
-              <a:rPr lang="fr-FR" sz="2800" dirty="0" smtClean="0"/>
-              <a:t> in R </a:t>
-            </a:r>
-            <a:r>
-              <a:rPr lang="fr-FR" sz="2800" dirty="0" err="1" smtClean="0"/>
-              <a:t>function</a:t>
-            </a:r>
-            <a:endParaRPr lang="fr-FR" sz="2800" dirty="0" smtClean="0"/>
-          </a:p>
-          <a:p>
-            <a:pPr marL="285750" indent="-285750">
-              <a:buFont typeface="Arial" charset="0"/>
-              <a:buChar char="•"/>
-            </a:pPr>
-            <a:endParaRPr lang="fr-FR" sz="2800" dirty="0"/>
-          </a:p>
-          <a:p>
-            <a:pPr marL="285750" indent="-285750">
-              <a:buFont typeface="Arial" charset="0"/>
-              <a:buChar char="•"/>
-            </a:pPr>
-            <a:r>
-              <a:rPr lang="fr-FR" sz="2800" dirty="0" err="1" smtClean="0"/>
-              <a:t>See</a:t>
-            </a:r>
-            <a:r>
-              <a:rPr lang="fr-FR" sz="2800" dirty="0" smtClean="0"/>
-              <a:t> </a:t>
-            </a:r>
-            <a:r>
-              <a:rPr lang="fr-FR" sz="2800" dirty="0" smtClean="0">
-                <a:hlinkClick r:id="rId2"/>
-              </a:rPr>
-              <a:t>http://www.htmlwidgets.org</a:t>
-            </a:r>
-            <a:r>
-              <a:rPr lang="fr-FR" sz="2800" dirty="0" smtClean="0"/>
-              <a:t> </a:t>
-            </a:r>
-          </a:p>
-          <a:p>
-            <a:pPr marL="285750" indent="-285750">
-              <a:buFont typeface="Arial" charset="0"/>
-              <a:buChar char="•"/>
-            </a:pPr>
-            <a:endParaRPr lang="fr-FR" sz="2800" dirty="0"/>
-          </a:p>
-          <a:p>
-            <a:pPr marL="285750" indent="-285750">
-              <a:buFont typeface="Arial" charset="0"/>
-              <a:buChar char="•"/>
-            </a:pPr>
-            <a:r>
-              <a:rPr lang="fr-FR" sz="2800" dirty="0" smtClean="0"/>
-              <a:t>Large topic, </a:t>
-            </a:r>
-            <a:r>
-              <a:rPr lang="fr-FR" sz="2800" dirty="0" err="1" smtClean="0"/>
-              <a:t>needs</a:t>
-            </a:r>
-            <a:r>
-              <a:rPr lang="fr-FR" sz="2800" dirty="0" smtClean="0"/>
-              <a:t> </a:t>
-            </a:r>
-            <a:r>
-              <a:rPr lang="fr-FR" sz="2800" b="1" dirty="0" err="1">
-                <a:solidFill>
-                  <a:schemeClr val="accent6">
-                    <a:lumMod val="75000"/>
-                  </a:schemeClr>
-                </a:solidFill>
-              </a:rPr>
-              <a:t>another</a:t>
-            </a:r>
-            <a:r>
-              <a:rPr lang="fr-FR" sz="2800" b="1" dirty="0">
-                <a:solidFill>
-                  <a:schemeClr val="accent6">
-                    <a:lumMod val="75000"/>
-                  </a:schemeClr>
-                </a:solidFill>
-              </a:rPr>
-              <a:t> tutorial (?)</a:t>
-            </a:r>
-          </a:p>
-        </p:txBody>
-      </p:sp>
     </p:spTree>
     <p:extLst>
       <p:ext uri="{BB962C8B-B14F-4D97-AF65-F5344CB8AC3E}">
-        <p14:creationId xmlns:p14="http://schemas.microsoft.com/office/powerpoint/2010/main" val="711349996"/>
+        <p14:creationId xmlns:p14="http://schemas.microsoft.com/office/powerpoint/2010/main" val="1178945459"/>
       </p:ext>
     </p:extLst>
   </p:cSld>
@@ -4432,171 +4408,6 @@
           <a:chExt cx="0" cy="0"/>
         </a:xfrm>
       </p:grpSpPr>
-      <p:sp>
-        <p:nvSpPr>
-          <p:cNvPr id="3" name="ZoneTexte 2"/>
-          <p:cNvSpPr txBox="1"/>
-          <p:nvPr/>
-        </p:nvSpPr>
-        <p:spPr>
-          <a:xfrm>
-            <a:off x="16804" y="-2963"/>
-            <a:ext cx="9506859" cy="769441"/>
-          </a:xfrm>
-          <a:prstGeom prst="rect">
-            <a:avLst/>
-          </a:prstGeom>
-          <a:noFill/>
-        </p:spPr>
-        <p:txBody>
-          <a:bodyPr wrap="square" rtlCol="0">
-            <a:spAutoFit/>
-          </a:bodyPr>
-          <a:lstStyle/>
-          <a:p>
-            <a:r>
-              <a:rPr lang="en-CA" sz="4400" dirty="0" smtClean="0">
-                <a:solidFill>
-                  <a:schemeClr val="accent2">
-                    <a:lumMod val="75000"/>
-                  </a:schemeClr>
-                </a:solidFill>
-              </a:rPr>
-              <a:t>Use a template</a:t>
-            </a:r>
-            <a:endParaRPr lang="en-CA" sz="4400" dirty="0">
-              <a:solidFill>
-                <a:schemeClr val="accent2">
-                  <a:lumMod val="75000"/>
-                </a:schemeClr>
-              </a:solidFill>
-            </a:endParaRPr>
-          </a:p>
-        </p:txBody>
-      </p:sp>
-      <p:sp>
-        <p:nvSpPr>
-          <p:cNvPr id="5" name="ZoneTexte 4"/>
-          <p:cNvSpPr txBox="1"/>
-          <p:nvPr/>
-        </p:nvSpPr>
-        <p:spPr>
-          <a:xfrm>
-            <a:off x="1122946" y="866275"/>
-            <a:ext cx="8293769" cy="523220"/>
-          </a:xfrm>
-          <a:prstGeom prst="rect">
-            <a:avLst/>
-          </a:prstGeom>
-          <a:noFill/>
-        </p:spPr>
-        <p:txBody>
-          <a:bodyPr wrap="square" rtlCol="0">
-            <a:spAutoFit/>
-          </a:bodyPr>
-          <a:lstStyle/>
-          <a:p>
-            <a:pPr marL="285750" indent="-285750">
-              <a:buFont typeface="Arial" charset="0"/>
-              <a:buChar char="•"/>
-            </a:pPr>
-            <a:r>
-              <a:rPr lang="fr-FR" sz="2800" dirty="0" smtClean="0"/>
-              <a:t>The PCTG </a:t>
-            </a:r>
-            <a:r>
-              <a:rPr lang="fr-FR" sz="2800" dirty="0" err="1" smtClean="0"/>
-              <a:t>template</a:t>
-            </a:r>
-            <a:r>
-              <a:rPr lang="fr-FR" sz="2800" dirty="0" smtClean="0"/>
-              <a:t>: </a:t>
-            </a:r>
-            <a:r>
-              <a:rPr lang="fr-FR" sz="2800" dirty="0" smtClean="0">
-                <a:hlinkClick r:id="rId2"/>
-              </a:rPr>
-              <a:t>www.github.com/holtzy/epuRate</a:t>
-            </a:r>
-            <a:r>
-              <a:rPr lang="fr-FR" sz="2800" dirty="0" smtClean="0"/>
-              <a:t>  </a:t>
-            </a:r>
-          </a:p>
-        </p:txBody>
-      </p:sp>
-      <p:pic>
-        <p:nvPicPr>
-          <p:cNvPr id="2" name="Image 1"/>
-          <p:cNvPicPr>
-            <a:picLocks noChangeAspect="1"/>
-          </p:cNvPicPr>
-          <p:nvPr/>
-        </p:nvPicPr>
-        <p:blipFill>
-          <a:blip r:embed="rId3"/>
-          <a:stretch>
-            <a:fillRect/>
-          </a:stretch>
-        </p:blipFill>
-        <p:spPr>
-          <a:xfrm>
-            <a:off x="1536030" y="1837157"/>
-            <a:ext cx="5006734" cy="1515644"/>
-          </a:xfrm>
-          <a:prstGeom prst="rect">
-            <a:avLst/>
-          </a:prstGeom>
-        </p:spPr>
-      </p:pic>
-      <p:pic>
-        <p:nvPicPr>
-          <p:cNvPr id="6" name="Image 5"/>
-          <p:cNvPicPr>
-            <a:picLocks noChangeAspect="1"/>
-          </p:cNvPicPr>
-          <p:nvPr/>
-        </p:nvPicPr>
-        <p:blipFill>
-          <a:blip r:embed="rId4"/>
-          <a:stretch>
-            <a:fillRect/>
-          </a:stretch>
-        </p:blipFill>
-        <p:spPr>
-          <a:xfrm>
-            <a:off x="1171072" y="5227100"/>
-            <a:ext cx="292100" cy="241300"/>
-          </a:xfrm>
-          <a:prstGeom prst="rect">
-            <a:avLst/>
-          </a:prstGeom>
-        </p:spPr>
-      </p:pic>
-      <p:pic>
-        <p:nvPicPr>
-          <p:cNvPr id="7" name="Image 6"/>
-          <p:cNvPicPr>
-            <a:picLocks noChangeAspect="1"/>
-          </p:cNvPicPr>
-          <p:nvPr/>
-        </p:nvPicPr>
-        <p:blipFill>
-          <a:blip r:embed="rId5"/>
-          <a:stretch>
-            <a:fillRect/>
-          </a:stretch>
-        </p:blipFill>
-        <p:spPr>
-          <a:xfrm>
-            <a:off x="1681747" y="3739147"/>
-            <a:ext cx="6807200" cy="2844800"/>
-          </a:xfrm>
-          <a:prstGeom prst="rect">
-            <a:avLst/>
-          </a:prstGeom>
-        </p:spPr>
-      </p:pic>
       <p:pic>
         <p:nvPicPr>
           <p:cNvPr id="8" name="Image 7"/>
@@ -4606,25 +4417,99 @@
           <p:nvPr/>
         </p:nvPicPr>
         <p:blipFill>
-          <a:blip r:embed="rId4"/>
+          <a:blip r:embed="rId2">
+            <a:alphaModFix amt="24000"/>
+            <a:extLst>
+              <a:ext uri="{28A0092B-C50C-407E-A947-70E740481C1C}">
+                <a14:useLocalDpi xmlns:a14="http://schemas.microsoft.com/office/drawing/2010/main" val="0"/>
+              </a:ext>
+            </a:extLst>
+          </a:blip>
           <a:stretch>
             <a:fillRect/>
           </a:stretch>
         </p:blipFill>
         <p:spPr>
           <a:xfrm>
-            <a:off x="1130968" y="2620258"/>
-            <a:ext cx="292100" cy="241300"/>
+            <a:off x="-2411662" y="16042"/>
+            <a:ext cx="17808514" cy="6858000"/>
           </a:xfrm>
           <a:prstGeom prst="rect">
             <a:avLst/>
           </a:prstGeom>
         </p:spPr>
       </p:pic>
+      <p:cxnSp>
+        <p:nvCxnSpPr>
+          <p:cNvPr id="9" name="Connecteur droit 8"/>
+          <p:cNvCxnSpPr/>
+          <p:nvPr/>
+        </p:nvCxnSpPr>
+        <p:spPr>
+          <a:xfrm>
+            <a:off x="3676696" y="3686627"/>
+            <a:ext cx="4702626" cy="0"/>
+          </a:xfrm>
+          <a:prstGeom prst="line">
+            <a:avLst/>
+          </a:prstGeom>
+          <a:ln>
+            <a:solidFill>
+              <a:schemeClr val="bg2">
+                <a:lumMod val="50000"/>
+              </a:schemeClr>
+            </a:solidFill>
+          </a:ln>
+        </p:spPr>
+        <p:style>
+          <a:lnRef idx="1">
+            <a:schemeClr val="accent1"/>
+          </a:lnRef>
+          <a:fillRef idx="0">
+            <a:schemeClr val="accent1"/>
+          </a:fillRef>
+          <a:effectRef idx="0">
+            <a:schemeClr val="accent1"/>
+          </a:effectRef>
+          <a:fontRef idx="minor">
+            <a:schemeClr val="tx1"/>
+          </a:fontRef>
+        </p:style>
+      </p:cxnSp>
+      <p:sp>
+        <p:nvSpPr>
+          <p:cNvPr id="10" name="ZoneTexte 9"/>
+          <p:cNvSpPr txBox="1"/>
+          <p:nvPr/>
+        </p:nvSpPr>
+        <p:spPr>
+          <a:xfrm>
+            <a:off x="5273267" y="2798711"/>
+            <a:ext cx="4814161" cy="646331"/>
+          </a:xfrm>
+          <a:prstGeom prst="rect">
+            <a:avLst/>
+          </a:prstGeom>
+          <a:noFill/>
+        </p:spPr>
+        <p:txBody>
+          <a:bodyPr wrap="square" rtlCol="0">
+            <a:spAutoFit/>
+          </a:bodyPr>
+          <a:lstStyle/>
+          <a:p>
+            <a:r>
+              <a:rPr lang="fr-FR" sz="3600" smtClean="0"/>
+              <a:t>Header</a:t>
+            </a:r>
+            <a:endParaRPr lang="fr-FR" sz="3600" dirty="0"/>
+          </a:p>
+        </p:txBody>
+      </p:sp>
     </p:spTree>
     <p:extLst>
       <p:ext uri="{BB962C8B-B14F-4D97-AF65-F5344CB8AC3E}">
-        <p14:creationId xmlns:p14="http://schemas.microsoft.com/office/powerpoint/2010/main" val="26843591"/>
+        <p14:creationId xmlns:p14="http://schemas.microsoft.com/office/powerpoint/2010/main" val="1415638840"/>
       </p:ext>
     </p:extLst>
   </p:cSld>
@@ -4658,6 +4543,64 @@
           <a:chExt cx="0" cy="0"/>
         </a:xfrm>
       </p:grpSpPr>
+      <p:pic>
+        <p:nvPicPr>
+          <p:cNvPr id="5" name="Image 4"/>
+          <p:cNvPicPr>
+            <a:picLocks noChangeAspect="1"/>
+          </p:cNvPicPr>
+          <p:nvPr/>
+        </p:nvPicPr>
+        <p:blipFill>
+          <a:blip r:embed="rId2"/>
+          <a:stretch>
+            <a:fillRect/>
+          </a:stretch>
+        </p:blipFill>
+        <p:spPr>
+          <a:xfrm>
+            <a:off x="369970" y="2211470"/>
+            <a:ext cx="2950746" cy="2409063"/>
+          </a:xfrm>
+          <a:prstGeom prst="rect">
+            <a:avLst/>
+          </a:prstGeom>
+          <a:ln w="34925">
+            <a:solidFill>
+              <a:schemeClr val="tx1"/>
+            </a:solidFill>
+          </a:ln>
+        </p:spPr>
+      </p:pic>
+      <p:pic>
+        <p:nvPicPr>
+          <p:cNvPr id="2" name="Image 1"/>
+          <p:cNvPicPr>
+            <a:picLocks noChangeAspect="1"/>
+          </p:cNvPicPr>
+          <p:nvPr/>
+        </p:nvPicPr>
+        <p:blipFill>
+          <a:blip r:embed="rId3"/>
+          <a:stretch>
+            <a:fillRect/>
+          </a:stretch>
+        </p:blipFill>
+        <p:spPr>
+          <a:xfrm>
+            <a:off x="3985673" y="1201938"/>
+            <a:ext cx="8048598" cy="5217769"/>
+          </a:xfrm>
+          <a:prstGeom prst="rect">
+            <a:avLst/>
+          </a:prstGeom>
+          <a:ln w="34925">
+            <a:solidFill>
+              <a:schemeClr val="tx1"/>
+            </a:solidFill>
+          </a:ln>
+        </p:spPr>
+      </p:pic>
       <p:sp>
         <p:nvSpPr>
           <p:cNvPr id="3" name="ZoneTexte 2"/>
@@ -4666,7 +4609,7 @@
         </p:nvSpPr>
         <p:spPr>
           <a:xfrm>
-            <a:off x="16804" y="-2963"/>
+            <a:off x="145140" y="109331"/>
             <a:ext cx="9506859" cy="769441"/>
           </a:xfrm>
           <a:prstGeom prst="rect">
@@ -4688,17 +4631,7 @@
                   </a:schemeClr>
                 </a:solidFill>
               </a:rPr>
-              <a:t>Pimp my .</a:t>
-            </a:r>
-            <a:r>
-              <a:rPr lang="en-CA" sz="4400" dirty="0" err="1" smtClean="0">
-                <a:solidFill>
-                  <a:schemeClr val="accent2">
-                    <a:lumMod val="75000"/>
-                  </a:schemeClr>
-                </a:solidFill>
-              </a:rPr>
-              <a:t>Rmd</a:t>
+              <a:t>Anatomy of the header:</a:t>
             </a:r>
             <a:endParaRPr lang="en-CA" sz="4400" dirty="0">
               <a:solidFill>
@@ -4710,142 +4643,118 @@
           </a:p>
         </p:txBody>
       </p:sp>
-      <p:sp>
-        <p:nvSpPr>
-          <p:cNvPr id="4" name="ZoneTexte 3"/>
-          <p:cNvSpPr txBox="1"/>
-          <p:nvPr/>
-        </p:nvSpPr>
-        <p:spPr>
-          <a:xfrm>
-            <a:off x="2614863" y="1507958"/>
-            <a:ext cx="5261810" cy="3970318"/>
-          </a:xfrm>
-          <a:prstGeom prst="rect">
-            <a:avLst/>
-          </a:prstGeom>
-          <a:noFill/>
-        </p:spPr>
-        <p:txBody>
-          <a:bodyPr wrap="square" rtlCol="0">
-            <a:spAutoFit/>
-          </a:bodyPr>
-          <a:lstStyle/>
-          <a:p>
-            <a:pPr marL="285750" indent="-285750">
-              <a:buFont typeface="Arial" charset="0"/>
-              <a:buChar char="•"/>
-            </a:pPr>
-            <a:r>
-              <a:rPr lang="fr-FR" sz="2800" dirty="0">
-                <a:hlinkClick r:id="rId2"/>
-              </a:rPr>
-              <a:t>holtzy.github.io/Pimp-my-rmd</a:t>
-            </a:r>
-            <a:r>
-              <a:rPr lang="fr-FR" sz="2800" dirty="0" smtClean="0">
-                <a:hlinkClick r:id="rId2"/>
-              </a:rPr>
-              <a:t>/</a:t>
-            </a:r>
-            <a:endParaRPr lang="fr-FR" sz="2800" dirty="0" smtClean="0"/>
-          </a:p>
-          <a:p>
-            <a:pPr marL="285750" indent="-285750">
-              <a:buFont typeface="Arial" charset="0"/>
-              <a:buChar char="•"/>
-            </a:pPr>
-            <a:endParaRPr lang="fr-FR" sz="2800" dirty="0"/>
-          </a:p>
-          <a:p>
-            <a:pPr marL="285750" indent="-285750">
-              <a:buFont typeface="Arial" charset="0"/>
-              <a:buChar char="•"/>
-            </a:pPr>
-            <a:r>
-              <a:rPr lang="fr-FR" sz="2800" dirty="0" err="1" smtClean="0"/>
-              <a:t>Everything</a:t>
-            </a:r>
-            <a:r>
-              <a:rPr lang="fr-FR" sz="2800" dirty="0" smtClean="0"/>
-              <a:t> </a:t>
-            </a:r>
-            <a:r>
-              <a:rPr lang="fr-FR" sz="2800" dirty="0" err="1" smtClean="0"/>
-              <a:t>is</a:t>
-            </a:r>
-            <a:r>
-              <a:rPr lang="fr-FR" sz="2800" dirty="0" smtClean="0"/>
-              <a:t> possible</a:t>
-            </a:r>
-          </a:p>
-          <a:p>
-            <a:pPr marL="285750" indent="-285750">
-              <a:buFont typeface="Arial" charset="0"/>
-              <a:buChar char="•"/>
-            </a:pPr>
-            <a:endParaRPr lang="fr-FR" sz="2800" dirty="0"/>
-          </a:p>
-          <a:p>
-            <a:pPr marL="285750" indent="-285750">
-              <a:buFont typeface="Arial" charset="0"/>
-              <a:buChar char="•"/>
-            </a:pPr>
-            <a:r>
-              <a:rPr lang="fr-FR" sz="2800" dirty="0" smtClean="0"/>
-              <a:t>Use CSS and HTML code</a:t>
-            </a:r>
-          </a:p>
-          <a:p>
-            <a:pPr marL="285750" indent="-285750">
-              <a:buFont typeface="Arial" charset="0"/>
-              <a:buChar char="•"/>
-            </a:pPr>
-            <a:endParaRPr lang="fr-FR" sz="2800" dirty="0"/>
-          </a:p>
-          <a:p>
-            <a:pPr marL="285750" indent="-285750">
-              <a:buFont typeface="Arial" charset="0"/>
-              <a:buChar char="•"/>
-            </a:pPr>
-            <a:r>
-              <a:rPr lang="fr-FR" sz="2800" dirty="0" err="1" smtClean="0"/>
-              <a:t>Add</a:t>
-            </a:r>
-            <a:r>
-              <a:rPr lang="fr-FR" sz="2800" dirty="0" smtClean="0"/>
-              <a:t> header and </a:t>
-            </a:r>
-            <a:r>
-              <a:rPr lang="fr-FR" sz="2800" dirty="0" err="1" smtClean="0"/>
-              <a:t>footer</a:t>
-            </a:r>
-            <a:endParaRPr lang="fr-FR" sz="2800" dirty="0" smtClean="0"/>
-          </a:p>
-          <a:p>
-            <a:pPr marL="285750" indent="-285750">
-              <a:buFont typeface="Arial" charset="0"/>
-              <a:buChar char="•"/>
-            </a:pPr>
-            <a:endParaRPr lang="fr-FR" sz="2800" dirty="0"/>
-          </a:p>
-          <a:p>
-            <a:pPr marL="285750" indent="-285750">
-              <a:buFont typeface="Arial" charset="0"/>
-              <a:buChar char="•"/>
-            </a:pPr>
-            <a:r>
-              <a:rPr lang="fr-FR" sz="2800" dirty="0" smtClean="0"/>
-              <a:t>More</a:t>
-            </a:r>
-            <a:endParaRPr lang="fr-FR" sz="2800" dirty="0"/>
-          </a:p>
-        </p:txBody>
-      </p:sp>
+      <p:cxnSp>
+        <p:nvCxnSpPr>
+          <p:cNvPr id="9" name="Connecteur droit avec flèche 8"/>
+          <p:cNvCxnSpPr/>
+          <p:nvPr/>
+        </p:nvCxnSpPr>
+        <p:spPr>
+          <a:xfrm flipV="1">
+            <a:off x="2005764" y="2422358"/>
+            <a:ext cx="2261436" cy="1324298"/>
+          </a:xfrm>
+          <a:prstGeom prst="straightConnector1">
+            <a:avLst/>
+          </a:prstGeom>
+          <a:ln w="50800">
+            <a:solidFill>
+              <a:srgbClr val="FF0000"/>
+            </a:solidFill>
+            <a:tailEnd type="triangle"/>
+          </a:ln>
+        </p:spPr>
+        <p:style>
+          <a:lnRef idx="1">
+            <a:schemeClr val="accent1"/>
+          </a:lnRef>
+          <a:fillRef idx="0">
+            <a:schemeClr val="accent1"/>
+          </a:fillRef>
+          <a:effectRef idx="0">
+            <a:schemeClr val="accent1"/>
+          </a:effectRef>
+          <a:fontRef idx="minor">
+            <a:schemeClr val="tx1"/>
+          </a:fontRef>
+        </p:style>
+      </p:cxnSp>
+      <p:cxnSp>
+        <p:nvCxnSpPr>
+          <p:cNvPr id="23" name="Connecteur droit avec flèche 22"/>
+          <p:cNvCxnSpPr/>
+          <p:nvPr/>
+        </p:nvCxnSpPr>
+        <p:spPr>
+          <a:xfrm>
+            <a:off x="3136482" y="3957544"/>
+            <a:ext cx="8269455" cy="1121810"/>
+          </a:xfrm>
+          <a:prstGeom prst="straightConnector1">
+            <a:avLst/>
+          </a:prstGeom>
+          <a:ln w="50800">
+            <a:solidFill>
+              <a:srgbClr val="FF0000"/>
+            </a:solidFill>
+            <a:tailEnd type="triangle"/>
+          </a:ln>
+        </p:spPr>
+        <p:style>
+          <a:lnRef idx="1">
+            <a:schemeClr val="accent1"/>
+          </a:lnRef>
+          <a:fillRef idx="0">
+            <a:schemeClr val="accent1"/>
+          </a:fillRef>
+          <a:effectRef idx="0">
+            <a:schemeClr val="accent1"/>
+          </a:effectRef>
+          <a:fontRef idx="minor">
+            <a:schemeClr val="tx1"/>
+          </a:fontRef>
+        </p:style>
+      </p:cxnSp>
+      <p:cxnSp>
+        <p:nvCxnSpPr>
+          <p:cNvPr id="24" name="Connecteur droit avec flèche 23"/>
+          <p:cNvCxnSpPr/>
+          <p:nvPr/>
+        </p:nvCxnSpPr>
+        <p:spPr>
+          <a:xfrm>
+            <a:off x="3136481" y="4226708"/>
+            <a:ext cx="1130719" cy="269859"/>
+          </a:xfrm>
+          <a:prstGeom prst="straightConnector1">
+            <a:avLst/>
+          </a:prstGeom>
+          <a:ln w="50800">
+            <a:solidFill>
+              <a:srgbClr val="FF0000"/>
+            </a:solidFill>
+            <a:tailEnd type="triangle"/>
+          </a:ln>
+        </p:spPr>
+        <p:style>
+          <a:lnRef idx="1">
+            <a:schemeClr val="accent1"/>
+          </a:lnRef>
+          <a:fillRef idx="0">
+            <a:schemeClr val="accent1"/>
+          </a:fillRef>
+          <a:effectRef idx="0">
+            <a:schemeClr val="accent1"/>
+          </a:effectRef>
+          <a:fontRef idx="minor">
+            <a:schemeClr val="tx1"/>
+          </a:fontRef>
+        </p:style>
+      </p:cxnSp>
     </p:spTree>
     <p:extLst>
       <p:ext uri="{BB962C8B-B14F-4D97-AF65-F5344CB8AC3E}">
-        <p14:creationId xmlns:p14="http://schemas.microsoft.com/office/powerpoint/2010/main" val="712497051"/>
+        <p14:creationId xmlns:p14="http://schemas.microsoft.com/office/powerpoint/2010/main" val="772918118"/>
       </p:ext>
     </p:extLst>
   </p:cSld>
@@ -4879,6 +4788,30 @@
           <a:chExt cx="0" cy="0"/>
         </a:xfrm>
       </p:grpSpPr>
+      <p:pic>
+        <p:nvPicPr>
+          <p:cNvPr id="11" name="Image 10"/>
+          <p:cNvPicPr>
+            <a:picLocks noChangeAspect="1"/>
+          </p:cNvPicPr>
+          <p:nvPr/>
+        </p:nvPicPr>
+        <p:blipFill>
+          <a:blip r:embed="rId2"/>
+          <a:stretch>
+            <a:fillRect/>
+          </a:stretch>
+        </p:blipFill>
+        <p:spPr>
+          <a:xfrm>
+            <a:off x="1285707" y="3008982"/>
+            <a:ext cx="9419443" cy="3600365"/>
+          </a:xfrm>
+          <a:prstGeom prst="rect">
+            <a:avLst/>
+          </a:prstGeom>
+        </p:spPr>
+      </p:pic>
       <p:sp>
         <p:nvSpPr>
           <p:cNvPr id="3" name="ZoneTexte 2"/>
@@ -4887,7 +4820,7 @@
         </p:nvSpPr>
         <p:spPr>
           <a:xfrm>
-            <a:off x="16804" y="-2963"/>
+            <a:off x="145140" y="109331"/>
             <a:ext cx="9506859" cy="769441"/>
           </a:xfrm>
           <a:prstGeom prst="rect">
@@ -4909,7 +4842,7 @@
                   </a:schemeClr>
                 </a:solidFill>
               </a:rPr>
-              <a:t>Output format?</a:t>
+              <a:t>Insert a table: the DT library</a:t>
             </a:r>
             <a:endParaRPr lang="en-CA" sz="4400" dirty="0">
               <a:solidFill>
@@ -4930,31 +4863,67 @@
           <p:nvPr/>
         </p:nvPicPr>
         <p:blipFill>
-          <a:blip r:embed="rId2"/>
+          <a:blip r:embed="rId3"/>
           <a:stretch>
             <a:fillRect/>
           </a:stretch>
         </p:blipFill>
         <p:spPr>
           <a:xfrm>
-            <a:off x="2273968" y="590015"/>
-            <a:ext cx="7126706" cy="6111342"/>
+            <a:off x="145140" y="1208581"/>
+            <a:ext cx="11838313" cy="1247063"/>
           </a:xfrm>
           <a:prstGeom prst="rect">
             <a:avLst/>
           </a:prstGeom>
         </p:spPr>
       </p:pic>
-      <p:sp>
-        <p:nvSpPr>
-          <p:cNvPr id="9" name="ZoneTexte 8"/>
+      <p:cxnSp>
+        <p:nvCxnSpPr>
+          <p:cNvPr id="24" name="Connecteur droit avec flèche 23"/>
+          <p:cNvCxnSpPr/>
+          <p:nvPr/>
+        </p:nvCxnSpPr>
+        <p:spPr>
+          <a:xfrm>
+            <a:off x="5494421" y="2146930"/>
+            <a:ext cx="1147011" cy="2056102"/>
+          </a:xfrm>
+          <a:prstGeom prst="straightConnector1">
+            <a:avLst/>
+          </a:prstGeom>
+          <a:ln w="50800">
+            <a:solidFill>
+              <a:srgbClr val="FF0000"/>
+            </a:solidFill>
+            <a:tailEnd type="triangle"/>
+          </a:ln>
+        </p:spPr>
+        <p:style>
+          <a:lnRef idx="1">
+            <a:schemeClr val="accent1"/>
+          </a:lnRef>
+          <a:fillRef idx="0">
+            <a:schemeClr val="accent1"/>
+          </a:fillRef>
+          <a:effectRef idx="0">
+            <a:schemeClr val="accent1"/>
+          </a:effectRef>
+          <a:fontRef idx="minor">
+            <a:schemeClr val="tx1"/>
+          </a:fontRef>
+        </p:style>
+      </p:cxnSp>
+      <p:sp>
+        <p:nvSpPr>
+          <p:cNvPr id="12" name="ZoneTexte 11"/>
           <p:cNvSpPr txBox="1"/>
           <p:nvPr/>
         </p:nvSpPr>
         <p:spPr>
           <a:xfrm>
-            <a:off x="1862221" y="1917121"/>
-            <a:ext cx="1779337" cy="400110"/>
+            <a:off x="114633" y="2467095"/>
+            <a:ext cx="1171074" cy="707886"/>
           </a:xfrm>
           <a:prstGeom prst="rect">
             <a:avLst/>
@@ -4973,236 +4942,51 @@
                   <a:srgbClr val="FF0000"/>
                 </a:solidFill>
               </a:rPr>
-              <a:t>Word .doc</a:t>
-            </a:r>
-          </a:p>
-        </p:txBody>
-      </p:sp>
-      <p:sp>
-        <p:nvSpPr>
-          <p:cNvPr id="10" name="ZoneTexte 9"/>
-          <p:cNvSpPr txBox="1"/>
-          <p:nvPr/>
-        </p:nvSpPr>
-        <p:spPr>
-          <a:xfrm>
-            <a:off x="8200860" y="1717066"/>
-            <a:ext cx="814803" cy="400110"/>
-          </a:xfrm>
-          <a:prstGeom prst="rect">
-            <a:avLst/>
-          </a:prstGeom>
-          <a:noFill/>
-        </p:spPr>
-        <p:txBody>
-          <a:bodyPr wrap="square" rtlCol="0">
-            <a:spAutoFit/>
-          </a:bodyPr>
-          <a:lstStyle/>
-          <a:p>
-            <a:r>
-              <a:rPr lang="fr-FR" sz="2000" b="1" dirty="0" smtClean="0">
-                <a:solidFill>
-                  <a:srgbClr val="FF0000"/>
-                </a:solidFill>
-              </a:rPr>
-              <a:t>.</a:t>
-            </a:r>
-            <a:r>
-              <a:rPr lang="fr-FR" sz="2000" b="1" dirty="0" err="1" smtClean="0">
-                <a:solidFill>
-                  <a:srgbClr val="FF0000"/>
-                </a:solidFill>
-              </a:rPr>
-              <a:t>pdf</a:t>
-            </a:r>
-            <a:endParaRPr lang="fr-FR" sz="2000" b="1" dirty="0" smtClean="0">
-              <a:solidFill>
-                <a:srgbClr val="FF0000"/>
-              </a:solidFill>
-            </a:endParaRPr>
-          </a:p>
-        </p:txBody>
-      </p:sp>
-      <p:sp>
-        <p:nvSpPr>
-          <p:cNvPr id="11" name="ZoneTexte 10"/>
-          <p:cNvSpPr txBox="1"/>
-          <p:nvPr/>
-        </p:nvSpPr>
-        <p:spPr>
-          <a:xfrm>
-            <a:off x="5273176" y="93471"/>
-            <a:ext cx="814803" cy="400110"/>
-          </a:xfrm>
-          <a:prstGeom prst="rect">
-            <a:avLst/>
-          </a:prstGeom>
-          <a:noFill/>
-        </p:spPr>
-        <p:txBody>
-          <a:bodyPr wrap="square" rtlCol="0">
-            <a:spAutoFit/>
-          </a:bodyPr>
-          <a:lstStyle/>
-          <a:p>
-            <a:r>
-              <a:rPr lang="fr-FR" sz="2000" b="1" dirty="0" smtClean="0">
-                <a:solidFill>
-                  <a:srgbClr val="FF0000"/>
-                </a:solidFill>
-              </a:rPr>
-              <a:t>Book</a:t>
-            </a:r>
-          </a:p>
-        </p:txBody>
-      </p:sp>
-      <p:sp>
-        <p:nvSpPr>
-          <p:cNvPr id="12" name="ZoneTexte 11"/>
-          <p:cNvSpPr txBox="1"/>
-          <p:nvPr/>
-        </p:nvSpPr>
-        <p:spPr>
-          <a:xfrm>
-            <a:off x="8993272" y="3333807"/>
-            <a:ext cx="1161381" cy="400110"/>
-          </a:xfrm>
-          <a:prstGeom prst="rect">
-            <a:avLst/>
-          </a:prstGeom>
-          <a:noFill/>
-        </p:spPr>
-        <p:txBody>
-          <a:bodyPr wrap="square" rtlCol="0">
-            <a:spAutoFit/>
-          </a:bodyPr>
-          <a:lstStyle/>
-          <a:p>
-            <a:r>
-              <a:rPr lang="fr-FR" sz="2000" b="1" dirty="0" smtClean="0">
-                <a:solidFill>
-                  <a:srgbClr val="FF0000"/>
-                </a:solidFill>
-              </a:rPr>
-              <a:t>Template</a:t>
-            </a:r>
-          </a:p>
-        </p:txBody>
-      </p:sp>
-      <p:sp>
-        <p:nvSpPr>
-          <p:cNvPr id="13" name="ZoneTexte 12"/>
-          <p:cNvSpPr txBox="1"/>
-          <p:nvPr/>
-        </p:nvSpPr>
-        <p:spPr>
-          <a:xfrm>
-            <a:off x="1299411" y="3333807"/>
-            <a:ext cx="1452479" cy="400110"/>
-          </a:xfrm>
-          <a:prstGeom prst="rect">
-            <a:avLst/>
-          </a:prstGeom>
-          <a:noFill/>
-        </p:spPr>
-        <p:txBody>
-          <a:bodyPr wrap="square" rtlCol="0">
-            <a:spAutoFit/>
-          </a:bodyPr>
-          <a:lstStyle/>
-          <a:p>
-            <a:r>
-              <a:rPr lang="fr-FR" sz="2000" b="1" smtClean="0">
-                <a:solidFill>
-                  <a:srgbClr val="FF0000"/>
-                </a:solidFill>
-              </a:rPr>
-              <a:t>Dashboard</a:t>
-            </a:r>
-            <a:endParaRPr lang="fr-FR" sz="2000" b="1" dirty="0" smtClean="0">
-              <a:solidFill>
-                <a:srgbClr val="FF0000"/>
-              </a:solidFill>
-            </a:endParaRPr>
-          </a:p>
-        </p:txBody>
-      </p:sp>
-      <p:sp>
-        <p:nvSpPr>
-          <p:cNvPr id="14" name="ZoneTexte 13"/>
-          <p:cNvSpPr txBox="1"/>
-          <p:nvPr/>
-        </p:nvSpPr>
-        <p:spPr>
-          <a:xfrm>
-            <a:off x="2150979" y="4817527"/>
-            <a:ext cx="1452479" cy="400110"/>
-          </a:xfrm>
-          <a:prstGeom prst="rect">
-            <a:avLst/>
-          </a:prstGeom>
-          <a:noFill/>
-        </p:spPr>
-        <p:txBody>
-          <a:bodyPr wrap="square" rtlCol="0">
-            <a:spAutoFit/>
-          </a:bodyPr>
-          <a:lstStyle/>
-          <a:p>
-            <a:r>
-              <a:rPr lang="fr-FR" sz="2000" b="1" dirty="0" smtClean="0">
-                <a:solidFill>
-                  <a:srgbClr val="FF0000"/>
-                </a:solidFill>
-              </a:rPr>
-              <a:t>Slides</a:t>
-            </a:r>
-          </a:p>
-        </p:txBody>
-      </p:sp>
-      <p:sp>
-        <p:nvSpPr>
-          <p:cNvPr id="15" name="ZoneTexte 14"/>
-          <p:cNvSpPr txBox="1"/>
-          <p:nvPr/>
-        </p:nvSpPr>
-        <p:spPr>
-          <a:xfrm>
-            <a:off x="5507288" y="6397681"/>
-            <a:ext cx="1161381" cy="400110"/>
-          </a:xfrm>
-          <a:prstGeom prst="rect">
-            <a:avLst/>
-          </a:prstGeom>
-          <a:noFill/>
-        </p:spPr>
-        <p:txBody>
-          <a:bodyPr wrap="square" rtlCol="0">
-            <a:spAutoFit/>
-          </a:bodyPr>
-          <a:lstStyle/>
-          <a:p>
-            <a:r>
-              <a:rPr lang="fr-FR" sz="2000" b="1" smtClean="0">
-                <a:solidFill>
-                  <a:srgbClr val="FF0000"/>
-                </a:solidFill>
-              </a:rPr>
-              <a:t>Blog</a:t>
-            </a:r>
-            <a:endParaRPr lang="fr-FR" sz="2000" b="1" dirty="0" smtClean="0">
-              <a:solidFill>
-                <a:srgbClr val="FF0000"/>
-              </a:solidFill>
-            </a:endParaRPr>
-          </a:p>
-        </p:txBody>
-      </p:sp>
+              <a:t>Data frame</a:t>
+            </a:r>
+          </a:p>
+        </p:txBody>
+      </p:sp>
+      <p:cxnSp>
+        <p:nvCxnSpPr>
+          <p:cNvPr id="17" name="Connecteur droit avec flèche 16"/>
+          <p:cNvCxnSpPr/>
+          <p:nvPr/>
+        </p:nvCxnSpPr>
+        <p:spPr>
+          <a:xfrm flipV="1">
+            <a:off x="1171074" y="2146930"/>
+            <a:ext cx="516020" cy="308714"/>
+          </a:xfrm>
+          <a:prstGeom prst="straightConnector1">
+            <a:avLst/>
+          </a:prstGeom>
+          <a:ln w="50800">
+            <a:solidFill>
+              <a:srgbClr val="FF0000"/>
+            </a:solidFill>
+            <a:tailEnd type="triangle"/>
+          </a:ln>
+        </p:spPr>
+        <p:style>
+          <a:lnRef idx="1">
+            <a:schemeClr val="accent1"/>
+          </a:lnRef>
+          <a:fillRef idx="0">
+            <a:schemeClr val="accent1"/>
+          </a:fillRef>
+          <a:effectRef idx="0">
+            <a:schemeClr val="accent1"/>
+          </a:effectRef>
+          <a:fontRef idx="minor">
+            <a:schemeClr val="tx1"/>
+          </a:fontRef>
+        </p:style>
+      </p:cxnSp>
     </p:spTree>
     <p:extLst>
       <p:ext uri="{BB962C8B-B14F-4D97-AF65-F5344CB8AC3E}">
-        <p14:creationId xmlns:p14="http://schemas.microsoft.com/office/powerpoint/2010/main" val="341273363"/>
+        <p14:creationId xmlns:p14="http://schemas.microsoft.com/office/powerpoint/2010/main" val="1729119071"/>
       </p:ext>
     </p:extLst>
   </p:cSld>
@@ -5236,6 +5020,54 @@
           <a:chExt cx="0" cy="0"/>
         </a:xfrm>
       </p:grpSpPr>
+      <p:pic>
+        <p:nvPicPr>
+          <p:cNvPr id="2" name="Image 1"/>
+          <p:cNvPicPr>
+            <a:picLocks noChangeAspect="1"/>
+          </p:cNvPicPr>
+          <p:nvPr/>
+        </p:nvPicPr>
+        <p:blipFill>
+          <a:blip r:embed="rId2"/>
+          <a:stretch>
+            <a:fillRect/>
+          </a:stretch>
+        </p:blipFill>
+        <p:spPr>
+          <a:xfrm>
+            <a:off x="145140" y="1208504"/>
+            <a:ext cx="7100762" cy="4871453"/>
+          </a:xfrm>
+          <a:prstGeom prst="rect">
+            <a:avLst/>
+          </a:prstGeom>
+        </p:spPr>
+      </p:pic>
+      <p:pic>
+        <p:nvPicPr>
+          <p:cNvPr id="5" name="Image 4"/>
+          <p:cNvPicPr>
+            <a:picLocks noChangeAspect="1"/>
+          </p:cNvPicPr>
+          <p:nvPr/>
+        </p:nvPicPr>
+        <p:blipFill>
+          <a:blip r:embed="rId3"/>
+          <a:stretch>
+            <a:fillRect/>
+          </a:stretch>
+        </p:blipFill>
+        <p:spPr>
+          <a:xfrm>
+            <a:off x="7658084" y="2085472"/>
+            <a:ext cx="4524520" cy="2775286"/>
+          </a:xfrm>
+          <a:prstGeom prst="rect">
+            <a:avLst/>
+          </a:prstGeom>
+        </p:spPr>
+      </p:pic>
       <p:sp>
         <p:nvSpPr>
           <p:cNvPr id="3" name="ZoneTexte 2"/>
@@ -5266,7 +5098,17 @@
                   </a:schemeClr>
                 </a:solidFill>
               </a:rPr>
-              <a:t>Share your analysis</a:t>
+              <a:t>Use Interactive </a:t>
+            </a:r>
+            <a:r>
+              <a:rPr lang="en-CA" sz="4400" dirty="0" smtClean="0">
+                <a:solidFill>
+                  <a:schemeClr val="accent2">
+                    <a:lumMod val="75000"/>
+                  </a:schemeClr>
+                </a:solidFill>
+              </a:rPr>
+              <a:t>charts</a:t>
             </a:r>
             <a:endParaRPr lang="en-CA" sz="4400" dirty="0">
               <a:solidFill>
@@ -5280,14 +5122,14 @@
       </p:sp>
       <p:sp>
         <p:nvSpPr>
-          <p:cNvPr id="4" name="ZoneTexte 3"/>
+          <p:cNvPr id="12" name="ZoneTexte 11"/>
           <p:cNvSpPr txBox="1"/>
           <p:nvPr/>
         </p:nvSpPr>
         <p:spPr>
           <a:xfrm>
-            <a:off x="1588168" y="1748589"/>
-            <a:ext cx="6978316" cy="3108543"/>
+            <a:off x="3462638" y="2270048"/>
+            <a:ext cx="3989355" cy="400110"/>
           </a:xfrm>
           <a:prstGeom prst="rect">
             <a:avLst/>
@@ -5300,161 +5142,345 @@
           </a:bodyPr>
           <a:lstStyle/>
           <a:p>
-            <a:pPr marL="285750" indent="-285750">
-              <a:buFont typeface="Arial" charset="0"/>
-              <a:buChar char="•"/>
-            </a:pPr>
-            <a:r>
-              <a:rPr lang="fr-FR" sz="2800" dirty="0" smtClean="0"/>
-              <a:t>Mail </a:t>
-            </a:r>
-            <a:r>
-              <a:rPr lang="fr-FR" sz="2800" dirty="0" err="1" smtClean="0"/>
-              <a:t>with</a:t>
-            </a:r>
-            <a:r>
-              <a:rPr lang="fr-FR" sz="2800" dirty="0" smtClean="0"/>
+            <a:r>
+              <a:rPr lang="fr-FR" sz="2000" b="1" dirty="0" err="1" smtClean="0">
+                <a:solidFill>
+                  <a:srgbClr val="FF0000"/>
+                </a:solidFill>
+              </a:rPr>
+              <a:t>Plotly</a:t>
+            </a:r>
+            <a:r>
+              <a:rPr lang="fr-FR" sz="2000" b="1" dirty="0" smtClean="0">
+                <a:solidFill>
+                  <a:srgbClr val="FF0000"/>
+                </a:solidFill>
+              </a:rPr>
               <a:t> </a:t>
             </a:r>
             <a:r>
-              <a:rPr lang="fr-FR" sz="2800" dirty="0" err="1" smtClean="0"/>
-              <a:t>colleagues</a:t>
-            </a:r>
-            <a:r>
-              <a:rPr lang="fr-FR" sz="2800" dirty="0" smtClean="0"/>
-              <a:t>, </a:t>
-            </a:r>
-            <a:r>
-              <a:rPr lang="fr-FR" sz="2800" dirty="0" err="1" smtClean="0"/>
-              <a:t>supervisor</a:t>
-            </a:r>
-            <a:endParaRPr lang="fr-FR" sz="2800" dirty="0" smtClean="0"/>
-          </a:p>
-          <a:p>
-            <a:endParaRPr lang="fr-FR" sz="2800" dirty="0" smtClean="0"/>
-          </a:p>
-          <a:p>
-            <a:pPr marL="285750" indent="-285750">
-              <a:buFont typeface="Arial" charset="0"/>
-              <a:buChar char="•"/>
-            </a:pPr>
-            <a:r>
-              <a:rPr lang="fr-FR" sz="2800" dirty="0" smtClean="0"/>
-              <a:t>Publication as a </a:t>
-            </a:r>
-            <a:r>
-              <a:rPr lang="fr-FR" sz="2800" dirty="0" err="1" smtClean="0"/>
-              <a:t>suplementary</a:t>
-            </a:r>
-            <a:r>
-              <a:rPr lang="fr-FR" sz="2800" dirty="0" smtClean="0"/>
+              <a:rPr lang="fr-FR" sz="2000" b="1" dirty="0" err="1" smtClean="0">
+                <a:solidFill>
+                  <a:srgbClr val="FF0000"/>
+                </a:solidFill>
+              </a:rPr>
+              <a:t>library</a:t>
+            </a:r>
+            <a:endParaRPr lang="fr-FR" sz="2000" b="1" dirty="0" smtClean="0">
+              <a:solidFill>
+                <a:srgbClr val="FF0000"/>
+              </a:solidFill>
+            </a:endParaRPr>
+          </a:p>
+        </p:txBody>
+      </p:sp>
+      <p:cxnSp>
+        <p:nvCxnSpPr>
+          <p:cNvPr id="13" name="Connecteur droit avec flèche 12"/>
+          <p:cNvCxnSpPr/>
+          <p:nvPr/>
+        </p:nvCxnSpPr>
+        <p:spPr>
+          <a:xfrm flipH="1">
+            <a:off x="2630905" y="2510908"/>
+            <a:ext cx="609600" cy="0"/>
+          </a:xfrm>
+          <a:prstGeom prst="straightConnector1">
+            <a:avLst/>
+          </a:prstGeom>
+          <a:ln w="50800">
+            <a:solidFill>
+              <a:srgbClr val="FF0000"/>
+            </a:solidFill>
+            <a:tailEnd type="triangle"/>
+          </a:ln>
+        </p:spPr>
+        <p:style>
+          <a:lnRef idx="1">
+            <a:schemeClr val="accent1"/>
+          </a:lnRef>
+          <a:fillRef idx="0">
+            <a:schemeClr val="accent1"/>
+          </a:fillRef>
+          <a:effectRef idx="0">
+            <a:schemeClr val="accent1"/>
+          </a:effectRef>
+          <a:fontRef idx="minor">
+            <a:schemeClr val="tx1"/>
+          </a:fontRef>
+        </p:style>
+      </p:cxnSp>
+      <p:cxnSp>
+        <p:nvCxnSpPr>
+          <p:cNvPr id="16" name="Connecteur droit avec flèche 15"/>
+          <p:cNvCxnSpPr/>
+          <p:nvPr/>
+        </p:nvCxnSpPr>
+        <p:spPr>
+          <a:xfrm flipH="1">
+            <a:off x="2853038" y="4331687"/>
+            <a:ext cx="609600" cy="0"/>
+          </a:xfrm>
+          <a:prstGeom prst="straightConnector1">
+            <a:avLst/>
+          </a:prstGeom>
+          <a:ln w="50800">
+            <a:solidFill>
+              <a:srgbClr val="FF0000"/>
+            </a:solidFill>
+            <a:tailEnd type="triangle"/>
+          </a:ln>
+        </p:spPr>
+        <p:style>
+          <a:lnRef idx="1">
+            <a:schemeClr val="accent1"/>
+          </a:lnRef>
+          <a:fillRef idx="0">
+            <a:schemeClr val="accent1"/>
+          </a:fillRef>
+          <a:effectRef idx="0">
+            <a:schemeClr val="accent1"/>
+          </a:effectRef>
+          <a:fontRef idx="minor">
+            <a:schemeClr val="tx1"/>
+          </a:fontRef>
+        </p:style>
+      </p:cxnSp>
+      <p:sp>
+        <p:nvSpPr>
+          <p:cNvPr id="18" name="ZoneTexte 17"/>
+          <p:cNvSpPr txBox="1"/>
+          <p:nvPr/>
+        </p:nvSpPr>
+        <p:spPr>
+          <a:xfrm>
+            <a:off x="3695521" y="4019184"/>
+            <a:ext cx="3989355" cy="400110"/>
+          </a:xfrm>
+          <a:prstGeom prst="rect">
+            <a:avLst/>
+          </a:prstGeom>
+          <a:noFill/>
+        </p:spPr>
+        <p:txBody>
+          <a:bodyPr wrap="square" rtlCol="0">
+            <a:spAutoFit/>
+          </a:bodyPr>
+          <a:lstStyle/>
+          <a:p>
+            <a:r>
+              <a:rPr lang="fr-FR" sz="2000" b="1" dirty="0" smtClean="0">
+                <a:solidFill>
+                  <a:srgbClr val="FF0000"/>
+                </a:solidFill>
+              </a:rPr>
+              <a:t>Basic ggplot2 </a:t>
+            </a:r>
+            <a:r>
+              <a:rPr lang="fr-FR" sz="2000" b="1" dirty="0" err="1" smtClean="0">
+                <a:solidFill>
+                  <a:srgbClr val="FF0000"/>
+                </a:solidFill>
+              </a:rPr>
+              <a:t>graphic</a:t>
+            </a:r>
+            <a:endParaRPr lang="fr-FR" sz="2000" b="1" dirty="0" smtClean="0">
+              <a:solidFill>
+                <a:srgbClr val="FF0000"/>
+              </a:solidFill>
+            </a:endParaRPr>
+          </a:p>
+        </p:txBody>
+      </p:sp>
+      <p:sp>
+        <p:nvSpPr>
+          <p:cNvPr id="19" name="ZoneTexte 18"/>
+          <p:cNvSpPr txBox="1"/>
+          <p:nvPr/>
+        </p:nvSpPr>
+        <p:spPr>
+          <a:xfrm>
+            <a:off x="2853038" y="5125243"/>
+            <a:ext cx="3989355" cy="400110"/>
+          </a:xfrm>
+          <a:prstGeom prst="rect">
+            <a:avLst/>
+          </a:prstGeom>
+          <a:noFill/>
+        </p:spPr>
+        <p:txBody>
+          <a:bodyPr wrap="square" rtlCol="0">
+            <a:spAutoFit/>
+          </a:bodyPr>
+          <a:lstStyle/>
+          <a:p>
+            <a:r>
+              <a:rPr lang="fr-FR" sz="2000" b="1" dirty="0" err="1" smtClean="0">
+                <a:solidFill>
+                  <a:srgbClr val="FF0000"/>
+                </a:solidFill>
+              </a:rPr>
+              <a:t>Ggplotly</a:t>
+            </a:r>
+            <a:r>
+              <a:rPr lang="fr-FR" sz="2000" b="1" dirty="0" smtClean="0">
+                <a:solidFill>
+                  <a:srgbClr val="FF0000"/>
+                </a:solidFill>
+              </a:rPr>
               <a:t> </a:t>
             </a:r>
             <a:r>
-              <a:rPr lang="fr-FR" sz="2800" dirty="0" err="1" smtClean="0"/>
-              <a:t>material</a:t>
-            </a:r>
-            <a:endParaRPr lang="fr-FR" sz="2800" dirty="0" smtClean="0"/>
-          </a:p>
-          <a:p>
-            <a:pPr marL="285750" indent="-285750">
-              <a:buFont typeface="Arial" charset="0"/>
-              <a:buChar char="•"/>
-            </a:pPr>
-            <a:endParaRPr lang="fr-FR" sz="2800" dirty="0"/>
-          </a:p>
-          <a:p>
-            <a:pPr marL="285750" indent="-285750">
-              <a:buFont typeface="Arial" charset="0"/>
-              <a:buChar char="•"/>
-            </a:pPr>
-            <a:r>
-              <a:rPr lang="fr-FR" sz="2800" dirty="0" err="1" smtClean="0"/>
-              <a:t>Github</a:t>
-            </a:r>
-            <a:r>
-              <a:rPr lang="fr-FR" sz="2800" dirty="0" smtClean="0"/>
-              <a:t>: </a:t>
-            </a:r>
-            <a:r>
-              <a:rPr lang="fr-FR" sz="2800" dirty="0" smtClean="0">
-                <a:hlinkClick r:id="rId2"/>
-              </a:rPr>
-              <a:t>www.github.com</a:t>
-            </a:r>
-            <a:r>
-              <a:rPr lang="fr-FR" sz="2800" dirty="0" smtClean="0"/>
+              <a:rPr lang="fr-FR" sz="2000" b="1" dirty="0" err="1" smtClean="0">
+                <a:solidFill>
+                  <a:srgbClr val="FF0000"/>
+                </a:solidFill>
+              </a:rPr>
+              <a:t>turn</a:t>
+            </a:r>
+            <a:r>
+              <a:rPr lang="fr-FR" sz="2000" b="1" dirty="0" smtClean="0">
+                <a:solidFill>
+                  <a:srgbClr val="FF0000"/>
+                </a:solidFill>
+              </a:rPr>
+              <a:t> the plot interactive</a:t>
+            </a:r>
+          </a:p>
+        </p:txBody>
+      </p:sp>
+      <p:cxnSp>
+        <p:nvCxnSpPr>
+          <p:cNvPr id="20" name="Connecteur droit avec flèche 19"/>
+          <p:cNvCxnSpPr/>
+          <p:nvPr/>
+        </p:nvCxnSpPr>
+        <p:spPr>
+          <a:xfrm flipH="1">
+            <a:off x="2021305" y="5341340"/>
+            <a:ext cx="609600" cy="0"/>
+          </a:xfrm>
+          <a:prstGeom prst="straightConnector1">
+            <a:avLst/>
+          </a:prstGeom>
+          <a:ln w="50800">
+            <a:solidFill>
+              <a:srgbClr val="FF0000"/>
+            </a:solidFill>
+            <a:tailEnd type="triangle"/>
+          </a:ln>
+        </p:spPr>
+        <p:style>
+          <a:lnRef idx="1">
+            <a:schemeClr val="accent1"/>
+          </a:lnRef>
+          <a:fillRef idx="0">
+            <a:schemeClr val="accent1"/>
+          </a:fillRef>
+          <a:effectRef idx="0">
+            <a:schemeClr val="accent1"/>
+          </a:effectRef>
+          <a:fontRef idx="minor">
+            <a:schemeClr val="tx1"/>
+          </a:fontRef>
+        </p:style>
+      </p:cxnSp>
+      <p:sp>
+        <p:nvSpPr>
+          <p:cNvPr id="21" name="ZoneTexte 20"/>
+          <p:cNvSpPr txBox="1"/>
+          <p:nvPr/>
+        </p:nvSpPr>
+        <p:spPr>
+          <a:xfrm>
+            <a:off x="8165432" y="1507749"/>
+            <a:ext cx="4017172" cy="707886"/>
+          </a:xfrm>
+          <a:prstGeom prst="rect">
+            <a:avLst/>
+          </a:prstGeom>
+          <a:noFill/>
+        </p:spPr>
+        <p:txBody>
+          <a:bodyPr wrap="square" rtlCol="0">
+            <a:spAutoFit/>
+          </a:bodyPr>
+          <a:lstStyle/>
+          <a:p>
+            <a:r>
+              <a:rPr lang="fr-FR" sz="2000" b="1" dirty="0" err="1" smtClean="0">
+                <a:solidFill>
+                  <a:srgbClr val="FF0000"/>
+                </a:solidFill>
+              </a:rPr>
+              <a:t>Result</a:t>
+            </a:r>
+            <a:r>
+              <a:rPr lang="fr-FR" sz="2000" b="1" dirty="0" smtClean="0">
+                <a:solidFill>
+                  <a:srgbClr val="FF0000"/>
+                </a:solidFill>
+              </a:rPr>
+              <a:t>: zoom / </a:t>
+            </a:r>
+            <a:r>
+              <a:rPr lang="fr-FR" sz="2000" b="1" dirty="0" err="1" smtClean="0">
+                <a:solidFill>
+                  <a:srgbClr val="FF0000"/>
+                </a:solidFill>
+              </a:rPr>
+              <a:t>hover</a:t>
+            </a:r>
+            <a:r>
+              <a:rPr lang="fr-FR" sz="2000" b="1" dirty="0" smtClean="0">
+                <a:solidFill>
+                  <a:srgbClr val="FF0000"/>
+                </a:solidFill>
+              </a:rPr>
+              <a:t> / export .. And more</a:t>
+            </a:r>
+          </a:p>
+        </p:txBody>
+      </p:sp>
+      <p:sp>
+        <p:nvSpPr>
+          <p:cNvPr id="4" name="Rectangle 3"/>
+          <p:cNvSpPr/>
+          <p:nvPr/>
+        </p:nvSpPr>
+        <p:spPr>
+          <a:xfrm>
+            <a:off x="9125731" y="6379420"/>
+            <a:ext cx="2939394" cy="369332"/>
+          </a:xfrm>
+          <a:prstGeom prst="rect">
+            <a:avLst/>
+          </a:prstGeom>
+        </p:spPr>
+        <p:txBody>
+          <a:bodyPr wrap="none">
+            <a:spAutoFit/>
+          </a:bodyPr>
+          <a:lstStyle/>
+          <a:p>
+            <a:r>
+              <a:rPr lang="fr-FR" dirty="0">
+                <a:hlinkClick r:id="rId4"/>
+              </a:rPr>
+              <a:t>http://www.htmlwidgets.org</a:t>
+            </a:r>
+            <a:r>
+              <a:rPr lang="fr-FR" dirty="0"/>
               <a:t> </a:t>
             </a:r>
-          </a:p>
-          <a:p>
-            <a:endParaRPr lang="fr-FR" sz="2800" dirty="0"/>
-          </a:p>
-          <a:p>
-            <a:pPr marL="285750" indent="-285750">
-              <a:buFont typeface="Arial" charset="0"/>
-              <a:buChar char="•"/>
-            </a:pPr>
-            <a:r>
-              <a:rPr lang="fr-FR" sz="2800" dirty="0" err="1" smtClean="0"/>
-              <a:t>Website</a:t>
-            </a:r>
-            <a:endParaRPr lang="fr-FR" sz="2800" dirty="0"/>
-          </a:p>
-        </p:txBody>
-      </p:sp>
-      <p:pic>
-        <p:nvPicPr>
-          <p:cNvPr id="2" name="Image 1"/>
-          <p:cNvPicPr>
-            <a:picLocks noChangeAspect="1"/>
-          </p:cNvPicPr>
-          <p:nvPr/>
-        </p:nvPicPr>
-        <p:blipFill>
-          <a:blip r:embed="rId3"/>
-          <a:stretch>
-            <a:fillRect/>
-          </a:stretch>
-        </p:blipFill>
-        <p:spPr>
-          <a:xfrm>
-            <a:off x="465221" y="3302860"/>
-            <a:ext cx="962526" cy="886822"/>
-          </a:xfrm>
-          <a:prstGeom prst="rect">
-            <a:avLst/>
-          </a:prstGeom>
-        </p:spPr>
-      </p:pic>
-      <p:pic>
-        <p:nvPicPr>
-          <p:cNvPr id="5" name="Image 4"/>
-          <p:cNvPicPr>
-            <a:picLocks noChangeAspect="1"/>
-          </p:cNvPicPr>
-          <p:nvPr/>
-        </p:nvPicPr>
-        <p:blipFill>
-          <a:blip r:embed="rId3"/>
-          <a:stretch>
-            <a:fillRect/>
-          </a:stretch>
-        </p:blipFill>
-        <p:spPr>
-          <a:xfrm>
-            <a:off x="5863390" y="3289510"/>
-            <a:ext cx="962526" cy="886822"/>
-          </a:xfrm>
-          <a:prstGeom prst="rect">
-            <a:avLst/>
-          </a:prstGeom>
-        </p:spPr>
-      </p:pic>
+            <a:endParaRPr lang="en-AU" dirty="0"/>
+          </a:p>
+        </p:txBody>
+      </p:sp>
     </p:spTree>
     <p:extLst>
       <p:ext uri="{BB962C8B-B14F-4D97-AF65-F5344CB8AC3E}">
-        <p14:creationId xmlns:p14="http://schemas.microsoft.com/office/powerpoint/2010/main" val="2015079022"/>
+        <p14:creationId xmlns:p14="http://schemas.microsoft.com/office/powerpoint/2010/main" val="968261103"/>
       </p:ext>
     </p:extLst>
   </p:cSld>
@@ -5496,7 +5522,7 @@
         </p:nvSpPr>
         <p:spPr>
           <a:xfrm>
-            <a:off x="145140" y="109331"/>
+            <a:off x="16804" y="-2963"/>
             <a:ext cx="9506859" cy="769441"/>
           </a:xfrm>
           <a:prstGeom prst="rect">
@@ -5518,27 +5544,7 @@
                   </a:schemeClr>
                 </a:solidFill>
               </a:rPr>
-              <a:t>An example: my </a:t>
-            </a:r>
-            <a:r>
-              <a:rPr lang="en-CA" sz="4400" dirty="0" err="1" smtClean="0">
-                <a:solidFill>
-                  <a:schemeClr val="accent2">
-                    <a:lumMod val="75000"/>
-                  </a:schemeClr>
-                </a:solidFill>
-              </a:rPr>
-              <a:t>bioinfo</a:t>
-            </a:r>
-            <a:r>
-              <a:rPr lang="en-CA" sz="4400" dirty="0" smtClean="0">
-                <a:solidFill>
-                  <a:schemeClr val="accent2">
-                    <a:lumMod val="75000"/>
-                  </a:schemeClr>
-                </a:solidFill>
-              </a:rPr>
-              <a:t> pipeline:</a:t>
+              <a:t>Use a template</a:t>
             </a:r>
             <a:endParaRPr lang="en-CA" sz="4400" dirty="0">
               <a:solidFill>
@@ -5552,14 +5558,14 @@
       </p:sp>
       <p:sp>
         <p:nvSpPr>
-          <p:cNvPr id="4" name="ZoneTexte 3"/>
+          <p:cNvPr id="5" name="ZoneTexte 4"/>
           <p:cNvSpPr txBox="1"/>
           <p:nvPr/>
         </p:nvSpPr>
         <p:spPr>
           <a:xfrm>
-            <a:off x="1588168" y="1748589"/>
-            <a:ext cx="6978316" cy="3108543"/>
+            <a:off x="1122946" y="866275"/>
+            <a:ext cx="8293769" cy="523220"/>
           </a:xfrm>
           <a:prstGeom prst="rect">
             <a:avLst/>
@@ -5578,107 +5584,129 @@
             </a:pPr>
             <a:r>
               <a:rPr lang="fr-FR" sz="2800" dirty="0" smtClean="0"/>
-              <a:t>Interaction </a:t>
+              <a:t>The PCTG </a:t>
             </a:r>
             <a:r>
               <a:rPr lang="fr-FR" sz="2800" dirty="0" err="1" smtClean="0"/>
-              <a:t>with</a:t>
+              <a:t>template</a:t>
             </a:r>
             <a:r>
               <a:rPr lang="fr-FR" sz="2800" dirty="0" smtClean="0"/>
-              <a:t> clusters</a:t>
-            </a:r>
-          </a:p>
-          <a:p>
-            <a:endParaRPr lang="fr-FR" sz="2800" dirty="0" smtClean="0"/>
-          </a:p>
-          <a:p>
-            <a:pPr marL="285750" indent="-285750">
-              <a:buFont typeface="Arial" charset="0"/>
-              <a:buChar char="•"/>
-            </a:pPr>
+              <a:t>: </a:t>
+            </a:r>
+            <a:r>
+              <a:rPr lang="fr-FR" sz="2800" dirty="0" smtClean="0">
+                <a:hlinkClick r:id="rId2"/>
+              </a:rPr>
+              <a:t>www.github.com/holtzy/epuRate</a:t>
+            </a:r>
             <a:r>
               <a:rPr lang="fr-FR" sz="2800" dirty="0" smtClean="0"/>
-              <a:t>One unique </a:t>
-            </a:r>
-            <a:r>
-              <a:rPr lang="fr-FR" sz="2800" dirty="0" err="1" smtClean="0"/>
-              <a:t>folder</a:t>
-            </a:r>
-            <a:endParaRPr lang="fr-FR" sz="2800" dirty="0" smtClean="0"/>
-          </a:p>
-          <a:p>
-            <a:pPr marL="285750" indent="-285750">
-              <a:buFont typeface="Arial" charset="0"/>
-              <a:buChar char="•"/>
-            </a:pPr>
-            <a:endParaRPr lang="fr-FR" sz="2800" dirty="0"/>
-          </a:p>
-          <a:p>
-            <a:pPr marL="285750" indent="-285750">
-              <a:buFont typeface="Arial" charset="0"/>
-              <a:buChar char="•"/>
-            </a:pPr>
-            <a:r>
-              <a:rPr lang="fr-FR" sz="2800" dirty="0" err="1" smtClean="0"/>
-              <a:t>Several</a:t>
-            </a:r>
-            <a:r>
-              <a:rPr lang="fr-FR" sz="2800" dirty="0" smtClean="0"/>
-              <a:t> .</a:t>
-            </a:r>
-            <a:r>
-              <a:rPr lang="fr-FR" sz="2800" dirty="0" err="1" smtClean="0"/>
-              <a:t>rmd</a:t>
-            </a:r>
-            <a:r>
-              <a:rPr lang="fr-FR" sz="2800" dirty="0" smtClean="0"/>
-              <a:t> </a:t>
-            </a:r>
-            <a:r>
-              <a:rPr lang="fr-FR" sz="2800" dirty="0" err="1" smtClean="0"/>
-              <a:t>wrapped</a:t>
-            </a:r>
-            <a:r>
-              <a:rPr lang="fr-FR" sz="2800" dirty="0" smtClean="0"/>
-              <a:t> in a </a:t>
-            </a:r>
-            <a:r>
-              <a:rPr lang="fr-FR" sz="2800" dirty="0" err="1" smtClean="0"/>
-              <a:t>website</a:t>
-            </a:r>
-            <a:endParaRPr lang="fr-FR" sz="2800" b="1" dirty="0" smtClean="0">
-              <a:solidFill>
-                <a:schemeClr val="accent6">
-                  <a:lumMod val="75000"/>
-                </a:schemeClr>
-              </a:solidFill>
-            </a:endParaRPr>
-          </a:p>
-          <a:p>
-            <a:endParaRPr lang="fr-FR" sz="2800" dirty="0"/>
-          </a:p>
-          <a:p>
-            <a:pPr marL="285750" indent="-285750">
-              <a:buFont typeface="Arial" charset="0"/>
-              <a:buChar char="•"/>
-            </a:pPr>
-            <a:r>
-              <a:rPr lang="fr-FR" sz="2800" dirty="0" err="1" smtClean="0"/>
-              <a:t>Shared</a:t>
-            </a:r>
-            <a:r>
-              <a:rPr lang="fr-FR" sz="2800" dirty="0" smtClean="0"/>
-              <a:t> online</a:t>
-            </a:r>
-            <a:endParaRPr lang="fr-FR" sz="2800" dirty="0"/>
-          </a:p>
-        </p:txBody>
-      </p:sp>
+              <a:t>  </a:t>
+            </a:r>
+          </a:p>
+        </p:txBody>
+      </p:sp>
+      <p:pic>
+        <p:nvPicPr>
+          <p:cNvPr id="2" name="Image 1"/>
+          <p:cNvPicPr>
+            <a:picLocks noChangeAspect="1"/>
+          </p:cNvPicPr>
+          <p:nvPr/>
+        </p:nvPicPr>
+        <p:blipFill>
+          <a:blip r:embed="rId3"/>
+          <a:stretch>
+            <a:fillRect/>
+          </a:stretch>
+        </p:blipFill>
+        <p:spPr>
+          <a:xfrm>
+            <a:off x="1536030" y="1837157"/>
+            <a:ext cx="5006734" cy="1515644"/>
+          </a:xfrm>
+          <a:prstGeom prst="rect">
+            <a:avLst/>
+          </a:prstGeom>
+        </p:spPr>
+      </p:pic>
+      <p:pic>
+        <p:nvPicPr>
+          <p:cNvPr id="6" name="Image 5"/>
+          <p:cNvPicPr>
+            <a:picLocks noChangeAspect="1"/>
+          </p:cNvPicPr>
+          <p:nvPr/>
+        </p:nvPicPr>
+        <p:blipFill>
+          <a:blip r:embed="rId4"/>
+          <a:stretch>
+            <a:fillRect/>
+          </a:stretch>
+        </p:blipFill>
+        <p:spPr>
+          <a:xfrm>
+            <a:off x="1171072" y="5227100"/>
+            <a:ext cx="292100" cy="241300"/>
+          </a:xfrm>
+          <a:prstGeom prst="rect">
+            <a:avLst/>
+          </a:prstGeom>
+        </p:spPr>
+      </p:pic>
+      <p:pic>
+        <p:nvPicPr>
+          <p:cNvPr id="7" name="Image 6"/>
+          <p:cNvPicPr>
+            <a:picLocks noChangeAspect="1"/>
+          </p:cNvPicPr>
+          <p:nvPr/>
+        </p:nvPicPr>
+        <p:blipFill>
+          <a:blip r:embed="rId5"/>
+          <a:stretch>
+            <a:fillRect/>
+          </a:stretch>
+        </p:blipFill>
+        <p:spPr>
+          <a:xfrm>
+            <a:off x="1681747" y="3739147"/>
+            <a:ext cx="6807200" cy="2844800"/>
+          </a:xfrm>
+          <a:prstGeom prst="rect">
+            <a:avLst/>
+          </a:prstGeom>
+        </p:spPr>
+      </p:pic>
+      <p:pic>
+        <p:nvPicPr>
+          <p:cNvPr id="8" name="Image 7"/>
+          <p:cNvPicPr>
+            <a:picLocks noChangeAspect="1"/>
+          </p:cNvPicPr>
+          <p:nvPr/>
+        </p:nvPicPr>
+        <p:blipFill>
+          <a:blip r:embed="rId4"/>
+          <a:stretch>
+            <a:fillRect/>
+          </a:stretch>
+        </p:blipFill>
+        <p:spPr>
+          <a:xfrm>
+            <a:off x="1130968" y="2620258"/>
+            <a:ext cx="292100" cy="241300"/>
+          </a:xfrm>
+          <a:prstGeom prst="rect">
+            <a:avLst/>
+          </a:prstGeom>
+        </p:spPr>
+      </p:pic>
     </p:spTree>
     <p:extLst>
       <p:ext uri="{BB962C8B-B14F-4D97-AF65-F5344CB8AC3E}">
-        <p14:creationId xmlns:p14="http://schemas.microsoft.com/office/powerpoint/2010/main" val="1001020317"/>
+        <p14:creationId xmlns:p14="http://schemas.microsoft.com/office/powerpoint/2010/main" val="26843591"/>
       </p:ext>
     </p:extLst>
   </p:cSld>
@@ -5836,6 +5864,1060 @@
     <p:extLst>
       <p:ext uri="{BB962C8B-B14F-4D97-AF65-F5344CB8AC3E}">
         <p14:creationId xmlns:p14="http://schemas.microsoft.com/office/powerpoint/2010/main" val="184119509"/>
+      </p:ext>
+    </p:extLst>
+  </p:cSld>
+  <p:clrMapOvr>
+    <a:masterClrMapping/>
+  </p:clrMapOvr>
+  <p:timing>
+    <p:tnLst>
+      <p:par>
+        <p:cTn id="1" dur="indefinite" restart="never" nodeType="tmRoot"/>
+      </p:par>
+    </p:tnLst>
+  </p:timing>
+</p:sld>
+</file>
+
+<file path=ppt/slides/slide20.xml><?xml version="1.0" encoding="utf-8"?>
+<p:sld xmlns:a="http://schemas.openxmlformats.org/drawingml/2006/main" xmlns:r="http://schemas.openxmlformats.org/officeDocument/2006/relationships" xmlns:p="http://schemas.openxmlformats.org/presentationml/2006/main">
+  <p:cSld>
+    <p:spTree>
+      <p:nvGrpSpPr>
+        <p:cNvPr id="1" name=""/>
+        <p:cNvGrpSpPr/>
+        <p:nvPr/>
+      </p:nvGrpSpPr>
+      <p:grpSpPr>
+        <a:xfrm>
+          <a:off x="0" y="0"/>
+          <a:ext cx="0" cy="0"/>
+          <a:chOff x="0" y="0"/>
+          <a:chExt cx="0" cy="0"/>
+        </a:xfrm>
+      </p:grpSpPr>
+      <p:sp>
+        <p:nvSpPr>
+          <p:cNvPr id="3" name="ZoneTexte 2"/>
+          <p:cNvSpPr txBox="1"/>
+          <p:nvPr/>
+        </p:nvSpPr>
+        <p:spPr>
+          <a:xfrm>
+            <a:off x="16804" y="-2963"/>
+            <a:ext cx="9506859" cy="769441"/>
+          </a:xfrm>
+          <a:prstGeom prst="rect">
+            <a:avLst/>
+          </a:prstGeom>
+          <a:noFill/>
+        </p:spPr>
+        <p:txBody>
+          <a:bodyPr wrap="square" rtlCol="0">
+            <a:spAutoFit/>
+          </a:bodyPr>
+          <a:lstStyle/>
+          <a:p>
+            <a:r>
+              <a:rPr lang="en-CA" sz="4400" dirty="0" smtClean="0">
+                <a:solidFill>
+                  <a:schemeClr val="accent2">
+                    <a:lumMod val="75000"/>
+                  </a:schemeClr>
+                </a:solidFill>
+              </a:rPr>
+              <a:t>Pimp my .</a:t>
+            </a:r>
+            <a:r>
+              <a:rPr lang="en-CA" sz="4400" dirty="0" err="1" smtClean="0">
+                <a:solidFill>
+                  <a:schemeClr val="accent2">
+                    <a:lumMod val="75000"/>
+                  </a:schemeClr>
+                </a:solidFill>
+              </a:rPr>
+              <a:t>Rmd</a:t>
+            </a:r>
+            <a:endParaRPr lang="en-CA" sz="4400" dirty="0">
+              <a:solidFill>
+                <a:schemeClr val="accent2">
+                  <a:lumMod val="75000"/>
+                </a:schemeClr>
+              </a:solidFill>
+            </a:endParaRPr>
+          </a:p>
+        </p:txBody>
+      </p:sp>
+      <p:sp>
+        <p:nvSpPr>
+          <p:cNvPr id="4" name="ZoneTexte 3"/>
+          <p:cNvSpPr txBox="1"/>
+          <p:nvPr/>
+        </p:nvSpPr>
+        <p:spPr>
+          <a:xfrm>
+            <a:off x="2614863" y="1507958"/>
+            <a:ext cx="5261810" cy="3970318"/>
+          </a:xfrm>
+          <a:prstGeom prst="rect">
+            <a:avLst/>
+          </a:prstGeom>
+          <a:noFill/>
+        </p:spPr>
+        <p:txBody>
+          <a:bodyPr wrap="square" rtlCol="0">
+            <a:spAutoFit/>
+          </a:bodyPr>
+          <a:lstStyle/>
+          <a:p>
+            <a:pPr marL="285750" indent="-285750">
+              <a:buFont typeface="Arial" charset="0"/>
+              <a:buChar char="•"/>
+            </a:pPr>
+            <a:r>
+              <a:rPr lang="fr-FR" sz="2800" dirty="0">
+                <a:hlinkClick r:id="rId2"/>
+              </a:rPr>
+              <a:t>holtzy.github.io/Pimp-my-rmd</a:t>
+            </a:r>
+            <a:r>
+              <a:rPr lang="fr-FR" sz="2800" dirty="0" smtClean="0">
+                <a:hlinkClick r:id="rId2"/>
+              </a:rPr>
+              <a:t>/</a:t>
+            </a:r>
+            <a:endParaRPr lang="fr-FR" sz="2800" dirty="0" smtClean="0"/>
+          </a:p>
+          <a:p>
+            <a:pPr marL="285750" indent="-285750">
+              <a:buFont typeface="Arial" charset="0"/>
+              <a:buChar char="•"/>
+            </a:pPr>
+            <a:endParaRPr lang="fr-FR" sz="2800" dirty="0"/>
+          </a:p>
+          <a:p>
+            <a:pPr marL="285750" indent="-285750">
+              <a:buFont typeface="Arial" charset="0"/>
+              <a:buChar char="•"/>
+            </a:pPr>
+            <a:r>
+              <a:rPr lang="fr-FR" sz="2800" dirty="0" err="1" smtClean="0"/>
+              <a:t>Everything</a:t>
+            </a:r>
+            <a:r>
+              <a:rPr lang="fr-FR" sz="2800" dirty="0" smtClean="0"/>
+              <a:t> </a:t>
+            </a:r>
+            <a:r>
+              <a:rPr lang="fr-FR" sz="2800" dirty="0" err="1" smtClean="0"/>
+              <a:t>is</a:t>
+            </a:r>
+            <a:r>
+              <a:rPr lang="fr-FR" sz="2800" dirty="0" smtClean="0"/>
+              <a:t> possible</a:t>
+            </a:r>
+          </a:p>
+          <a:p>
+            <a:pPr marL="285750" indent="-285750">
+              <a:buFont typeface="Arial" charset="0"/>
+              <a:buChar char="•"/>
+            </a:pPr>
+            <a:endParaRPr lang="fr-FR" sz="2800" dirty="0"/>
+          </a:p>
+          <a:p>
+            <a:pPr marL="285750" indent="-285750">
+              <a:buFont typeface="Arial" charset="0"/>
+              <a:buChar char="•"/>
+            </a:pPr>
+            <a:r>
+              <a:rPr lang="fr-FR" sz="2800" dirty="0" smtClean="0"/>
+              <a:t>Use CSS and HTML code</a:t>
+            </a:r>
+          </a:p>
+          <a:p>
+            <a:pPr marL="285750" indent="-285750">
+              <a:buFont typeface="Arial" charset="0"/>
+              <a:buChar char="•"/>
+            </a:pPr>
+            <a:endParaRPr lang="fr-FR" sz="2800" dirty="0"/>
+          </a:p>
+          <a:p>
+            <a:pPr marL="285750" indent="-285750">
+              <a:buFont typeface="Arial" charset="0"/>
+              <a:buChar char="•"/>
+            </a:pPr>
+            <a:r>
+              <a:rPr lang="fr-FR" sz="2800" dirty="0" err="1" smtClean="0"/>
+              <a:t>Add</a:t>
+            </a:r>
+            <a:r>
+              <a:rPr lang="fr-FR" sz="2800" dirty="0" smtClean="0"/>
+              <a:t> header and </a:t>
+            </a:r>
+            <a:r>
+              <a:rPr lang="fr-FR" sz="2800" dirty="0" err="1" smtClean="0"/>
+              <a:t>footer</a:t>
+            </a:r>
+            <a:endParaRPr lang="fr-FR" sz="2800" dirty="0" smtClean="0"/>
+          </a:p>
+          <a:p>
+            <a:pPr marL="285750" indent="-285750">
+              <a:buFont typeface="Arial" charset="0"/>
+              <a:buChar char="•"/>
+            </a:pPr>
+            <a:endParaRPr lang="fr-FR" sz="2800" dirty="0"/>
+          </a:p>
+          <a:p>
+            <a:pPr marL="285750" indent="-285750">
+              <a:buFont typeface="Arial" charset="0"/>
+              <a:buChar char="•"/>
+            </a:pPr>
+            <a:r>
+              <a:rPr lang="fr-FR" sz="2800" dirty="0" smtClean="0"/>
+              <a:t>More</a:t>
+            </a:r>
+            <a:endParaRPr lang="fr-FR" sz="2800" dirty="0"/>
+          </a:p>
+        </p:txBody>
+      </p:sp>
+    </p:spTree>
+    <p:extLst>
+      <p:ext uri="{BB962C8B-B14F-4D97-AF65-F5344CB8AC3E}">
+        <p14:creationId xmlns:p14="http://schemas.microsoft.com/office/powerpoint/2010/main" val="712497051"/>
+      </p:ext>
+    </p:extLst>
+  </p:cSld>
+  <p:clrMapOvr>
+    <a:masterClrMapping/>
+  </p:clrMapOvr>
+  <p:timing>
+    <p:tnLst>
+      <p:par>
+        <p:cTn id="1" dur="indefinite" restart="never" nodeType="tmRoot"/>
+      </p:par>
+    </p:tnLst>
+  </p:timing>
+</p:sld>
+</file>
+
+<file path=ppt/slides/slide21.xml><?xml version="1.0" encoding="utf-8"?>
+<p:sld xmlns:a="http://schemas.openxmlformats.org/drawingml/2006/main" xmlns:r="http://schemas.openxmlformats.org/officeDocument/2006/relationships" xmlns:p="http://schemas.openxmlformats.org/presentationml/2006/main">
+  <p:cSld>
+    <p:spTree>
+      <p:nvGrpSpPr>
+        <p:cNvPr id="1" name=""/>
+        <p:cNvGrpSpPr/>
+        <p:nvPr/>
+      </p:nvGrpSpPr>
+      <p:grpSpPr>
+        <a:xfrm>
+          <a:off x="0" y="0"/>
+          <a:ext cx="0" cy="0"/>
+          <a:chOff x="0" y="0"/>
+          <a:chExt cx="0" cy="0"/>
+        </a:xfrm>
+      </p:grpSpPr>
+      <p:sp>
+        <p:nvSpPr>
+          <p:cNvPr id="3" name="ZoneTexte 2"/>
+          <p:cNvSpPr txBox="1"/>
+          <p:nvPr/>
+        </p:nvSpPr>
+        <p:spPr>
+          <a:xfrm>
+            <a:off x="16804" y="-2963"/>
+            <a:ext cx="9506859" cy="769441"/>
+          </a:xfrm>
+          <a:prstGeom prst="rect">
+            <a:avLst/>
+          </a:prstGeom>
+          <a:noFill/>
+        </p:spPr>
+        <p:txBody>
+          <a:bodyPr wrap="square" rtlCol="0">
+            <a:spAutoFit/>
+          </a:bodyPr>
+          <a:lstStyle/>
+          <a:p>
+            <a:r>
+              <a:rPr lang="en-CA" sz="4400" dirty="0" smtClean="0">
+                <a:solidFill>
+                  <a:schemeClr val="accent2">
+                    <a:lumMod val="75000"/>
+                  </a:schemeClr>
+                </a:solidFill>
+              </a:rPr>
+              <a:t>Output format?</a:t>
+            </a:r>
+            <a:endParaRPr lang="en-CA" sz="4400" dirty="0">
+              <a:solidFill>
+                <a:schemeClr val="accent2">
+                  <a:lumMod val="75000"/>
+                </a:schemeClr>
+              </a:solidFill>
+            </a:endParaRPr>
+          </a:p>
+        </p:txBody>
+      </p:sp>
+      <p:pic>
+        <p:nvPicPr>
+          <p:cNvPr id="4" name="Image 3"/>
+          <p:cNvPicPr>
+            <a:picLocks noChangeAspect="1"/>
+          </p:cNvPicPr>
+          <p:nvPr/>
+        </p:nvPicPr>
+        <p:blipFill>
+          <a:blip r:embed="rId2"/>
+          <a:stretch>
+            <a:fillRect/>
+          </a:stretch>
+        </p:blipFill>
+        <p:spPr>
+          <a:xfrm>
+            <a:off x="2273968" y="590015"/>
+            <a:ext cx="7126706" cy="6111342"/>
+          </a:xfrm>
+          <a:prstGeom prst="rect">
+            <a:avLst/>
+          </a:prstGeom>
+        </p:spPr>
+      </p:pic>
+      <p:sp>
+        <p:nvSpPr>
+          <p:cNvPr id="9" name="ZoneTexte 8"/>
+          <p:cNvSpPr txBox="1"/>
+          <p:nvPr/>
+        </p:nvSpPr>
+        <p:spPr>
+          <a:xfrm>
+            <a:off x="1862221" y="1917121"/>
+            <a:ext cx="1779337" cy="400110"/>
+          </a:xfrm>
+          <a:prstGeom prst="rect">
+            <a:avLst/>
+          </a:prstGeom>
+          <a:noFill/>
+        </p:spPr>
+        <p:txBody>
+          <a:bodyPr wrap="square" rtlCol="0">
+            <a:spAutoFit/>
+          </a:bodyPr>
+          <a:lstStyle/>
+          <a:p>
+            <a:r>
+              <a:rPr lang="fr-FR" sz="2000" b="1" dirty="0" smtClean="0">
+                <a:solidFill>
+                  <a:srgbClr val="FF0000"/>
+                </a:solidFill>
+              </a:rPr>
+              <a:t>Word .doc</a:t>
+            </a:r>
+          </a:p>
+        </p:txBody>
+      </p:sp>
+      <p:sp>
+        <p:nvSpPr>
+          <p:cNvPr id="10" name="ZoneTexte 9"/>
+          <p:cNvSpPr txBox="1"/>
+          <p:nvPr/>
+        </p:nvSpPr>
+        <p:spPr>
+          <a:xfrm>
+            <a:off x="8200860" y="1717066"/>
+            <a:ext cx="814803" cy="400110"/>
+          </a:xfrm>
+          <a:prstGeom prst="rect">
+            <a:avLst/>
+          </a:prstGeom>
+          <a:noFill/>
+        </p:spPr>
+        <p:txBody>
+          <a:bodyPr wrap="square" rtlCol="0">
+            <a:spAutoFit/>
+          </a:bodyPr>
+          <a:lstStyle/>
+          <a:p>
+            <a:r>
+              <a:rPr lang="fr-FR" sz="2000" b="1" dirty="0" smtClean="0">
+                <a:solidFill>
+                  <a:srgbClr val="FF0000"/>
+                </a:solidFill>
+              </a:rPr>
+              <a:t>.</a:t>
+            </a:r>
+            <a:r>
+              <a:rPr lang="fr-FR" sz="2000" b="1" dirty="0" err="1" smtClean="0">
+                <a:solidFill>
+                  <a:srgbClr val="FF0000"/>
+                </a:solidFill>
+              </a:rPr>
+              <a:t>pdf</a:t>
+            </a:r>
+            <a:endParaRPr lang="fr-FR" sz="2000" b="1" dirty="0" smtClean="0">
+              <a:solidFill>
+                <a:srgbClr val="FF0000"/>
+              </a:solidFill>
+            </a:endParaRPr>
+          </a:p>
+        </p:txBody>
+      </p:sp>
+      <p:sp>
+        <p:nvSpPr>
+          <p:cNvPr id="11" name="ZoneTexte 10"/>
+          <p:cNvSpPr txBox="1"/>
+          <p:nvPr/>
+        </p:nvSpPr>
+        <p:spPr>
+          <a:xfrm>
+            <a:off x="5273176" y="93471"/>
+            <a:ext cx="814803" cy="400110"/>
+          </a:xfrm>
+          <a:prstGeom prst="rect">
+            <a:avLst/>
+          </a:prstGeom>
+          <a:noFill/>
+        </p:spPr>
+        <p:txBody>
+          <a:bodyPr wrap="square" rtlCol="0">
+            <a:spAutoFit/>
+          </a:bodyPr>
+          <a:lstStyle/>
+          <a:p>
+            <a:r>
+              <a:rPr lang="fr-FR" sz="2000" b="1" dirty="0" smtClean="0">
+                <a:solidFill>
+                  <a:srgbClr val="FF0000"/>
+                </a:solidFill>
+              </a:rPr>
+              <a:t>Book</a:t>
+            </a:r>
+          </a:p>
+        </p:txBody>
+      </p:sp>
+      <p:sp>
+        <p:nvSpPr>
+          <p:cNvPr id="12" name="ZoneTexte 11"/>
+          <p:cNvSpPr txBox="1"/>
+          <p:nvPr/>
+        </p:nvSpPr>
+        <p:spPr>
+          <a:xfrm>
+            <a:off x="8993272" y="3333807"/>
+            <a:ext cx="1161381" cy="400110"/>
+          </a:xfrm>
+          <a:prstGeom prst="rect">
+            <a:avLst/>
+          </a:prstGeom>
+          <a:noFill/>
+        </p:spPr>
+        <p:txBody>
+          <a:bodyPr wrap="square" rtlCol="0">
+            <a:spAutoFit/>
+          </a:bodyPr>
+          <a:lstStyle/>
+          <a:p>
+            <a:r>
+              <a:rPr lang="fr-FR" sz="2000" b="1" dirty="0" smtClean="0">
+                <a:solidFill>
+                  <a:srgbClr val="FF0000"/>
+                </a:solidFill>
+              </a:rPr>
+              <a:t>Template</a:t>
+            </a:r>
+          </a:p>
+        </p:txBody>
+      </p:sp>
+      <p:sp>
+        <p:nvSpPr>
+          <p:cNvPr id="13" name="ZoneTexte 12"/>
+          <p:cNvSpPr txBox="1"/>
+          <p:nvPr/>
+        </p:nvSpPr>
+        <p:spPr>
+          <a:xfrm>
+            <a:off x="1299411" y="3333807"/>
+            <a:ext cx="1452479" cy="400110"/>
+          </a:xfrm>
+          <a:prstGeom prst="rect">
+            <a:avLst/>
+          </a:prstGeom>
+          <a:noFill/>
+        </p:spPr>
+        <p:txBody>
+          <a:bodyPr wrap="square" rtlCol="0">
+            <a:spAutoFit/>
+          </a:bodyPr>
+          <a:lstStyle/>
+          <a:p>
+            <a:r>
+              <a:rPr lang="fr-FR" sz="2000" b="1" smtClean="0">
+                <a:solidFill>
+                  <a:srgbClr val="FF0000"/>
+                </a:solidFill>
+              </a:rPr>
+              <a:t>Dashboard</a:t>
+            </a:r>
+            <a:endParaRPr lang="fr-FR" sz="2000" b="1" dirty="0" smtClean="0">
+              <a:solidFill>
+                <a:srgbClr val="FF0000"/>
+              </a:solidFill>
+            </a:endParaRPr>
+          </a:p>
+        </p:txBody>
+      </p:sp>
+      <p:sp>
+        <p:nvSpPr>
+          <p:cNvPr id="14" name="ZoneTexte 13"/>
+          <p:cNvSpPr txBox="1"/>
+          <p:nvPr/>
+        </p:nvSpPr>
+        <p:spPr>
+          <a:xfrm>
+            <a:off x="2150979" y="4817527"/>
+            <a:ext cx="1452479" cy="400110"/>
+          </a:xfrm>
+          <a:prstGeom prst="rect">
+            <a:avLst/>
+          </a:prstGeom>
+          <a:noFill/>
+        </p:spPr>
+        <p:txBody>
+          <a:bodyPr wrap="square" rtlCol="0">
+            <a:spAutoFit/>
+          </a:bodyPr>
+          <a:lstStyle/>
+          <a:p>
+            <a:r>
+              <a:rPr lang="fr-FR" sz="2000" b="1" dirty="0" smtClean="0">
+                <a:solidFill>
+                  <a:srgbClr val="FF0000"/>
+                </a:solidFill>
+              </a:rPr>
+              <a:t>Slides</a:t>
+            </a:r>
+          </a:p>
+        </p:txBody>
+      </p:sp>
+      <p:sp>
+        <p:nvSpPr>
+          <p:cNvPr id="15" name="ZoneTexte 14"/>
+          <p:cNvSpPr txBox="1"/>
+          <p:nvPr/>
+        </p:nvSpPr>
+        <p:spPr>
+          <a:xfrm>
+            <a:off x="5507288" y="6397681"/>
+            <a:ext cx="1161381" cy="400110"/>
+          </a:xfrm>
+          <a:prstGeom prst="rect">
+            <a:avLst/>
+          </a:prstGeom>
+          <a:noFill/>
+        </p:spPr>
+        <p:txBody>
+          <a:bodyPr wrap="square" rtlCol="0">
+            <a:spAutoFit/>
+          </a:bodyPr>
+          <a:lstStyle/>
+          <a:p>
+            <a:r>
+              <a:rPr lang="fr-FR" sz="2000" b="1" smtClean="0">
+                <a:solidFill>
+                  <a:srgbClr val="FF0000"/>
+                </a:solidFill>
+              </a:rPr>
+              <a:t>Blog</a:t>
+            </a:r>
+            <a:endParaRPr lang="fr-FR" sz="2000" b="1" dirty="0" smtClean="0">
+              <a:solidFill>
+                <a:srgbClr val="FF0000"/>
+              </a:solidFill>
+            </a:endParaRPr>
+          </a:p>
+        </p:txBody>
+      </p:sp>
+    </p:spTree>
+    <p:extLst>
+      <p:ext uri="{BB962C8B-B14F-4D97-AF65-F5344CB8AC3E}">
+        <p14:creationId xmlns:p14="http://schemas.microsoft.com/office/powerpoint/2010/main" val="341273363"/>
+      </p:ext>
+    </p:extLst>
+  </p:cSld>
+  <p:clrMapOvr>
+    <a:masterClrMapping/>
+  </p:clrMapOvr>
+  <p:timing>
+    <p:tnLst>
+      <p:par>
+        <p:cTn id="1" dur="indefinite" restart="never" nodeType="tmRoot"/>
+      </p:par>
+    </p:tnLst>
+  </p:timing>
+</p:sld>
+</file>
+
+<file path=ppt/slides/slide22.xml><?xml version="1.0" encoding="utf-8"?>
+<p:sld xmlns:a="http://schemas.openxmlformats.org/drawingml/2006/main" xmlns:r="http://schemas.openxmlformats.org/officeDocument/2006/relationships" xmlns:p="http://schemas.openxmlformats.org/presentationml/2006/main">
+  <p:cSld>
+    <p:spTree>
+      <p:nvGrpSpPr>
+        <p:cNvPr id="1" name=""/>
+        <p:cNvGrpSpPr/>
+        <p:nvPr/>
+      </p:nvGrpSpPr>
+      <p:grpSpPr>
+        <a:xfrm>
+          <a:off x="0" y="0"/>
+          <a:ext cx="0" cy="0"/>
+          <a:chOff x="0" y="0"/>
+          <a:chExt cx="0" cy="0"/>
+        </a:xfrm>
+      </p:grpSpPr>
+      <p:sp>
+        <p:nvSpPr>
+          <p:cNvPr id="3" name="ZoneTexte 2"/>
+          <p:cNvSpPr txBox="1"/>
+          <p:nvPr/>
+        </p:nvSpPr>
+        <p:spPr>
+          <a:xfrm>
+            <a:off x="145140" y="109331"/>
+            <a:ext cx="9506859" cy="769441"/>
+          </a:xfrm>
+          <a:prstGeom prst="rect">
+            <a:avLst/>
+          </a:prstGeom>
+          <a:noFill/>
+        </p:spPr>
+        <p:txBody>
+          <a:bodyPr wrap="square" rtlCol="0">
+            <a:spAutoFit/>
+          </a:bodyPr>
+          <a:lstStyle/>
+          <a:p>
+            <a:r>
+              <a:rPr lang="en-CA" sz="4400" dirty="0" smtClean="0">
+                <a:solidFill>
+                  <a:schemeClr val="accent2">
+                    <a:lumMod val="75000"/>
+                  </a:schemeClr>
+                </a:solidFill>
+              </a:rPr>
+              <a:t>Share your analysis</a:t>
+            </a:r>
+            <a:endParaRPr lang="en-CA" sz="4400" dirty="0">
+              <a:solidFill>
+                <a:schemeClr val="accent2">
+                  <a:lumMod val="75000"/>
+                </a:schemeClr>
+              </a:solidFill>
+            </a:endParaRPr>
+          </a:p>
+        </p:txBody>
+      </p:sp>
+      <p:sp>
+        <p:nvSpPr>
+          <p:cNvPr id="4" name="ZoneTexte 3"/>
+          <p:cNvSpPr txBox="1"/>
+          <p:nvPr/>
+        </p:nvSpPr>
+        <p:spPr>
+          <a:xfrm>
+            <a:off x="1588168" y="1748589"/>
+            <a:ext cx="6978316" cy="3108543"/>
+          </a:xfrm>
+          <a:prstGeom prst="rect">
+            <a:avLst/>
+          </a:prstGeom>
+          <a:noFill/>
+        </p:spPr>
+        <p:txBody>
+          <a:bodyPr wrap="square" rtlCol="0">
+            <a:spAutoFit/>
+          </a:bodyPr>
+          <a:lstStyle/>
+          <a:p>
+            <a:pPr marL="285750" indent="-285750">
+              <a:buFont typeface="Arial" charset="0"/>
+              <a:buChar char="•"/>
+            </a:pPr>
+            <a:r>
+              <a:rPr lang="fr-FR" sz="2800" dirty="0" smtClean="0"/>
+              <a:t>Mail </a:t>
+            </a:r>
+            <a:r>
+              <a:rPr lang="fr-FR" sz="2800" dirty="0" err="1" smtClean="0"/>
+              <a:t>with</a:t>
+            </a:r>
+            <a:r>
+              <a:rPr lang="fr-FR" sz="2800" dirty="0" smtClean="0"/>
+              <a:t> </a:t>
+            </a:r>
+            <a:r>
+              <a:rPr lang="fr-FR" sz="2800" dirty="0" err="1" smtClean="0"/>
+              <a:t>colleagues</a:t>
+            </a:r>
+            <a:r>
+              <a:rPr lang="fr-FR" sz="2800" dirty="0" smtClean="0"/>
+              <a:t>, </a:t>
+            </a:r>
+            <a:r>
+              <a:rPr lang="fr-FR" sz="2800" dirty="0" err="1" smtClean="0"/>
+              <a:t>supervisor</a:t>
+            </a:r>
+            <a:endParaRPr lang="fr-FR" sz="2800" dirty="0" smtClean="0"/>
+          </a:p>
+          <a:p>
+            <a:endParaRPr lang="fr-FR" sz="2800" dirty="0" smtClean="0"/>
+          </a:p>
+          <a:p>
+            <a:pPr marL="285750" indent="-285750">
+              <a:buFont typeface="Arial" charset="0"/>
+              <a:buChar char="•"/>
+            </a:pPr>
+            <a:r>
+              <a:rPr lang="fr-FR" sz="2800" dirty="0" smtClean="0"/>
+              <a:t>Publication as a </a:t>
+            </a:r>
+            <a:r>
+              <a:rPr lang="fr-FR" sz="2800" dirty="0" err="1" smtClean="0"/>
+              <a:t>suplementary</a:t>
+            </a:r>
+            <a:r>
+              <a:rPr lang="fr-FR" sz="2800" dirty="0" smtClean="0"/>
+              <a:t> </a:t>
+            </a:r>
+            <a:r>
+              <a:rPr lang="fr-FR" sz="2800" dirty="0" err="1" smtClean="0"/>
+              <a:t>material</a:t>
+            </a:r>
+            <a:endParaRPr lang="fr-FR" sz="2800" dirty="0" smtClean="0"/>
+          </a:p>
+          <a:p>
+            <a:pPr marL="285750" indent="-285750">
+              <a:buFont typeface="Arial" charset="0"/>
+              <a:buChar char="•"/>
+            </a:pPr>
+            <a:endParaRPr lang="fr-FR" sz="2800" dirty="0"/>
+          </a:p>
+          <a:p>
+            <a:pPr marL="285750" indent="-285750">
+              <a:buFont typeface="Arial" charset="0"/>
+              <a:buChar char="•"/>
+            </a:pPr>
+            <a:r>
+              <a:rPr lang="fr-FR" sz="2800" dirty="0" err="1" smtClean="0"/>
+              <a:t>Github</a:t>
+            </a:r>
+            <a:r>
+              <a:rPr lang="fr-FR" sz="2800" dirty="0" smtClean="0"/>
+              <a:t>: </a:t>
+            </a:r>
+            <a:r>
+              <a:rPr lang="fr-FR" sz="2800" dirty="0" smtClean="0">
+                <a:hlinkClick r:id="rId2"/>
+              </a:rPr>
+              <a:t>www.github.com</a:t>
+            </a:r>
+            <a:r>
+              <a:rPr lang="fr-FR" sz="2800" dirty="0" smtClean="0"/>
+              <a:t> </a:t>
+            </a:r>
+          </a:p>
+          <a:p>
+            <a:endParaRPr lang="fr-FR" sz="2800" dirty="0"/>
+          </a:p>
+          <a:p>
+            <a:pPr marL="285750" indent="-285750">
+              <a:buFont typeface="Arial" charset="0"/>
+              <a:buChar char="•"/>
+            </a:pPr>
+            <a:r>
+              <a:rPr lang="fr-FR" sz="2800" dirty="0" err="1" smtClean="0"/>
+              <a:t>Website</a:t>
+            </a:r>
+            <a:endParaRPr lang="fr-FR" sz="2800" dirty="0"/>
+          </a:p>
+        </p:txBody>
+      </p:sp>
+      <p:pic>
+        <p:nvPicPr>
+          <p:cNvPr id="2" name="Image 1"/>
+          <p:cNvPicPr>
+            <a:picLocks noChangeAspect="1"/>
+          </p:cNvPicPr>
+          <p:nvPr/>
+        </p:nvPicPr>
+        <p:blipFill>
+          <a:blip r:embed="rId3"/>
+          <a:stretch>
+            <a:fillRect/>
+          </a:stretch>
+        </p:blipFill>
+        <p:spPr>
+          <a:xfrm>
+            <a:off x="465221" y="3302860"/>
+            <a:ext cx="962526" cy="886822"/>
+          </a:xfrm>
+          <a:prstGeom prst="rect">
+            <a:avLst/>
+          </a:prstGeom>
+        </p:spPr>
+      </p:pic>
+      <p:pic>
+        <p:nvPicPr>
+          <p:cNvPr id="5" name="Image 4"/>
+          <p:cNvPicPr>
+            <a:picLocks noChangeAspect="1"/>
+          </p:cNvPicPr>
+          <p:nvPr/>
+        </p:nvPicPr>
+        <p:blipFill>
+          <a:blip r:embed="rId3"/>
+          <a:stretch>
+            <a:fillRect/>
+          </a:stretch>
+        </p:blipFill>
+        <p:spPr>
+          <a:xfrm>
+            <a:off x="5863390" y="3289510"/>
+            <a:ext cx="962526" cy="886822"/>
+          </a:xfrm>
+          <a:prstGeom prst="rect">
+            <a:avLst/>
+          </a:prstGeom>
+        </p:spPr>
+      </p:pic>
+    </p:spTree>
+    <p:extLst>
+      <p:ext uri="{BB962C8B-B14F-4D97-AF65-F5344CB8AC3E}">
+        <p14:creationId xmlns:p14="http://schemas.microsoft.com/office/powerpoint/2010/main" val="2015079022"/>
+      </p:ext>
+    </p:extLst>
+  </p:cSld>
+  <p:clrMapOvr>
+    <a:masterClrMapping/>
+  </p:clrMapOvr>
+  <p:timing>
+    <p:tnLst>
+      <p:par>
+        <p:cTn id="1" dur="indefinite" restart="never" nodeType="tmRoot"/>
+      </p:par>
+    </p:tnLst>
+  </p:timing>
+</p:sld>
+</file>
+
+<file path=ppt/slides/slide23.xml><?xml version="1.0" encoding="utf-8"?>
+<p:sld xmlns:a="http://schemas.openxmlformats.org/drawingml/2006/main" xmlns:r="http://schemas.openxmlformats.org/officeDocument/2006/relationships" xmlns:p="http://schemas.openxmlformats.org/presentationml/2006/main">
+  <p:cSld>
+    <p:spTree>
+      <p:nvGrpSpPr>
+        <p:cNvPr id="1" name=""/>
+        <p:cNvGrpSpPr/>
+        <p:nvPr/>
+      </p:nvGrpSpPr>
+      <p:grpSpPr>
+        <a:xfrm>
+          <a:off x="0" y="0"/>
+          <a:ext cx="0" cy="0"/>
+          <a:chOff x="0" y="0"/>
+          <a:chExt cx="0" cy="0"/>
+        </a:xfrm>
+      </p:grpSpPr>
+      <p:sp>
+        <p:nvSpPr>
+          <p:cNvPr id="3" name="ZoneTexte 2"/>
+          <p:cNvSpPr txBox="1"/>
+          <p:nvPr/>
+        </p:nvSpPr>
+        <p:spPr>
+          <a:xfrm>
+            <a:off x="145140" y="109331"/>
+            <a:ext cx="9506859" cy="769441"/>
+          </a:xfrm>
+          <a:prstGeom prst="rect">
+            <a:avLst/>
+          </a:prstGeom>
+          <a:noFill/>
+        </p:spPr>
+        <p:txBody>
+          <a:bodyPr wrap="square" rtlCol="0">
+            <a:spAutoFit/>
+          </a:bodyPr>
+          <a:lstStyle/>
+          <a:p>
+            <a:r>
+              <a:rPr lang="en-CA" sz="4400" dirty="0" smtClean="0">
+                <a:solidFill>
+                  <a:schemeClr val="accent2">
+                    <a:lumMod val="75000"/>
+                  </a:schemeClr>
+                </a:solidFill>
+              </a:rPr>
+              <a:t>An example: my </a:t>
+            </a:r>
+            <a:r>
+              <a:rPr lang="en-CA" sz="4400" dirty="0" err="1" smtClean="0">
+                <a:solidFill>
+                  <a:schemeClr val="accent2">
+                    <a:lumMod val="75000"/>
+                  </a:schemeClr>
+                </a:solidFill>
+              </a:rPr>
+              <a:t>bioinfo</a:t>
+            </a:r>
+            <a:r>
+              <a:rPr lang="en-CA" sz="4400" dirty="0" smtClean="0">
+                <a:solidFill>
+                  <a:schemeClr val="accent2">
+                    <a:lumMod val="75000"/>
+                  </a:schemeClr>
+                </a:solidFill>
+              </a:rPr>
+              <a:t> pipeline:</a:t>
+            </a:r>
+            <a:endParaRPr lang="en-CA" sz="4400" dirty="0">
+              <a:solidFill>
+                <a:schemeClr val="accent2">
+                  <a:lumMod val="75000"/>
+                </a:schemeClr>
+              </a:solidFill>
+            </a:endParaRPr>
+          </a:p>
+        </p:txBody>
+      </p:sp>
+      <p:sp>
+        <p:nvSpPr>
+          <p:cNvPr id="4" name="ZoneTexte 3"/>
+          <p:cNvSpPr txBox="1"/>
+          <p:nvPr/>
+        </p:nvSpPr>
+        <p:spPr>
+          <a:xfrm>
+            <a:off x="1588168" y="1748589"/>
+            <a:ext cx="6978316" cy="3108543"/>
+          </a:xfrm>
+          <a:prstGeom prst="rect">
+            <a:avLst/>
+          </a:prstGeom>
+          <a:noFill/>
+        </p:spPr>
+        <p:txBody>
+          <a:bodyPr wrap="square" rtlCol="0">
+            <a:spAutoFit/>
+          </a:bodyPr>
+          <a:lstStyle/>
+          <a:p>
+            <a:pPr marL="285750" indent="-285750">
+              <a:buFont typeface="Arial" charset="0"/>
+              <a:buChar char="•"/>
+            </a:pPr>
+            <a:r>
+              <a:rPr lang="fr-FR" sz="2800" dirty="0" smtClean="0"/>
+              <a:t>Interaction </a:t>
+            </a:r>
+            <a:r>
+              <a:rPr lang="fr-FR" sz="2800" dirty="0" err="1" smtClean="0"/>
+              <a:t>with</a:t>
+            </a:r>
+            <a:r>
+              <a:rPr lang="fr-FR" sz="2800" dirty="0" smtClean="0"/>
+              <a:t> clusters</a:t>
+            </a:r>
+          </a:p>
+          <a:p>
+            <a:endParaRPr lang="fr-FR" sz="2800" dirty="0" smtClean="0"/>
+          </a:p>
+          <a:p>
+            <a:pPr marL="285750" indent="-285750">
+              <a:buFont typeface="Arial" charset="0"/>
+              <a:buChar char="•"/>
+            </a:pPr>
+            <a:r>
+              <a:rPr lang="fr-FR" sz="2800" dirty="0" smtClean="0"/>
+              <a:t>One unique </a:t>
+            </a:r>
+            <a:r>
+              <a:rPr lang="fr-FR" sz="2800" dirty="0" err="1" smtClean="0"/>
+              <a:t>folder</a:t>
+            </a:r>
+            <a:endParaRPr lang="fr-FR" sz="2800" dirty="0" smtClean="0"/>
+          </a:p>
+          <a:p>
+            <a:pPr marL="285750" indent="-285750">
+              <a:buFont typeface="Arial" charset="0"/>
+              <a:buChar char="•"/>
+            </a:pPr>
+            <a:endParaRPr lang="fr-FR" sz="2800" dirty="0"/>
+          </a:p>
+          <a:p>
+            <a:pPr marL="285750" indent="-285750">
+              <a:buFont typeface="Arial" charset="0"/>
+              <a:buChar char="•"/>
+            </a:pPr>
+            <a:r>
+              <a:rPr lang="fr-FR" sz="2800" dirty="0" err="1" smtClean="0"/>
+              <a:t>Several</a:t>
+            </a:r>
+            <a:r>
+              <a:rPr lang="fr-FR" sz="2800" dirty="0" smtClean="0"/>
+              <a:t> .</a:t>
+            </a:r>
+            <a:r>
+              <a:rPr lang="fr-FR" sz="2800" dirty="0" err="1" smtClean="0"/>
+              <a:t>rmd</a:t>
+            </a:r>
+            <a:r>
+              <a:rPr lang="fr-FR" sz="2800" dirty="0" smtClean="0"/>
+              <a:t> </a:t>
+            </a:r>
+            <a:r>
+              <a:rPr lang="fr-FR" sz="2800" dirty="0" err="1" smtClean="0"/>
+              <a:t>wrapped</a:t>
+            </a:r>
+            <a:r>
+              <a:rPr lang="fr-FR" sz="2800" dirty="0" smtClean="0"/>
+              <a:t> in a </a:t>
+            </a:r>
+            <a:r>
+              <a:rPr lang="fr-FR" sz="2800" dirty="0" err="1" smtClean="0"/>
+              <a:t>website</a:t>
+            </a:r>
+            <a:endParaRPr lang="fr-FR" sz="2800" b="1" dirty="0" smtClean="0">
+              <a:solidFill>
+                <a:schemeClr val="accent6">
+                  <a:lumMod val="75000"/>
+                </a:schemeClr>
+              </a:solidFill>
+            </a:endParaRPr>
+          </a:p>
+          <a:p>
+            <a:endParaRPr lang="fr-FR" sz="2800" dirty="0"/>
+          </a:p>
+          <a:p>
+            <a:pPr marL="285750" indent="-285750">
+              <a:buFont typeface="Arial" charset="0"/>
+              <a:buChar char="•"/>
+            </a:pPr>
+            <a:r>
+              <a:rPr lang="fr-FR" sz="2800" dirty="0" err="1" smtClean="0"/>
+              <a:t>Shared</a:t>
+            </a:r>
+            <a:r>
+              <a:rPr lang="fr-FR" sz="2800" dirty="0" smtClean="0"/>
+              <a:t> online</a:t>
+            </a:r>
+            <a:endParaRPr lang="fr-FR" sz="2800" dirty="0"/>
+          </a:p>
+        </p:txBody>
+      </p:sp>
+    </p:spTree>
+    <p:extLst>
+      <p:ext uri="{BB962C8B-B14F-4D97-AF65-F5344CB8AC3E}">
+        <p14:creationId xmlns:p14="http://schemas.microsoft.com/office/powerpoint/2010/main" val="1001020317"/>
       </p:ext>
     </p:extLst>
   </p:cSld>
@@ -5871,38 +6953,82 @@
       </p:grpSpPr>
       <p:pic>
         <p:nvPicPr>
-          <p:cNvPr id="2" name="Image 1"/>
+          <p:cNvPr id="8" name="Image 7"/>
           <p:cNvPicPr>
             <a:picLocks noChangeAspect="1"/>
           </p:cNvPicPr>
           <p:nvPr/>
         </p:nvPicPr>
         <p:blipFill>
-          <a:blip r:embed="rId2"/>
+          <a:blip r:embed="rId2">
+            <a:alphaModFix amt="24000"/>
+            <a:extLst>
+              <a:ext uri="{28A0092B-C50C-407E-A947-70E740481C1C}">
+                <a14:useLocalDpi xmlns:a14="http://schemas.microsoft.com/office/drawing/2010/main" val="0"/>
+              </a:ext>
+            </a:extLst>
+          </a:blip>
           <a:stretch>
             <a:fillRect/>
           </a:stretch>
         </p:blipFill>
         <p:spPr>
           <a:xfrm>
-            <a:off x="3222171" y="3130559"/>
-            <a:ext cx="5863771" cy="3350070"/>
+            <a:off x="-2411662" y="16042"/>
+            <a:ext cx="17808514" cy="6858000"/>
           </a:xfrm>
           <a:prstGeom prst="rect">
             <a:avLst/>
           </a:prstGeom>
         </p:spPr>
       </p:pic>
-      <p:sp>
-        <p:nvSpPr>
-          <p:cNvPr id="3" name="ZoneTexte 2"/>
+      <p:cxnSp>
+        <p:nvCxnSpPr>
+          <p:cNvPr id="9" name="Connecteur droit 8"/>
+          <p:cNvCxnSpPr/>
+          <p:nvPr/>
+        </p:nvCxnSpPr>
+        <p:spPr>
+          <a:xfrm>
+            <a:off x="3676696" y="3686627"/>
+            <a:ext cx="4702626" cy="0"/>
+          </a:xfrm>
+          <a:prstGeom prst="line">
+            <a:avLst/>
+          </a:prstGeom>
+          <a:ln>
+            <a:solidFill>
+              <a:schemeClr val="bg2">
+                <a:lumMod val="50000"/>
+              </a:schemeClr>
+            </a:solidFill>
+          </a:ln>
+        </p:spPr>
+        <p:style>
+          <a:lnRef idx="1">
+            <a:schemeClr val="accent1"/>
+          </a:lnRef>
+          <a:fillRef idx="0">
+            <a:schemeClr val="accent1"/>
+          </a:fillRef>
+          <a:effectRef idx="0">
+            <a:schemeClr val="accent1"/>
+          </a:effectRef>
+          <a:fontRef idx="minor">
+            <a:schemeClr val="tx1"/>
+          </a:fontRef>
+        </p:style>
+      </p:cxnSp>
+      <p:sp>
+        <p:nvSpPr>
+          <p:cNvPr id="10" name="ZoneTexte 9"/>
           <p:cNvSpPr txBox="1"/>
           <p:nvPr/>
         </p:nvSpPr>
         <p:spPr>
           <a:xfrm>
-            <a:off x="145140" y="109331"/>
-            <a:ext cx="9506859" cy="2739211"/>
+            <a:off x="3850867" y="2831940"/>
+            <a:ext cx="4814161" cy="646331"/>
           </a:xfrm>
           <a:prstGeom prst="rect">
             <a:avLst/>
@@ -5916,63 +7042,21 @@
           <a:lstStyle/>
           <a:p>
             <a:r>
-              <a:rPr lang="en-CA" sz="4400" dirty="0">
-                <a:solidFill>
-                  <a:schemeClr val="accent2">
-                    <a:lumMod val="75000"/>
-                  </a:schemeClr>
-                </a:solidFill>
-              </a:rPr>
-              <a:t>Open R studio:</a:t>
-            </a:r>
-          </a:p>
-          <a:p>
-            <a:endParaRPr lang="en-CA" sz="3200" dirty="0" smtClean="0"/>
-          </a:p>
-          <a:p>
-            <a:pPr marL="914400" lvl="1" indent="-457200">
-              <a:buFont typeface="Arial" charset="0"/>
-              <a:buChar char="•"/>
-            </a:pPr>
-            <a:r>
-              <a:rPr lang="en-CA" sz="3200" dirty="0" smtClean="0"/>
-              <a:t>User Friendly environment</a:t>
-            </a:r>
-          </a:p>
-          <a:p>
-            <a:pPr marL="914400" lvl="1" indent="-457200">
-              <a:buFont typeface="Arial" charset="0"/>
-              <a:buChar char="•"/>
-            </a:pPr>
-            <a:r>
-              <a:rPr lang="en-CA" sz="3200" dirty="0" smtClean="0"/>
-              <a:t>Auto completion</a:t>
-            </a:r>
-          </a:p>
-          <a:p>
-            <a:pPr marL="914400" lvl="1" indent="-457200">
-              <a:buFont typeface="Arial" charset="0"/>
-              <a:buChar char="•"/>
-            </a:pPr>
-            <a:r>
-              <a:rPr lang="en-CA" sz="3200" dirty="0" smtClean="0"/>
-              <a:t>Run a line of code with </a:t>
-            </a:r>
-            <a:r>
-              <a:rPr lang="en-CA" sz="3200" dirty="0" err="1" smtClean="0"/>
-              <a:t>Cmd</a:t>
-            </a:r>
-            <a:r>
-              <a:rPr lang="en-CA" sz="3200" dirty="0" smtClean="0"/>
-              <a:t> + Enter</a:t>
-            </a:r>
+              <a:rPr lang="fr-FR" sz="3600" dirty="0" smtClean="0"/>
+              <a:t>Most </a:t>
+            </a:r>
+            <a:r>
+              <a:rPr lang="fr-FR" sz="3600" smtClean="0"/>
+              <a:t>Basic Document</a:t>
+            </a:r>
+            <a:endParaRPr lang="fr-FR" sz="3600" dirty="0"/>
           </a:p>
         </p:txBody>
       </p:sp>
     </p:spTree>
     <p:extLst>
       <p:ext uri="{BB962C8B-B14F-4D97-AF65-F5344CB8AC3E}">
-        <p14:creationId xmlns:p14="http://schemas.microsoft.com/office/powerpoint/2010/main" val="2078475957"/>
+        <p14:creationId xmlns:p14="http://schemas.microsoft.com/office/powerpoint/2010/main" val="1611368735"/>
       </p:ext>
     </p:extLst>
   </p:cSld>
@@ -6006,81 +7090,9 @@
           <a:chExt cx="0" cy="0"/>
         </a:xfrm>
       </p:grpSpPr>
-      <p:sp>
-        <p:nvSpPr>
-          <p:cNvPr id="2" name="ZoneTexte 1"/>
-          <p:cNvSpPr txBox="1"/>
-          <p:nvPr/>
-        </p:nvSpPr>
-        <p:spPr>
-          <a:xfrm>
-            <a:off x="145140" y="109331"/>
-            <a:ext cx="9506859" cy="769441"/>
-          </a:xfrm>
-          <a:prstGeom prst="rect">
-            <a:avLst/>
-          </a:prstGeom>
-          <a:noFill/>
-        </p:spPr>
-        <p:txBody>
-          <a:bodyPr wrap="square" rtlCol="0">
-            <a:spAutoFit/>
-          </a:bodyPr>
-          <a:lstStyle/>
-          <a:p>
-            <a:r>
-              <a:rPr lang="en-CA" sz="4400" dirty="0">
-                <a:solidFill>
-                  <a:schemeClr val="accent2">
-                    <a:lumMod val="75000"/>
-                  </a:schemeClr>
-                </a:solidFill>
-              </a:rPr>
-              <a:t>Open a .</a:t>
-            </a:r>
-            <a:r>
-              <a:rPr lang="en-CA" sz="4400" dirty="0" err="1">
-                <a:solidFill>
-                  <a:schemeClr val="accent2">
-                    <a:lumMod val="75000"/>
-                  </a:schemeClr>
-                </a:solidFill>
-              </a:rPr>
-              <a:t>Rmd</a:t>
-            </a:r>
-            <a:r>
-              <a:rPr lang="en-CA" sz="4400" dirty="0">
-                <a:solidFill>
-                  <a:schemeClr val="accent2">
-                    <a:lumMod val="75000"/>
-                  </a:schemeClr>
-                </a:solidFill>
-              </a:rPr>
-              <a:t> </a:t>
-            </a:r>
-            <a:r>
-              <a:rPr lang="en-CA" sz="4400" dirty="0" smtClean="0">
-                <a:solidFill>
-                  <a:schemeClr val="accent2">
-                    <a:lumMod val="75000"/>
-                  </a:schemeClr>
-                </a:solidFill>
-              </a:rPr>
-              <a:t>file:</a:t>
-            </a:r>
-            <a:endParaRPr lang="en-CA" sz="4400" dirty="0">
-              <a:solidFill>
-                <a:schemeClr val="accent2">
-                  <a:lumMod val="75000"/>
-                </a:schemeClr>
-              </a:solidFill>
-            </a:endParaRPr>
-          </a:p>
-        </p:txBody>
-      </p:sp>
       <p:pic>
         <p:nvPicPr>
-          <p:cNvPr id="3" name="Image 2"/>
+          <p:cNvPr id="2" name="Image 1"/>
           <p:cNvPicPr>
             <a:picLocks noChangeAspect="1"/>
           </p:cNvPicPr>
@@ -6094,52 +7106,104 @@
         </p:blipFill>
         <p:spPr>
           <a:xfrm>
-            <a:off x="145140" y="1052759"/>
-            <a:ext cx="7520151" cy="3461657"/>
-          </a:xfrm>
-          <a:prstGeom prst="rect">
-            <a:avLst/>
-          </a:prstGeom>
-          <a:ln w="34925">
-            <a:solidFill>
-              <a:schemeClr val="tx1"/>
-            </a:solidFill>
-          </a:ln>
+            <a:off x="3222171" y="3130559"/>
+            <a:ext cx="5863771" cy="3350070"/>
+          </a:xfrm>
+          <a:prstGeom prst="rect">
+            <a:avLst/>
+          </a:prstGeom>
         </p:spPr>
       </p:pic>
-      <p:pic>
-        <p:nvPicPr>
-          <p:cNvPr id="4" name="Image 3"/>
-          <p:cNvPicPr>
-            <a:picLocks noChangeAspect="1"/>
-          </p:cNvPicPr>
-          <p:nvPr/>
-        </p:nvPicPr>
-        <p:blipFill>
-          <a:blip r:embed="rId3"/>
-          <a:stretch>
-            <a:fillRect/>
-          </a:stretch>
-        </p:blipFill>
-        <p:spPr>
-          <a:xfrm>
-            <a:off x="6792685" y="2776138"/>
-            <a:ext cx="5277757" cy="4081861"/>
-          </a:xfrm>
-          <a:prstGeom prst="rect">
-            <a:avLst/>
-          </a:prstGeom>
-          <a:ln w="34925">
-            <a:solidFill>
-              <a:schemeClr val="tx1"/>
-            </a:solidFill>
-          </a:ln>
-        </p:spPr>
-      </p:pic>
+      <p:sp>
+        <p:nvSpPr>
+          <p:cNvPr id="3" name="ZoneTexte 2"/>
+          <p:cNvSpPr txBox="1"/>
+          <p:nvPr/>
+        </p:nvSpPr>
+        <p:spPr>
+          <a:xfrm>
+            <a:off x="145140" y="109331"/>
+            <a:ext cx="9506859" cy="2739211"/>
+          </a:xfrm>
+          <a:prstGeom prst="rect">
+            <a:avLst/>
+          </a:prstGeom>
+          <a:noFill/>
+        </p:spPr>
+        <p:txBody>
+          <a:bodyPr wrap="square" rtlCol="0">
+            <a:spAutoFit/>
+          </a:bodyPr>
+          <a:lstStyle/>
+          <a:p>
+            <a:r>
+              <a:rPr lang="en-CA" sz="4400" dirty="0" smtClean="0">
+                <a:solidFill>
+                  <a:schemeClr val="accent2">
+                    <a:lumMod val="75000"/>
+                  </a:schemeClr>
+                </a:solidFill>
+              </a:rPr>
+              <a:t>1 - Open </a:t>
+            </a:r>
+            <a:r>
+              <a:rPr lang="en-CA" sz="4400" dirty="0">
+                <a:solidFill>
+                  <a:schemeClr val="accent2">
+                    <a:lumMod val="75000"/>
+                  </a:schemeClr>
+                </a:solidFill>
+              </a:rPr>
+              <a:t>R studio:</a:t>
+            </a:r>
+          </a:p>
+          <a:p>
+            <a:endParaRPr lang="en-CA" sz="3200" dirty="0" smtClean="0"/>
+          </a:p>
+          <a:p>
+            <a:pPr marL="914400" lvl="1" indent="-457200">
+              <a:buFont typeface="Arial" charset="0"/>
+              <a:buChar char="•"/>
+            </a:pPr>
+            <a:r>
+              <a:rPr lang="en-CA" sz="3200" dirty="0" smtClean="0"/>
+              <a:t>User Friendly environment</a:t>
+            </a:r>
+          </a:p>
+          <a:p>
+            <a:pPr marL="914400" lvl="1" indent="-457200">
+              <a:buFont typeface="Arial" charset="0"/>
+              <a:buChar char="•"/>
+            </a:pPr>
+            <a:r>
+              <a:rPr lang="en-CA" sz="3200" dirty="0" smtClean="0"/>
+              <a:t>Auto completion</a:t>
+            </a:r>
+          </a:p>
+          <a:p>
+            <a:pPr marL="914400" lvl="1" indent="-457200">
+              <a:buFont typeface="Arial" charset="0"/>
+              <a:buChar char="•"/>
+            </a:pPr>
+            <a:r>
+              <a:rPr lang="en-CA" sz="3200" dirty="0" smtClean="0"/>
+              <a:t>Run a line of code with </a:t>
+            </a:r>
+            <a:r>
+              <a:rPr lang="en-CA" sz="3200" dirty="0" err="1" smtClean="0"/>
+              <a:t>Cmd</a:t>
+            </a:r>
+            <a:r>
+              <a:rPr lang="en-CA" sz="3200" dirty="0" smtClean="0"/>
+              <a:t> + Enter</a:t>
+            </a:r>
+          </a:p>
+        </p:txBody>
+      </p:sp>
     </p:spTree>
     <p:extLst>
       <p:ext uri="{BB962C8B-B14F-4D97-AF65-F5344CB8AC3E}">
-        <p14:creationId xmlns:p14="http://schemas.microsoft.com/office/powerpoint/2010/main" val="198708183"/>
+        <p14:creationId xmlns:p14="http://schemas.microsoft.com/office/powerpoint/2010/main" val="2078475957"/>
       </p:ext>
     </p:extLst>
   </p:cSld>
@@ -6173,9 +7237,91 @@
           <a:chExt cx="0" cy="0"/>
         </a:xfrm>
       </p:grpSpPr>
+      <p:sp>
+        <p:nvSpPr>
+          <p:cNvPr id="2" name="ZoneTexte 1"/>
+          <p:cNvSpPr txBox="1"/>
+          <p:nvPr/>
+        </p:nvSpPr>
+        <p:spPr>
+          <a:xfrm>
+            <a:off x="145140" y="109331"/>
+            <a:ext cx="9506859" cy="769441"/>
+          </a:xfrm>
+          <a:prstGeom prst="rect">
+            <a:avLst/>
+          </a:prstGeom>
+          <a:noFill/>
+        </p:spPr>
+        <p:txBody>
+          <a:bodyPr wrap="square" rtlCol="0">
+            <a:spAutoFit/>
+          </a:bodyPr>
+          <a:lstStyle/>
+          <a:p>
+            <a:r>
+              <a:rPr lang="en-CA" sz="4400" dirty="0" smtClean="0">
+                <a:solidFill>
+                  <a:schemeClr val="accent2">
+                    <a:lumMod val="75000"/>
+                  </a:schemeClr>
+                </a:solidFill>
+              </a:rPr>
+              <a:t>2 - Open </a:t>
+            </a:r>
+            <a:r>
+              <a:rPr lang="en-CA" sz="4400" dirty="0">
+                <a:solidFill>
+                  <a:schemeClr val="accent2">
+                    <a:lumMod val="75000"/>
+                  </a:schemeClr>
+                </a:solidFill>
+              </a:rPr>
+              <a:t>a .</a:t>
+            </a:r>
+            <a:r>
+              <a:rPr lang="en-CA" sz="4400" dirty="0" err="1">
+                <a:solidFill>
+                  <a:schemeClr val="accent2">
+                    <a:lumMod val="75000"/>
+                  </a:schemeClr>
+                </a:solidFill>
+              </a:rPr>
+              <a:t>Rmd</a:t>
+            </a:r>
+            <a:r>
+              <a:rPr lang="en-CA" sz="4400" dirty="0">
+                <a:solidFill>
+                  <a:schemeClr val="accent2">
+                    <a:lumMod val="75000"/>
+                  </a:schemeClr>
+                </a:solidFill>
+              </a:rPr>
+              <a:t> </a:t>
+            </a:r>
+            <a:r>
+              <a:rPr lang="en-CA" sz="4400" dirty="0" smtClean="0">
+                <a:solidFill>
+                  <a:schemeClr val="accent2">
+                    <a:lumMod val="75000"/>
+                  </a:schemeClr>
+                </a:solidFill>
+              </a:rPr>
+              <a:t>file:</a:t>
+            </a:r>
+            <a:endParaRPr lang="en-CA" sz="4400" dirty="0">
+              <a:solidFill>
+                <a:schemeClr val="accent2">
+                  <a:lumMod val="75000"/>
+                </a:schemeClr>
+              </a:solidFill>
+            </a:endParaRPr>
+          </a:p>
+        </p:txBody>
+      </p:sp>
       <p:pic>
         <p:nvPicPr>
-          <p:cNvPr id="2" name="Image 1"/>
+          <p:cNvPr id="3" name="Image 2"/>
           <p:cNvPicPr>
             <a:picLocks noChangeAspect="1"/>
           </p:cNvPicPr>
@@ -6189,8 +7335,8 @@
         </p:blipFill>
         <p:spPr>
           <a:xfrm>
-            <a:off x="812800" y="1262742"/>
-            <a:ext cx="10160000" cy="4818039"/>
+            <a:off x="145140" y="1052759"/>
+            <a:ext cx="7520151" cy="3461657"/>
           </a:xfrm>
           <a:prstGeom prst="rect">
             <a:avLst/>
@@ -6202,417 +7348,39 @@
           </a:ln>
         </p:spPr>
       </p:pic>
-      <p:sp>
-        <p:nvSpPr>
-          <p:cNvPr id="3" name="ZoneTexte 2"/>
-          <p:cNvSpPr txBox="1"/>
-          <p:nvPr/>
-        </p:nvSpPr>
-        <p:spPr>
-          <a:xfrm>
-            <a:off x="145140" y="109331"/>
-            <a:ext cx="9506859" cy="769441"/>
-          </a:xfrm>
-          <a:prstGeom prst="rect">
-            <a:avLst/>
-          </a:prstGeom>
-          <a:noFill/>
-        </p:spPr>
-        <p:txBody>
-          <a:bodyPr wrap="square" rtlCol="0">
-            <a:spAutoFit/>
-          </a:bodyPr>
-          <a:lstStyle/>
-          <a:p>
-            <a:r>
-              <a:rPr lang="en-CA" sz="4400" dirty="0" smtClean="0">
-                <a:solidFill>
-                  <a:schemeClr val="accent2">
-                    <a:lumMod val="75000"/>
-                  </a:schemeClr>
-                </a:solidFill>
-              </a:rPr>
-              <a:t>Anatomy of a .</a:t>
-            </a:r>
-            <a:r>
-              <a:rPr lang="en-CA" sz="4400" dirty="0" err="1" smtClean="0">
-                <a:solidFill>
-                  <a:schemeClr val="accent2">
-                    <a:lumMod val="75000"/>
-                  </a:schemeClr>
-                </a:solidFill>
-              </a:rPr>
-              <a:t>Rmd</a:t>
-            </a:r>
-            <a:r>
-              <a:rPr lang="en-CA" sz="4400" dirty="0" smtClean="0">
-                <a:solidFill>
-                  <a:schemeClr val="accent2">
-                    <a:lumMod val="75000"/>
-                  </a:schemeClr>
-                </a:solidFill>
-              </a:rPr>
-              <a:t> file:</a:t>
-            </a:r>
-            <a:endParaRPr lang="en-CA" sz="4400" dirty="0">
-              <a:solidFill>
-                <a:schemeClr val="accent2">
-                  <a:lumMod val="75000"/>
-                </a:schemeClr>
-              </a:solidFill>
-            </a:endParaRPr>
-          </a:p>
-        </p:txBody>
-      </p:sp>
-      <p:sp>
-        <p:nvSpPr>
-          <p:cNvPr id="5" name="Ellipse 4"/>
-          <p:cNvSpPr/>
-          <p:nvPr/>
-        </p:nvSpPr>
-        <p:spPr>
-          <a:xfrm>
-            <a:off x="672623" y="1546921"/>
-            <a:ext cx="1364723" cy="795226"/>
-          </a:xfrm>
-          <a:prstGeom prst="ellipse">
-            <a:avLst/>
-          </a:prstGeom>
-          <a:noFill/>
-          <a:ln w="47625">
+      <p:pic>
+        <p:nvPicPr>
+          <p:cNvPr id="4" name="Image 3"/>
+          <p:cNvPicPr>
+            <a:picLocks noChangeAspect="1"/>
+          </p:cNvPicPr>
+          <p:nvPr/>
+        </p:nvPicPr>
+        <p:blipFill>
+          <a:blip r:embed="rId3"/>
+          <a:stretch>
+            <a:fillRect/>
+          </a:stretch>
+        </p:blipFill>
+        <p:spPr>
+          <a:xfrm>
+            <a:off x="6792685" y="2776138"/>
+            <a:ext cx="5277757" cy="4081861"/>
+          </a:xfrm>
+          <a:prstGeom prst="rect">
+            <a:avLst/>
+          </a:prstGeom>
+          <a:ln w="34925">
             <a:solidFill>
-              <a:srgbClr val="FF0000"/>
+              <a:schemeClr val="tx1"/>
             </a:solidFill>
           </a:ln>
         </p:spPr>
-        <p:style>
-          <a:lnRef idx="2">
-            <a:schemeClr val="accent1">
-              <a:shade val="50000"/>
-            </a:schemeClr>
-          </a:lnRef>
-          <a:fillRef idx="1">
-            <a:schemeClr val="accent1"/>
-          </a:fillRef>
-          <a:effectRef idx="0">
-            <a:schemeClr val="accent1"/>
-          </a:effectRef>
-          <a:fontRef idx="minor">
-            <a:schemeClr val="lt1"/>
-          </a:fontRef>
-        </p:style>
-        <p:txBody>
-          <a:bodyPr rtlCol="0" anchor="ctr"/>
-          <a:lstStyle/>
-          <a:p>
-            <a:pPr algn="ctr"/>
-            <a:endParaRPr lang="fr-FR"/>
-          </a:p>
-        </p:txBody>
-      </p:sp>
-      <p:cxnSp>
-        <p:nvCxnSpPr>
-          <p:cNvPr id="7" name="Connecteur droit avec flèche 6"/>
-          <p:cNvCxnSpPr/>
-          <p:nvPr/>
-        </p:nvCxnSpPr>
-        <p:spPr>
-          <a:xfrm flipH="1">
-            <a:off x="3481137" y="2903621"/>
-            <a:ext cx="914400" cy="0"/>
-          </a:xfrm>
-          <a:prstGeom prst="straightConnector1">
-            <a:avLst/>
-          </a:prstGeom>
-          <a:ln w="50800">
-            <a:solidFill>
-              <a:srgbClr val="FF0000"/>
-            </a:solidFill>
-            <a:tailEnd type="triangle"/>
-          </a:ln>
-        </p:spPr>
-        <p:style>
-          <a:lnRef idx="1">
-            <a:schemeClr val="accent1"/>
-          </a:lnRef>
-          <a:fillRef idx="0">
-            <a:schemeClr val="accent1"/>
-          </a:fillRef>
-          <a:effectRef idx="0">
-            <a:schemeClr val="accent1"/>
-          </a:effectRef>
-          <a:fontRef idx="minor">
-            <a:schemeClr val="tx1"/>
-          </a:fontRef>
-        </p:style>
-      </p:cxnSp>
-      <p:cxnSp>
-        <p:nvCxnSpPr>
-          <p:cNvPr id="9" name="Connecteur droit avec flèche 8"/>
-          <p:cNvCxnSpPr/>
-          <p:nvPr/>
-        </p:nvCxnSpPr>
-        <p:spPr>
-          <a:xfrm flipH="1">
-            <a:off x="2766119" y="4339389"/>
-            <a:ext cx="914400" cy="0"/>
-          </a:xfrm>
-          <a:prstGeom prst="straightConnector1">
-            <a:avLst/>
-          </a:prstGeom>
-          <a:ln w="50800">
-            <a:solidFill>
-              <a:srgbClr val="FF0000"/>
-            </a:solidFill>
-            <a:tailEnd type="triangle"/>
-          </a:ln>
-        </p:spPr>
-        <p:style>
-          <a:lnRef idx="1">
-            <a:schemeClr val="accent1"/>
-          </a:lnRef>
-          <a:fillRef idx="0">
-            <a:schemeClr val="accent1"/>
-          </a:fillRef>
-          <a:effectRef idx="0">
-            <a:schemeClr val="accent1"/>
-          </a:effectRef>
-          <a:fontRef idx="minor">
-            <a:schemeClr val="tx1"/>
-          </a:fontRef>
-        </p:style>
-      </p:cxnSp>
-      <p:cxnSp>
-        <p:nvCxnSpPr>
-          <p:cNvPr id="10" name="Connecteur droit avec flèche 9"/>
-          <p:cNvCxnSpPr/>
-          <p:nvPr/>
-        </p:nvCxnSpPr>
-        <p:spPr>
-          <a:xfrm flipH="1">
-            <a:off x="7041340" y="4989094"/>
-            <a:ext cx="914400" cy="0"/>
-          </a:xfrm>
-          <a:prstGeom prst="straightConnector1">
-            <a:avLst/>
-          </a:prstGeom>
-          <a:ln w="50800">
-            <a:solidFill>
-              <a:srgbClr val="FF0000"/>
-            </a:solidFill>
-            <a:tailEnd type="triangle"/>
-          </a:ln>
-        </p:spPr>
-        <p:style>
-          <a:lnRef idx="1">
-            <a:schemeClr val="accent1"/>
-          </a:lnRef>
-          <a:fillRef idx="0">
-            <a:schemeClr val="accent1"/>
-          </a:fillRef>
-          <a:effectRef idx="0">
-            <a:schemeClr val="accent1"/>
-          </a:effectRef>
-          <a:fontRef idx="minor">
-            <a:schemeClr val="tx1"/>
-          </a:fontRef>
-        </p:style>
-      </p:cxnSp>
-      <p:cxnSp>
-        <p:nvCxnSpPr>
-          <p:cNvPr id="11" name="Connecteur droit avec flèche 10"/>
-          <p:cNvCxnSpPr/>
-          <p:nvPr/>
-        </p:nvCxnSpPr>
-        <p:spPr>
-          <a:xfrm flipH="1">
-            <a:off x="7401143" y="5895473"/>
-            <a:ext cx="914400" cy="0"/>
-          </a:xfrm>
-          <a:prstGeom prst="straightConnector1">
-            <a:avLst/>
-          </a:prstGeom>
-          <a:ln w="50800">
-            <a:solidFill>
-              <a:srgbClr val="FF0000"/>
-            </a:solidFill>
-            <a:tailEnd type="triangle"/>
-          </a:ln>
-        </p:spPr>
-        <p:style>
-          <a:lnRef idx="1">
-            <a:schemeClr val="accent1"/>
-          </a:lnRef>
-          <a:fillRef idx="0">
-            <a:schemeClr val="accent1"/>
-          </a:fillRef>
-          <a:effectRef idx="0">
-            <a:schemeClr val="accent1"/>
-          </a:effectRef>
-          <a:fontRef idx="minor">
-            <a:schemeClr val="tx1"/>
-          </a:fontRef>
-        </p:style>
-      </p:cxnSp>
-      <p:sp>
-        <p:nvSpPr>
-          <p:cNvPr id="12" name="ZoneTexte 11"/>
-          <p:cNvSpPr txBox="1"/>
-          <p:nvPr/>
-        </p:nvSpPr>
-        <p:spPr>
-          <a:xfrm>
-            <a:off x="4475749" y="2679032"/>
-            <a:ext cx="1171074" cy="400110"/>
-          </a:xfrm>
-          <a:prstGeom prst="rect">
-            <a:avLst/>
-          </a:prstGeom>
-          <a:noFill/>
-        </p:spPr>
-        <p:txBody>
-          <a:bodyPr wrap="square" rtlCol="0">
-            <a:spAutoFit/>
-          </a:bodyPr>
-          <a:lstStyle/>
-          <a:p>
-            <a:r>
-              <a:rPr lang="fr-FR" sz="2000" b="1" dirty="0" smtClean="0">
-                <a:solidFill>
-                  <a:srgbClr val="FF0000"/>
-                </a:solidFill>
-              </a:rPr>
-              <a:t>Header</a:t>
-            </a:r>
-          </a:p>
-        </p:txBody>
-      </p:sp>
-      <p:sp>
-        <p:nvSpPr>
-          <p:cNvPr id="13" name="ZoneTexte 12"/>
-          <p:cNvSpPr txBox="1"/>
-          <p:nvPr/>
-        </p:nvSpPr>
-        <p:spPr>
-          <a:xfrm>
-            <a:off x="3890212" y="4139334"/>
-            <a:ext cx="1171074" cy="400110"/>
-          </a:xfrm>
-          <a:prstGeom prst="rect">
-            <a:avLst/>
-          </a:prstGeom>
-          <a:noFill/>
-        </p:spPr>
-        <p:txBody>
-          <a:bodyPr wrap="square" rtlCol="0">
-            <a:spAutoFit/>
-          </a:bodyPr>
-          <a:lstStyle/>
-          <a:p>
-            <a:r>
-              <a:rPr lang="fr-FR" sz="2000" b="1" dirty="0" err="1" smtClean="0">
-                <a:solidFill>
-                  <a:srgbClr val="FF0000"/>
-                </a:solidFill>
-              </a:rPr>
-              <a:t>Title</a:t>
-            </a:r>
-            <a:endParaRPr lang="fr-FR" sz="2000" b="1" dirty="0" smtClean="0">
-              <a:solidFill>
-                <a:srgbClr val="FF0000"/>
-              </a:solidFill>
-            </a:endParaRPr>
-          </a:p>
-        </p:txBody>
-      </p:sp>
-      <p:sp>
-        <p:nvSpPr>
-          <p:cNvPr id="14" name="ZoneTexte 13"/>
-          <p:cNvSpPr txBox="1"/>
-          <p:nvPr/>
-        </p:nvSpPr>
-        <p:spPr>
-          <a:xfrm>
-            <a:off x="8123039" y="4708829"/>
-            <a:ext cx="1171074" cy="400110"/>
-          </a:xfrm>
-          <a:prstGeom prst="rect">
-            <a:avLst/>
-          </a:prstGeom>
-          <a:noFill/>
-        </p:spPr>
-        <p:txBody>
-          <a:bodyPr wrap="square" rtlCol="0">
-            <a:spAutoFit/>
-          </a:bodyPr>
-          <a:lstStyle/>
-          <a:p>
-            <a:r>
-              <a:rPr lang="fr-FR" sz="2000" b="1" dirty="0" err="1" smtClean="0">
-                <a:solidFill>
-                  <a:srgbClr val="FF0000"/>
-                </a:solidFill>
-              </a:rPr>
-              <a:t>Text</a:t>
-            </a:r>
-            <a:endParaRPr lang="fr-FR" sz="2000" b="1" dirty="0" smtClean="0">
-              <a:solidFill>
-                <a:srgbClr val="FF0000"/>
-              </a:solidFill>
-            </a:endParaRPr>
-          </a:p>
-        </p:txBody>
-      </p:sp>
-      <p:sp>
-        <p:nvSpPr>
-          <p:cNvPr id="15" name="ZoneTexte 14"/>
-          <p:cNvSpPr txBox="1"/>
-          <p:nvPr/>
-        </p:nvSpPr>
-        <p:spPr>
-          <a:xfrm>
-            <a:off x="8480924" y="5669606"/>
-            <a:ext cx="1561433" cy="400110"/>
-          </a:xfrm>
-          <a:prstGeom prst="rect">
-            <a:avLst/>
-          </a:prstGeom>
-          <a:noFill/>
-        </p:spPr>
-        <p:txBody>
-          <a:bodyPr wrap="square" rtlCol="0">
-            <a:spAutoFit/>
-          </a:bodyPr>
-          <a:lstStyle/>
-          <a:p>
-            <a:r>
-              <a:rPr lang="fr-FR" sz="2000" b="1" dirty="0" smtClean="0">
-                <a:solidFill>
-                  <a:srgbClr val="FF0000"/>
-                </a:solidFill>
-              </a:rPr>
-              <a:t>Code </a:t>
-            </a:r>
-            <a:r>
-              <a:rPr lang="fr-FR" sz="2000" b="1" dirty="0" err="1" smtClean="0">
-                <a:solidFill>
-                  <a:srgbClr val="FF0000"/>
-                </a:solidFill>
-              </a:rPr>
-              <a:t>chunk</a:t>
-            </a:r>
-            <a:endParaRPr lang="fr-FR" sz="2000" b="1" dirty="0" smtClean="0">
-              <a:solidFill>
-                <a:srgbClr val="FF0000"/>
-              </a:solidFill>
-            </a:endParaRPr>
-          </a:p>
-        </p:txBody>
-      </p:sp>
+      </p:pic>
     </p:spTree>
     <p:extLst>
       <p:ext uri="{BB962C8B-B14F-4D97-AF65-F5344CB8AC3E}">
-        <p14:creationId xmlns:p14="http://schemas.microsoft.com/office/powerpoint/2010/main" val="351360596"/>
+        <p14:creationId xmlns:p14="http://schemas.microsoft.com/office/powerpoint/2010/main" val="198708183"/>
       </p:ext>
     </p:extLst>
   </p:cSld>
@@ -6705,7 +7473,7 @@
                   </a:schemeClr>
                 </a:solidFill>
               </a:rPr>
-              <a:t>Knit the .</a:t>
+              <a:t>Anatomy of a .</a:t>
             </a:r>
             <a:r>
               <a:rPr lang="en-CA" sz="4400" dirty="0" err="1" smtClean="0">
@@ -6739,14 +7507,14 @@
       </p:sp>
       <p:sp>
         <p:nvSpPr>
-          <p:cNvPr id="4" name="Ellipse 3"/>
+          <p:cNvPr id="5" name="Ellipse 4"/>
           <p:cNvSpPr/>
           <p:nvPr/>
         </p:nvSpPr>
         <p:spPr>
           <a:xfrm>
-            <a:off x="2766119" y="1870818"/>
-            <a:ext cx="955650" cy="647793"/>
+            <a:off x="672623" y="1546921"/>
+            <a:ext cx="1364723" cy="795226"/>
           </a:xfrm>
           <a:prstGeom prst="ellipse">
             <a:avLst/>
@@ -6783,10 +7551,309 @@
           </a:p>
         </p:txBody>
       </p:sp>
+      <p:cxnSp>
+        <p:nvCxnSpPr>
+          <p:cNvPr id="7" name="Connecteur droit avec flèche 6"/>
+          <p:cNvCxnSpPr/>
+          <p:nvPr/>
+        </p:nvCxnSpPr>
+        <p:spPr>
+          <a:xfrm flipH="1">
+            <a:off x="3481137" y="2903621"/>
+            <a:ext cx="914400" cy="0"/>
+          </a:xfrm>
+          <a:prstGeom prst="straightConnector1">
+            <a:avLst/>
+          </a:prstGeom>
+          <a:ln w="50800">
+            <a:solidFill>
+              <a:srgbClr val="FF0000"/>
+            </a:solidFill>
+            <a:tailEnd type="triangle"/>
+          </a:ln>
+        </p:spPr>
+        <p:style>
+          <a:lnRef idx="1">
+            <a:schemeClr val="accent1"/>
+          </a:lnRef>
+          <a:fillRef idx="0">
+            <a:schemeClr val="accent1"/>
+          </a:fillRef>
+          <a:effectRef idx="0">
+            <a:schemeClr val="accent1"/>
+          </a:effectRef>
+          <a:fontRef idx="minor">
+            <a:schemeClr val="tx1"/>
+          </a:fontRef>
+        </p:style>
+      </p:cxnSp>
+      <p:cxnSp>
+        <p:nvCxnSpPr>
+          <p:cNvPr id="9" name="Connecteur droit avec flèche 8"/>
+          <p:cNvCxnSpPr/>
+          <p:nvPr/>
+        </p:nvCxnSpPr>
+        <p:spPr>
+          <a:xfrm flipH="1">
+            <a:off x="2766119" y="4339389"/>
+            <a:ext cx="914400" cy="0"/>
+          </a:xfrm>
+          <a:prstGeom prst="straightConnector1">
+            <a:avLst/>
+          </a:prstGeom>
+          <a:ln w="50800">
+            <a:solidFill>
+              <a:srgbClr val="FF0000"/>
+            </a:solidFill>
+            <a:tailEnd type="triangle"/>
+          </a:ln>
+        </p:spPr>
+        <p:style>
+          <a:lnRef idx="1">
+            <a:schemeClr val="accent1"/>
+          </a:lnRef>
+          <a:fillRef idx="0">
+            <a:schemeClr val="accent1"/>
+          </a:fillRef>
+          <a:effectRef idx="0">
+            <a:schemeClr val="accent1"/>
+          </a:effectRef>
+          <a:fontRef idx="minor">
+            <a:schemeClr val="tx1"/>
+          </a:fontRef>
+        </p:style>
+      </p:cxnSp>
+      <p:cxnSp>
+        <p:nvCxnSpPr>
+          <p:cNvPr id="10" name="Connecteur droit avec flèche 9"/>
+          <p:cNvCxnSpPr/>
+          <p:nvPr/>
+        </p:nvCxnSpPr>
+        <p:spPr>
+          <a:xfrm flipH="1">
+            <a:off x="7041340" y="4989094"/>
+            <a:ext cx="914400" cy="0"/>
+          </a:xfrm>
+          <a:prstGeom prst="straightConnector1">
+            <a:avLst/>
+          </a:prstGeom>
+          <a:ln w="50800">
+            <a:solidFill>
+              <a:srgbClr val="FF0000"/>
+            </a:solidFill>
+            <a:tailEnd type="triangle"/>
+          </a:ln>
+        </p:spPr>
+        <p:style>
+          <a:lnRef idx="1">
+            <a:schemeClr val="accent1"/>
+          </a:lnRef>
+          <a:fillRef idx="0">
+            <a:schemeClr val="accent1"/>
+          </a:fillRef>
+          <a:effectRef idx="0">
+            <a:schemeClr val="accent1"/>
+          </a:effectRef>
+          <a:fontRef idx="minor">
+            <a:schemeClr val="tx1"/>
+          </a:fontRef>
+        </p:style>
+      </p:cxnSp>
+      <p:cxnSp>
+        <p:nvCxnSpPr>
+          <p:cNvPr id="11" name="Connecteur droit avec flèche 10"/>
+          <p:cNvCxnSpPr/>
+          <p:nvPr/>
+        </p:nvCxnSpPr>
+        <p:spPr>
+          <a:xfrm flipH="1">
+            <a:off x="7401143" y="5895473"/>
+            <a:ext cx="914400" cy="0"/>
+          </a:xfrm>
+          <a:prstGeom prst="straightConnector1">
+            <a:avLst/>
+          </a:prstGeom>
+          <a:ln w="50800">
+            <a:solidFill>
+              <a:srgbClr val="FF0000"/>
+            </a:solidFill>
+            <a:tailEnd type="triangle"/>
+          </a:ln>
+        </p:spPr>
+        <p:style>
+          <a:lnRef idx="1">
+            <a:schemeClr val="accent1"/>
+          </a:lnRef>
+          <a:fillRef idx="0">
+            <a:schemeClr val="accent1"/>
+          </a:fillRef>
+          <a:effectRef idx="0">
+            <a:schemeClr val="accent1"/>
+          </a:effectRef>
+          <a:fontRef idx="minor">
+            <a:schemeClr val="tx1"/>
+          </a:fontRef>
+        </p:style>
+      </p:cxnSp>
+      <p:sp>
+        <p:nvSpPr>
+          <p:cNvPr id="12" name="ZoneTexte 11"/>
+          <p:cNvSpPr txBox="1"/>
+          <p:nvPr/>
+        </p:nvSpPr>
+        <p:spPr>
+          <a:xfrm>
+            <a:off x="4475749" y="2679032"/>
+            <a:ext cx="1171074" cy="400110"/>
+          </a:xfrm>
+          <a:prstGeom prst="rect">
+            <a:avLst/>
+          </a:prstGeom>
+          <a:noFill/>
+        </p:spPr>
+        <p:txBody>
+          <a:bodyPr wrap="square" rtlCol="0">
+            <a:spAutoFit/>
+          </a:bodyPr>
+          <a:lstStyle/>
+          <a:p>
+            <a:r>
+              <a:rPr lang="fr-FR" sz="2000" b="1" dirty="0" smtClean="0">
+                <a:solidFill>
+                  <a:srgbClr val="FF0000"/>
+                </a:solidFill>
+              </a:rPr>
+              <a:t>Header</a:t>
+            </a:r>
+          </a:p>
+        </p:txBody>
+      </p:sp>
+      <p:sp>
+        <p:nvSpPr>
+          <p:cNvPr id="13" name="ZoneTexte 12"/>
+          <p:cNvSpPr txBox="1"/>
+          <p:nvPr/>
+        </p:nvSpPr>
+        <p:spPr>
+          <a:xfrm>
+            <a:off x="3890212" y="4139334"/>
+            <a:ext cx="1171074" cy="400110"/>
+          </a:xfrm>
+          <a:prstGeom prst="rect">
+            <a:avLst/>
+          </a:prstGeom>
+          <a:noFill/>
+        </p:spPr>
+        <p:txBody>
+          <a:bodyPr wrap="square" rtlCol="0">
+            <a:spAutoFit/>
+          </a:bodyPr>
+          <a:lstStyle/>
+          <a:p>
+            <a:r>
+              <a:rPr lang="fr-FR" sz="2000" b="1" dirty="0" err="1" smtClean="0">
+                <a:solidFill>
+                  <a:srgbClr val="FF0000"/>
+                </a:solidFill>
+              </a:rPr>
+              <a:t>Title</a:t>
+            </a:r>
+            <a:endParaRPr lang="fr-FR" sz="2000" b="1" dirty="0" smtClean="0">
+              <a:solidFill>
+                <a:srgbClr val="FF0000"/>
+              </a:solidFill>
+            </a:endParaRPr>
+          </a:p>
+        </p:txBody>
+      </p:sp>
+      <p:sp>
+        <p:nvSpPr>
+          <p:cNvPr id="14" name="ZoneTexte 13"/>
+          <p:cNvSpPr txBox="1"/>
+          <p:nvPr/>
+        </p:nvSpPr>
+        <p:spPr>
+          <a:xfrm>
+            <a:off x="8123039" y="4708829"/>
+            <a:ext cx="1171074" cy="400110"/>
+          </a:xfrm>
+          <a:prstGeom prst="rect">
+            <a:avLst/>
+          </a:prstGeom>
+          <a:noFill/>
+        </p:spPr>
+        <p:txBody>
+          <a:bodyPr wrap="square" rtlCol="0">
+            <a:spAutoFit/>
+          </a:bodyPr>
+          <a:lstStyle/>
+          <a:p>
+            <a:r>
+              <a:rPr lang="fr-FR" sz="2000" b="1" dirty="0" err="1" smtClean="0">
+                <a:solidFill>
+                  <a:srgbClr val="FF0000"/>
+                </a:solidFill>
+              </a:rPr>
+              <a:t>Text</a:t>
+            </a:r>
+            <a:endParaRPr lang="fr-FR" sz="2000" b="1" dirty="0" smtClean="0">
+              <a:solidFill>
+                <a:srgbClr val="FF0000"/>
+              </a:solidFill>
+            </a:endParaRPr>
+          </a:p>
+        </p:txBody>
+      </p:sp>
+      <p:sp>
+        <p:nvSpPr>
+          <p:cNvPr id="15" name="ZoneTexte 14"/>
+          <p:cNvSpPr txBox="1"/>
+          <p:nvPr/>
+        </p:nvSpPr>
+        <p:spPr>
+          <a:xfrm>
+            <a:off x="8480924" y="5669606"/>
+            <a:ext cx="1561433" cy="400110"/>
+          </a:xfrm>
+          <a:prstGeom prst="rect">
+            <a:avLst/>
+          </a:prstGeom>
+          <a:noFill/>
+        </p:spPr>
+        <p:txBody>
+          <a:bodyPr wrap="square" rtlCol="0">
+            <a:spAutoFit/>
+          </a:bodyPr>
+          <a:lstStyle/>
+          <a:p>
+            <a:r>
+              <a:rPr lang="fr-FR" sz="2000" b="1" dirty="0" smtClean="0">
+                <a:solidFill>
+                  <a:srgbClr val="FF0000"/>
+                </a:solidFill>
+              </a:rPr>
+              <a:t>Code </a:t>
+            </a:r>
+            <a:r>
+              <a:rPr lang="fr-FR" sz="2000" b="1" dirty="0" err="1" smtClean="0">
+                <a:solidFill>
+                  <a:srgbClr val="FF0000"/>
+                </a:solidFill>
+              </a:rPr>
+              <a:t>chunk</a:t>
+            </a:r>
+            <a:endParaRPr lang="fr-FR" sz="2000" b="1" dirty="0" smtClean="0">
+              <a:solidFill>
+                <a:srgbClr val="FF0000"/>
+              </a:solidFill>
+            </a:endParaRPr>
+          </a:p>
+        </p:txBody>
+      </p:sp>
     </p:spTree>
     <p:extLst>
       <p:ext uri="{BB962C8B-B14F-4D97-AF65-F5344CB8AC3E}">
-        <p14:creationId xmlns:p14="http://schemas.microsoft.com/office/powerpoint/2010/main" val="420362641"/>
+        <p14:creationId xmlns:p14="http://schemas.microsoft.com/office/powerpoint/2010/main" val="351360596"/>
       </p:ext>
     </p:extLst>
   </p:cSld>
@@ -6836,8 +7903,8 @@
         </p:blipFill>
         <p:spPr>
           <a:xfrm>
-            <a:off x="4801115" y="2406314"/>
-            <a:ext cx="6765118" cy="4050632"/>
+            <a:off x="812800" y="1262742"/>
+            <a:ext cx="10160000" cy="4818039"/>
           </a:xfrm>
           <a:prstGeom prst="rect">
             <a:avLst/>
@@ -6849,81 +7916,16 @@
           </a:ln>
         </p:spPr>
       </p:pic>
-      <p:pic>
-        <p:nvPicPr>
-          <p:cNvPr id="3" name="Image 2"/>
-          <p:cNvPicPr>
-            <a:picLocks noChangeAspect="1"/>
-          </p:cNvPicPr>
-          <p:nvPr/>
-        </p:nvPicPr>
-        <p:blipFill>
-          <a:blip r:embed="rId3"/>
-          <a:stretch>
-            <a:fillRect/>
-          </a:stretch>
-        </p:blipFill>
-        <p:spPr>
-          <a:xfrm>
-            <a:off x="5057788" y="705184"/>
-            <a:ext cx="4787900" cy="635000"/>
-          </a:xfrm>
-          <a:prstGeom prst="rect">
-            <a:avLst/>
-          </a:prstGeom>
-          <a:ln w="34925">
-            <a:solidFill>
-              <a:schemeClr val="tx1"/>
-            </a:solidFill>
-          </a:ln>
-        </p:spPr>
-      </p:pic>
-      <p:cxnSp>
-        <p:nvCxnSpPr>
-          <p:cNvPr id="4" name="Connecteur droit avec flèche 3"/>
-          <p:cNvCxnSpPr/>
-          <p:nvPr/>
-        </p:nvCxnSpPr>
-        <p:spPr>
-          <a:xfrm flipH="1">
-            <a:off x="10026314" y="929773"/>
-            <a:ext cx="914400" cy="0"/>
-          </a:xfrm>
-          <a:prstGeom prst="straightConnector1">
-            <a:avLst/>
-          </a:prstGeom>
-          <a:ln w="50800">
-            <a:solidFill>
-              <a:srgbClr val="FF0000"/>
-            </a:solidFill>
-            <a:tailEnd type="triangle"/>
-          </a:ln>
-        </p:spPr>
-        <p:style>
-          <a:lnRef idx="1">
-            <a:schemeClr val="accent1"/>
-          </a:lnRef>
-          <a:fillRef idx="0">
-            <a:schemeClr val="accent1"/>
-          </a:fillRef>
-          <a:effectRef idx="0">
-            <a:schemeClr val="accent1"/>
-          </a:effectRef>
-          <a:fontRef idx="minor">
-            <a:schemeClr val="tx1"/>
-          </a:fontRef>
-        </p:style>
-      </p:cxnSp>
-      <p:sp>
-        <p:nvSpPr>
-          <p:cNvPr id="5" name="ZoneTexte 4"/>
+      <p:sp>
+        <p:nvSpPr>
+          <p:cNvPr id="3" name="ZoneTexte 2"/>
           <p:cNvSpPr txBox="1"/>
           <p:nvPr/>
         </p:nvSpPr>
         <p:spPr>
           <a:xfrm>
-            <a:off x="11020926" y="689142"/>
-            <a:ext cx="1171074" cy="400110"/>
+            <a:off x="145140" y="109331"/>
+            <a:ext cx="9506859" cy="769441"/>
           </a:xfrm>
           <a:prstGeom prst="rect">
             <a:avLst/>
@@ -6937,121 +7939,6 @@
           <a:lstStyle/>
           <a:p>
             <a:r>
-              <a:rPr lang="fr-FR" sz="2000" b="1" dirty="0" smtClean="0">
-                <a:solidFill>
-                  <a:srgbClr val="FF0000"/>
-                </a:solidFill>
-              </a:rPr>
-              <a:t>.html</a:t>
-            </a:r>
-          </a:p>
-        </p:txBody>
-      </p:sp>
-      <p:cxnSp>
-        <p:nvCxnSpPr>
-          <p:cNvPr id="6" name="Connecteur droit avec flèche 5"/>
-          <p:cNvCxnSpPr/>
-          <p:nvPr/>
-        </p:nvCxnSpPr>
-        <p:spPr>
-          <a:xfrm flipH="1">
-            <a:off x="10106526" y="1226944"/>
-            <a:ext cx="914400" cy="0"/>
-          </a:xfrm>
-          <a:prstGeom prst="straightConnector1">
-            <a:avLst/>
-          </a:prstGeom>
-          <a:ln w="50800">
-            <a:solidFill>
-              <a:srgbClr val="FF0000"/>
-            </a:solidFill>
-            <a:tailEnd type="triangle"/>
-          </a:ln>
-        </p:spPr>
-        <p:style>
-          <a:lnRef idx="1">
-            <a:schemeClr val="accent1"/>
-          </a:lnRef>
-          <a:fillRef idx="0">
-            <a:schemeClr val="accent1"/>
-          </a:fillRef>
-          <a:effectRef idx="0">
-            <a:schemeClr val="accent1"/>
-          </a:effectRef>
-          <a:fontRef idx="minor">
-            <a:schemeClr val="tx1"/>
-          </a:fontRef>
-        </p:style>
-      </p:cxnSp>
-      <p:sp>
-        <p:nvSpPr>
-          <p:cNvPr id="7" name="ZoneTexte 6"/>
-          <p:cNvSpPr txBox="1"/>
-          <p:nvPr/>
-        </p:nvSpPr>
-        <p:spPr>
-          <a:xfrm>
-            <a:off x="11101138" y="1002355"/>
-            <a:ext cx="1171074" cy="400110"/>
-          </a:xfrm>
-          <a:prstGeom prst="rect">
-            <a:avLst/>
-          </a:prstGeom>
-          <a:noFill/>
-        </p:spPr>
-        <p:txBody>
-          <a:bodyPr wrap="square" rtlCol="0">
-            <a:spAutoFit/>
-          </a:bodyPr>
-          <a:lstStyle/>
-          <a:p>
-            <a:r>
-              <a:rPr lang="fr-FR" sz="2000" b="1" dirty="0" smtClean="0">
-                <a:solidFill>
-                  <a:srgbClr val="FF0000"/>
-                </a:solidFill>
-              </a:rPr>
-              <a:t>.</a:t>
-            </a:r>
-            <a:r>
-              <a:rPr lang="fr-FR" sz="2000" b="1" dirty="0" err="1" smtClean="0">
-                <a:solidFill>
-                  <a:srgbClr val="FF0000"/>
-                </a:solidFill>
-              </a:rPr>
-              <a:t>rmd</a:t>
-            </a:r>
-            <a:endParaRPr lang="fr-FR" sz="2000" b="1" dirty="0" smtClean="0">
-              <a:solidFill>
-                <a:srgbClr val="FF0000"/>
-              </a:solidFill>
-            </a:endParaRPr>
-          </a:p>
-        </p:txBody>
-      </p:sp>
-      <p:sp>
-        <p:nvSpPr>
-          <p:cNvPr id="8" name="ZoneTexte 7"/>
-          <p:cNvSpPr txBox="1"/>
-          <p:nvPr/>
-        </p:nvSpPr>
-        <p:spPr>
-          <a:xfrm>
-            <a:off x="454064" y="889197"/>
-            <a:ext cx="3428486" cy="5755422"/>
-          </a:xfrm>
-          <a:prstGeom prst="rect">
-            <a:avLst/>
-          </a:prstGeom>
-          <a:noFill/>
-        </p:spPr>
-        <p:txBody>
-          <a:bodyPr wrap="square" rtlCol="0">
-            <a:spAutoFit/>
-          </a:bodyPr>
-          <a:lstStyle/>
-          <a:p>
-            <a:r>
               <a:rPr lang="en-CA" sz="4400" dirty="0" smtClean="0">
                 <a:solidFill>
                   <a:schemeClr val="accent2">
@@ -7059,49 +7946,38 @@
                   </a:schemeClr>
                 </a:solidFill>
               </a:rPr>
-              <a:t>.HTML output is ready !</a:t>
-            </a:r>
-          </a:p>
-          <a:p>
-            <a:endParaRPr lang="en-CA" sz="4400" dirty="0" smtClean="0">
-              <a:solidFill>
-                <a:schemeClr val="accent2">
-                  <a:lumMod val="75000"/>
-                </a:schemeClr>
-              </a:solidFill>
-            </a:endParaRPr>
-          </a:p>
-          <a:p>
-            <a:pPr marL="457200" indent="-457200">
-              <a:buFont typeface="Arial" charset="0"/>
-              <a:buChar char="•"/>
-            </a:pPr>
-            <a:r>
-              <a:rPr lang="en-CA" sz="3200" dirty="0" smtClean="0"/>
-              <a:t>Have a look to your current director</a:t>
-            </a:r>
-          </a:p>
-          <a:p>
-            <a:endParaRPr lang="en-CA" sz="3200" dirty="0" smtClean="0"/>
-          </a:p>
-          <a:p>
-            <a:pPr marL="457200" indent="-457200">
-              <a:buFont typeface="Arial" charset="0"/>
-              <a:buChar char="•"/>
-            </a:pPr>
-            <a:r>
-              <a:rPr lang="en-CA" sz="3200" dirty="0" smtClean="0"/>
-              <a:t>Open the .html in a browser</a:t>
-            </a:r>
-            <a:endParaRPr lang="en-CA" sz="3200" dirty="0" smtClean="0">
-              <a:solidFill>
-                <a:schemeClr val="accent2">
-                  <a:lumMod val="75000"/>
-                </a:schemeClr>
-              </a:solidFill>
-            </a:endParaRPr>
-          </a:p>
-          <a:p>
+              <a:t>3 - Knit </a:t>
+            </a:r>
+            <a:r>
+              <a:rPr lang="en-CA" sz="4400" dirty="0" smtClean="0">
+                <a:solidFill>
+                  <a:schemeClr val="accent2">
+                    <a:lumMod val="75000"/>
+                  </a:schemeClr>
+                </a:solidFill>
+              </a:rPr>
+              <a:t>the .</a:t>
+            </a:r>
+            <a:r>
+              <a:rPr lang="en-CA" sz="4400" dirty="0" err="1" smtClean="0">
+                <a:solidFill>
+                  <a:schemeClr val="accent2">
+                    <a:lumMod val="75000"/>
+                  </a:schemeClr>
+                </a:solidFill>
+              </a:rPr>
+              <a:t>Rmd</a:t>
+            </a:r>
+            <a:r>
+              <a:rPr lang="en-CA" sz="4400" dirty="0" smtClean="0">
+                <a:solidFill>
+                  <a:schemeClr val="accent2">
+                    <a:lumMod val="75000"/>
+                  </a:schemeClr>
+                </a:solidFill>
+              </a:rPr>
+              <a:t> file:</a:t>
+            </a:r>
             <a:endParaRPr lang="en-CA" sz="4400" dirty="0">
               <a:solidFill>
                 <a:schemeClr val="accent2">
@@ -7112,378 +7988,56 @@
           </a:p>
         </p:txBody>
       </p:sp>
-      <p:cxnSp>
-        <p:nvCxnSpPr>
-          <p:cNvPr id="9" name="Connecteur droit avec flèche 8"/>
-          <p:cNvCxnSpPr/>
-          <p:nvPr/>
-        </p:nvCxnSpPr>
-        <p:spPr>
-          <a:xfrm flipH="1">
-            <a:off x="7018421" y="2887302"/>
-            <a:ext cx="914400" cy="0"/>
-          </a:xfrm>
-          <a:prstGeom prst="straightConnector1">
-            <a:avLst/>
-          </a:prstGeom>
-          <a:ln w="50800">
+      <p:sp>
+        <p:nvSpPr>
+          <p:cNvPr id="4" name="Ellipse 3"/>
+          <p:cNvSpPr/>
+          <p:nvPr/>
+        </p:nvSpPr>
+        <p:spPr>
+          <a:xfrm>
+            <a:off x="2766119" y="1870818"/>
+            <a:ext cx="955650" cy="647793"/>
+          </a:xfrm>
+          <a:prstGeom prst="ellipse">
+            <a:avLst/>
+          </a:prstGeom>
+          <a:noFill/>
+          <a:ln w="47625">
             <a:solidFill>
               <a:srgbClr val="FF0000"/>
             </a:solidFill>
-            <a:tailEnd type="triangle"/>
           </a:ln>
         </p:spPr>
         <p:style>
-          <a:lnRef idx="1">
-            <a:schemeClr val="accent1"/>
+          <a:lnRef idx="2">
+            <a:schemeClr val="accent1">
+              <a:shade val="50000"/>
+            </a:schemeClr>
           </a:lnRef>
-          <a:fillRef idx="0">
+          <a:fillRef idx="1">
             <a:schemeClr val="accent1"/>
           </a:fillRef>
           <a:effectRef idx="0">
             <a:schemeClr val="accent1"/>
           </a:effectRef>
           <a:fontRef idx="minor">
-            <a:schemeClr val="tx1"/>
+            <a:schemeClr val="lt1"/>
           </a:fontRef>
         </p:style>
-      </p:cxnSp>
-      <p:sp>
-        <p:nvSpPr>
-          <p:cNvPr id="10" name="ZoneTexte 9"/>
-          <p:cNvSpPr txBox="1"/>
-          <p:nvPr/>
-        </p:nvSpPr>
-        <p:spPr>
-          <a:xfrm>
-            <a:off x="8023254" y="2664795"/>
-            <a:ext cx="1171074" cy="400110"/>
-          </a:xfrm>
-          <a:prstGeom prst="rect">
-            <a:avLst/>
-          </a:prstGeom>
-          <a:noFill/>
-        </p:spPr>
-        <p:txBody>
-          <a:bodyPr wrap="square" rtlCol="0">
-            <a:spAutoFit/>
-          </a:bodyPr>
-          <a:lstStyle/>
-          <a:p>
-            <a:r>
-              <a:rPr lang="fr-FR" sz="2000" b="1" dirty="0" smtClean="0">
-                <a:solidFill>
-                  <a:srgbClr val="FF0000"/>
-                </a:solidFill>
-              </a:rPr>
-              <a:t>header</a:t>
-            </a:r>
-          </a:p>
-        </p:txBody>
-      </p:sp>
-      <p:sp>
-        <p:nvSpPr>
-          <p:cNvPr id="11" name="ZoneTexte 10"/>
-          <p:cNvSpPr txBox="1"/>
-          <p:nvPr/>
-        </p:nvSpPr>
-        <p:spPr>
-          <a:xfrm>
-            <a:off x="7401776" y="3193909"/>
-            <a:ext cx="1171074" cy="400110"/>
-          </a:xfrm>
-          <a:prstGeom prst="rect">
-            <a:avLst/>
-          </a:prstGeom>
-          <a:noFill/>
-        </p:spPr>
-        <p:txBody>
-          <a:bodyPr wrap="square" rtlCol="0">
-            <a:spAutoFit/>
-          </a:bodyPr>
-          <a:lstStyle/>
-          <a:p>
-            <a:r>
-              <a:rPr lang="fr-FR" sz="2000" b="1" dirty="0" err="1" smtClean="0">
-                <a:solidFill>
-                  <a:srgbClr val="FF0000"/>
-                </a:solidFill>
-              </a:rPr>
-              <a:t>Title</a:t>
-            </a:r>
-            <a:endParaRPr lang="fr-FR" sz="2000" b="1" dirty="0" smtClean="0">
-              <a:solidFill>
-                <a:srgbClr val="FF0000"/>
-              </a:solidFill>
-            </a:endParaRPr>
-          </a:p>
-        </p:txBody>
-      </p:sp>
-      <p:cxnSp>
-        <p:nvCxnSpPr>
-          <p:cNvPr id="12" name="Connecteur droit avec flèche 11"/>
-          <p:cNvCxnSpPr/>
-          <p:nvPr/>
-        </p:nvCxnSpPr>
-        <p:spPr>
-          <a:xfrm flipH="1">
-            <a:off x="6391124" y="3433792"/>
-            <a:ext cx="914400" cy="0"/>
-          </a:xfrm>
-          <a:prstGeom prst="straightConnector1">
-            <a:avLst/>
-          </a:prstGeom>
-          <a:ln w="50800">
-            <a:solidFill>
-              <a:srgbClr val="FF0000"/>
-            </a:solidFill>
-            <a:tailEnd type="triangle"/>
-          </a:ln>
-        </p:spPr>
-        <p:style>
-          <a:lnRef idx="1">
-            <a:schemeClr val="accent1"/>
-          </a:lnRef>
-          <a:fillRef idx="0">
-            <a:schemeClr val="accent1"/>
-          </a:fillRef>
-          <a:effectRef idx="0">
-            <a:schemeClr val="accent1"/>
-          </a:effectRef>
-          <a:fontRef idx="minor">
-            <a:schemeClr val="tx1"/>
-          </a:fontRef>
-        </p:style>
-      </p:cxnSp>
-      <p:sp>
-        <p:nvSpPr>
-          <p:cNvPr id="13" name="ZoneTexte 12"/>
-          <p:cNvSpPr txBox="1"/>
-          <p:nvPr/>
-        </p:nvSpPr>
-        <p:spPr>
-          <a:xfrm>
-            <a:off x="10587974" y="3594019"/>
-            <a:ext cx="1171074" cy="400110"/>
-          </a:xfrm>
-          <a:prstGeom prst="rect">
-            <a:avLst/>
-          </a:prstGeom>
-          <a:noFill/>
-        </p:spPr>
-        <p:txBody>
-          <a:bodyPr wrap="square" rtlCol="0">
-            <a:spAutoFit/>
-          </a:bodyPr>
-          <a:lstStyle/>
-          <a:p>
-            <a:r>
-              <a:rPr lang="fr-FR" sz="2000" b="1" smtClean="0">
-                <a:solidFill>
-                  <a:srgbClr val="FF0000"/>
-                </a:solidFill>
-              </a:rPr>
-              <a:t>Text</a:t>
-            </a:r>
-            <a:endParaRPr lang="fr-FR" sz="2000" b="1" dirty="0" smtClean="0">
-              <a:solidFill>
-                <a:srgbClr val="FF0000"/>
-              </a:solidFill>
-            </a:endParaRPr>
-          </a:p>
-        </p:txBody>
-      </p:sp>
-      <p:cxnSp>
-        <p:nvCxnSpPr>
-          <p:cNvPr id="14" name="Connecteur droit avec flèche 13"/>
-          <p:cNvCxnSpPr/>
-          <p:nvPr/>
-        </p:nvCxnSpPr>
-        <p:spPr>
-          <a:xfrm flipH="1">
-            <a:off x="9388488" y="3809839"/>
-            <a:ext cx="914400" cy="0"/>
-          </a:xfrm>
-          <a:prstGeom prst="straightConnector1">
-            <a:avLst/>
-          </a:prstGeom>
-          <a:ln w="50800">
-            <a:solidFill>
-              <a:srgbClr val="FF0000"/>
-            </a:solidFill>
-            <a:tailEnd type="triangle"/>
-          </a:ln>
-        </p:spPr>
-        <p:style>
-          <a:lnRef idx="1">
-            <a:schemeClr val="accent1"/>
-          </a:lnRef>
-          <a:fillRef idx="0">
-            <a:schemeClr val="accent1"/>
-          </a:fillRef>
-          <a:effectRef idx="0">
-            <a:schemeClr val="accent1"/>
-          </a:effectRef>
-          <a:fontRef idx="minor">
-            <a:schemeClr val="tx1"/>
-          </a:fontRef>
-        </p:style>
-      </p:cxnSp>
-      <p:cxnSp>
-        <p:nvCxnSpPr>
-          <p:cNvPr id="15" name="Connecteur droit avec flèche 14"/>
-          <p:cNvCxnSpPr/>
-          <p:nvPr/>
-        </p:nvCxnSpPr>
-        <p:spPr>
-          <a:xfrm flipH="1">
-            <a:off x="8931288" y="4431630"/>
-            <a:ext cx="914400" cy="0"/>
-          </a:xfrm>
-          <a:prstGeom prst="straightConnector1">
-            <a:avLst/>
-          </a:prstGeom>
-          <a:ln w="50800">
-            <a:solidFill>
-              <a:srgbClr val="FF0000"/>
-            </a:solidFill>
-            <a:tailEnd type="triangle"/>
-          </a:ln>
-        </p:spPr>
-        <p:style>
-          <a:lnRef idx="1">
-            <a:schemeClr val="accent1"/>
-          </a:lnRef>
-          <a:fillRef idx="0">
-            <a:schemeClr val="accent1"/>
-          </a:fillRef>
-          <a:effectRef idx="0">
-            <a:schemeClr val="accent1"/>
-          </a:effectRef>
-          <a:fontRef idx="minor">
-            <a:schemeClr val="tx1"/>
-          </a:fontRef>
-        </p:style>
-      </p:cxnSp>
-      <p:sp>
-        <p:nvSpPr>
-          <p:cNvPr id="16" name="ZoneTexte 15"/>
-          <p:cNvSpPr txBox="1"/>
-          <p:nvPr/>
-        </p:nvSpPr>
-        <p:spPr>
-          <a:xfrm>
-            <a:off x="9954031" y="4231575"/>
-            <a:ext cx="1171074" cy="400110"/>
-          </a:xfrm>
-          <a:prstGeom prst="rect">
-            <a:avLst/>
-          </a:prstGeom>
-          <a:noFill/>
-        </p:spPr>
-        <p:txBody>
-          <a:bodyPr wrap="square" rtlCol="0">
-            <a:spAutoFit/>
-          </a:bodyPr>
-          <a:lstStyle/>
-          <a:p>
-            <a:r>
-              <a:rPr lang="fr-FR" sz="2000" b="1" dirty="0" smtClean="0">
-                <a:solidFill>
-                  <a:srgbClr val="FF0000"/>
-                </a:solidFill>
-              </a:rPr>
-              <a:t>Code</a:t>
-            </a:r>
-          </a:p>
-        </p:txBody>
-      </p:sp>
-      <p:sp>
-        <p:nvSpPr>
-          <p:cNvPr id="17" name="ZoneTexte 16"/>
-          <p:cNvSpPr txBox="1"/>
-          <p:nvPr/>
-        </p:nvSpPr>
-        <p:spPr>
-          <a:xfrm>
-            <a:off x="9897977" y="4944150"/>
-            <a:ext cx="1171074" cy="707886"/>
-          </a:xfrm>
-          <a:prstGeom prst="rect">
-            <a:avLst/>
-          </a:prstGeom>
-          <a:noFill/>
-        </p:spPr>
-        <p:txBody>
-          <a:bodyPr wrap="square" rtlCol="0">
-            <a:spAutoFit/>
-          </a:bodyPr>
-          <a:lstStyle/>
-          <a:p>
-            <a:r>
-              <a:rPr lang="fr-FR" sz="2000" b="1" dirty="0" smtClean="0">
-                <a:solidFill>
-                  <a:srgbClr val="FF0000"/>
-                </a:solidFill>
-              </a:rPr>
-              <a:t>Code </a:t>
-            </a:r>
-            <a:r>
-              <a:rPr lang="fr-FR" sz="2000" b="1" dirty="0" err="1" smtClean="0">
-                <a:solidFill>
-                  <a:srgbClr val="FF0000"/>
-                </a:solidFill>
-              </a:rPr>
-              <a:t>result</a:t>
-            </a:r>
-            <a:endParaRPr lang="fr-FR" sz="2000" b="1" dirty="0" smtClean="0">
-              <a:solidFill>
-                <a:srgbClr val="FF0000"/>
-              </a:solidFill>
-            </a:endParaRPr>
-          </a:p>
-        </p:txBody>
-      </p:sp>
-      <p:cxnSp>
-        <p:nvCxnSpPr>
-          <p:cNvPr id="18" name="Connecteur droit avec flèche 17"/>
-          <p:cNvCxnSpPr/>
-          <p:nvPr/>
-        </p:nvCxnSpPr>
-        <p:spPr>
-          <a:xfrm flipH="1">
-            <a:off x="8737128" y="5144205"/>
-            <a:ext cx="914400" cy="0"/>
-          </a:xfrm>
-          <a:prstGeom prst="straightConnector1">
-            <a:avLst/>
-          </a:prstGeom>
-          <a:ln w="50800">
-            <a:solidFill>
-              <a:srgbClr val="FF0000"/>
-            </a:solidFill>
-            <a:tailEnd type="triangle"/>
-          </a:ln>
-        </p:spPr>
-        <p:style>
-          <a:lnRef idx="1">
-            <a:schemeClr val="accent1"/>
-          </a:lnRef>
-          <a:fillRef idx="0">
-            <a:schemeClr val="accent1"/>
-          </a:fillRef>
-          <a:effectRef idx="0">
-            <a:schemeClr val="accent1"/>
-          </a:effectRef>
-          <a:fontRef idx="minor">
-            <a:schemeClr val="tx1"/>
-          </a:fontRef>
-        </p:style>
-      </p:cxnSp>
+        <p:txBody>
+          <a:bodyPr rtlCol="0" anchor="ctr"/>
+          <a:lstStyle/>
+          <a:p>
+            <a:pPr algn="ctr"/>
+            <a:endParaRPr lang="fr-FR"/>
+          </a:p>
+        </p:txBody>
+      </p:sp>
     </p:spTree>
     <p:extLst>
       <p:ext uri="{BB962C8B-B14F-4D97-AF65-F5344CB8AC3E}">
-        <p14:creationId xmlns:p14="http://schemas.microsoft.com/office/powerpoint/2010/main" val="1884991369"/>
+        <p14:creationId xmlns:p14="http://schemas.microsoft.com/office/powerpoint/2010/main" val="420362641"/>
       </p:ext>
     </p:extLst>
   </p:cSld>
@@ -7517,50 +8071,9 @@
           <a:chExt cx="0" cy="0"/>
         </a:xfrm>
       </p:grpSpPr>
-      <p:sp>
-        <p:nvSpPr>
-          <p:cNvPr id="2" name="Rectangle 1"/>
-          <p:cNvSpPr/>
-          <p:nvPr/>
-        </p:nvSpPr>
-        <p:spPr>
-          <a:xfrm>
-            <a:off x="0" y="902187"/>
-            <a:ext cx="4069063" cy="707886"/>
-          </a:xfrm>
-          <a:prstGeom prst="rect">
-            <a:avLst/>
-          </a:prstGeom>
-        </p:spPr>
-        <p:txBody>
-          <a:bodyPr wrap="none">
-            <a:spAutoFit/>
-          </a:bodyPr>
-          <a:lstStyle/>
-          <a:p>
-            <a:r>
-              <a:rPr lang="en-CA" sz="4000" dirty="0" smtClean="0">
-                <a:solidFill>
-                  <a:schemeClr val="accent2">
-                    <a:lumMod val="75000"/>
-                  </a:schemeClr>
-                </a:solidFill>
-              </a:rPr>
-              <a:t>Customize the text</a:t>
-            </a:r>
-            <a:endParaRPr lang="en-CA" sz="4000" dirty="0" smtClean="0">
-              <a:solidFill>
-                <a:schemeClr val="accent2">
-                  <a:lumMod val="75000"/>
-                </a:schemeClr>
-              </a:solidFill>
-            </a:endParaRPr>
-          </a:p>
-        </p:txBody>
-      </p:sp>
       <p:pic>
         <p:nvPicPr>
-          <p:cNvPr id="3" name="Image 2"/>
+          <p:cNvPr id="2" name="Image 1"/>
           <p:cNvPicPr>
             <a:picLocks noChangeAspect="1"/>
           </p:cNvPicPr>
@@ -7574,8 +8087,8 @@
         </p:blipFill>
         <p:spPr>
           <a:xfrm>
-            <a:off x="5017762" y="160420"/>
-            <a:ext cx="7047281" cy="6633411"/>
+            <a:off x="4801115" y="2406314"/>
+            <a:ext cx="6765118" cy="4050632"/>
           </a:xfrm>
           <a:prstGeom prst="rect">
             <a:avLst/>
@@ -7587,16 +8100,81 @@
           </a:ln>
         </p:spPr>
       </p:pic>
-      <p:sp>
-        <p:nvSpPr>
-          <p:cNvPr id="4" name="ZoneTexte 3"/>
+      <p:pic>
+        <p:nvPicPr>
+          <p:cNvPr id="3" name="Image 2"/>
+          <p:cNvPicPr>
+            <a:picLocks noChangeAspect="1"/>
+          </p:cNvPicPr>
+          <p:nvPr/>
+        </p:nvPicPr>
+        <p:blipFill>
+          <a:blip r:embed="rId3"/>
+          <a:stretch>
+            <a:fillRect/>
+          </a:stretch>
+        </p:blipFill>
+        <p:spPr>
+          <a:xfrm>
+            <a:off x="5057788" y="705184"/>
+            <a:ext cx="4787900" cy="635000"/>
+          </a:xfrm>
+          <a:prstGeom prst="rect">
+            <a:avLst/>
+          </a:prstGeom>
+          <a:ln w="34925">
+            <a:solidFill>
+              <a:schemeClr val="tx1"/>
+            </a:solidFill>
+          </a:ln>
+        </p:spPr>
+      </p:pic>
+      <p:cxnSp>
+        <p:nvCxnSpPr>
+          <p:cNvPr id="4" name="Connecteur droit avec flèche 3"/>
+          <p:cNvCxnSpPr/>
+          <p:nvPr/>
+        </p:nvCxnSpPr>
+        <p:spPr>
+          <a:xfrm flipH="1">
+            <a:off x="10026314" y="929773"/>
+            <a:ext cx="914400" cy="0"/>
+          </a:xfrm>
+          <a:prstGeom prst="straightConnector1">
+            <a:avLst/>
+          </a:prstGeom>
+          <a:ln w="50800">
+            <a:solidFill>
+              <a:srgbClr val="FF0000"/>
+            </a:solidFill>
+            <a:tailEnd type="triangle"/>
+          </a:ln>
+        </p:spPr>
+        <p:style>
+          <a:lnRef idx="1">
+            <a:schemeClr val="accent1"/>
+          </a:lnRef>
+          <a:fillRef idx="0">
+            <a:schemeClr val="accent1"/>
+          </a:fillRef>
+          <a:effectRef idx="0">
+            <a:schemeClr val="accent1"/>
+          </a:effectRef>
+          <a:fontRef idx="minor">
+            <a:schemeClr val="tx1"/>
+          </a:fontRef>
+        </p:style>
+      </p:cxnSp>
+      <p:sp>
+        <p:nvSpPr>
+          <p:cNvPr id="5" name="ZoneTexte 4"/>
           <p:cNvSpPr txBox="1"/>
           <p:nvPr/>
         </p:nvSpPr>
         <p:spPr>
           <a:xfrm>
-            <a:off x="331522" y="3429000"/>
-            <a:ext cx="3449053" cy="738664"/>
+            <a:off x="11020926" y="689142"/>
+            <a:ext cx="1171074" cy="400110"/>
           </a:xfrm>
           <a:prstGeom prst="rect">
             <a:avLst/>
@@ -7610,40 +8188,568 @@
           <a:lstStyle/>
           <a:p>
             <a:r>
-              <a:rPr lang="fr-FR" sz="2400" dirty="0" smtClean="0">
-                <a:hlinkClick r:id="rId3"/>
-              </a:rPr>
-              <a:t>R Markdown </a:t>
-            </a:r>
-            <a:r>
-              <a:rPr lang="fr-FR" sz="2400" dirty="0" err="1" smtClean="0">
-                <a:hlinkClick r:id="rId3"/>
-              </a:rPr>
-              <a:t>cheat</a:t>
-            </a:r>
-            <a:r>
-              <a:rPr lang="fr-FR" sz="2400" dirty="0" smtClean="0">
-                <a:hlinkClick r:id="rId3"/>
-              </a:rPr>
-              <a:t> </a:t>
-            </a:r>
-            <a:r>
-              <a:rPr lang="fr-FR" sz="2400" dirty="0" err="1" smtClean="0">
-                <a:hlinkClick r:id="rId3"/>
-              </a:rPr>
-              <a:t>sheet</a:t>
-            </a:r>
-            <a:endParaRPr lang="fr-FR" sz="2400" dirty="0" smtClean="0"/>
-          </a:p>
-          <a:p>
-            <a:endParaRPr lang="fr-FR" dirty="0"/>
-          </a:p>
-        </p:txBody>
-      </p:sp>
+              <a:rPr lang="fr-FR" sz="2000" b="1" dirty="0" smtClean="0">
+                <a:solidFill>
+                  <a:srgbClr val="FF0000"/>
+                </a:solidFill>
+              </a:rPr>
+              <a:t>.html</a:t>
+            </a:r>
+          </a:p>
+        </p:txBody>
+      </p:sp>
+      <p:cxnSp>
+        <p:nvCxnSpPr>
+          <p:cNvPr id="6" name="Connecteur droit avec flèche 5"/>
+          <p:cNvCxnSpPr/>
+          <p:nvPr/>
+        </p:nvCxnSpPr>
+        <p:spPr>
+          <a:xfrm flipH="1">
+            <a:off x="10106526" y="1226944"/>
+            <a:ext cx="914400" cy="0"/>
+          </a:xfrm>
+          <a:prstGeom prst="straightConnector1">
+            <a:avLst/>
+          </a:prstGeom>
+          <a:ln w="50800">
+            <a:solidFill>
+              <a:srgbClr val="FF0000"/>
+            </a:solidFill>
+            <a:tailEnd type="triangle"/>
+          </a:ln>
+        </p:spPr>
+        <p:style>
+          <a:lnRef idx="1">
+            <a:schemeClr val="accent1"/>
+          </a:lnRef>
+          <a:fillRef idx="0">
+            <a:schemeClr val="accent1"/>
+          </a:fillRef>
+          <a:effectRef idx="0">
+            <a:schemeClr val="accent1"/>
+          </a:effectRef>
+          <a:fontRef idx="minor">
+            <a:schemeClr val="tx1"/>
+          </a:fontRef>
+        </p:style>
+      </p:cxnSp>
+      <p:sp>
+        <p:nvSpPr>
+          <p:cNvPr id="7" name="ZoneTexte 6"/>
+          <p:cNvSpPr txBox="1"/>
+          <p:nvPr/>
+        </p:nvSpPr>
+        <p:spPr>
+          <a:xfrm>
+            <a:off x="11101138" y="1002355"/>
+            <a:ext cx="1171074" cy="400110"/>
+          </a:xfrm>
+          <a:prstGeom prst="rect">
+            <a:avLst/>
+          </a:prstGeom>
+          <a:noFill/>
+        </p:spPr>
+        <p:txBody>
+          <a:bodyPr wrap="square" rtlCol="0">
+            <a:spAutoFit/>
+          </a:bodyPr>
+          <a:lstStyle/>
+          <a:p>
+            <a:r>
+              <a:rPr lang="fr-FR" sz="2000" b="1" dirty="0" smtClean="0">
+                <a:solidFill>
+                  <a:srgbClr val="FF0000"/>
+                </a:solidFill>
+              </a:rPr>
+              <a:t>.</a:t>
+            </a:r>
+            <a:r>
+              <a:rPr lang="fr-FR" sz="2000" b="1" dirty="0" err="1" smtClean="0">
+                <a:solidFill>
+                  <a:srgbClr val="FF0000"/>
+                </a:solidFill>
+              </a:rPr>
+              <a:t>rmd</a:t>
+            </a:r>
+            <a:endParaRPr lang="fr-FR" sz="2000" b="1" dirty="0" smtClean="0">
+              <a:solidFill>
+                <a:srgbClr val="FF0000"/>
+              </a:solidFill>
+            </a:endParaRPr>
+          </a:p>
+        </p:txBody>
+      </p:sp>
+      <p:sp>
+        <p:nvSpPr>
+          <p:cNvPr id="8" name="ZoneTexte 7"/>
+          <p:cNvSpPr txBox="1"/>
+          <p:nvPr/>
+        </p:nvSpPr>
+        <p:spPr>
+          <a:xfrm>
+            <a:off x="454064" y="889197"/>
+            <a:ext cx="3726050" cy="5755422"/>
+          </a:xfrm>
+          <a:prstGeom prst="rect">
+            <a:avLst/>
+          </a:prstGeom>
+          <a:noFill/>
+        </p:spPr>
+        <p:txBody>
+          <a:bodyPr wrap="square" rtlCol="0">
+            <a:spAutoFit/>
+          </a:bodyPr>
+          <a:lstStyle/>
+          <a:p>
+            <a:r>
+              <a:rPr lang="en-CA" sz="4400" dirty="0" smtClean="0">
+                <a:solidFill>
+                  <a:schemeClr val="accent2">
+                    <a:lumMod val="75000"/>
+                  </a:schemeClr>
+                </a:solidFill>
+              </a:rPr>
+              <a:t>4 - .HTML </a:t>
+            </a:r>
+            <a:r>
+              <a:rPr lang="en-CA" sz="4400" dirty="0" smtClean="0">
+                <a:solidFill>
+                  <a:schemeClr val="accent2">
+                    <a:lumMod val="75000"/>
+                  </a:schemeClr>
+                </a:solidFill>
+              </a:rPr>
+              <a:t>output is ready </a:t>
+            </a:r>
+          </a:p>
+          <a:p>
+            <a:endParaRPr lang="en-CA" sz="4400" dirty="0" smtClean="0">
+              <a:solidFill>
+                <a:schemeClr val="accent2">
+                  <a:lumMod val="75000"/>
+                </a:schemeClr>
+              </a:solidFill>
+            </a:endParaRPr>
+          </a:p>
+          <a:p>
+            <a:pPr marL="457200" indent="-457200">
+              <a:buFont typeface="Arial" charset="0"/>
+              <a:buChar char="•"/>
+            </a:pPr>
+            <a:r>
+              <a:rPr lang="en-CA" sz="3200" dirty="0" smtClean="0"/>
+              <a:t>Have a look to your current </a:t>
+            </a:r>
+            <a:r>
+              <a:rPr lang="en-CA" sz="3200" dirty="0" smtClean="0"/>
+              <a:t>directory</a:t>
+            </a:r>
+            <a:endParaRPr lang="en-CA" sz="3200" dirty="0" smtClean="0"/>
+          </a:p>
+          <a:p>
+            <a:endParaRPr lang="en-CA" sz="3200" dirty="0" smtClean="0"/>
+          </a:p>
+          <a:p>
+            <a:pPr marL="457200" indent="-457200">
+              <a:buFont typeface="Arial" charset="0"/>
+              <a:buChar char="•"/>
+            </a:pPr>
+            <a:r>
+              <a:rPr lang="en-CA" sz="3200" dirty="0" smtClean="0"/>
+              <a:t>Open the .html in a browser</a:t>
+            </a:r>
+            <a:endParaRPr lang="en-CA" sz="3200" dirty="0" smtClean="0">
+              <a:solidFill>
+                <a:schemeClr val="accent2">
+                  <a:lumMod val="75000"/>
+                </a:schemeClr>
+              </a:solidFill>
+            </a:endParaRPr>
+          </a:p>
+          <a:p>
+            <a:endParaRPr lang="en-CA" sz="4400" dirty="0">
+              <a:solidFill>
+                <a:schemeClr val="accent2">
+                  <a:lumMod val="75000"/>
+                </a:schemeClr>
+              </a:solidFill>
+            </a:endParaRPr>
+          </a:p>
+        </p:txBody>
+      </p:sp>
+      <p:cxnSp>
+        <p:nvCxnSpPr>
+          <p:cNvPr id="9" name="Connecteur droit avec flèche 8"/>
+          <p:cNvCxnSpPr/>
+          <p:nvPr/>
+        </p:nvCxnSpPr>
+        <p:spPr>
+          <a:xfrm flipH="1">
+            <a:off x="7018421" y="2887302"/>
+            <a:ext cx="914400" cy="0"/>
+          </a:xfrm>
+          <a:prstGeom prst="straightConnector1">
+            <a:avLst/>
+          </a:prstGeom>
+          <a:ln w="50800">
+            <a:solidFill>
+              <a:srgbClr val="FF0000"/>
+            </a:solidFill>
+            <a:tailEnd type="triangle"/>
+          </a:ln>
+        </p:spPr>
+        <p:style>
+          <a:lnRef idx="1">
+            <a:schemeClr val="accent1"/>
+          </a:lnRef>
+          <a:fillRef idx="0">
+            <a:schemeClr val="accent1"/>
+          </a:fillRef>
+          <a:effectRef idx="0">
+            <a:schemeClr val="accent1"/>
+          </a:effectRef>
+          <a:fontRef idx="minor">
+            <a:schemeClr val="tx1"/>
+          </a:fontRef>
+        </p:style>
+      </p:cxnSp>
+      <p:sp>
+        <p:nvSpPr>
+          <p:cNvPr id="10" name="ZoneTexte 9"/>
+          <p:cNvSpPr txBox="1"/>
+          <p:nvPr/>
+        </p:nvSpPr>
+        <p:spPr>
+          <a:xfrm>
+            <a:off x="8023254" y="2664795"/>
+            <a:ext cx="1171074" cy="400110"/>
+          </a:xfrm>
+          <a:prstGeom prst="rect">
+            <a:avLst/>
+          </a:prstGeom>
+          <a:noFill/>
+        </p:spPr>
+        <p:txBody>
+          <a:bodyPr wrap="square" rtlCol="0">
+            <a:spAutoFit/>
+          </a:bodyPr>
+          <a:lstStyle/>
+          <a:p>
+            <a:r>
+              <a:rPr lang="fr-FR" sz="2000" b="1" dirty="0" smtClean="0">
+                <a:solidFill>
+                  <a:srgbClr val="FF0000"/>
+                </a:solidFill>
+              </a:rPr>
+              <a:t>header</a:t>
+            </a:r>
+          </a:p>
+        </p:txBody>
+      </p:sp>
+      <p:sp>
+        <p:nvSpPr>
+          <p:cNvPr id="11" name="ZoneTexte 10"/>
+          <p:cNvSpPr txBox="1"/>
+          <p:nvPr/>
+        </p:nvSpPr>
+        <p:spPr>
+          <a:xfrm>
+            <a:off x="7401776" y="3193909"/>
+            <a:ext cx="1171074" cy="400110"/>
+          </a:xfrm>
+          <a:prstGeom prst="rect">
+            <a:avLst/>
+          </a:prstGeom>
+          <a:noFill/>
+        </p:spPr>
+        <p:txBody>
+          <a:bodyPr wrap="square" rtlCol="0">
+            <a:spAutoFit/>
+          </a:bodyPr>
+          <a:lstStyle/>
+          <a:p>
+            <a:r>
+              <a:rPr lang="fr-FR" sz="2000" b="1" dirty="0" err="1" smtClean="0">
+                <a:solidFill>
+                  <a:srgbClr val="FF0000"/>
+                </a:solidFill>
+              </a:rPr>
+              <a:t>Title</a:t>
+            </a:r>
+            <a:endParaRPr lang="fr-FR" sz="2000" b="1" dirty="0" smtClean="0">
+              <a:solidFill>
+                <a:srgbClr val="FF0000"/>
+              </a:solidFill>
+            </a:endParaRPr>
+          </a:p>
+        </p:txBody>
+      </p:sp>
+      <p:cxnSp>
+        <p:nvCxnSpPr>
+          <p:cNvPr id="12" name="Connecteur droit avec flèche 11"/>
+          <p:cNvCxnSpPr/>
+          <p:nvPr/>
+        </p:nvCxnSpPr>
+        <p:spPr>
+          <a:xfrm flipH="1">
+            <a:off x="6391124" y="3433792"/>
+            <a:ext cx="914400" cy="0"/>
+          </a:xfrm>
+          <a:prstGeom prst="straightConnector1">
+            <a:avLst/>
+          </a:prstGeom>
+          <a:ln w="50800">
+            <a:solidFill>
+              <a:srgbClr val="FF0000"/>
+            </a:solidFill>
+            <a:tailEnd type="triangle"/>
+          </a:ln>
+        </p:spPr>
+        <p:style>
+          <a:lnRef idx="1">
+            <a:schemeClr val="accent1"/>
+          </a:lnRef>
+          <a:fillRef idx="0">
+            <a:schemeClr val="accent1"/>
+          </a:fillRef>
+          <a:effectRef idx="0">
+            <a:schemeClr val="accent1"/>
+          </a:effectRef>
+          <a:fontRef idx="minor">
+            <a:schemeClr val="tx1"/>
+          </a:fontRef>
+        </p:style>
+      </p:cxnSp>
+      <p:sp>
+        <p:nvSpPr>
+          <p:cNvPr id="13" name="ZoneTexte 12"/>
+          <p:cNvSpPr txBox="1"/>
+          <p:nvPr/>
+        </p:nvSpPr>
+        <p:spPr>
+          <a:xfrm>
+            <a:off x="10587974" y="3594019"/>
+            <a:ext cx="1171074" cy="400110"/>
+          </a:xfrm>
+          <a:prstGeom prst="rect">
+            <a:avLst/>
+          </a:prstGeom>
+          <a:noFill/>
+        </p:spPr>
+        <p:txBody>
+          <a:bodyPr wrap="square" rtlCol="0">
+            <a:spAutoFit/>
+          </a:bodyPr>
+          <a:lstStyle/>
+          <a:p>
+            <a:r>
+              <a:rPr lang="fr-FR" sz="2000" b="1" smtClean="0">
+                <a:solidFill>
+                  <a:srgbClr val="FF0000"/>
+                </a:solidFill>
+              </a:rPr>
+              <a:t>Text</a:t>
+            </a:r>
+            <a:endParaRPr lang="fr-FR" sz="2000" b="1" dirty="0" smtClean="0">
+              <a:solidFill>
+                <a:srgbClr val="FF0000"/>
+              </a:solidFill>
+            </a:endParaRPr>
+          </a:p>
+        </p:txBody>
+      </p:sp>
+      <p:cxnSp>
+        <p:nvCxnSpPr>
+          <p:cNvPr id="14" name="Connecteur droit avec flèche 13"/>
+          <p:cNvCxnSpPr/>
+          <p:nvPr/>
+        </p:nvCxnSpPr>
+        <p:spPr>
+          <a:xfrm flipH="1">
+            <a:off x="9388488" y="3809839"/>
+            <a:ext cx="914400" cy="0"/>
+          </a:xfrm>
+          <a:prstGeom prst="straightConnector1">
+            <a:avLst/>
+          </a:prstGeom>
+          <a:ln w="50800">
+            <a:solidFill>
+              <a:srgbClr val="FF0000"/>
+            </a:solidFill>
+            <a:tailEnd type="triangle"/>
+          </a:ln>
+        </p:spPr>
+        <p:style>
+          <a:lnRef idx="1">
+            <a:schemeClr val="accent1"/>
+          </a:lnRef>
+          <a:fillRef idx="0">
+            <a:schemeClr val="accent1"/>
+          </a:fillRef>
+          <a:effectRef idx="0">
+            <a:schemeClr val="accent1"/>
+          </a:effectRef>
+          <a:fontRef idx="minor">
+            <a:schemeClr val="tx1"/>
+          </a:fontRef>
+        </p:style>
+      </p:cxnSp>
+      <p:cxnSp>
+        <p:nvCxnSpPr>
+          <p:cNvPr id="15" name="Connecteur droit avec flèche 14"/>
+          <p:cNvCxnSpPr/>
+          <p:nvPr/>
+        </p:nvCxnSpPr>
+        <p:spPr>
+          <a:xfrm flipH="1">
+            <a:off x="8931288" y="4431630"/>
+            <a:ext cx="914400" cy="0"/>
+          </a:xfrm>
+          <a:prstGeom prst="straightConnector1">
+            <a:avLst/>
+          </a:prstGeom>
+          <a:ln w="50800">
+            <a:solidFill>
+              <a:srgbClr val="FF0000"/>
+            </a:solidFill>
+            <a:tailEnd type="triangle"/>
+          </a:ln>
+        </p:spPr>
+        <p:style>
+          <a:lnRef idx="1">
+            <a:schemeClr val="accent1"/>
+          </a:lnRef>
+          <a:fillRef idx="0">
+            <a:schemeClr val="accent1"/>
+          </a:fillRef>
+          <a:effectRef idx="0">
+            <a:schemeClr val="accent1"/>
+          </a:effectRef>
+          <a:fontRef idx="minor">
+            <a:schemeClr val="tx1"/>
+          </a:fontRef>
+        </p:style>
+      </p:cxnSp>
+      <p:sp>
+        <p:nvSpPr>
+          <p:cNvPr id="16" name="ZoneTexte 15"/>
+          <p:cNvSpPr txBox="1"/>
+          <p:nvPr/>
+        </p:nvSpPr>
+        <p:spPr>
+          <a:xfrm>
+            <a:off x="9954031" y="4231575"/>
+            <a:ext cx="1171074" cy="400110"/>
+          </a:xfrm>
+          <a:prstGeom prst="rect">
+            <a:avLst/>
+          </a:prstGeom>
+          <a:noFill/>
+        </p:spPr>
+        <p:txBody>
+          <a:bodyPr wrap="square" rtlCol="0">
+            <a:spAutoFit/>
+          </a:bodyPr>
+          <a:lstStyle/>
+          <a:p>
+            <a:r>
+              <a:rPr lang="fr-FR" sz="2000" b="1" dirty="0" smtClean="0">
+                <a:solidFill>
+                  <a:srgbClr val="FF0000"/>
+                </a:solidFill>
+              </a:rPr>
+              <a:t>Code</a:t>
+            </a:r>
+          </a:p>
+        </p:txBody>
+      </p:sp>
+      <p:sp>
+        <p:nvSpPr>
+          <p:cNvPr id="17" name="ZoneTexte 16"/>
+          <p:cNvSpPr txBox="1"/>
+          <p:nvPr/>
+        </p:nvSpPr>
+        <p:spPr>
+          <a:xfrm>
+            <a:off x="9897977" y="4944150"/>
+            <a:ext cx="1171074" cy="707886"/>
+          </a:xfrm>
+          <a:prstGeom prst="rect">
+            <a:avLst/>
+          </a:prstGeom>
+          <a:noFill/>
+        </p:spPr>
+        <p:txBody>
+          <a:bodyPr wrap="square" rtlCol="0">
+            <a:spAutoFit/>
+          </a:bodyPr>
+          <a:lstStyle/>
+          <a:p>
+            <a:r>
+              <a:rPr lang="fr-FR" sz="2000" b="1" dirty="0" smtClean="0">
+                <a:solidFill>
+                  <a:srgbClr val="FF0000"/>
+                </a:solidFill>
+              </a:rPr>
+              <a:t>Code </a:t>
+            </a:r>
+            <a:r>
+              <a:rPr lang="fr-FR" sz="2000" b="1" dirty="0" err="1" smtClean="0">
+                <a:solidFill>
+                  <a:srgbClr val="FF0000"/>
+                </a:solidFill>
+              </a:rPr>
+              <a:t>result</a:t>
+            </a:r>
+            <a:endParaRPr lang="fr-FR" sz="2000" b="1" dirty="0" smtClean="0">
+              <a:solidFill>
+                <a:srgbClr val="FF0000"/>
+              </a:solidFill>
+            </a:endParaRPr>
+          </a:p>
+        </p:txBody>
+      </p:sp>
+      <p:cxnSp>
+        <p:nvCxnSpPr>
+          <p:cNvPr id="18" name="Connecteur droit avec flèche 17"/>
+          <p:cNvCxnSpPr/>
+          <p:nvPr/>
+        </p:nvCxnSpPr>
+        <p:spPr>
+          <a:xfrm flipH="1">
+            <a:off x="8737128" y="5144205"/>
+            <a:ext cx="914400" cy="0"/>
+          </a:xfrm>
+          <a:prstGeom prst="straightConnector1">
+            <a:avLst/>
+          </a:prstGeom>
+          <a:ln w="50800">
+            <a:solidFill>
+              <a:srgbClr val="FF0000"/>
+            </a:solidFill>
+            <a:tailEnd type="triangle"/>
+          </a:ln>
+        </p:spPr>
+        <p:style>
+          <a:lnRef idx="1">
+            <a:schemeClr val="accent1"/>
+          </a:lnRef>
+          <a:fillRef idx="0">
+            <a:schemeClr val="accent1"/>
+          </a:fillRef>
+          <a:effectRef idx="0">
+            <a:schemeClr val="accent1"/>
+          </a:effectRef>
+          <a:fontRef idx="minor">
+            <a:schemeClr val="tx1"/>
+          </a:fontRef>
+        </p:style>
+      </p:cxnSp>
     </p:spTree>
     <p:extLst>
       <p:ext uri="{BB962C8B-B14F-4D97-AF65-F5344CB8AC3E}">
-        <p14:creationId xmlns:p14="http://schemas.microsoft.com/office/powerpoint/2010/main" val="1371178239"/>
+        <p14:creationId xmlns:p14="http://schemas.microsoft.com/office/powerpoint/2010/main" val="1884991369"/>
       </p:ext>
     </p:extLst>
   </p:cSld>
@@ -7679,89 +8785,55 @@
       </p:grpSpPr>
       <p:pic>
         <p:nvPicPr>
-          <p:cNvPr id="4" name="Image 3"/>
+          <p:cNvPr id="8" name="Image 7"/>
           <p:cNvPicPr>
             <a:picLocks noChangeAspect="1"/>
           </p:cNvPicPr>
           <p:nvPr/>
         </p:nvPicPr>
         <p:blipFill>
-          <a:blip r:embed="rId2"/>
+          <a:blip r:embed="rId2">
+            <a:alphaModFix amt="24000"/>
+            <a:extLst>
+              <a:ext uri="{28A0092B-C50C-407E-A947-70E740481C1C}">
+                <a14:useLocalDpi xmlns:a14="http://schemas.microsoft.com/office/drawing/2010/main" val="0"/>
+              </a:ext>
+            </a:extLst>
+          </a:blip>
           <a:stretch>
             <a:fillRect/>
           </a:stretch>
         </p:blipFill>
         <p:spPr>
           <a:xfrm>
-            <a:off x="410409" y="2422358"/>
-            <a:ext cx="10067886" cy="3545306"/>
+            <a:off x="-2411662" y="16042"/>
+            <a:ext cx="17808514" cy="6858000"/>
           </a:xfrm>
           <a:prstGeom prst="rect">
             <a:avLst/>
           </a:prstGeom>
         </p:spPr>
       </p:pic>
-      <p:sp>
-        <p:nvSpPr>
-          <p:cNvPr id="3" name="ZoneTexte 2"/>
-          <p:cNvSpPr txBox="1"/>
-          <p:nvPr/>
-        </p:nvSpPr>
-        <p:spPr>
-          <a:xfrm>
-            <a:off x="145140" y="109331"/>
-            <a:ext cx="9506859" cy="769441"/>
-          </a:xfrm>
-          <a:prstGeom prst="rect">
-            <a:avLst/>
-          </a:prstGeom>
-          <a:noFill/>
-        </p:spPr>
-        <p:txBody>
-          <a:bodyPr wrap="square" rtlCol="0">
-            <a:spAutoFit/>
-          </a:bodyPr>
-          <a:lstStyle/>
-          <a:p>
-            <a:r>
-              <a:rPr lang="en-CA" sz="4400" dirty="0" smtClean="0">
-                <a:solidFill>
-                  <a:schemeClr val="accent2">
-                    <a:lumMod val="75000"/>
-                  </a:schemeClr>
-                </a:solidFill>
-              </a:rPr>
-              <a:t>Anatomy of a Code chunk:</a:t>
-            </a:r>
-            <a:endParaRPr lang="en-CA" sz="4400" dirty="0">
-              <a:solidFill>
-                <a:schemeClr val="accent2">
-                  <a:lumMod val="75000"/>
-                </a:schemeClr>
-              </a:solidFill>
-            </a:endParaRPr>
-          </a:p>
-        </p:txBody>
-      </p:sp>
       <p:cxnSp>
         <p:nvCxnSpPr>
-          <p:cNvPr id="9" name="Connecteur droit avec flèche 8"/>
+          <p:cNvPr id="9" name="Connecteur droit 8"/>
           <p:cNvCxnSpPr/>
           <p:nvPr/>
         </p:nvCxnSpPr>
         <p:spPr>
           <a:xfrm>
-            <a:off x="1320414" y="2171996"/>
-            <a:ext cx="682362" cy="597772"/>
-          </a:xfrm>
-          <a:prstGeom prst="straightConnector1">
-            <a:avLst/>
-          </a:prstGeom>
-          <a:ln w="50800">
+            <a:off x="3676696" y="3686627"/>
+            <a:ext cx="4702626" cy="0"/>
+          </a:xfrm>
+          <a:prstGeom prst="line">
+            <a:avLst/>
+          </a:prstGeom>
+          <a:ln>
             <a:solidFill>
-              <a:srgbClr val="FF0000"/>
+              <a:schemeClr val="bg2">
+                <a:lumMod val="50000"/>
+              </a:schemeClr>
             </a:solidFill>
-            <a:tailEnd type="triangle"/>
           </a:ln>
         </p:spPr>
         <p:style>
@@ -7781,14 +8853,14 @@
       </p:cxnSp>
       <p:sp>
         <p:nvSpPr>
-          <p:cNvPr id="13" name="ZoneTexte 12"/>
+          <p:cNvPr id="10" name="ZoneTexte 9"/>
           <p:cNvSpPr txBox="1"/>
           <p:nvPr/>
         </p:nvSpPr>
         <p:spPr>
           <a:xfrm>
-            <a:off x="1757371" y="1353996"/>
-            <a:ext cx="1675257" cy="707886"/>
+            <a:off x="4605609" y="2831940"/>
+            <a:ext cx="4814161" cy="646331"/>
           </a:xfrm>
           <a:prstGeom prst="rect">
             <a:avLst/>
@@ -7802,516 +8874,25 @@
           <a:lstStyle/>
           <a:p>
             <a:r>
-              <a:rPr lang="fr-FR" sz="2000" b="1" dirty="0" err="1" smtClean="0">
-                <a:solidFill>
-                  <a:srgbClr val="FF0000"/>
-                </a:solidFill>
-              </a:rPr>
-              <a:t>Optional</a:t>
-            </a:r>
-            <a:r>
-              <a:rPr lang="fr-FR" sz="2000" b="1" dirty="0" smtClean="0">
-                <a:solidFill>
-                  <a:srgbClr val="FF0000"/>
-                </a:solidFill>
-              </a:rPr>
-              <a:t>: </a:t>
-            </a:r>
-            <a:r>
-              <a:rPr lang="fr-FR" sz="2000" b="1" dirty="0" err="1" smtClean="0">
-                <a:solidFill>
-                  <a:srgbClr val="FF0000"/>
-                </a:solidFill>
-              </a:rPr>
-              <a:t>chunk</a:t>
-            </a:r>
-            <a:r>
-              <a:rPr lang="fr-FR" sz="2000" b="1" dirty="0" smtClean="0">
-                <a:solidFill>
-                  <a:srgbClr val="FF0000"/>
-                </a:solidFill>
-              </a:rPr>
+              <a:rPr lang="fr-FR" sz="3600" dirty="0" err="1" smtClean="0"/>
+              <a:t>Customize</a:t>
+            </a:r>
+            <a:r>
+              <a:rPr lang="fr-FR" sz="3600" dirty="0" smtClean="0"/>
               <a:t> </a:t>
             </a:r>
             <a:r>
-              <a:rPr lang="fr-FR" sz="2000" b="1" dirty="0" err="1" smtClean="0">
-                <a:solidFill>
-                  <a:srgbClr val="FF0000"/>
-                </a:solidFill>
-              </a:rPr>
-              <a:t>name</a:t>
-            </a:r>
-            <a:endParaRPr lang="fr-FR" sz="2000" b="1" dirty="0" smtClean="0">
-              <a:solidFill>
-                <a:srgbClr val="FF0000"/>
-              </a:solidFill>
-            </a:endParaRPr>
-          </a:p>
-        </p:txBody>
-      </p:sp>
-      <p:sp>
-        <p:nvSpPr>
-          <p:cNvPr id="16" name="ZoneTexte 15"/>
-          <p:cNvSpPr txBox="1"/>
-          <p:nvPr/>
-        </p:nvSpPr>
-        <p:spPr>
-          <a:xfrm>
-            <a:off x="270229" y="1701406"/>
-            <a:ext cx="1171074" cy="707886"/>
-          </a:xfrm>
-          <a:prstGeom prst="rect">
-            <a:avLst/>
-          </a:prstGeom>
-          <a:noFill/>
-        </p:spPr>
-        <p:txBody>
-          <a:bodyPr wrap="square" rtlCol="0">
-            <a:spAutoFit/>
-          </a:bodyPr>
-          <a:lstStyle/>
-          <a:p>
-            <a:r>
-              <a:rPr lang="fr-FR" sz="2000" b="1" dirty="0" smtClean="0">
-                <a:solidFill>
-                  <a:srgbClr val="FF0000"/>
-                </a:solidFill>
-              </a:rPr>
-              <a:t>R, </a:t>
-            </a:r>
-            <a:r>
-              <a:rPr lang="fr-FR" sz="2000" b="1" dirty="0" err="1" smtClean="0">
-                <a:solidFill>
-                  <a:srgbClr val="FF0000"/>
-                </a:solidFill>
-              </a:rPr>
-              <a:t>bash</a:t>
-            </a:r>
-            <a:r>
-              <a:rPr lang="fr-FR" sz="2000" b="1" dirty="0" smtClean="0">
-                <a:solidFill>
-                  <a:srgbClr val="FF0000"/>
-                </a:solidFill>
-              </a:rPr>
-              <a:t>, python?</a:t>
-            </a:r>
-          </a:p>
-        </p:txBody>
-      </p:sp>
-      <p:cxnSp>
-        <p:nvCxnSpPr>
-          <p:cNvPr id="17" name="Connecteur droit avec flèche 16"/>
-          <p:cNvCxnSpPr/>
-          <p:nvPr/>
-        </p:nvCxnSpPr>
-        <p:spPr>
-          <a:xfrm>
-            <a:off x="2351308" y="2221001"/>
-            <a:ext cx="6676" cy="519136"/>
-          </a:xfrm>
-          <a:prstGeom prst="straightConnector1">
-            <a:avLst/>
-          </a:prstGeom>
-          <a:ln w="50800">
-            <a:solidFill>
-              <a:srgbClr val="FF0000"/>
-            </a:solidFill>
-            <a:tailEnd type="triangle"/>
-          </a:ln>
-        </p:spPr>
-        <p:style>
-          <a:lnRef idx="1">
-            <a:schemeClr val="accent1"/>
-          </a:lnRef>
-          <a:fillRef idx="0">
-            <a:schemeClr val="accent1"/>
-          </a:fillRef>
-          <a:effectRef idx="0">
-            <a:schemeClr val="accent1"/>
-          </a:effectRef>
-          <a:fontRef idx="minor">
-            <a:schemeClr val="tx1"/>
-          </a:fontRef>
-        </p:style>
-      </p:cxnSp>
-      <p:sp>
-        <p:nvSpPr>
-          <p:cNvPr id="19" name="ZoneTexte 18"/>
-          <p:cNvSpPr txBox="1"/>
-          <p:nvPr/>
-        </p:nvSpPr>
-        <p:spPr>
-          <a:xfrm>
-            <a:off x="3769095" y="1347463"/>
-            <a:ext cx="1675257" cy="707886"/>
-          </a:xfrm>
-          <a:prstGeom prst="rect">
-            <a:avLst/>
-          </a:prstGeom>
-          <a:noFill/>
-        </p:spPr>
-        <p:txBody>
-          <a:bodyPr wrap="square" rtlCol="0">
-            <a:spAutoFit/>
-          </a:bodyPr>
-          <a:lstStyle/>
-          <a:p>
-            <a:r>
-              <a:rPr lang="fr-FR" sz="2000" b="1" dirty="0" err="1" smtClean="0">
-                <a:solidFill>
-                  <a:srgbClr val="FF0000"/>
-                </a:solidFill>
-              </a:rPr>
-              <a:t>Chunk</a:t>
-            </a:r>
-            <a:r>
-              <a:rPr lang="fr-FR" sz="2000" b="1" dirty="0" smtClean="0">
-                <a:solidFill>
-                  <a:srgbClr val="FF0000"/>
-                </a:solidFill>
-              </a:rPr>
-              <a:t> options</a:t>
-            </a:r>
-          </a:p>
-        </p:txBody>
-      </p:sp>
-      <p:cxnSp>
-        <p:nvCxnSpPr>
-          <p:cNvPr id="20" name="Connecteur droit avec flèche 19"/>
-          <p:cNvCxnSpPr/>
-          <p:nvPr/>
-        </p:nvCxnSpPr>
-        <p:spPr>
-          <a:xfrm>
-            <a:off x="4252297" y="2104418"/>
-            <a:ext cx="6676" cy="519136"/>
-          </a:xfrm>
-          <a:prstGeom prst="straightConnector1">
-            <a:avLst/>
-          </a:prstGeom>
-          <a:ln w="50800">
-            <a:solidFill>
-              <a:srgbClr val="FF0000"/>
-            </a:solidFill>
-            <a:tailEnd type="triangle"/>
-          </a:ln>
-        </p:spPr>
-        <p:style>
-          <a:lnRef idx="1">
-            <a:schemeClr val="accent1"/>
-          </a:lnRef>
-          <a:fillRef idx="0">
-            <a:schemeClr val="accent1"/>
-          </a:fillRef>
-          <a:effectRef idx="0">
-            <a:schemeClr val="accent1"/>
-          </a:effectRef>
-          <a:fontRef idx="minor">
-            <a:schemeClr val="tx1"/>
-          </a:fontRef>
-        </p:style>
-      </p:cxnSp>
-      <p:cxnSp>
-        <p:nvCxnSpPr>
-          <p:cNvPr id="21" name="Connecteur droit avec flèche 20"/>
-          <p:cNvCxnSpPr/>
-          <p:nvPr/>
-        </p:nvCxnSpPr>
-        <p:spPr>
-          <a:xfrm>
-            <a:off x="9645323" y="2051269"/>
-            <a:ext cx="6676" cy="519136"/>
-          </a:xfrm>
-          <a:prstGeom prst="straightConnector1">
-            <a:avLst/>
-          </a:prstGeom>
-          <a:ln w="50800">
-            <a:solidFill>
-              <a:srgbClr val="FF0000"/>
-            </a:solidFill>
-            <a:tailEnd type="triangle"/>
-          </a:ln>
-        </p:spPr>
-        <p:style>
-          <a:lnRef idx="1">
-            <a:schemeClr val="accent1"/>
-          </a:lnRef>
-          <a:fillRef idx="0">
-            <a:schemeClr val="accent1"/>
-          </a:fillRef>
-          <a:effectRef idx="0">
-            <a:schemeClr val="accent1"/>
-          </a:effectRef>
-          <a:fontRef idx="minor">
-            <a:schemeClr val="tx1"/>
-          </a:fontRef>
-        </p:style>
-      </p:cxnSp>
-      <p:cxnSp>
-        <p:nvCxnSpPr>
-          <p:cNvPr id="22" name="Connecteur droit avec flèche 21"/>
-          <p:cNvCxnSpPr/>
-          <p:nvPr/>
-        </p:nvCxnSpPr>
-        <p:spPr>
-          <a:xfrm flipH="1">
-            <a:off x="10213472" y="2112336"/>
-            <a:ext cx="548873" cy="511218"/>
-          </a:xfrm>
-          <a:prstGeom prst="straightConnector1">
-            <a:avLst/>
-          </a:prstGeom>
-          <a:ln w="50800">
-            <a:solidFill>
-              <a:srgbClr val="FF0000"/>
-            </a:solidFill>
-            <a:tailEnd type="triangle"/>
-          </a:ln>
-        </p:spPr>
-        <p:style>
-          <a:lnRef idx="1">
-            <a:schemeClr val="accent1"/>
-          </a:lnRef>
-          <a:fillRef idx="0">
-            <a:schemeClr val="accent1"/>
-          </a:fillRef>
-          <a:effectRef idx="0">
-            <a:schemeClr val="accent1"/>
-          </a:effectRef>
-          <a:fontRef idx="minor">
-            <a:schemeClr val="tx1"/>
-          </a:fontRef>
-        </p:style>
-      </p:cxnSp>
-      <p:sp>
-        <p:nvSpPr>
-          <p:cNvPr id="25" name="ZoneTexte 24"/>
-          <p:cNvSpPr txBox="1"/>
-          <p:nvPr/>
-        </p:nvSpPr>
-        <p:spPr>
-          <a:xfrm>
-            <a:off x="8974791" y="901167"/>
-            <a:ext cx="1179862" cy="1015663"/>
-          </a:xfrm>
-          <a:prstGeom prst="rect">
-            <a:avLst/>
-          </a:prstGeom>
-          <a:noFill/>
-        </p:spPr>
-        <p:txBody>
-          <a:bodyPr wrap="square" rtlCol="0">
-            <a:spAutoFit/>
-          </a:bodyPr>
-          <a:lstStyle/>
-          <a:p>
-            <a:r>
-              <a:rPr lang="fr-FR" sz="2000" b="1" dirty="0" err="1" smtClean="0">
-                <a:solidFill>
-                  <a:srgbClr val="FF0000"/>
-                </a:solidFill>
-              </a:rPr>
-              <a:t>Run</a:t>
-            </a:r>
-            <a:r>
-              <a:rPr lang="fr-FR" sz="2000" b="1" dirty="0" smtClean="0">
-                <a:solidFill>
-                  <a:srgbClr val="FF0000"/>
-                </a:solidFill>
-              </a:rPr>
-              <a:t> all </a:t>
-            </a:r>
-            <a:r>
-              <a:rPr lang="fr-FR" sz="2000" b="1" dirty="0" err="1" smtClean="0">
-                <a:solidFill>
-                  <a:srgbClr val="FF0000"/>
-                </a:solidFill>
-              </a:rPr>
-              <a:t>previous</a:t>
-            </a:r>
-            <a:r>
-              <a:rPr lang="fr-FR" sz="2000" b="1" dirty="0" smtClean="0">
-                <a:solidFill>
-                  <a:srgbClr val="FF0000"/>
-                </a:solidFill>
-              </a:rPr>
-              <a:t> </a:t>
-            </a:r>
-            <a:r>
-              <a:rPr lang="fr-FR" sz="2000" b="1" dirty="0" err="1" smtClean="0">
-                <a:solidFill>
-                  <a:srgbClr val="FF0000"/>
-                </a:solidFill>
-              </a:rPr>
-              <a:t>chunks</a:t>
-            </a:r>
-            <a:endParaRPr lang="fr-FR" sz="2000" b="1" dirty="0" smtClean="0">
-              <a:solidFill>
-                <a:srgbClr val="FF0000"/>
-              </a:solidFill>
-            </a:endParaRPr>
-          </a:p>
-        </p:txBody>
-      </p:sp>
-      <p:sp>
-        <p:nvSpPr>
-          <p:cNvPr id="26" name="ZoneTexte 25"/>
-          <p:cNvSpPr txBox="1"/>
-          <p:nvPr/>
-        </p:nvSpPr>
-        <p:spPr>
-          <a:xfrm>
-            <a:off x="10762345" y="1065164"/>
-            <a:ext cx="1179862" cy="707886"/>
-          </a:xfrm>
-          <a:prstGeom prst="rect">
-            <a:avLst/>
-          </a:prstGeom>
-          <a:noFill/>
-        </p:spPr>
-        <p:txBody>
-          <a:bodyPr wrap="square" rtlCol="0">
-            <a:spAutoFit/>
-          </a:bodyPr>
-          <a:lstStyle/>
-          <a:p>
-            <a:r>
-              <a:rPr lang="fr-FR" sz="2000" b="1" dirty="0" err="1" smtClean="0">
-                <a:solidFill>
-                  <a:srgbClr val="FF0000"/>
-                </a:solidFill>
-              </a:rPr>
-              <a:t>Run</a:t>
-            </a:r>
-            <a:r>
-              <a:rPr lang="fr-FR" sz="2000" b="1" dirty="0" smtClean="0">
-                <a:solidFill>
-                  <a:srgbClr val="FF0000"/>
-                </a:solidFill>
-              </a:rPr>
-              <a:t> </a:t>
-            </a:r>
-            <a:r>
-              <a:rPr lang="fr-FR" sz="2000" b="1" dirty="0" err="1" smtClean="0">
-                <a:solidFill>
-                  <a:srgbClr val="FF0000"/>
-                </a:solidFill>
-              </a:rPr>
-              <a:t>this</a:t>
-            </a:r>
-            <a:r>
-              <a:rPr lang="fr-FR" sz="2000" b="1" dirty="0" smtClean="0">
-                <a:solidFill>
-                  <a:srgbClr val="FF0000"/>
-                </a:solidFill>
-              </a:rPr>
-              <a:t> </a:t>
-            </a:r>
-            <a:r>
-              <a:rPr lang="fr-FR" sz="2000" b="1" dirty="0" err="1" smtClean="0">
-                <a:solidFill>
-                  <a:srgbClr val="FF0000"/>
-                </a:solidFill>
-              </a:rPr>
-              <a:t>chunk</a:t>
-            </a:r>
-            <a:endParaRPr lang="fr-FR" sz="2000" b="1" dirty="0" smtClean="0">
-              <a:solidFill>
-                <a:srgbClr val="FF0000"/>
-              </a:solidFill>
-            </a:endParaRPr>
-          </a:p>
-        </p:txBody>
-      </p:sp>
-      <p:cxnSp>
-        <p:nvCxnSpPr>
-          <p:cNvPr id="27" name="Connecteur droit avec flèche 26"/>
-          <p:cNvCxnSpPr/>
-          <p:nvPr/>
-        </p:nvCxnSpPr>
-        <p:spPr>
-          <a:xfrm flipH="1" flipV="1">
-            <a:off x="3915429" y="3419240"/>
-            <a:ext cx="673735" cy="179695"/>
-          </a:xfrm>
-          <a:prstGeom prst="straightConnector1">
-            <a:avLst/>
-          </a:prstGeom>
-          <a:ln w="50800">
-            <a:solidFill>
-              <a:srgbClr val="FF0000"/>
-            </a:solidFill>
-            <a:tailEnd type="triangle"/>
-          </a:ln>
-        </p:spPr>
-        <p:style>
-          <a:lnRef idx="1">
-            <a:schemeClr val="accent1"/>
-          </a:lnRef>
-          <a:fillRef idx="0">
-            <a:schemeClr val="accent1"/>
-          </a:fillRef>
-          <a:effectRef idx="0">
-            <a:schemeClr val="accent1"/>
-          </a:effectRef>
-          <a:fontRef idx="minor">
-            <a:schemeClr val="tx1"/>
-          </a:fontRef>
-        </p:style>
-      </p:cxnSp>
-      <p:sp>
-        <p:nvSpPr>
-          <p:cNvPr id="29" name="ZoneTexte 28"/>
-          <p:cNvSpPr txBox="1"/>
-          <p:nvPr/>
-        </p:nvSpPr>
-        <p:spPr>
-          <a:xfrm>
-            <a:off x="5001702" y="3487125"/>
-            <a:ext cx="2345582" cy="400110"/>
-          </a:xfrm>
-          <a:prstGeom prst="rect">
-            <a:avLst/>
-          </a:prstGeom>
-          <a:noFill/>
-        </p:spPr>
-        <p:txBody>
-          <a:bodyPr wrap="square" rtlCol="0">
-            <a:spAutoFit/>
-          </a:bodyPr>
-          <a:lstStyle/>
-          <a:p>
-            <a:r>
-              <a:rPr lang="fr-FR" sz="2000" b="1" dirty="0" smtClean="0">
-                <a:solidFill>
-                  <a:srgbClr val="FF0000"/>
-                </a:solidFill>
-              </a:rPr>
-              <a:t>Comment </a:t>
-            </a:r>
-            <a:r>
-              <a:rPr lang="fr-FR" sz="2000" b="1" dirty="0" err="1" smtClean="0">
-                <a:solidFill>
-                  <a:srgbClr val="FF0000"/>
-                </a:solidFill>
-              </a:rPr>
-              <a:t>your</a:t>
-            </a:r>
-            <a:r>
-              <a:rPr lang="fr-FR" sz="2000" b="1" dirty="0" smtClean="0">
-                <a:solidFill>
-                  <a:srgbClr val="FF0000"/>
-                </a:solidFill>
-              </a:rPr>
-              <a:t> code</a:t>
-            </a:r>
+              <a:rPr lang="fr-FR" sz="3600" dirty="0" err="1" smtClean="0"/>
+              <a:t>text</a:t>
+            </a:r>
+            <a:endParaRPr lang="fr-FR" sz="3600" dirty="0"/>
           </a:p>
         </p:txBody>
       </p:sp>
     </p:spTree>
     <p:extLst>
       <p:ext uri="{BB962C8B-B14F-4D97-AF65-F5344CB8AC3E}">
-        <p14:creationId xmlns:p14="http://schemas.microsoft.com/office/powerpoint/2010/main" val="33611226"/>
+        <p14:creationId xmlns:p14="http://schemas.microsoft.com/office/powerpoint/2010/main" val="734081744"/>
       </p:ext>
     </p:extLst>
   </p:cSld>

--- a/2018/Introduction_to_Rmarkdown.pptx
+++ b/2018/Introduction_to_Rmarkdown.pptx
@@ -4,6 +4,9 @@
   <p:sldMasterIdLst>
     <p:sldMasterId id="2147483648" r:id="rId1"/>
   </p:sldMasterIdLst>
+  <p:notesMasterIdLst>
+    <p:notesMasterId r:id="rId29"/>
+  </p:notesMasterIdLst>
   <p:sldIdLst>
     <p:sldId id="256" r:id="rId2"/>
     <p:sldId id="257" r:id="rId3"/>
@@ -21,13 +24,17 @@
     <p:sldId id="278" r:id="rId15"/>
     <p:sldId id="279" r:id="rId16"/>
     <p:sldId id="266" r:id="rId17"/>
-    <p:sldId id="267" r:id="rId18"/>
-    <p:sldId id="268" r:id="rId19"/>
-    <p:sldId id="270" r:id="rId20"/>
-    <p:sldId id="274" r:id="rId21"/>
-    <p:sldId id="271" r:id="rId22"/>
-    <p:sldId id="272" r:id="rId23"/>
-    <p:sldId id="273" r:id="rId24"/>
+    <p:sldId id="281" r:id="rId18"/>
+    <p:sldId id="267" r:id="rId19"/>
+    <p:sldId id="268" r:id="rId20"/>
+    <p:sldId id="270" r:id="rId21"/>
+    <p:sldId id="274" r:id="rId22"/>
+    <p:sldId id="282" r:id="rId23"/>
+    <p:sldId id="271" r:id="rId24"/>
+    <p:sldId id="272" r:id="rId25"/>
+    <p:sldId id="280" r:id="rId26"/>
+    <p:sldId id="273" r:id="rId27"/>
+    <p:sldId id="283" r:id="rId28"/>
   </p:sldIdLst>
   <p:sldSz cx="12192000" cy="6858000"/>
   <p:notesSz cx="6858000" cy="9144000"/>
@@ -132,6 +139,440 @@
     </p:ext>
   </p:extLst>
 </p:presentation>
+</file>
+
+<file path=ppt/notesMasters/notesMaster1.xml><?xml version="1.0" encoding="utf-8"?>
+<p:notesMaster xmlns:a="http://schemas.openxmlformats.org/drawingml/2006/main" xmlns:r="http://schemas.openxmlformats.org/officeDocument/2006/relationships" xmlns:p="http://schemas.openxmlformats.org/presentationml/2006/main">
+  <p:cSld>
+    <p:bg>
+      <p:bgRef idx="1001">
+        <a:schemeClr val="bg1"/>
+      </p:bgRef>
+    </p:bg>
+    <p:spTree>
+      <p:nvGrpSpPr>
+        <p:cNvPr id="1" name=""/>
+        <p:cNvGrpSpPr/>
+        <p:nvPr/>
+      </p:nvGrpSpPr>
+      <p:grpSpPr>
+        <a:xfrm>
+          <a:off x="0" y="0"/>
+          <a:ext cx="0" cy="0"/>
+          <a:chOff x="0" y="0"/>
+          <a:chExt cx="0" cy="0"/>
+        </a:xfrm>
+      </p:grpSpPr>
+      <p:sp>
+        <p:nvSpPr>
+          <p:cNvPr id="2" name="Espace réservé de l’en-tête 1"/>
+          <p:cNvSpPr>
+            <a:spLocks noGrp="1"/>
+          </p:cNvSpPr>
+          <p:nvPr>
+            <p:ph type="hdr" sz="quarter"/>
+          </p:nvPr>
+        </p:nvSpPr>
+        <p:spPr>
+          <a:xfrm>
+            <a:off x="0" y="0"/>
+            <a:ext cx="2971800" cy="458788"/>
+          </a:xfrm>
+          <a:prstGeom prst="rect">
+            <a:avLst/>
+          </a:prstGeom>
+        </p:spPr>
+        <p:txBody>
+          <a:bodyPr vert="horz" lIns="91440" tIns="45720" rIns="91440" bIns="45720" rtlCol="0"/>
+          <a:lstStyle>
+            <a:lvl1pPr algn="l">
+              <a:defRPr sz="1200"/>
+            </a:lvl1pPr>
+          </a:lstStyle>
+          <a:p>
+            <a:endParaRPr lang="en-AU"/>
+          </a:p>
+        </p:txBody>
+      </p:sp>
+      <p:sp>
+        <p:nvSpPr>
+          <p:cNvPr id="3" name="Espace réservé de la date 2"/>
+          <p:cNvSpPr>
+            <a:spLocks noGrp="1"/>
+          </p:cNvSpPr>
+          <p:nvPr>
+            <p:ph type="dt" idx="1"/>
+          </p:nvPr>
+        </p:nvSpPr>
+        <p:spPr>
+          <a:xfrm>
+            <a:off x="3884613" y="0"/>
+            <a:ext cx="2971800" cy="458788"/>
+          </a:xfrm>
+          <a:prstGeom prst="rect">
+            <a:avLst/>
+          </a:prstGeom>
+        </p:spPr>
+        <p:txBody>
+          <a:bodyPr vert="horz" lIns="91440" tIns="45720" rIns="91440" bIns="45720" rtlCol="0"/>
+          <a:lstStyle>
+            <a:lvl1pPr algn="r">
+              <a:defRPr sz="1200"/>
+            </a:lvl1pPr>
+          </a:lstStyle>
+          <a:p>
+            <a:fld id="{DE24B45D-B38B-5348-97F2-91F5A5915D4C}" type="datetimeFigureOut">
+              <a:rPr lang="en-AU" smtClean="0"/>
+              <a:t>8/12/18</a:t>
+            </a:fld>
+            <a:endParaRPr lang="en-AU"/>
+          </a:p>
+        </p:txBody>
+      </p:sp>
+      <p:sp>
+        <p:nvSpPr>
+          <p:cNvPr id="4" name="Espace réservé de l’image des diapositives 3"/>
+          <p:cNvSpPr>
+            <a:spLocks noGrp="1" noRot="1" noChangeAspect="1"/>
+          </p:cNvSpPr>
+          <p:nvPr>
+            <p:ph type="sldImg" idx="2"/>
+          </p:nvPr>
+        </p:nvSpPr>
+        <p:spPr>
+          <a:xfrm>
+            <a:off x="685800" y="1143000"/>
+            <a:ext cx="5486400" cy="3086100"/>
+          </a:xfrm>
+          <a:prstGeom prst="rect">
+            <a:avLst/>
+          </a:prstGeom>
+          <a:noFill/>
+          <a:ln w="12700">
+            <a:solidFill>
+              <a:prstClr val="black"/>
+            </a:solidFill>
+          </a:ln>
+        </p:spPr>
+        <p:txBody>
+          <a:bodyPr vert="horz" lIns="91440" tIns="45720" rIns="91440" bIns="45720" rtlCol="0" anchor="ctr"/>
+          <a:lstStyle/>
+          <a:p>
+            <a:endParaRPr lang="en-AU"/>
+          </a:p>
+        </p:txBody>
+      </p:sp>
+      <p:sp>
+        <p:nvSpPr>
+          <p:cNvPr id="5" name="Espace réservé des commentaires 4"/>
+          <p:cNvSpPr>
+            <a:spLocks noGrp="1"/>
+          </p:cNvSpPr>
+          <p:nvPr>
+            <p:ph type="body" sz="quarter" idx="3"/>
+          </p:nvPr>
+        </p:nvSpPr>
+        <p:spPr>
+          <a:xfrm>
+            <a:off x="685800" y="4400550"/>
+            <a:ext cx="5486400" cy="3600450"/>
+          </a:xfrm>
+          <a:prstGeom prst="rect">
+            <a:avLst/>
+          </a:prstGeom>
+        </p:spPr>
+        <p:txBody>
+          <a:bodyPr vert="horz" lIns="91440" tIns="45720" rIns="91440" bIns="45720" rtlCol="0"/>
+          <a:lstStyle/>
+          <a:p>
+            <a:pPr lvl="0"/>
+            <a:r>
+              <a:rPr lang="fr-FR" smtClean="0"/>
+              <a:t>Cliquez pour modifier les styles du texte du masque</a:t>
+            </a:r>
+          </a:p>
+          <a:p>
+            <a:pPr lvl="1"/>
+            <a:r>
+              <a:rPr lang="fr-FR" smtClean="0"/>
+              <a:t>Deuxième niveau</a:t>
+            </a:r>
+          </a:p>
+          <a:p>
+            <a:pPr lvl="2"/>
+            <a:r>
+              <a:rPr lang="fr-FR" smtClean="0"/>
+              <a:t>Troisième niveau</a:t>
+            </a:r>
+          </a:p>
+          <a:p>
+            <a:pPr lvl="3"/>
+            <a:r>
+              <a:rPr lang="fr-FR" smtClean="0"/>
+              <a:t>Quatrième niveau</a:t>
+            </a:r>
+          </a:p>
+          <a:p>
+            <a:pPr lvl="4"/>
+            <a:r>
+              <a:rPr lang="fr-FR" smtClean="0"/>
+              <a:t>Cinquième niveau</a:t>
+            </a:r>
+            <a:endParaRPr lang="en-AU"/>
+          </a:p>
+        </p:txBody>
+      </p:sp>
+      <p:sp>
+        <p:nvSpPr>
+          <p:cNvPr id="6" name="Espace réservé du pied de page 5"/>
+          <p:cNvSpPr>
+            <a:spLocks noGrp="1"/>
+          </p:cNvSpPr>
+          <p:nvPr>
+            <p:ph type="ftr" sz="quarter" idx="4"/>
+          </p:nvPr>
+        </p:nvSpPr>
+        <p:spPr>
+          <a:xfrm>
+            <a:off x="0" y="8685213"/>
+            <a:ext cx="2971800" cy="458787"/>
+          </a:xfrm>
+          <a:prstGeom prst="rect">
+            <a:avLst/>
+          </a:prstGeom>
+        </p:spPr>
+        <p:txBody>
+          <a:bodyPr vert="horz" lIns="91440" tIns="45720" rIns="91440" bIns="45720" rtlCol="0" anchor="b"/>
+          <a:lstStyle>
+            <a:lvl1pPr algn="l">
+              <a:defRPr sz="1200"/>
+            </a:lvl1pPr>
+          </a:lstStyle>
+          <a:p>
+            <a:endParaRPr lang="en-AU"/>
+          </a:p>
+        </p:txBody>
+      </p:sp>
+      <p:sp>
+        <p:nvSpPr>
+          <p:cNvPr id="7" name="Espace réservé du numéro de diapositive 6"/>
+          <p:cNvSpPr>
+            <a:spLocks noGrp="1"/>
+          </p:cNvSpPr>
+          <p:nvPr>
+            <p:ph type="sldNum" sz="quarter" idx="5"/>
+          </p:nvPr>
+        </p:nvSpPr>
+        <p:spPr>
+          <a:xfrm>
+            <a:off x="3884613" y="8685213"/>
+            <a:ext cx="2971800" cy="458787"/>
+          </a:xfrm>
+          <a:prstGeom prst="rect">
+            <a:avLst/>
+          </a:prstGeom>
+        </p:spPr>
+        <p:txBody>
+          <a:bodyPr vert="horz" lIns="91440" tIns="45720" rIns="91440" bIns="45720" rtlCol="0" anchor="b"/>
+          <a:lstStyle>
+            <a:lvl1pPr algn="r">
+              <a:defRPr sz="1200"/>
+            </a:lvl1pPr>
+          </a:lstStyle>
+          <a:p>
+            <a:fld id="{3C97A14E-500E-A148-99C8-B80307C7DE72}" type="slidenum">
+              <a:rPr lang="en-AU" smtClean="0"/>
+              <a:t>‹#›</a:t>
+            </a:fld>
+            <a:endParaRPr lang="en-AU"/>
+          </a:p>
+        </p:txBody>
+      </p:sp>
+    </p:spTree>
+    <p:extLst>
+      <p:ext uri="{BB962C8B-B14F-4D97-AF65-F5344CB8AC3E}">
+        <p14:creationId xmlns:p14="http://schemas.microsoft.com/office/powerpoint/2010/main" val="2044169093"/>
+      </p:ext>
+    </p:extLst>
+  </p:cSld>
+  <p:clrMap bg1="lt1" tx1="dk1" bg2="lt2" tx2="dk2" accent1="accent1" accent2="accent2" accent3="accent3" accent4="accent4" accent5="accent5" accent6="accent6" hlink="hlink" folHlink="folHlink"/>
+  <p:notesStyle>
+    <a:lvl1pPr marL="0" algn="l" defTabSz="914400" rtl="0" eaLnBrk="1" latinLnBrk="0" hangingPunct="1">
+      <a:defRPr sz="1200" kern="1200">
+        <a:solidFill>
+          <a:schemeClr val="tx1"/>
+        </a:solidFill>
+        <a:latin typeface="+mn-lt"/>
+        <a:ea typeface="+mn-ea"/>
+        <a:cs typeface="+mn-cs"/>
+      </a:defRPr>
+    </a:lvl1pPr>
+    <a:lvl2pPr marL="457200" algn="l" defTabSz="914400" rtl="0" eaLnBrk="1" latinLnBrk="0" hangingPunct="1">
+      <a:defRPr sz="1200" kern="1200">
+        <a:solidFill>
+          <a:schemeClr val="tx1"/>
+        </a:solidFill>
+        <a:latin typeface="+mn-lt"/>
+        <a:ea typeface="+mn-ea"/>
+        <a:cs typeface="+mn-cs"/>
+      </a:defRPr>
+    </a:lvl2pPr>
+    <a:lvl3pPr marL="914400" algn="l" defTabSz="914400" rtl="0" eaLnBrk="1" latinLnBrk="0" hangingPunct="1">
+      <a:defRPr sz="1200" kern="1200">
+        <a:solidFill>
+          <a:schemeClr val="tx1"/>
+        </a:solidFill>
+        <a:latin typeface="+mn-lt"/>
+        <a:ea typeface="+mn-ea"/>
+        <a:cs typeface="+mn-cs"/>
+      </a:defRPr>
+    </a:lvl3pPr>
+    <a:lvl4pPr marL="1371600" algn="l" defTabSz="914400" rtl="0" eaLnBrk="1" latinLnBrk="0" hangingPunct="1">
+      <a:defRPr sz="1200" kern="1200">
+        <a:solidFill>
+          <a:schemeClr val="tx1"/>
+        </a:solidFill>
+        <a:latin typeface="+mn-lt"/>
+        <a:ea typeface="+mn-ea"/>
+        <a:cs typeface="+mn-cs"/>
+      </a:defRPr>
+    </a:lvl4pPr>
+    <a:lvl5pPr marL="1828800" algn="l" defTabSz="914400" rtl="0" eaLnBrk="1" latinLnBrk="0" hangingPunct="1">
+      <a:defRPr sz="1200" kern="1200">
+        <a:solidFill>
+          <a:schemeClr val="tx1"/>
+        </a:solidFill>
+        <a:latin typeface="+mn-lt"/>
+        <a:ea typeface="+mn-ea"/>
+        <a:cs typeface="+mn-cs"/>
+      </a:defRPr>
+    </a:lvl5pPr>
+    <a:lvl6pPr marL="2286000" algn="l" defTabSz="914400" rtl="0" eaLnBrk="1" latinLnBrk="0" hangingPunct="1">
+      <a:defRPr sz="1200" kern="1200">
+        <a:solidFill>
+          <a:schemeClr val="tx1"/>
+        </a:solidFill>
+        <a:latin typeface="+mn-lt"/>
+        <a:ea typeface="+mn-ea"/>
+        <a:cs typeface="+mn-cs"/>
+      </a:defRPr>
+    </a:lvl6pPr>
+    <a:lvl7pPr marL="2743200" algn="l" defTabSz="914400" rtl="0" eaLnBrk="1" latinLnBrk="0" hangingPunct="1">
+      <a:defRPr sz="1200" kern="1200">
+        <a:solidFill>
+          <a:schemeClr val="tx1"/>
+        </a:solidFill>
+        <a:latin typeface="+mn-lt"/>
+        <a:ea typeface="+mn-ea"/>
+        <a:cs typeface="+mn-cs"/>
+      </a:defRPr>
+    </a:lvl7pPr>
+    <a:lvl8pPr marL="3200400" algn="l" defTabSz="914400" rtl="0" eaLnBrk="1" latinLnBrk="0" hangingPunct="1">
+      <a:defRPr sz="1200" kern="1200">
+        <a:solidFill>
+          <a:schemeClr val="tx1"/>
+        </a:solidFill>
+        <a:latin typeface="+mn-lt"/>
+        <a:ea typeface="+mn-ea"/>
+        <a:cs typeface="+mn-cs"/>
+      </a:defRPr>
+    </a:lvl8pPr>
+    <a:lvl9pPr marL="3657600" algn="l" defTabSz="914400" rtl="0" eaLnBrk="1" latinLnBrk="0" hangingPunct="1">
+      <a:defRPr sz="1200" kern="1200">
+        <a:solidFill>
+          <a:schemeClr val="tx1"/>
+        </a:solidFill>
+        <a:latin typeface="+mn-lt"/>
+        <a:ea typeface="+mn-ea"/>
+        <a:cs typeface="+mn-cs"/>
+      </a:defRPr>
+    </a:lvl9pPr>
+  </p:notesStyle>
+</p:notesMaster>
+</file>
+
+<file path=ppt/notesSlides/notesSlide1.xml><?xml version="1.0" encoding="utf-8"?>
+<p:notes xmlns:a="http://schemas.openxmlformats.org/drawingml/2006/main" xmlns:r="http://schemas.openxmlformats.org/officeDocument/2006/relationships" xmlns:p="http://schemas.openxmlformats.org/presentationml/2006/main">
+  <p:cSld>
+    <p:spTree>
+      <p:nvGrpSpPr>
+        <p:cNvPr id="1" name=""/>
+        <p:cNvGrpSpPr/>
+        <p:nvPr/>
+      </p:nvGrpSpPr>
+      <p:grpSpPr>
+        <a:xfrm>
+          <a:off x="0" y="0"/>
+          <a:ext cx="0" cy="0"/>
+          <a:chOff x="0" y="0"/>
+          <a:chExt cx="0" cy="0"/>
+        </a:xfrm>
+      </p:grpSpPr>
+      <p:sp>
+        <p:nvSpPr>
+          <p:cNvPr id="2" name="Espace réservé de l’image des diapositives 1"/>
+          <p:cNvSpPr>
+            <a:spLocks noGrp="1" noRot="1" noChangeAspect="1"/>
+          </p:cNvSpPr>
+          <p:nvPr>
+            <p:ph type="sldImg"/>
+          </p:nvPr>
+        </p:nvSpPr>
+        <p:spPr/>
+      </p:sp>
+      <p:sp>
+        <p:nvSpPr>
+          <p:cNvPr id="3" name="Espace réservé des commentaires 2"/>
+          <p:cNvSpPr>
+            <a:spLocks noGrp="1"/>
+          </p:cNvSpPr>
+          <p:nvPr>
+            <p:ph type="body" idx="1"/>
+          </p:nvPr>
+        </p:nvSpPr>
+        <p:spPr/>
+        <p:txBody>
+          <a:bodyPr/>
+          <a:lstStyle/>
+          <a:p>
+            <a:endParaRPr lang="en-AU" dirty="0"/>
+          </a:p>
+        </p:txBody>
+      </p:sp>
+      <p:sp>
+        <p:nvSpPr>
+          <p:cNvPr id="4" name="Espace réservé du numéro de diapositive 3"/>
+          <p:cNvSpPr>
+            <a:spLocks noGrp="1"/>
+          </p:cNvSpPr>
+          <p:nvPr>
+            <p:ph type="sldNum" sz="quarter" idx="10"/>
+          </p:nvPr>
+        </p:nvSpPr>
+        <p:spPr/>
+        <p:txBody>
+          <a:bodyPr/>
+          <a:lstStyle/>
+          <a:p>
+            <a:fld id="{3C97A14E-500E-A148-99C8-B80307C7DE72}" type="slidenum">
+              <a:rPr lang="en-AU" smtClean="0"/>
+              <a:t>27</a:t>
+            </a:fld>
+            <a:endParaRPr lang="en-AU"/>
+          </a:p>
+        </p:txBody>
+      </p:sp>
+    </p:spTree>
+    <p:extLst>
+      <p:ext uri="{BB962C8B-B14F-4D97-AF65-F5344CB8AC3E}">
+        <p14:creationId xmlns:p14="http://schemas.microsoft.com/office/powerpoint/2010/main" val="906561345"/>
+      </p:ext>
+    </p:extLst>
+  </p:cSld>
+  <p:clrMapOvr>
+    <a:masterClrMapping/>
+  </p:clrMapOvr>
+</p:notes>
 </file>
 
 <file path=ppt/slideLayouts/slideLayout1.xml><?xml version="1.0" encoding="utf-8"?>
@@ -3030,7 +3471,7 @@
         </p:nvSpPr>
         <p:spPr>
           <a:xfrm>
-            <a:off x="8912979" y="6415403"/>
+            <a:off x="8636000" y="6415498"/>
             <a:ext cx="3556000" cy="369332"/>
           </a:xfrm>
           <a:prstGeom prst="rect">
@@ -3052,7 +3493,27 @@
                   </a:schemeClr>
                 </a:solidFill>
               </a:rPr>
-              <a:t>Brisbane, Australia, March 2018</a:t>
+              <a:t>Brisbane, Australia, </a:t>
+            </a:r>
+            <a:r>
+              <a:rPr lang="en-CA" dirty="0" smtClean="0">
+                <a:solidFill>
+                  <a:schemeClr val="bg1">
+                    <a:lumMod val="50000"/>
+                  </a:schemeClr>
+                </a:solidFill>
+              </a:rPr>
+              <a:t>December </a:t>
+            </a:r>
+            <a:r>
+              <a:rPr lang="en-CA" dirty="0" smtClean="0">
+                <a:solidFill>
+                  <a:schemeClr val="bg1">
+                    <a:lumMod val="50000"/>
+                  </a:schemeClr>
+                </a:solidFill>
+              </a:rPr>
+              <a:t>2018</a:t>
             </a:r>
             <a:endParaRPr lang="en-CA" dirty="0">
               <a:solidFill>
@@ -3210,6 +3671,64 @@
               <a:t>-Duchesne</a:t>
             </a:r>
             <a:endParaRPr lang="en-US" dirty="0"/>
+          </a:p>
+        </p:txBody>
+      </p:sp>
+      <p:sp>
+        <p:nvSpPr>
+          <p:cNvPr id="3" name="Rectangle 2">
+            <a:hlinkClick r:id="rId3"/>
+          </p:cNvPr>
+          <p:cNvSpPr/>
+          <p:nvPr/>
+        </p:nvSpPr>
+        <p:spPr>
+          <a:xfrm>
+            <a:off x="5057783" y="4437067"/>
+            <a:ext cx="1426994" cy="369332"/>
+          </a:xfrm>
+          <a:prstGeom prst="rect">
+            <a:avLst/>
+          </a:prstGeom>
+          <a:ln>
+            <a:solidFill>
+              <a:schemeClr val="accent1"/>
+            </a:solidFill>
+          </a:ln>
+        </p:spPr>
+        <p:txBody>
+          <a:bodyPr wrap="none">
+            <a:spAutoFit/>
+          </a:bodyPr>
+          <a:lstStyle/>
+          <a:p>
+            <a:r>
+              <a:rPr lang="en-AU" dirty="0" err="1" smtClean="0">
+                <a:solidFill>
+                  <a:schemeClr val="accent1">
+                    <a:lumMod val="75000"/>
+                  </a:schemeClr>
+                </a:solidFill>
+              </a:rPr>
+              <a:t>bit.ly</a:t>
+            </a:r>
+            <a:r>
+              <a:rPr lang="en-AU" dirty="0" smtClean="0">
+                <a:solidFill>
+                  <a:schemeClr val="accent1">
+                    <a:lumMod val="75000"/>
+                  </a:schemeClr>
+                </a:solidFill>
+              </a:rPr>
+              <a:t>/2SxJFlV</a:t>
+            </a:r>
+            <a:endParaRPr lang="en-AU" dirty="0">
+              <a:solidFill>
+                <a:schemeClr val="accent1">
+                  <a:lumMod val="75000"/>
+                </a:schemeClr>
+              </a:solidFill>
+            </a:endParaRPr>
           </a:p>
         </p:txBody>
       </p:sp>
@@ -3321,8 +3840,8 @@
         </p:nvSpPr>
         <p:spPr>
           <a:xfrm>
-            <a:off x="331522" y="3429000"/>
-            <a:ext cx="3449053" cy="1477328"/>
+            <a:off x="416762" y="4150895"/>
+            <a:ext cx="3449053" cy="461665"/>
           </a:xfrm>
           <a:prstGeom prst="rect">
             <a:avLst/>
@@ -3336,35 +3855,64 @@
           <a:lstStyle/>
           <a:p>
             <a:r>
-              <a:rPr lang="fr-FR" sz="2400" dirty="0" smtClean="0">
-                <a:hlinkClick r:id="rId3"/>
-              </a:rPr>
+              <a:rPr lang="fr-FR" sz="2400" dirty="0" smtClean="0"/>
               <a:t>R Markdown cheat </a:t>
             </a:r>
             <a:r>
-              <a:rPr lang="fr-FR" sz="2400" dirty="0" smtClean="0">
-                <a:hlinkClick r:id="rId3"/>
-              </a:rPr>
+              <a:rPr lang="fr-FR" sz="2400" dirty="0" smtClean="0"/>
               <a:t>sheet</a:t>
             </a:r>
-            <a:endParaRPr lang="fr-FR" sz="2400" dirty="0" smtClean="0"/>
-          </a:p>
-          <a:p>
-            <a:endParaRPr lang="fr-FR" sz="2400" dirty="0"/>
-          </a:p>
-          <a:p>
-            <a:r>
-              <a:rPr lang="fr-FR" sz="2400" dirty="0" err="1" smtClean="0"/>
+          </a:p>
+        </p:txBody>
+      </p:sp>
+      <p:sp>
+        <p:nvSpPr>
+          <p:cNvPr id="5" name="Rectangle 4">
+            <a:hlinkClick r:id="rId3"/>
+          </p:cNvPr>
+          <p:cNvSpPr/>
+          <p:nvPr/>
+        </p:nvSpPr>
+        <p:spPr>
+          <a:xfrm>
+            <a:off x="937642" y="4855646"/>
+            <a:ext cx="1565365" cy="369332"/>
+          </a:xfrm>
+          <a:prstGeom prst="rect">
+            <a:avLst/>
+          </a:prstGeom>
+          <a:ln>
+            <a:solidFill>
+              <a:schemeClr val="accent1"/>
+            </a:solidFill>
+          </a:ln>
+        </p:spPr>
+        <p:txBody>
+          <a:bodyPr wrap="none">
+            <a:spAutoFit/>
+          </a:bodyPr>
+          <a:lstStyle/>
+          <a:p>
+            <a:r>
+              <a:rPr lang="fr-FR" dirty="0" err="1">
+                <a:solidFill>
+                  <a:schemeClr val="accent1">
+                    <a:lumMod val="75000"/>
+                  </a:schemeClr>
+                </a:solidFill>
+              </a:rPr>
               <a:t>bit.ly</a:t>
             </a:r>
             <a:r>
-              <a:rPr lang="fr-FR" sz="2400" dirty="0" smtClean="0"/>
+              <a:rPr lang="fr-FR" dirty="0">
+                <a:solidFill>
+                  <a:schemeClr val="accent1">
+                    <a:lumMod val="75000"/>
+                  </a:schemeClr>
+                </a:solidFill>
+              </a:rPr>
               <a:t>/1SuNTo9</a:t>
             </a:r>
-            <a:endParaRPr lang="fr-FR" sz="2400" dirty="0" smtClean="0"/>
-          </a:p>
-          <a:p>
-            <a:endParaRPr lang="fr-FR" dirty="0"/>
           </a:p>
         </p:txBody>
       </p:sp>
@@ -4327,7 +4875,7 @@
         </p:nvSpPr>
         <p:spPr>
           <a:xfrm>
-            <a:off x="1175654" y="820531"/>
+            <a:off x="1432328" y="1654720"/>
             <a:ext cx="9506859" cy="769441"/>
           </a:xfrm>
           <a:prstGeom prst="rect">
@@ -4368,6 +4916,49 @@
                 </a:schemeClr>
               </a:solidFill>
             </a:endParaRPr>
+          </a:p>
+        </p:txBody>
+      </p:sp>
+      <p:sp>
+        <p:nvSpPr>
+          <p:cNvPr id="4" name="Rectangle 3"/>
+          <p:cNvSpPr/>
+          <p:nvPr/>
+        </p:nvSpPr>
+        <p:spPr>
+          <a:xfrm>
+            <a:off x="2278988" y="3966229"/>
+            <a:ext cx="7344383" cy="584775"/>
+          </a:xfrm>
+          <a:prstGeom prst="rect">
+            <a:avLst/>
+          </a:prstGeom>
+        </p:spPr>
+        <p:txBody>
+          <a:bodyPr wrap="none">
+            <a:spAutoFit/>
+          </a:bodyPr>
+          <a:lstStyle/>
+          <a:p>
+            <a:r>
+              <a:rPr lang="fr-FR" sz="3200" dirty="0" smtClean="0">
+                <a:sym typeface="Wingdings"/>
+              </a:rPr>
+              <a:t> </a:t>
+            </a:r>
+            <a:r>
+              <a:rPr lang="fr-FR" sz="3200" dirty="0" smtClean="0"/>
+              <a:t>R Markdown document </a:t>
+            </a:r>
+            <a:r>
+              <a:rPr lang="fr-FR" sz="3200" dirty="0" err="1" smtClean="0"/>
+              <a:t>is</a:t>
+            </a:r>
+            <a:r>
+              <a:rPr lang="fr-FR" sz="3200" dirty="0" smtClean="0"/>
+              <a:t> a Notebook !!</a:t>
+            </a:r>
+            <a:endParaRPr lang="en-AU" sz="3200" dirty="0"/>
           </a:p>
         </p:txBody>
       </p:sp>
@@ -4790,6 +5381,149 @@
       </p:grpSpPr>
       <p:pic>
         <p:nvPicPr>
+          <p:cNvPr id="8" name="Image 7"/>
+          <p:cNvPicPr>
+            <a:picLocks noChangeAspect="1"/>
+          </p:cNvPicPr>
+          <p:nvPr/>
+        </p:nvPicPr>
+        <p:blipFill>
+          <a:blip r:embed="rId2">
+            <a:alphaModFix amt="24000"/>
+            <a:extLst>
+              <a:ext uri="{28A0092B-C50C-407E-A947-70E740481C1C}">
+                <a14:useLocalDpi xmlns:a14="http://schemas.microsoft.com/office/drawing/2010/main" val="0"/>
+              </a:ext>
+            </a:extLst>
+          </a:blip>
+          <a:stretch>
+            <a:fillRect/>
+          </a:stretch>
+        </p:blipFill>
+        <p:spPr>
+          <a:xfrm>
+            <a:off x="-2411662" y="16042"/>
+            <a:ext cx="17808514" cy="6858000"/>
+          </a:xfrm>
+          <a:prstGeom prst="rect">
+            <a:avLst/>
+          </a:prstGeom>
+        </p:spPr>
+      </p:pic>
+      <p:cxnSp>
+        <p:nvCxnSpPr>
+          <p:cNvPr id="9" name="Connecteur droit 8"/>
+          <p:cNvCxnSpPr/>
+          <p:nvPr/>
+        </p:nvCxnSpPr>
+        <p:spPr>
+          <a:xfrm>
+            <a:off x="3676696" y="3686627"/>
+            <a:ext cx="4702626" cy="0"/>
+          </a:xfrm>
+          <a:prstGeom prst="line">
+            <a:avLst/>
+          </a:prstGeom>
+          <a:ln>
+            <a:solidFill>
+              <a:schemeClr val="bg2">
+                <a:lumMod val="50000"/>
+              </a:schemeClr>
+            </a:solidFill>
+          </a:ln>
+        </p:spPr>
+        <p:style>
+          <a:lnRef idx="1">
+            <a:schemeClr val="accent1"/>
+          </a:lnRef>
+          <a:fillRef idx="0">
+            <a:schemeClr val="accent1"/>
+          </a:fillRef>
+          <a:effectRef idx="0">
+            <a:schemeClr val="accent1"/>
+          </a:effectRef>
+          <a:fontRef idx="minor">
+            <a:schemeClr val="tx1"/>
+          </a:fontRef>
+        </p:style>
+      </p:cxnSp>
+      <p:sp>
+        <p:nvSpPr>
+          <p:cNvPr id="10" name="ZoneTexte 9"/>
+          <p:cNvSpPr txBox="1"/>
+          <p:nvPr/>
+        </p:nvSpPr>
+        <p:spPr>
+          <a:xfrm>
+            <a:off x="4387895" y="2798711"/>
+            <a:ext cx="4814161" cy="646331"/>
+          </a:xfrm>
+          <a:prstGeom prst="rect">
+            <a:avLst/>
+          </a:prstGeom>
+          <a:noFill/>
+        </p:spPr>
+        <p:txBody>
+          <a:bodyPr wrap="square" rtlCol="0">
+            <a:spAutoFit/>
+          </a:bodyPr>
+          <a:lstStyle/>
+          <a:p>
+            <a:r>
+              <a:rPr lang="fr-FR" sz="3600" dirty="0" err="1" smtClean="0"/>
+              <a:t>Going</a:t>
+            </a:r>
+            <a:r>
+              <a:rPr lang="fr-FR" sz="3600" dirty="0" smtClean="0"/>
+              <a:t> </a:t>
+            </a:r>
+            <a:r>
+              <a:rPr lang="fr-FR" sz="3600" dirty="0" err="1" smtClean="0"/>
+              <a:t>further</a:t>
+            </a:r>
+            <a:endParaRPr lang="fr-FR" sz="3600" dirty="0"/>
+          </a:p>
+        </p:txBody>
+      </p:sp>
+    </p:spTree>
+    <p:extLst>
+      <p:ext uri="{BB962C8B-B14F-4D97-AF65-F5344CB8AC3E}">
+        <p14:creationId xmlns:p14="http://schemas.microsoft.com/office/powerpoint/2010/main" val="1379499793"/>
+      </p:ext>
+    </p:extLst>
+  </p:cSld>
+  <p:clrMapOvr>
+    <a:masterClrMapping/>
+  </p:clrMapOvr>
+  <p:timing>
+    <p:tnLst>
+      <p:par>
+        <p:cTn id="1" dur="indefinite" restart="never" nodeType="tmRoot"/>
+      </p:par>
+    </p:tnLst>
+  </p:timing>
+</p:sld>
+</file>
+
+<file path=ppt/slides/slide18.xml><?xml version="1.0" encoding="utf-8"?>
+<p:sld xmlns:a="http://schemas.openxmlformats.org/drawingml/2006/main" xmlns:r="http://schemas.openxmlformats.org/officeDocument/2006/relationships" xmlns:p="http://schemas.openxmlformats.org/presentationml/2006/main">
+  <p:cSld>
+    <p:spTree>
+      <p:nvGrpSpPr>
+        <p:cNvPr id="1" name=""/>
+        <p:cNvGrpSpPr/>
+        <p:nvPr/>
+      </p:nvGrpSpPr>
+      <p:grpSpPr>
+        <a:xfrm>
+          <a:off x="0" y="0"/>
+          <a:ext cx="0" cy="0"/>
+          <a:chOff x="0" y="0"/>
+          <a:chExt cx="0" cy="0"/>
+        </a:xfrm>
+      </p:grpSpPr>
+      <p:pic>
+        <p:nvPicPr>
           <p:cNvPr id="11" name="Image 10"/>
           <p:cNvPicPr>
             <a:picLocks noChangeAspect="1"/>
@@ -5003,7 +5737,7 @@
 </p:sld>
 </file>
 
-<file path=ppt/slides/slide18.xml><?xml version="1.0" encoding="utf-8"?>
+<file path=ppt/slides/slide19.xml><?xml version="1.0" encoding="utf-8"?>
 <p:sld xmlns:a="http://schemas.openxmlformats.org/drawingml/2006/main" xmlns:r="http://schemas.openxmlformats.org/officeDocument/2006/relationships" xmlns:p="http://schemas.openxmlformats.org/presentationml/2006/main">
   <p:cSld>
     <p:spTree>
@@ -5481,232 +6215,6 @@
     <p:extLst>
       <p:ext uri="{BB962C8B-B14F-4D97-AF65-F5344CB8AC3E}">
         <p14:creationId xmlns:p14="http://schemas.microsoft.com/office/powerpoint/2010/main" val="968261103"/>
-      </p:ext>
-    </p:extLst>
-  </p:cSld>
-  <p:clrMapOvr>
-    <a:masterClrMapping/>
-  </p:clrMapOvr>
-  <p:timing>
-    <p:tnLst>
-      <p:par>
-        <p:cTn id="1" dur="indefinite" restart="never" nodeType="tmRoot"/>
-      </p:par>
-    </p:tnLst>
-  </p:timing>
-</p:sld>
-</file>
-
-<file path=ppt/slides/slide19.xml><?xml version="1.0" encoding="utf-8"?>
-<p:sld xmlns:a="http://schemas.openxmlformats.org/drawingml/2006/main" xmlns:r="http://schemas.openxmlformats.org/officeDocument/2006/relationships" xmlns:p="http://schemas.openxmlformats.org/presentationml/2006/main">
-  <p:cSld>
-    <p:spTree>
-      <p:nvGrpSpPr>
-        <p:cNvPr id="1" name=""/>
-        <p:cNvGrpSpPr/>
-        <p:nvPr/>
-      </p:nvGrpSpPr>
-      <p:grpSpPr>
-        <a:xfrm>
-          <a:off x="0" y="0"/>
-          <a:ext cx="0" cy="0"/>
-          <a:chOff x="0" y="0"/>
-          <a:chExt cx="0" cy="0"/>
-        </a:xfrm>
-      </p:grpSpPr>
-      <p:sp>
-        <p:nvSpPr>
-          <p:cNvPr id="3" name="ZoneTexte 2"/>
-          <p:cNvSpPr txBox="1"/>
-          <p:nvPr/>
-        </p:nvSpPr>
-        <p:spPr>
-          <a:xfrm>
-            <a:off x="16804" y="-2963"/>
-            <a:ext cx="9506859" cy="769441"/>
-          </a:xfrm>
-          <a:prstGeom prst="rect">
-            <a:avLst/>
-          </a:prstGeom>
-          <a:noFill/>
-        </p:spPr>
-        <p:txBody>
-          <a:bodyPr wrap="square" rtlCol="0">
-            <a:spAutoFit/>
-          </a:bodyPr>
-          <a:lstStyle/>
-          <a:p>
-            <a:r>
-              <a:rPr lang="en-CA" sz="4400" dirty="0" smtClean="0">
-                <a:solidFill>
-                  <a:schemeClr val="accent2">
-                    <a:lumMod val="75000"/>
-                  </a:schemeClr>
-                </a:solidFill>
-              </a:rPr>
-              <a:t>Use a template</a:t>
-            </a:r>
-            <a:endParaRPr lang="en-CA" sz="4400" dirty="0">
-              <a:solidFill>
-                <a:schemeClr val="accent2">
-                  <a:lumMod val="75000"/>
-                </a:schemeClr>
-              </a:solidFill>
-            </a:endParaRPr>
-          </a:p>
-        </p:txBody>
-      </p:sp>
-      <p:sp>
-        <p:nvSpPr>
-          <p:cNvPr id="5" name="ZoneTexte 4"/>
-          <p:cNvSpPr txBox="1"/>
-          <p:nvPr/>
-        </p:nvSpPr>
-        <p:spPr>
-          <a:xfrm>
-            <a:off x="1122946" y="866275"/>
-            <a:ext cx="8293769" cy="523220"/>
-          </a:xfrm>
-          <a:prstGeom prst="rect">
-            <a:avLst/>
-          </a:prstGeom>
-          <a:noFill/>
-        </p:spPr>
-        <p:txBody>
-          <a:bodyPr wrap="square" rtlCol="0">
-            <a:spAutoFit/>
-          </a:bodyPr>
-          <a:lstStyle/>
-          <a:p>
-            <a:pPr marL="285750" indent="-285750">
-              <a:buFont typeface="Arial" charset="0"/>
-              <a:buChar char="•"/>
-            </a:pPr>
-            <a:r>
-              <a:rPr lang="fr-FR" sz="2800" dirty="0" smtClean="0"/>
-              <a:t>The PCTG </a:t>
-            </a:r>
-            <a:r>
-              <a:rPr lang="fr-FR" sz="2800" dirty="0" err="1" smtClean="0"/>
-              <a:t>template</a:t>
-            </a:r>
-            <a:r>
-              <a:rPr lang="fr-FR" sz="2800" dirty="0" smtClean="0"/>
-              <a:t>: </a:t>
-            </a:r>
-            <a:r>
-              <a:rPr lang="fr-FR" sz="2800" dirty="0" smtClean="0">
-                <a:hlinkClick r:id="rId2"/>
-              </a:rPr>
-              <a:t>www.github.com/holtzy/epuRate</a:t>
-            </a:r>
-            <a:r>
-              <a:rPr lang="fr-FR" sz="2800" dirty="0" smtClean="0"/>
-              <a:t>  </a:t>
-            </a:r>
-          </a:p>
-        </p:txBody>
-      </p:sp>
-      <p:pic>
-        <p:nvPicPr>
-          <p:cNvPr id="2" name="Image 1"/>
-          <p:cNvPicPr>
-            <a:picLocks noChangeAspect="1"/>
-          </p:cNvPicPr>
-          <p:nvPr/>
-        </p:nvPicPr>
-        <p:blipFill>
-          <a:blip r:embed="rId3"/>
-          <a:stretch>
-            <a:fillRect/>
-          </a:stretch>
-        </p:blipFill>
-        <p:spPr>
-          <a:xfrm>
-            <a:off x="1536030" y="1837157"/>
-            <a:ext cx="5006734" cy="1515644"/>
-          </a:xfrm>
-          <a:prstGeom prst="rect">
-            <a:avLst/>
-          </a:prstGeom>
-        </p:spPr>
-      </p:pic>
-      <p:pic>
-        <p:nvPicPr>
-          <p:cNvPr id="6" name="Image 5"/>
-          <p:cNvPicPr>
-            <a:picLocks noChangeAspect="1"/>
-          </p:cNvPicPr>
-          <p:nvPr/>
-        </p:nvPicPr>
-        <p:blipFill>
-          <a:blip r:embed="rId4"/>
-          <a:stretch>
-            <a:fillRect/>
-          </a:stretch>
-        </p:blipFill>
-        <p:spPr>
-          <a:xfrm>
-            <a:off x="1171072" y="5227100"/>
-            <a:ext cx="292100" cy="241300"/>
-          </a:xfrm>
-          <a:prstGeom prst="rect">
-            <a:avLst/>
-          </a:prstGeom>
-        </p:spPr>
-      </p:pic>
-      <p:pic>
-        <p:nvPicPr>
-          <p:cNvPr id="7" name="Image 6"/>
-          <p:cNvPicPr>
-            <a:picLocks noChangeAspect="1"/>
-          </p:cNvPicPr>
-          <p:nvPr/>
-        </p:nvPicPr>
-        <p:blipFill>
-          <a:blip r:embed="rId5"/>
-          <a:stretch>
-            <a:fillRect/>
-          </a:stretch>
-        </p:blipFill>
-        <p:spPr>
-          <a:xfrm>
-            <a:off x="1681747" y="3739147"/>
-            <a:ext cx="6807200" cy="2844800"/>
-          </a:xfrm>
-          <a:prstGeom prst="rect">
-            <a:avLst/>
-          </a:prstGeom>
-        </p:spPr>
-      </p:pic>
-      <p:pic>
-        <p:nvPicPr>
-          <p:cNvPr id="8" name="Image 7"/>
-          <p:cNvPicPr>
-            <a:picLocks noChangeAspect="1"/>
-          </p:cNvPicPr>
-          <p:nvPr/>
-        </p:nvPicPr>
-        <p:blipFill>
-          <a:blip r:embed="rId4"/>
-          <a:stretch>
-            <a:fillRect/>
-          </a:stretch>
-        </p:blipFill>
-        <p:spPr>
-          <a:xfrm>
-            <a:off x="1130968" y="2620258"/>
-            <a:ext cx="292100" cy="241300"/>
-          </a:xfrm>
-          <a:prstGeom prst="rect">
-            <a:avLst/>
-          </a:prstGeom>
-        </p:spPr>
-      </p:pic>
-    </p:spTree>
-    <p:extLst>
-      <p:ext uri="{BB962C8B-B14F-4D97-AF65-F5344CB8AC3E}">
-        <p14:creationId xmlns:p14="http://schemas.microsoft.com/office/powerpoint/2010/main" val="26843591"/>
       </p:ext>
     </p:extLst>
   </p:cSld>
@@ -5748,8 +6256,8 @@
         </p:nvSpPr>
         <p:spPr>
           <a:xfrm>
-            <a:off x="2057971" y="860161"/>
-            <a:ext cx="9506859" cy="4708981"/>
+            <a:off x="421675" y="699740"/>
+            <a:ext cx="4952430" cy="5693866"/>
           </a:xfrm>
           <a:prstGeom prst="rect">
             <a:avLst/>
@@ -5770,8 +6278,115 @@
                   </a:schemeClr>
                 </a:solidFill>
               </a:rPr>
-              <a:t>A few resources:</a:t>
-            </a:r>
+              <a:t>What</a:t>
+            </a:r>
+            <a:endParaRPr lang="en-CA" sz="4400" dirty="0" smtClean="0">
+              <a:solidFill>
+                <a:schemeClr val="accent2">
+                  <a:lumMod val="75000"/>
+                </a:schemeClr>
+              </a:solidFill>
+            </a:endParaRPr>
+          </a:p>
+          <a:p>
+            <a:endParaRPr lang="en-CA" sz="3200" dirty="0" smtClean="0"/>
+          </a:p>
+          <a:p>
+            <a:pPr algn="ctr"/>
+            <a:r>
+              <a:rPr lang="en-CA" sz="3200" dirty="0" smtClean="0"/>
+              <a:t>“ An </a:t>
+            </a:r>
+            <a:r>
+              <a:rPr lang="en-CA" sz="3200" dirty="0"/>
+              <a:t>R Markdown (.</a:t>
+            </a:r>
+            <a:r>
+              <a:rPr lang="en-CA" sz="3200" dirty="0" err="1"/>
+              <a:t>Rmd</a:t>
+            </a:r>
+            <a:r>
+              <a:rPr lang="en-CA" sz="3200" dirty="0"/>
+              <a:t>) file is a record of your research. It contains the </a:t>
+            </a:r>
+            <a:r>
+              <a:rPr lang="en-CA" sz="3200" b="1" dirty="0">
+                <a:solidFill>
+                  <a:schemeClr val="accent2">
+                    <a:lumMod val="75000"/>
+                  </a:schemeClr>
+                </a:solidFill>
+              </a:rPr>
+              <a:t>code</a:t>
+            </a:r>
+            <a:r>
+              <a:rPr lang="en-CA" sz="3200" dirty="0"/>
+              <a:t> that a scientist needs to reproduce your work along with the </a:t>
+            </a:r>
+            <a:r>
+              <a:rPr lang="en-CA" sz="3200" b="1" dirty="0">
+                <a:solidFill>
+                  <a:schemeClr val="accent2">
+                    <a:lumMod val="75000"/>
+                  </a:schemeClr>
+                </a:solidFill>
+              </a:rPr>
+              <a:t>narration</a:t>
+            </a:r>
+            <a:r>
+              <a:rPr lang="en-CA" sz="3200" dirty="0"/>
+              <a:t> that a reader needs to understand your work. </a:t>
+            </a:r>
+            <a:r>
+              <a:rPr lang="en-CA" sz="3200" dirty="0" smtClean="0"/>
+              <a:t>“</a:t>
+            </a:r>
+            <a:endParaRPr lang="en-CA" sz="3200" dirty="0"/>
+          </a:p>
+          <a:p>
+            <a:endParaRPr lang="en-CA" sz="3200" dirty="0" smtClean="0"/>
+          </a:p>
+        </p:txBody>
+      </p:sp>
+      <p:sp>
+        <p:nvSpPr>
+          <p:cNvPr id="3" name="ZoneTexte 2"/>
+          <p:cNvSpPr txBox="1"/>
+          <p:nvPr/>
+        </p:nvSpPr>
+        <p:spPr>
+          <a:xfrm>
+            <a:off x="6573823" y="699740"/>
+            <a:ext cx="4952430" cy="4708981"/>
+          </a:xfrm>
+          <a:prstGeom prst="rect">
+            <a:avLst/>
+          </a:prstGeom>
+          <a:noFill/>
+        </p:spPr>
+        <p:txBody>
+          <a:bodyPr wrap="square" rtlCol="0">
+            <a:spAutoFit/>
+          </a:bodyPr>
+          <a:lstStyle/>
+          <a:p>
+            <a:r>
+              <a:rPr lang="en-CA" sz="4400" dirty="0" smtClean="0">
+                <a:solidFill>
+                  <a:schemeClr val="accent2">
+                    <a:lumMod val="75000"/>
+                  </a:schemeClr>
+                </a:solidFill>
+              </a:rPr>
+              <a:t>Why</a:t>
+            </a:r>
+            <a:endParaRPr lang="en-CA" sz="4400" dirty="0" smtClean="0">
+              <a:solidFill>
+                <a:schemeClr val="accent2">
+                  <a:lumMod val="75000"/>
+                </a:schemeClr>
+              </a:solidFill>
+            </a:endParaRPr>
           </a:p>
           <a:p>
             <a:endParaRPr lang="en-CA" sz="3200" dirty="0" smtClean="0"/>
@@ -5783,13 +6398,7 @@
             </a:pPr>
             <a:r>
               <a:rPr lang="en-CA" sz="3200" dirty="0" smtClean="0"/>
-              <a:t>The R Markdown </a:t>
-            </a:r>
-            <a:r>
-              <a:rPr lang="en-CA" sz="3200" dirty="0" smtClean="0">
-                <a:hlinkClick r:id="rId2"/>
-              </a:rPr>
-              <a:t>website</a:t>
+              <a:t>Efficiency</a:t>
             </a:r>
             <a:endParaRPr lang="en-CA" sz="3200" dirty="0" smtClean="0"/>
           </a:p>
@@ -5798,6 +6407,10 @@
               <a:buFont typeface="Arial" charset="0"/>
               <a:buChar char="•"/>
             </a:pPr>
+            <a:r>
+              <a:rPr lang="en-CA" sz="3200" dirty="0" smtClean="0"/>
+              <a:t>Reproducibility</a:t>
+            </a:r>
             <a:endParaRPr lang="en-CA" sz="3200" dirty="0" smtClean="0"/>
           </a:p>
           <a:p>
@@ -5807,13 +6420,7 @@
             </a:pPr>
             <a:r>
               <a:rPr lang="en-CA" sz="3200" dirty="0" smtClean="0"/>
-              <a:t>The R Markdown </a:t>
-            </a:r>
-            <a:r>
-              <a:rPr lang="en-CA" sz="3200" dirty="0" smtClean="0">
-                <a:hlinkClick r:id="rId3"/>
-              </a:rPr>
-              <a:t>cheat sheet</a:t>
+              <a:t>Interactivity</a:t>
             </a:r>
             <a:endParaRPr lang="en-CA" sz="3200" dirty="0" smtClean="0"/>
           </a:p>
@@ -5822,7 +6429,11 @@
               <a:buFont typeface="Arial" charset="0"/>
               <a:buChar char="•"/>
             </a:pPr>
-            <a:endParaRPr lang="en-CA" sz="3200" dirty="0" smtClean="0"/>
+            <a:r>
+              <a:rPr lang="en-CA" sz="3200" dirty="0" smtClean="0"/>
+              <a:t>Automation</a:t>
+            </a:r>
+            <a:endParaRPr lang="en-CA" sz="3200" dirty="0"/>
           </a:p>
           <a:p>
             <a:pPr marL="914400" lvl="1" indent="-457200">
@@ -5831,32 +6442,24 @@
             </a:pPr>
             <a:r>
               <a:rPr lang="en-CA" sz="3200" dirty="0" smtClean="0"/>
-              <a:t>This presentation</a:t>
-            </a:r>
+              <a:t>Notebook</a:t>
+            </a:r>
+            <a:endParaRPr lang="en-CA" sz="3200" dirty="0"/>
           </a:p>
           <a:p>
             <a:pPr marL="914400" lvl="1" indent="-457200">
               <a:buFont typeface="Arial" charset="0"/>
               <a:buChar char="•"/>
             </a:pPr>
-            <a:endParaRPr lang="en-CA" sz="3200" dirty="0" smtClean="0"/>
-          </a:p>
-          <a:p>
-            <a:pPr marL="914400" lvl="1" indent="-457200">
-              <a:buFont typeface="Arial" charset="0"/>
-              <a:buChar char="•"/>
-            </a:pPr>
-            <a:r>
-              <a:rPr lang="en-CA" sz="3200" dirty="0" smtClean="0"/>
-              <a:t>The </a:t>
-            </a:r>
-            <a:r>
-              <a:rPr lang="en-CA" sz="3200" dirty="0" smtClean="0">
-                <a:hlinkClick r:id="rId4"/>
-              </a:rPr>
-              <a:t>PCTG template</a:t>
-            </a:r>
             <a:endParaRPr lang="en-CA" sz="3200" dirty="0"/>
+          </a:p>
+          <a:p>
+            <a:pPr lvl="1"/>
+            <a:r>
+              <a:rPr lang="en-CA" sz="3200" i="1" dirty="0" smtClean="0"/>
+              <a:t>And much more..</a:t>
+            </a:r>
+            <a:endParaRPr lang="en-CA" sz="3200" i="1" dirty="0"/>
           </a:p>
         </p:txBody>
       </p:sp>
@@ -5927,17 +6530,7 @@
                   </a:schemeClr>
                 </a:solidFill>
               </a:rPr>
-              <a:t>Pimp my .</a:t>
-            </a:r>
-            <a:r>
-              <a:rPr lang="en-CA" sz="4400" dirty="0" err="1" smtClean="0">
-                <a:solidFill>
-                  <a:schemeClr val="accent2">
-                    <a:lumMod val="75000"/>
-                  </a:schemeClr>
-                </a:solidFill>
-              </a:rPr>
-              <a:t>Rmd</a:t>
+              <a:t>Use a template</a:t>
             </a:r>
             <a:endParaRPr lang="en-CA" sz="4400" dirty="0">
               <a:solidFill>
@@ -5951,14 +6544,14 @@
       </p:sp>
       <p:sp>
         <p:nvSpPr>
-          <p:cNvPr id="4" name="ZoneTexte 3"/>
+          <p:cNvPr id="5" name="ZoneTexte 4"/>
           <p:cNvSpPr txBox="1"/>
           <p:nvPr/>
         </p:nvSpPr>
         <p:spPr>
           <a:xfrm>
-            <a:off x="2614863" y="1507958"/>
-            <a:ext cx="5261810" cy="3970318"/>
+            <a:off x="1122946" y="866275"/>
+            <a:ext cx="8293769" cy="523220"/>
           </a:xfrm>
           <a:prstGeom prst="rect">
             <a:avLst/>
@@ -5976,115 +6569,130 @@
               <a:buChar char="•"/>
             </a:pPr>
             <a:r>
-              <a:rPr lang="fr-FR" sz="2800" dirty="0">
-                <a:hlinkClick r:id="rId2"/>
-              </a:rPr>
-              <a:t>holtzy.github.io/Pimp-my-rmd</a:t>
+              <a:rPr lang="fr-FR" sz="2800" dirty="0" smtClean="0"/>
+              <a:t>The PCTG </a:t>
+            </a:r>
+            <a:r>
+              <a:rPr lang="fr-FR" sz="2800" dirty="0" err="1" smtClean="0"/>
+              <a:t>template</a:t>
+            </a:r>
+            <a:r>
+              <a:rPr lang="fr-FR" sz="2800" dirty="0" smtClean="0"/>
+              <a:t>: </a:t>
             </a:r>
             <a:r>
               <a:rPr lang="fr-FR" sz="2800" dirty="0" smtClean="0">
                 <a:hlinkClick r:id="rId2"/>
               </a:rPr>
-              <a:t>/</a:t>
-            </a:r>
-            <a:endParaRPr lang="fr-FR" sz="2800" dirty="0" smtClean="0"/>
-          </a:p>
-          <a:p>
-            <a:pPr marL="285750" indent="-285750">
-              <a:buFont typeface="Arial" charset="0"/>
-              <a:buChar char="•"/>
-            </a:pPr>
-            <a:endParaRPr lang="fr-FR" sz="2800" dirty="0"/>
-          </a:p>
-          <a:p>
-            <a:pPr marL="285750" indent="-285750">
-              <a:buFont typeface="Arial" charset="0"/>
-              <a:buChar char="•"/>
-            </a:pPr>
-            <a:r>
-              <a:rPr lang="fr-FR" sz="2800" dirty="0" err="1" smtClean="0"/>
-              <a:t>Everything</a:t>
+              <a:t>www.github.com/holtzy/epuRate</a:t>
             </a:r>
             <a:r>
               <a:rPr lang="fr-FR" sz="2800" dirty="0" smtClean="0"/>
-              <a:t> </a:t>
-            </a:r>
-            <a:r>
-              <a:rPr lang="fr-FR" sz="2800" dirty="0" err="1" smtClean="0"/>
-              <a:t>is</a:t>
-            </a:r>
-            <a:r>
-              <a:rPr lang="fr-FR" sz="2800" dirty="0" smtClean="0"/>
-              <a:t> possible</a:t>
-            </a:r>
-          </a:p>
-          <a:p>
-            <a:pPr marL="285750" indent="-285750">
-              <a:buFont typeface="Arial" charset="0"/>
-              <a:buChar char="•"/>
-            </a:pPr>
-            <a:endParaRPr lang="fr-FR" sz="2800" dirty="0"/>
-          </a:p>
-          <a:p>
-            <a:pPr marL="285750" indent="-285750">
-              <a:buFont typeface="Arial" charset="0"/>
-              <a:buChar char="•"/>
-            </a:pPr>
-            <a:r>
-              <a:rPr lang="fr-FR" sz="2800" dirty="0" smtClean="0"/>
-              <a:t>Use CSS and HTML code</a:t>
-            </a:r>
-          </a:p>
-          <a:p>
-            <a:pPr marL="285750" indent="-285750">
-              <a:buFont typeface="Arial" charset="0"/>
-              <a:buChar char="•"/>
-            </a:pPr>
-            <a:endParaRPr lang="fr-FR" sz="2800" dirty="0"/>
-          </a:p>
-          <a:p>
-            <a:pPr marL="285750" indent="-285750">
-              <a:buFont typeface="Arial" charset="0"/>
-              <a:buChar char="•"/>
-            </a:pPr>
-            <a:r>
-              <a:rPr lang="fr-FR" sz="2800" dirty="0" err="1" smtClean="0"/>
-              <a:t>Add</a:t>
-            </a:r>
-            <a:r>
-              <a:rPr lang="fr-FR" sz="2800" dirty="0" smtClean="0"/>
-              <a:t> header and </a:t>
-            </a:r>
-            <a:r>
-              <a:rPr lang="fr-FR" sz="2800" dirty="0" err="1" smtClean="0"/>
-              <a:t>footer</a:t>
-            </a:r>
-            <a:endParaRPr lang="fr-FR" sz="2800" dirty="0" smtClean="0"/>
-          </a:p>
-          <a:p>
-            <a:pPr marL="285750" indent="-285750">
-              <a:buFont typeface="Arial" charset="0"/>
-              <a:buChar char="•"/>
-            </a:pPr>
-            <a:endParaRPr lang="fr-FR" sz="2800" dirty="0"/>
-          </a:p>
-          <a:p>
-            <a:pPr marL="285750" indent="-285750">
-              <a:buFont typeface="Arial" charset="0"/>
-              <a:buChar char="•"/>
-            </a:pPr>
-            <a:r>
-              <a:rPr lang="fr-FR" sz="2800" dirty="0" smtClean="0"/>
-              <a:t>More</a:t>
-            </a:r>
-            <a:endParaRPr lang="fr-FR" sz="2800" dirty="0"/>
-          </a:p>
-        </p:txBody>
-      </p:sp>
+              <a:t>  </a:t>
+            </a:r>
+          </a:p>
+        </p:txBody>
+      </p:sp>
+      <p:pic>
+        <p:nvPicPr>
+          <p:cNvPr id="2" name="Image 1"/>
+          <p:cNvPicPr>
+            <a:picLocks noChangeAspect="1"/>
+          </p:cNvPicPr>
+          <p:nvPr/>
+        </p:nvPicPr>
+        <p:blipFill>
+          <a:blip r:embed="rId3"/>
+          <a:stretch>
+            <a:fillRect/>
+          </a:stretch>
+        </p:blipFill>
+        <p:spPr>
+          <a:xfrm>
+            <a:off x="1536030" y="1837157"/>
+            <a:ext cx="5006734" cy="1515644"/>
+          </a:xfrm>
+          <a:prstGeom prst="rect">
+            <a:avLst/>
+          </a:prstGeom>
+        </p:spPr>
+      </p:pic>
+      <p:pic>
+        <p:nvPicPr>
+          <p:cNvPr id="6" name="Image 5"/>
+          <p:cNvPicPr>
+            <a:picLocks noChangeAspect="1"/>
+          </p:cNvPicPr>
+          <p:nvPr/>
+        </p:nvPicPr>
+        <p:blipFill>
+          <a:blip r:embed="rId4"/>
+          <a:stretch>
+            <a:fillRect/>
+          </a:stretch>
+        </p:blipFill>
+        <p:spPr>
+          <a:xfrm>
+            <a:off x="1171072" y="5227100"/>
+            <a:ext cx="292100" cy="241300"/>
+          </a:xfrm>
+          <a:prstGeom prst="rect">
+            <a:avLst/>
+          </a:prstGeom>
+        </p:spPr>
+      </p:pic>
+      <p:pic>
+        <p:nvPicPr>
+          <p:cNvPr id="7" name="Image 6"/>
+          <p:cNvPicPr>
+            <a:picLocks noChangeAspect="1"/>
+          </p:cNvPicPr>
+          <p:nvPr/>
+        </p:nvPicPr>
+        <p:blipFill>
+          <a:blip r:embed="rId5"/>
+          <a:stretch>
+            <a:fillRect/>
+          </a:stretch>
+        </p:blipFill>
+        <p:spPr>
+          <a:xfrm>
+            <a:off x="1681747" y="3739147"/>
+            <a:ext cx="6807200" cy="2844800"/>
+          </a:xfrm>
+          <a:prstGeom prst="rect">
+            <a:avLst/>
+          </a:prstGeom>
+        </p:spPr>
+      </p:pic>
+      <p:pic>
+        <p:nvPicPr>
+          <p:cNvPr id="8" name="Image 7"/>
+          <p:cNvPicPr>
+            <a:picLocks noChangeAspect="1"/>
+          </p:cNvPicPr>
+          <p:nvPr/>
+        </p:nvPicPr>
+        <p:blipFill>
+          <a:blip r:embed="rId4"/>
+          <a:stretch>
+            <a:fillRect/>
+          </a:stretch>
+        </p:blipFill>
+        <p:spPr>
+          <a:xfrm>
+            <a:off x="1130968" y="2620258"/>
+            <a:ext cx="292100" cy="241300"/>
+          </a:xfrm>
+          <a:prstGeom prst="rect">
+            <a:avLst/>
+          </a:prstGeom>
+        </p:spPr>
+      </p:pic>
     </p:spTree>
     <p:extLst>
       <p:ext uri="{BB962C8B-B14F-4D97-AF65-F5344CB8AC3E}">
-        <p14:creationId xmlns:p14="http://schemas.microsoft.com/office/powerpoint/2010/main" val="712497051"/>
+        <p14:creationId xmlns:p14="http://schemas.microsoft.com/office/powerpoint/2010/main" val="26843591"/>
       </p:ext>
     </p:extLst>
   </p:cSld>
@@ -6148,7 +6756,17 @@
                   </a:schemeClr>
                 </a:solidFill>
               </a:rPr>
-              <a:t>Output format?</a:t>
+              <a:t>Pimp my .</a:t>
+            </a:r>
+            <a:r>
+              <a:rPr lang="en-CA" sz="4400" dirty="0" err="1" smtClean="0">
+                <a:solidFill>
+                  <a:schemeClr val="accent2">
+                    <a:lumMod val="75000"/>
+                  </a:schemeClr>
+                </a:solidFill>
+              </a:rPr>
+              <a:t>Rmd</a:t>
             </a:r>
             <a:endParaRPr lang="en-CA" sz="4400" dirty="0">
               <a:solidFill>
@@ -6160,40 +6778,16 @@
           </a:p>
         </p:txBody>
       </p:sp>
-      <p:pic>
-        <p:nvPicPr>
-          <p:cNvPr id="4" name="Image 3"/>
-          <p:cNvPicPr>
-            <a:picLocks noChangeAspect="1"/>
-          </p:cNvPicPr>
-          <p:nvPr/>
-        </p:nvPicPr>
-        <p:blipFill>
-          <a:blip r:embed="rId2"/>
-          <a:stretch>
-            <a:fillRect/>
-          </a:stretch>
-        </p:blipFill>
-        <p:spPr>
-          <a:xfrm>
-            <a:off x="2273968" y="590015"/>
-            <a:ext cx="7126706" cy="6111342"/>
-          </a:xfrm>
-          <a:prstGeom prst="rect">
-            <a:avLst/>
-          </a:prstGeom>
-        </p:spPr>
-      </p:pic>
-      <p:sp>
-        <p:nvSpPr>
-          <p:cNvPr id="9" name="ZoneTexte 8"/>
+      <p:sp>
+        <p:nvSpPr>
+          <p:cNvPr id="4" name="ZoneTexte 3"/>
           <p:cNvSpPr txBox="1"/>
           <p:nvPr/>
         </p:nvSpPr>
         <p:spPr>
           <a:xfrm>
-            <a:off x="1862221" y="1917121"/>
-            <a:ext cx="1779337" cy="400110"/>
+            <a:off x="2614863" y="1507958"/>
+            <a:ext cx="5261810" cy="3970318"/>
           </a:xfrm>
           <a:prstGeom prst="rect">
             <a:avLst/>
@@ -6206,242 +6800,120 @@
           </a:bodyPr>
           <a:lstStyle/>
           <a:p>
-            <a:r>
-              <a:rPr lang="fr-FR" sz="2000" b="1" dirty="0" smtClean="0">
-                <a:solidFill>
-                  <a:srgbClr val="FF0000"/>
-                </a:solidFill>
-              </a:rPr>
-              <a:t>Word .doc</a:t>
-            </a:r>
-          </a:p>
-        </p:txBody>
-      </p:sp>
-      <p:sp>
-        <p:nvSpPr>
-          <p:cNvPr id="10" name="ZoneTexte 9"/>
-          <p:cNvSpPr txBox="1"/>
-          <p:nvPr/>
-        </p:nvSpPr>
-        <p:spPr>
-          <a:xfrm>
-            <a:off x="8200860" y="1717066"/>
-            <a:ext cx="814803" cy="400110"/>
-          </a:xfrm>
-          <a:prstGeom prst="rect">
-            <a:avLst/>
-          </a:prstGeom>
-          <a:noFill/>
-        </p:spPr>
-        <p:txBody>
-          <a:bodyPr wrap="square" rtlCol="0">
-            <a:spAutoFit/>
-          </a:bodyPr>
-          <a:lstStyle/>
-          <a:p>
-            <a:r>
-              <a:rPr lang="fr-FR" sz="2000" b="1" dirty="0" smtClean="0">
-                <a:solidFill>
-                  <a:srgbClr val="FF0000"/>
-                </a:solidFill>
-              </a:rPr>
-              <a:t>.</a:t>
-            </a:r>
-            <a:r>
-              <a:rPr lang="fr-FR" sz="2000" b="1" dirty="0" err="1" smtClean="0">
-                <a:solidFill>
-                  <a:srgbClr val="FF0000"/>
-                </a:solidFill>
-              </a:rPr>
-              <a:t>pdf</a:t>
-            </a:r>
-            <a:endParaRPr lang="fr-FR" sz="2000" b="1" dirty="0" smtClean="0">
-              <a:solidFill>
-                <a:srgbClr val="FF0000"/>
-              </a:solidFill>
-            </a:endParaRPr>
-          </a:p>
-        </p:txBody>
-      </p:sp>
-      <p:sp>
-        <p:nvSpPr>
-          <p:cNvPr id="11" name="ZoneTexte 10"/>
-          <p:cNvSpPr txBox="1"/>
-          <p:nvPr/>
-        </p:nvSpPr>
-        <p:spPr>
-          <a:xfrm>
-            <a:off x="5273176" y="93471"/>
-            <a:ext cx="814803" cy="400110"/>
-          </a:xfrm>
-          <a:prstGeom prst="rect">
-            <a:avLst/>
-          </a:prstGeom>
-          <a:noFill/>
-        </p:spPr>
-        <p:txBody>
-          <a:bodyPr wrap="square" rtlCol="0">
-            <a:spAutoFit/>
-          </a:bodyPr>
-          <a:lstStyle/>
-          <a:p>
-            <a:r>
-              <a:rPr lang="fr-FR" sz="2000" b="1" dirty="0" smtClean="0">
-                <a:solidFill>
-                  <a:srgbClr val="FF0000"/>
-                </a:solidFill>
-              </a:rPr>
-              <a:t>Book</a:t>
-            </a:r>
-          </a:p>
-        </p:txBody>
-      </p:sp>
-      <p:sp>
-        <p:nvSpPr>
-          <p:cNvPr id="12" name="ZoneTexte 11"/>
-          <p:cNvSpPr txBox="1"/>
-          <p:nvPr/>
-        </p:nvSpPr>
-        <p:spPr>
-          <a:xfrm>
-            <a:off x="8993272" y="3333807"/>
-            <a:ext cx="1161381" cy="400110"/>
-          </a:xfrm>
-          <a:prstGeom prst="rect">
-            <a:avLst/>
-          </a:prstGeom>
-          <a:noFill/>
-        </p:spPr>
-        <p:txBody>
-          <a:bodyPr wrap="square" rtlCol="0">
-            <a:spAutoFit/>
-          </a:bodyPr>
-          <a:lstStyle/>
-          <a:p>
-            <a:r>
-              <a:rPr lang="fr-FR" sz="2000" b="1" dirty="0" smtClean="0">
-                <a:solidFill>
-                  <a:srgbClr val="FF0000"/>
-                </a:solidFill>
-              </a:rPr>
-              <a:t>Template</a:t>
-            </a:r>
-          </a:p>
-        </p:txBody>
-      </p:sp>
-      <p:sp>
-        <p:nvSpPr>
-          <p:cNvPr id="13" name="ZoneTexte 12"/>
-          <p:cNvSpPr txBox="1"/>
-          <p:nvPr/>
-        </p:nvSpPr>
-        <p:spPr>
-          <a:xfrm>
-            <a:off x="1299411" y="3333807"/>
-            <a:ext cx="1452479" cy="400110"/>
-          </a:xfrm>
-          <a:prstGeom prst="rect">
-            <a:avLst/>
-          </a:prstGeom>
-          <a:noFill/>
-        </p:spPr>
-        <p:txBody>
-          <a:bodyPr wrap="square" rtlCol="0">
-            <a:spAutoFit/>
-          </a:bodyPr>
-          <a:lstStyle/>
-          <a:p>
-            <a:r>
-              <a:rPr lang="fr-FR" sz="2000" b="1" smtClean="0">
-                <a:solidFill>
-                  <a:srgbClr val="FF0000"/>
-                </a:solidFill>
-              </a:rPr>
-              <a:t>Dashboard</a:t>
-            </a:r>
-            <a:endParaRPr lang="fr-FR" sz="2000" b="1" dirty="0" smtClean="0">
-              <a:solidFill>
-                <a:srgbClr val="FF0000"/>
-              </a:solidFill>
-            </a:endParaRPr>
-          </a:p>
-        </p:txBody>
-      </p:sp>
-      <p:sp>
-        <p:nvSpPr>
-          <p:cNvPr id="14" name="ZoneTexte 13"/>
-          <p:cNvSpPr txBox="1"/>
-          <p:nvPr/>
-        </p:nvSpPr>
-        <p:spPr>
-          <a:xfrm>
-            <a:off x="2150979" y="4817527"/>
-            <a:ext cx="1452479" cy="400110"/>
-          </a:xfrm>
-          <a:prstGeom prst="rect">
-            <a:avLst/>
-          </a:prstGeom>
-          <a:noFill/>
-        </p:spPr>
-        <p:txBody>
-          <a:bodyPr wrap="square" rtlCol="0">
-            <a:spAutoFit/>
-          </a:bodyPr>
-          <a:lstStyle/>
-          <a:p>
-            <a:r>
-              <a:rPr lang="fr-FR" sz="2000" b="1" dirty="0" smtClean="0">
-                <a:solidFill>
-                  <a:srgbClr val="FF0000"/>
-                </a:solidFill>
-              </a:rPr>
-              <a:t>Slides</a:t>
-            </a:r>
-          </a:p>
-        </p:txBody>
-      </p:sp>
-      <p:sp>
-        <p:nvSpPr>
-          <p:cNvPr id="15" name="ZoneTexte 14"/>
-          <p:cNvSpPr txBox="1"/>
-          <p:nvPr/>
-        </p:nvSpPr>
-        <p:spPr>
-          <a:xfrm>
-            <a:off x="5507288" y="6397681"/>
-            <a:ext cx="1161381" cy="400110"/>
-          </a:xfrm>
-          <a:prstGeom prst="rect">
-            <a:avLst/>
-          </a:prstGeom>
-          <a:noFill/>
-        </p:spPr>
-        <p:txBody>
-          <a:bodyPr wrap="square" rtlCol="0">
-            <a:spAutoFit/>
-          </a:bodyPr>
-          <a:lstStyle/>
-          <a:p>
-            <a:r>
-              <a:rPr lang="fr-FR" sz="2000" b="1" smtClean="0">
-                <a:solidFill>
-                  <a:srgbClr val="FF0000"/>
-                </a:solidFill>
-              </a:rPr>
-              <a:t>Blog</a:t>
-            </a:r>
-            <a:endParaRPr lang="fr-FR" sz="2000" b="1" dirty="0" smtClean="0">
-              <a:solidFill>
-                <a:srgbClr val="FF0000"/>
-              </a:solidFill>
-            </a:endParaRPr>
+            <a:pPr marL="285750" indent="-285750">
+              <a:buFont typeface="Arial" charset="0"/>
+              <a:buChar char="•"/>
+            </a:pPr>
+            <a:r>
+              <a:rPr lang="fr-FR" sz="2800" dirty="0">
+                <a:hlinkClick r:id="rId2"/>
+              </a:rPr>
+              <a:t>holtzy.github.io/Pimp-my-rmd</a:t>
+            </a:r>
+            <a:r>
+              <a:rPr lang="fr-FR" sz="2800" dirty="0" smtClean="0">
+                <a:hlinkClick r:id="rId2"/>
+              </a:rPr>
+              <a:t>/</a:t>
+            </a:r>
+            <a:endParaRPr lang="fr-FR" sz="2800" dirty="0" smtClean="0"/>
+          </a:p>
+          <a:p>
+            <a:pPr marL="285750" indent="-285750">
+              <a:buFont typeface="Arial" charset="0"/>
+              <a:buChar char="•"/>
+            </a:pPr>
+            <a:endParaRPr lang="fr-FR" sz="2800" dirty="0"/>
+          </a:p>
+          <a:p>
+            <a:pPr marL="285750" indent="-285750">
+              <a:buFont typeface="Arial" charset="0"/>
+              <a:buChar char="•"/>
+            </a:pPr>
+            <a:r>
+              <a:rPr lang="fr-FR" sz="2800" dirty="0" err="1" smtClean="0"/>
+              <a:t>Everything</a:t>
+            </a:r>
+            <a:r>
+              <a:rPr lang="fr-FR" sz="2800" dirty="0" smtClean="0"/>
+              <a:t> </a:t>
+            </a:r>
+            <a:r>
+              <a:rPr lang="fr-FR" sz="2800" dirty="0" err="1" smtClean="0"/>
+              <a:t>is</a:t>
+            </a:r>
+            <a:r>
+              <a:rPr lang="fr-FR" sz="2800" dirty="0" smtClean="0"/>
+              <a:t> possible</a:t>
+            </a:r>
+          </a:p>
+          <a:p>
+            <a:pPr marL="285750" indent="-285750">
+              <a:buFont typeface="Arial" charset="0"/>
+              <a:buChar char="•"/>
+            </a:pPr>
+            <a:endParaRPr lang="fr-FR" sz="2800" dirty="0"/>
+          </a:p>
+          <a:p>
+            <a:pPr marL="285750" indent="-285750">
+              <a:buFont typeface="Arial" charset="0"/>
+              <a:buChar char="•"/>
+            </a:pPr>
+            <a:r>
+              <a:rPr lang="fr-FR" sz="2800" dirty="0" smtClean="0"/>
+              <a:t>Use CSS and HTML code</a:t>
+            </a:r>
+          </a:p>
+          <a:p>
+            <a:pPr marL="285750" indent="-285750">
+              <a:buFont typeface="Arial" charset="0"/>
+              <a:buChar char="•"/>
+            </a:pPr>
+            <a:endParaRPr lang="fr-FR" sz="2800" dirty="0"/>
+          </a:p>
+          <a:p>
+            <a:pPr marL="285750" indent="-285750">
+              <a:buFont typeface="Arial" charset="0"/>
+              <a:buChar char="•"/>
+            </a:pPr>
+            <a:r>
+              <a:rPr lang="fr-FR" sz="2800" dirty="0" err="1" smtClean="0"/>
+              <a:t>Add</a:t>
+            </a:r>
+            <a:r>
+              <a:rPr lang="fr-FR" sz="2800" dirty="0" smtClean="0"/>
+              <a:t> header and </a:t>
+            </a:r>
+            <a:r>
+              <a:rPr lang="fr-FR" sz="2800" dirty="0" err="1" smtClean="0"/>
+              <a:t>footer</a:t>
+            </a:r>
+            <a:endParaRPr lang="fr-FR" sz="2800" dirty="0" smtClean="0"/>
+          </a:p>
+          <a:p>
+            <a:pPr marL="285750" indent="-285750">
+              <a:buFont typeface="Arial" charset="0"/>
+              <a:buChar char="•"/>
+            </a:pPr>
+            <a:endParaRPr lang="fr-FR" sz="2800" dirty="0"/>
+          </a:p>
+          <a:p>
+            <a:pPr marL="285750" indent="-285750">
+              <a:buFont typeface="Arial" charset="0"/>
+              <a:buChar char="•"/>
+            </a:pPr>
+            <a:r>
+              <a:rPr lang="fr-FR" sz="2800" dirty="0" smtClean="0"/>
+              <a:t>More</a:t>
+            </a:r>
+            <a:endParaRPr lang="fr-FR" sz="2800" dirty="0"/>
           </a:p>
         </p:txBody>
       </p:sp>
     </p:spTree>
     <p:extLst>
       <p:ext uri="{BB962C8B-B14F-4D97-AF65-F5344CB8AC3E}">
-        <p14:creationId xmlns:p14="http://schemas.microsoft.com/office/powerpoint/2010/main" val="341273363"/>
+        <p14:creationId xmlns:p14="http://schemas.microsoft.com/office/powerpoint/2010/main" val="712497051"/>
       </p:ext>
     </p:extLst>
   </p:cSld>
@@ -6475,225 +6947,108 @@
           <a:chExt cx="0" cy="0"/>
         </a:xfrm>
       </p:grpSpPr>
-      <p:sp>
-        <p:nvSpPr>
-          <p:cNvPr id="3" name="ZoneTexte 2"/>
-          <p:cNvSpPr txBox="1"/>
-          <p:nvPr/>
-        </p:nvSpPr>
-        <p:spPr>
-          <a:xfrm>
-            <a:off x="145140" y="109331"/>
-            <a:ext cx="9506859" cy="769441"/>
-          </a:xfrm>
-          <a:prstGeom prst="rect">
-            <a:avLst/>
-          </a:prstGeom>
-          <a:noFill/>
-        </p:spPr>
-        <p:txBody>
-          <a:bodyPr wrap="square" rtlCol="0">
-            <a:spAutoFit/>
-          </a:bodyPr>
-          <a:lstStyle/>
-          <a:p>
-            <a:r>
-              <a:rPr lang="en-CA" sz="4400" dirty="0" smtClean="0">
-                <a:solidFill>
-                  <a:schemeClr val="accent2">
-                    <a:lumMod val="75000"/>
-                  </a:schemeClr>
-                </a:solidFill>
-              </a:rPr>
-              <a:t>Share your analysis</a:t>
-            </a:r>
-            <a:endParaRPr lang="en-CA" sz="4400" dirty="0">
-              <a:solidFill>
-                <a:schemeClr val="accent2">
-                  <a:lumMod val="75000"/>
-                </a:schemeClr>
-              </a:solidFill>
-            </a:endParaRPr>
-          </a:p>
-        </p:txBody>
-      </p:sp>
-      <p:sp>
-        <p:nvSpPr>
-          <p:cNvPr id="4" name="ZoneTexte 3"/>
-          <p:cNvSpPr txBox="1"/>
-          <p:nvPr/>
-        </p:nvSpPr>
-        <p:spPr>
-          <a:xfrm>
-            <a:off x="1588168" y="1748589"/>
-            <a:ext cx="6978316" cy="3108543"/>
-          </a:xfrm>
-          <a:prstGeom prst="rect">
-            <a:avLst/>
-          </a:prstGeom>
-          <a:noFill/>
-        </p:spPr>
-        <p:txBody>
-          <a:bodyPr wrap="square" rtlCol="0">
-            <a:spAutoFit/>
-          </a:bodyPr>
-          <a:lstStyle/>
-          <a:p>
-            <a:pPr marL="285750" indent="-285750">
-              <a:buFont typeface="Arial" charset="0"/>
-              <a:buChar char="•"/>
-            </a:pPr>
-            <a:r>
-              <a:rPr lang="fr-FR" sz="2800" dirty="0" smtClean="0"/>
-              <a:t>Mail </a:t>
-            </a:r>
-            <a:r>
-              <a:rPr lang="fr-FR" sz="2800" dirty="0" err="1" smtClean="0"/>
-              <a:t>with</a:t>
-            </a:r>
-            <a:r>
-              <a:rPr lang="fr-FR" sz="2800" dirty="0" smtClean="0"/>
-              <a:t> </a:t>
-            </a:r>
-            <a:r>
-              <a:rPr lang="fr-FR" sz="2800" dirty="0" err="1" smtClean="0"/>
-              <a:t>colleagues</a:t>
-            </a:r>
-            <a:r>
-              <a:rPr lang="fr-FR" sz="2800" dirty="0" smtClean="0"/>
-              <a:t>, </a:t>
-            </a:r>
-            <a:r>
-              <a:rPr lang="fr-FR" sz="2800" dirty="0" err="1" smtClean="0"/>
-              <a:t>supervisor</a:t>
-            </a:r>
-            <a:endParaRPr lang="fr-FR" sz="2800" dirty="0" smtClean="0"/>
-          </a:p>
-          <a:p>
-            <a:endParaRPr lang="fr-FR" sz="2800" dirty="0" smtClean="0"/>
-          </a:p>
-          <a:p>
-            <a:pPr marL="285750" indent="-285750">
-              <a:buFont typeface="Arial" charset="0"/>
-              <a:buChar char="•"/>
-            </a:pPr>
-            <a:r>
-              <a:rPr lang="fr-FR" sz="2800" dirty="0" smtClean="0"/>
-              <a:t>Publication as a </a:t>
-            </a:r>
-            <a:r>
-              <a:rPr lang="fr-FR" sz="2800" dirty="0" err="1" smtClean="0"/>
-              <a:t>suplementary</a:t>
-            </a:r>
-            <a:r>
-              <a:rPr lang="fr-FR" sz="2800" dirty="0" smtClean="0"/>
-              <a:t> </a:t>
-            </a:r>
-            <a:r>
-              <a:rPr lang="fr-FR" sz="2800" dirty="0" err="1" smtClean="0"/>
-              <a:t>material</a:t>
-            </a:r>
-            <a:endParaRPr lang="fr-FR" sz="2800" dirty="0" smtClean="0"/>
-          </a:p>
-          <a:p>
-            <a:pPr marL="285750" indent="-285750">
-              <a:buFont typeface="Arial" charset="0"/>
-              <a:buChar char="•"/>
-            </a:pPr>
-            <a:endParaRPr lang="fr-FR" sz="2800" dirty="0"/>
-          </a:p>
-          <a:p>
-            <a:pPr marL="285750" indent="-285750">
-              <a:buFont typeface="Arial" charset="0"/>
-              <a:buChar char="•"/>
-            </a:pPr>
-            <a:r>
-              <a:rPr lang="fr-FR" sz="2800" dirty="0" err="1" smtClean="0"/>
-              <a:t>Github</a:t>
-            </a:r>
-            <a:r>
-              <a:rPr lang="fr-FR" sz="2800" dirty="0" smtClean="0"/>
-              <a:t>: </a:t>
-            </a:r>
-            <a:r>
-              <a:rPr lang="fr-FR" sz="2800" dirty="0" smtClean="0">
-                <a:hlinkClick r:id="rId2"/>
-              </a:rPr>
-              <a:t>www.github.com</a:t>
-            </a:r>
-            <a:r>
-              <a:rPr lang="fr-FR" sz="2800" dirty="0" smtClean="0"/>
-              <a:t> </a:t>
-            </a:r>
-          </a:p>
-          <a:p>
-            <a:endParaRPr lang="fr-FR" sz="2800" dirty="0"/>
-          </a:p>
-          <a:p>
-            <a:pPr marL="285750" indent="-285750">
-              <a:buFont typeface="Arial" charset="0"/>
-              <a:buChar char="•"/>
-            </a:pPr>
-            <a:r>
-              <a:rPr lang="fr-FR" sz="2800" dirty="0" err="1" smtClean="0"/>
-              <a:t>Website</a:t>
-            </a:r>
-            <a:endParaRPr lang="fr-FR" sz="2800" dirty="0"/>
-          </a:p>
-        </p:txBody>
-      </p:sp>
       <p:pic>
         <p:nvPicPr>
-          <p:cNvPr id="2" name="Image 1"/>
+          <p:cNvPr id="8" name="Image 7"/>
           <p:cNvPicPr>
             <a:picLocks noChangeAspect="1"/>
           </p:cNvPicPr>
           <p:nvPr/>
         </p:nvPicPr>
         <p:blipFill>
-          <a:blip r:embed="rId3"/>
+          <a:blip r:embed="rId2">
+            <a:alphaModFix amt="24000"/>
+            <a:extLst>
+              <a:ext uri="{28A0092B-C50C-407E-A947-70E740481C1C}">
+                <a14:useLocalDpi xmlns:a14="http://schemas.microsoft.com/office/drawing/2010/main" val="0"/>
+              </a:ext>
+            </a:extLst>
+          </a:blip>
           <a:stretch>
             <a:fillRect/>
           </a:stretch>
         </p:blipFill>
         <p:spPr>
           <a:xfrm>
-            <a:off x="465221" y="3302860"/>
-            <a:ext cx="962526" cy="886822"/>
+            <a:off x="-2411662" y="16042"/>
+            <a:ext cx="17808514" cy="6858000"/>
           </a:xfrm>
           <a:prstGeom prst="rect">
             <a:avLst/>
           </a:prstGeom>
         </p:spPr>
       </p:pic>
-      <p:pic>
-        <p:nvPicPr>
-          <p:cNvPr id="5" name="Image 4"/>
-          <p:cNvPicPr>
-            <a:picLocks noChangeAspect="1"/>
-          </p:cNvPicPr>
-          <p:nvPr/>
-        </p:nvPicPr>
-        <p:blipFill>
-          <a:blip r:embed="rId3"/>
-          <a:stretch>
-            <a:fillRect/>
-          </a:stretch>
-        </p:blipFill>
-        <p:spPr>
-          <a:xfrm>
-            <a:off x="5863390" y="3289510"/>
-            <a:ext cx="962526" cy="886822"/>
-          </a:xfrm>
-          <a:prstGeom prst="rect">
-            <a:avLst/>
-          </a:prstGeom>
-        </p:spPr>
-      </p:pic>
+      <p:cxnSp>
+        <p:nvCxnSpPr>
+          <p:cNvPr id="9" name="Connecteur droit 8"/>
+          <p:cNvCxnSpPr/>
+          <p:nvPr/>
+        </p:nvCxnSpPr>
+        <p:spPr>
+          <a:xfrm>
+            <a:off x="3676696" y="3686627"/>
+            <a:ext cx="4702626" cy="0"/>
+          </a:xfrm>
+          <a:prstGeom prst="line">
+            <a:avLst/>
+          </a:prstGeom>
+          <a:ln>
+            <a:solidFill>
+              <a:schemeClr val="bg2">
+                <a:lumMod val="50000"/>
+              </a:schemeClr>
+            </a:solidFill>
+          </a:ln>
+        </p:spPr>
+        <p:style>
+          <a:lnRef idx="1">
+            <a:schemeClr val="accent1"/>
+          </a:lnRef>
+          <a:fillRef idx="0">
+            <a:schemeClr val="accent1"/>
+          </a:fillRef>
+          <a:effectRef idx="0">
+            <a:schemeClr val="accent1"/>
+          </a:effectRef>
+          <a:fontRef idx="minor">
+            <a:schemeClr val="tx1"/>
+          </a:fontRef>
+        </p:style>
+      </p:cxnSp>
+      <p:sp>
+        <p:nvSpPr>
+          <p:cNvPr id="10" name="ZoneTexte 9"/>
+          <p:cNvSpPr txBox="1"/>
+          <p:nvPr/>
+        </p:nvSpPr>
+        <p:spPr>
+          <a:xfrm>
+            <a:off x="4997495" y="2798711"/>
+            <a:ext cx="4814161" cy="646331"/>
+          </a:xfrm>
+          <a:prstGeom prst="rect">
+            <a:avLst/>
+          </a:prstGeom>
+          <a:noFill/>
+        </p:spPr>
+        <p:txBody>
+          <a:bodyPr wrap="square" rtlCol="0">
+            <a:spAutoFit/>
+          </a:bodyPr>
+          <a:lstStyle/>
+          <a:p>
+            <a:r>
+              <a:rPr lang="fr-FR" sz="3600" dirty="0" smtClean="0"/>
+              <a:t>Sharing</a:t>
+            </a:r>
+            <a:endParaRPr lang="fr-FR" sz="3600" dirty="0"/>
+          </a:p>
+        </p:txBody>
+      </p:sp>
     </p:spTree>
     <p:extLst>
       <p:ext uri="{BB962C8B-B14F-4D97-AF65-F5344CB8AC3E}">
-        <p14:creationId xmlns:p14="http://schemas.microsoft.com/office/powerpoint/2010/main" val="2015079022"/>
+        <p14:creationId xmlns:p14="http://schemas.microsoft.com/office/powerpoint/2010/main" val="481190062"/>
       </p:ext>
     </p:extLst>
   </p:cSld>
@@ -6735,7 +7090,7 @@
         </p:nvSpPr>
         <p:spPr>
           <a:xfrm>
-            <a:off x="145140" y="109331"/>
+            <a:off x="16804" y="-2963"/>
             <a:ext cx="9506859" cy="769441"/>
           </a:xfrm>
           <a:prstGeom prst="rect">
@@ -6757,27 +7112,7 @@
                   </a:schemeClr>
                 </a:solidFill>
               </a:rPr>
-              <a:t>An example: my </a:t>
-            </a:r>
-            <a:r>
-              <a:rPr lang="en-CA" sz="4400" dirty="0" err="1" smtClean="0">
-                <a:solidFill>
-                  <a:schemeClr val="accent2">
-                    <a:lumMod val="75000"/>
-                  </a:schemeClr>
-                </a:solidFill>
-              </a:rPr>
-              <a:t>bioinfo</a:t>
-            </a:r>
-            <a:r>
-              <a:rPr lang="en-CA" sz="4400" dirty="0" smtClean="0">
-                <a:solidFill>
-                  <a:schemeClr val="accent2">
-                    <a:lumMod val="75000"/>
-                  </a:schemeClr>
-                </a:solidFill>
-              </a:rPr>
-              <a:t> pipeline:</a:t>
+              <a:t>Output format?</a:t>
             </a:r>
             <a:endParaRPr lang="en-CA" sz="4400" dirty="0">
               <a:solidFill>
@@ -6789,6 +7124,363 @@
           </a:p>
         </p:txBody>
       </p:sp>
+      <p:pic>
+        <p:nvPicPr>
+          <p:cNvPr id="4" name="Image 3"/>
+          <p:cNvPicPr>
+            <a:picLocks noChangeAspect="1"/>
+          </p:cNvPicPr>
+          <p:nvPr/>
+        </p:nvPicPr>
+        <p:blipFill>
+          <a:blip r:embed="rId2"/>
+          <a:stretch>
+            <a:fillRect/>
+          </a:stretch>
+        </p:blipFill>
+        <p:spPr>
+          <a:xfrm>
+            <a:off x="2273968" y="590015"/>
+            <a:ext cx="7126706" cy="6111342"/>
+          </a:xfrm>
+          <a:prstGeom prst="rect">
+            <a:avLst/>
+          </a:prstGeom>
+        </p:spPr>
+      </p:pic>
+      <p:sp>
+        <p:nvSpPr>
+          <p:cNvPr id="9" name="ZoneTexte 8"/>
+          <p:cNvSpPr txBox="1"/>
+          <p:nvPr/>
+        </p:nvSpPr>
+        <p:spPr>
+          <a:xfrm>
+            <a:off x="1862221" y="1917121"/>
+            <a:ext cx="1779337" cy="400110"/>
+          </a:xfrm>
+          <a:prstGeom prst="rect">
+            <a:avLst/>
+          </a:prstGeom>
+          <a:noFill/>
+        </p:spPr>
+        <p:txBody>
+          <a:bodyPr wrap="square" rtlCol="0">
+            <a:spAutoFit/>
+          </a:bodyPr>
+          <a:lstStyle/>
+          <a:p>
+            <a:r>
+              <a:rPr lang="fr-FR" sz="2000" b="1" dirty="0" smtClean="0">
+                <a:solidFill>
+                  <a:srgbClr val="FF0000"/>
+                </a:solidFill>
+              </a:rPr>
+              <a:t>Word .doc</a:t>
+            </a:r>
+          </a:p>
+        </p:txBody>
+      </p:sp>
+      <p:sp>
+        <p:nvSpPr>
+          <p:cNvPr id="10" name="ZoneTexte 9"/>
+          <p:cNvSpPr txBox="1"/>
+          <p:nvPr/>
+        </p:nvSpPr>
+        <p:spPr>
+          <a:xfrm>
+            <a:off x="8200860" y="1717066"/>
+            <a:ext cx="814803" cy="400110"/>
+          </a:xfrm>
+          <a:prstGeom prst="rect">
+            <a:avLst/>
+          </a:prstGeom>
+          <a:noFill/>
+        </p:spPr>
+        <p:txBody>
+          <a:bodyPr wrap="square" rtlCol="0">
+            <a:spAutoFit/>
+          </a:bodyPr>
+          <a:lstStyle/>
+          <a:p>
+            <a:r>
+              <a:rPr lang="fr-FR" sz="2000" b="1" dirty="0" smtClean="0">
+                <a:solidFill>
+                  <a:srgbClr val="FF0000"/>
+                </a:solidFill>
+              </a:rPr>
+              <a:t>.</a:t>
+            </a:r>
+            <a:r>
+              <a:rPr lang="fr-FR" sz="2000" b="1" dirty="0" err="1" smtClean="0">
+                <a:solidFill>
+                  <a:srgbClr val="FF0000"/>
+                </a:solidFill>
+              </a:rPr>
+              <a:t>pdf</a:t>
+            </a:r>
+            <a:endParaRPr lang="fr-FR" sz="2000" b="1" dirty="0" smtClean="0">
+              <a:solidFill>
+                <a:srgbClr val="FF0000"/>
+              </a:solidFill>
+            </a:endParaRPr>
+          </a:p>
+        </p:txBody>
+      </p:sp>
+      <p:sp>
+        <p:nvSpPr>
+          <p:cNvPr id="11" name="ZoneTexte 10"/>
+          <p:cNvSpPr txBox="1"/>
+          <p:nvPr/>
+        </p:nvSpPr>
+        <p:spPr>
+          <a:xfrm>
+            <a:off x="5273176" y="93471"/>
+            <a:ext cx="814803" cy="400110"/>
+          </a:xfrm>
+          <a:prstGeom prst="rect">
+            <a:avLst/>
+          </a:prstGeom>
+          <a:noFill/>
+        </p:spPr>
+        <p:txBody>
+          <a:bodyPr wrap="square" rtlCol="0">
+            <a:spAutoFit/>
+          </a:bodyPr>
+          <a:lstStyle/>
+          <a:p>
+            <a:r>
+              <a:rPr lang="fr-FR" sz="2000" b="1" dirty="0" smtClean="0">
+                <a:solidFill>
+                  <a:srgbClr val="FF0000"/>
+                </a:solidFill>
+              </a:rPr>
+              <a:t>Book</a:t>
+            </a:r>
+          </a:p>
+        </p:txBody>
+      </p:sp>
+      <p:sp>
+        <p:nvSpPr>
+          <p:cNvPr id="12" name="ZoneTexte 11"/>
+          <p:cNvSpPr txBox="1"/>
+          <p:nvPr/>
+        </p:nvSpPr>
+        <p:spPr>
+          <a:xfrm>
+            <a:off x="8993272" y="3333807"/>
+            <a:ext cx="1161381" cy="400110"/>
+          </a:xfrm>
+          <a:prstGeom prst="rect">
+            <a:avLst/>
+          </a:prstGeom>
+          <a:noFill/>
+        </p:spPr>
+        <p:txBody>
+          <a:bodyPr wrap="square" rtlCol="0">
+            <a:spAutoFit/>
+          </a:bodyPr>
+          <a:lstStyle/>
+          <a:p>
+            <a:r>
+              <a:rPr lang="fr-FR" sz="2000" b="1" dirty="0" smtClean="0">
+                <a:solidFill>
+                  <a:srgbClr val="FF0000"/>
+                </a:solidFill>
+              </a:rPr>
+              <a:t>Template</a:t>
+            </a:r>
+          </a:p>
+        </p:txBody>
+      </p:sp>
+      <p:sp>
+        <p:nvSpPr>
+          <p:cNvPr id="13" name="ZoneTexte 12"/>
+          <p:cNvSpPr txBox="1"/>
+          <p:nvPr/>
+        </p:nvSpPr>
+        <p:spPr>
+          <a:xfrm>
+            <a:off x="1299411" y="3333807"/>
+            <a:ext cx="1452479" cy="400110"/>
+          </a:xfrm>
+          <a:prstGeom prst="rect">
+            <a:avLst/>
+          </a:prstGeom>
+          <a:noFill/>
+        </p:spPr>
+        <p:txBody>
+          <a:bodyPr wrap="square" rtlCol="0">
+            <a:spAutoFit/>
+          </a:bodyPr>
+          <a:lstStyle/>
+          <a:p>
+            <a:r>
+              <a:rPr lang="fr-FR" sz="2000" b="1" smtClean="0">
+                <a:solidFill>
+                  <a:srgbClr val="FF0000"/>
+                </a:solidFill>
+              </a:rPr>
+              <a:t>Dashboard</a:t>
+            </a:r>
+            <a:endParaRPr lang="fr-FR" sz="2000" b="1" dirty="0" smtClean="0">
+              <a:solidFill>
+                <a:srgbClr val="FF0000"/>
+              </a:solidFill>
+            </a:endParaRPr>
+          </a:p>
+        </p:txBody>
+      </p:sp>
+      <p:sp>
+        <p:nvSpPr>
+          <p:cNvPr id="14" name="ZoneTexte 13"/>
+          <p:cNvSpPr txBox="1"/>
+          <p:nvPr/>
+        </p:nvSpPr>
+        <p:spPr>
+          <a:xfrm>
+            <a:off x="2150979" y="4817527"/>
+            <a:ext cx="1452479" cy="400110"/>
+          </a:xfrm>
+          <a:prstGeom prst="rect">
+            <a:avLst/>
+          </a:prstGeom>
+          <a:noFill/>
+        </p:spPr>
+        <p:txBody>
+          <a:bodyPr wrap="square" rtlCol="0">
+            <a:spAutoFit/>
+          </a:bodyPr>
+          <a:lstStyle/>
+          <a:p>
+            <a:r>
+              <a:rPr lang="fr-FR" sz="2000" b="1" dirty="0" smtClean="0">
+                <a:solidFill>
+                  <a:srgbClr val="FF0000"/>
+                </a:solidFill>
+              </a:rPr>
+              <a:t>Slides</a:t>
+            </a:r>
+          </a:p>
+        </p:txBody>
+      </p:sp>
+      <p:sp>
+        <p:nvSpPr>
+          <p:cNvPr id="15" name="ZoneTexte 14"/>
+          <p:cNvSpPr txBox="1"/>
+          <p:nvPr/>
+        </p:nvSpPr>
+        <p:spPr>
+          <a:xfrm>
+            <a:off x="5507288" y="6397681"/>
+            <a:ext cx="1161381" cy="400110"/>
+          </a:xfrm>
+          <a:prstGeom prst="rect">
+            <a:avLst/>
+          </a:prstGeom>
+          <a:noFill/>
+        </p:spPr>
+        <p:txBody>
+          <a:bodyPr wrap="square" rtlCol="0">
+            <a:spAutoFit/>
+          </a:bodyPr>
+          <a:lstStyle/>
+          <a:p>
+            <a:r>
+              <a:rPr lang="fr-FR" sz="2000" b="1" smtClean="0">
+                <a:solidFill>
+                  <a:srgbClr val="FF0000"/>
+                </a:solidFill>
+              </a:rPr>
+              <a:t>Blog</a:t>
+            </a:r>
+            <a:endParaRPr lang="fr-FR" sz="2000" b="1" dirty="0" smtClean="0">
+              <a:solidFill>
+                <a:srgbClr val="FF0000"/>
+              </a:solidFill>
+            </a:endParaRPr>
+          </a:p>
+        </p:txBody>
+      </p:sp>
+    </p:spTree>
+    <p:extLst>
+      <p:ext uri="{BB962C8B-B14F-4D97-AF65-F5344CB8AC3E}">
+        <p14:creationId xmlns:p14="http://schemas.microsoft.com/office/powerpoint/2010/main" val="341273363"/>
+      </p:ext>
+    </p:extLst>
+  </p:cSld>
+  <p:clrMapOvr>
+    <a:masterClrMapping/>
+  </p:clrMapOvr>
+  <p:timing>
+    <p:tnLst>
+      <p:par>
+        <p:cTn id="1" dur="indefinite" restart="never" nodeType="tmRoot"/>
+      </p:par>
+    </p:tnLst>
+  </p:timing>
+</p:sld>
+</file>
+
+<file path=ppt/slides/slide24.xml><?xml version="1.0" encoding="utf-8"?>
+<p:sld xmlns:a="http://schemas.openxmlformats.org/drawingml/2006/main" xmlns:r="http://schemas.openxmlformats.org/officeDocument/2006/relationships" xmlns:p="http://schemas.openxmlformats.org/presentationml/2006/main">
+  <p:cSld>
+    <p:spTree>
+      <p:nvGrpSpPr>
+        <p:cNvPr id="1" name=""/>
+        <p:cNvGrpSpPr/>
+        <p:nvPr/>
+      </p:nvGrpSpPr>
+      <p:grpSpPr>
+        <a:xfrm>
+          <a:off x="0" y="0"/>
+          <a:ext cx="0" cy="0"/>
+          <a:chOff x="0" y="0"/>
+          <a:chExt cx="0" cy="0"/>
+        </a:xfrm>
+      </p:grpSpPr>
+      <p:sp>
+        <p:nvSpPr>
+          <p:cNvPr id="3" name="ZoneTexte 2"/>
+          <p:cNvSpPr txBox="1"/>
+          <p:nvPr/>
+        </p:nvSpPr>
+        <p:spPr>
+          <a:xfrm>
+            <a:off x="145140" y="109331"/>
+            <a:ext cx="9506859" cy="769441"/>
+          </a:xfrm>
+          <a:prstGeom prst="rect">
+            <a:avLst/>
+          </a:prstGeom>
+          <a:noFill/>
+        </p:spPr>
+        <p:txBody>
+          <a:bodyPr wrap="square" rtlCol="0">
+            <a:spAutoFit/>
+          </a:bodyPr>
+          <a:lstStyle/>
+          <a:p>
+            <a:r>
+              <a:rPr lang="en-CA" sz="4400" dirty="0" smtClean="0">
+                <a:solidFill>
+                  <a:schemeClr val="accent2">
+                    <a:lumMod val="75000"/>
+                  </a:schemeClr>
+                </a:solidFill>
+              </a:rPr>
+              <a:t>Share your analysis</a:t>
+            </a:r>
+            <a:endParaRPr lang="en-CA" sz="4400" dirty="0">
+              <a:solidFill>
+                <a:schemeClr val="accent2">
+                  <a:lumMod val="75000"/>
+                </a:schemeClr>
+              </a:solidFill>
+            </a:endParaRPr>
+          </a:p>
+        </p:txBody>
+      </p:sp>
       <p:sp>
         <p:nvSpPr>
           <p:cNvPr id="4" name="ZoneTexte 3"/>
@@ -6797,7 +7489,380 @@
         </p:nvSpPr>
         <p:spPr>
           <a:xfrm>
-            <a:off x="1588168" y="1748589"/>
+            <a:off x="3329882" y="1951789"/>
+            <a:ext cx="6978316" cy="3108543"/>
+          </a:xfrm>
+          <a:prstGeom prst="rect">
+            <a:avLst/>
+          </a:prstGeom>
+          <a:noFill/>
+        </p:spPr>
+        <p:txBody>
+          <a:bodyPr wrap="square" rtlCol="0">
+            <a:spAutoFit/>
+          </a:bodyPr>
+          <a:lstStyle/>
+          <a:p>
+            <a:pPr marL="285750" indent="-285750">
+              <a:buFont typeface="Arial" charset="0"/>
+              <a:buChar char="•"/>
+            </a:pPr>
+            <a:r>
+              <a:rPr lang="en-CA" sz="2800" dirty="0" smtClean="0"/>
+              <a:t>Mail with colleagues, supervisor</a:t>
+            </a:r>
+          </a:p>
+          <a:p>
+            <a:endParaRPr lang="en-CA" sz="2800" dirty="0" smtClean="0"/>
+          </a:p>
+          <a:p>
+            <a:pPr marL="285750" indent="-285750">
+              <a:buFont typeface="Arial" charset="0"/>
+              <a:buChar char="•"/>
+            </a:pPr>
+            <a:r>
+              <a:rPr lang="en-CA" sz="2800" dirty="0" smtClean="0"/>
+              <a:t>Publication as a supplementary material</a:t>
+            </a:r>
+          </a:p>
+          <a:p>
+            <a:pPr marL="285750" indent="-285750">
+              <a:buFont typeface="Arial" charset="0"/>
+              <a:buChar char="•"/>
+            </a:pPr>
+            <a:endParaRPr lang="en-CA" sz="2800" dirty="0" smtClean="0"/>
+          </a:p>
+          <a:p>
+            <a:pPr marL="285750" indent="-285750">
+              <a:buFont typeface="Arial" charset="0"/>
+              <a:buChar char="•"/>
+            </a:pPr>
+            <a:r>
+              <a:rPr lang="en-CA" sz="2800" dirty="0" err="1" smtClean="0"/>
+              <a:t>Github</a:t>
+            </a:r>
+            <a:r>
+              <a:rPr lang="en-CA" sz="2800" dirty="0" smtClean="0"/>
+              <a:t>: </a:t>
+            </a:r>
+            <a:r>
+              <a:rPr lang="en-CA" sz="2800" dirty="0" smtClean="0">
+                <a:hlinkClick r:id="rId2"/>
+              </a:rPr>
+              <a:t>www.github.com</a:t>
+            </a:r>
+            <a:r>
+              <a:rPr lang="en-CA" sz="2800" dirty="0" smtClean="0"/>
+              <a:t> </a:t>
+            </a:r>
+          </a:p>
+          <a:p>
+            <a:endParaRPr lang="en-CA" sz="2800" dirty="0" smtClean="0"/>
+          </a:p>
+          <a:p>
+            <a:pPr marL="285750" indent="-285750">
+              <a:buFont typeface="Arial" charset="0"/>
+              <a:buChar char="•"/>
+            </a:pPr>
+            <a:r>
+              <a:rPr lang="en-CA" sz="2800" dirty="0" smtClean="0"/>
+              <a:t>Website</a:t>
+            </a:r>
+            <a:endParaRPr lang="en-CA" sz="2800" dirty="0"/>
+          </a:p>
+        </p:txBody>
+      </p:sp>
+      <p:pic>
+        <p:nvPicPr>
+          <p:cNvPr id="2" name="Image 1"/>
+          <p:cNvPicPr>
+            <a:picLocks noChangeAspect="1"/>
+          </p:cNvPicPr>
+          <p:nvPr/>
+        </p:nvPicPr>
+        <p:blipFill>
+          <a:blip r:embed="rId3"/>
+          <a:stretch>
+            <a:fillRect/>
+          </a:stretch>
+        </p:blipFill>
+        <p:spPr>
+          <a:xfrm>
+            <a:off x="2206935" y="3506060"/>
+            <a:ext cx="962526" cy="886822"/>
+          </a:xfrm>
+          <a:prstGeom prst="rect">
+            <a:avLst/>
+          </a:prstGeom>
+        </p:spPr>
+      </p:pic>
+      <p:pic>
+        <p:nvPicPr>
+          <p:cNvPr id="5" name="Image 4"/>
+          <p:cNvPicPr>
+            <a:picLocks noChangeAspect="1"/>
+          </p:cNvPicPr>
+          <p:nvPr/>
+        </p:nvPicPr>
+        <p:blipFill>
+          <a:blip r:embed="rId3"/>
+          <a:stretch>
+            <a:fillRect/>
+          </a:stretch>
+        </p:blipFill>
+        <p:spPr>
+          <a:xfrm>
+            <a:off x="7605104" y="3492710"/>
+            <a:ext cx="962526" cy="886822"/>
+          </a:xfrm>
+          <a:prstGeom prst="rect">
+            <a:avLst/>
+          </a:prstGeom>
+        </p:spPr>
+      </p:pic>
+    </p:spTree>
+    <p:extLst>
+      <p:ext uri="{BB962C8B-B14F-4D97-AF65-F5344CB8AC3E}">
+        <p14:creationId xmlns:p14="http://schemas.microsoft.com/office/powerpoint/2010/main" val="2015079022"/>
+      </p:ext>
+    </p:extLst>
+  </p:cSld>
+  <p:clrMapOvr>
+    <a:masterClrMapping/>
+  </p:clrMapOvr>
+  <p:timing>
+    <p:tnLst>
+      <p:par>
+        <p:cTn id="1" dur="indefinite" restart="never" nodeType="tmRoot"/>
+      </p:par>
+    </p:tnLst>
+  </p:timing>
+</p:sld>
+</file>
+
+<file path=ppt/slides/slide25.xml><?xml version="1.0" encoding="utf-8"?>
+<p:sld xmlns:a="http://schemas.openxmlformats.org/drawingml/2006/main" xmlns:r="http://schemas.openxmlformats.org/officeDocument/2006/relationships" xmlns:p="http://schemas.openxmlformats.org/presentationml/2006/main">
+  <p:cSld>
+    <p:spTree>
+      <p:nvGrpSpPr>
+        <p:cNvPr id="1" name=""/>
+        <p:cNvGrpSpPr/>
+        <p:nvPr/>
+      </p:nvGrpSpPr>
+      <p:grpSpPr>
+        <a:xfrm>
+          <a:off x="0" y="0"/>
+          <a:ext cx="0" cy="0"/>
+          <a:chOff x="0" y="0"/>
+          <a:chExt cx="0" cy="0"/>
+        </a:xfrm>
+      </p:grpSpPr>
+      <p:pic>
+        <p:nvPicPr>
+          <p:cNvPr id="8" name="Image 7"/>
+          <p:cNvPicPr>
+            <a:picLocks noChangeAspect="1"/>
+          </p:cNvPicPr>
+          <p:nvPr/>
+        </p:nvPicPr>
+        <p:blipFill>
+          <a:blip r:embed="rId2">
+            <a:alphaModFix amt="24000"/>
+            <a:extLst>
+              <a:ext uri="{28A0092B-C50C-407E-A947-70E740481C1C}">
+                <a14:useLocalDpi xmlns:a14="http://schemas.microsoft.com/office/drawing/2010/main" val="0"/>
+              </a:ext>
+            </a:extLst>
+          </a:blip>
+          <a:stretch>
+            <a:fillRect/>
+          </a:stretch>
+        </p:blipFill>
+        <p:spPr>
+          <a:xfrm>
+            <a:off x="-2411662" y="16042"/>
+            <a:ext cx="17808514" cy="6858000"/>
+          </a:xfrm>
+          <a:prstGeom prst="rect">
+            <a:avLst/>
+          </a:prstGeom>
+        </p:spPr>
+      </p:pic>
+      <p:cxnSp>
+        <p:nvCxnSpPr>
+          <p:cNvPr id="9" name="Connecteur droit 8"/>
+          <p:cNvCxnSpPr/>
+          <p:nvPr/>
+        </p:nvCxnSpPr>
+        <p:spPr>
+          <a:xfrm>
+            <a:off x="3676696" y="3686627"/>
+            <a:ext cx="4702626" cy="0"/>
+          </a:xfrm>
+          <a:prstGeom prst="line">
+            <a:avLst/>
+          </a:prstGeom>
+          <a:ln>
+            <a:solidFill>
+              <a:schemeClr val="bg2">
+                <a:lumMod val="50000"/>
+              </a:schemeClr>
+            </a:solidFill>
+          </a:ln>
+        </p:spPr>
+        <p:style>
+          <a:lnRef idx="1">
+            <a:schemeClr val="accent1"/>
+          </a:lnRef>
+          <a:fillRef idx="0">
+            <a:schemeClr val="accent1"/>
+          </a:fillRef>
+          <a:effectRef idx="0">
+            <a:schemeClr val="accent1"/>
+          </a:effectRef>
+          <a:fontRef idx="minor">
+            <a:schemeClr val="tx1"/>
+          </a:fontRef>
+        </p:style>
+      </p:cxnSp>
+      <p:sp>
+        <p:nvSpPr>
+          <p:cNvPr id="10" name="ZoneTexte 9"/>
+          <p:cNvSpPr txBox="1"/>
+          <p:nvPr/>
+        </p:nvSpPr>
+        <p:spPr>
+          <a:xfrm>
+            <a:off x="4808810" y="2798711"/>
+            <a:ext cx="4814161" cy="646331"/>
+          </a:xfrm>
+          <a:prstGeom prst="rect">
+            <a:avLst/>
+          </a:prstGeom>
+          <a:noFill/>
+        </p:spPr>
+        <p:txBody>
+          <a:bodyPr wrap="square" rtlCol="0">
+            <a:spAutoFit/>
+          </a:bodyPr>
+          <a:lstStyle/>
+          <a:p>
+            <a:r>
+              <a:rPr lang="fr-FR" sz="3600" smtClean="0"/>
+              <a:t>Example</a:t>
+            </a:r>
+            <a:endParaRPr lang="fr-FR" sz="3600" dirty="0"/>
+          </a:p>
+        </p:txBody>
+      </p:sp>
+    </p:spTree>
+    <p:extLst>
+      <p:ext uri="{BB962C8B-B14F-4D97-AF65-F5344CB8AC3E}">
+        <p14:creationId xmlns:p14="http://schemas.microsoft.com/office/powerpoint/2010/main" val="1085065883"/>
+      </p:ext>
+    </p:extLst>
+  </p:cSld>
+  <p:clrMapOvr>
+    <a:masterClrMapping/>
+  </p:clrMapOvr>
+  <p:timing>
+    <p:tnLst>
+      <p:par>
+        <p:cTn id="1" dur="indefinite" restart="never" nodeType="tmRoot"/>
+      </p:par>
+    </p:tnLst>
+  </p:timing>
+</p:sld>
+</file>
+
+<file path=ppt/slides/slide26.xml><?xml version="1.0" encoding="utf-8"?>
+<p:sld xmlns:a="http://schemas.openxmlformats.org/drawingml/2006/main" xmlns:r="http://schemas.openxmlformats.org/officeDocument/2006/relationships" xmlns:p="http://schemas.openxmlformats.org/presentationml/2006/main">
+  <p:cSld>
+    <p:spTree>
+      <p:nvGrpSpPr>
+        <p:cNvPr id="1" name=""/>
+        <p:cNvGrpSpPr/>
+        <p:nvPr/>
+      </p:nvGrpSpPr>
+      <p:grpSpPr>
+        <a:xfrm>
+          <a:off x="0" y="0"/>
+          <a:ext cx="0" cy="0"/>
+          <a:chOff x="0" y="0"/>
+          <a:chExt cx="0" cy="0"/>
+        </a:xfrm>
+      </p:grpSpPr>
+      <p:sp>
+        <p:nvSpPr>
+          <p:cNvPr id="3" name="ZoneTexte 2"/>
+          <p:cNvSpPr txBox="1"/>
+          <p:nvPr/>
+        </p:nvSpPr>
+        <p:spPr>
+          <a:xfrm>
+            <a:off x="304797" y="312531"/>
+            <a:ext cx="9506859" cy="769441"/>
+          </a:xfrm>
+          <a:prstGeom prst="rect">
+            <a:avLst/>
+          </a:prstGeom>
+          <a:noFill/>
+        </p:spPr>
+        <p:txBody>
+          <a:bodyPr wrap="square" rtlCol="0">
+            <a:spAutoFit/>
+          </a:bodyPr>
+          <a:lstStyle/>
+          <a:p>
+            <a:r>
+              <a:rPr lang="en-CA" sz="4400" dirty="0" smtClean="0">
+                <a:solidFill>
+                  <a:schemeClr val="accent2">
+                    <a:lumMod val="75000"/>
+                  </a:schemeClr>
+                </a:solidFill>
+              </a:rPr>
+              <a:t>An example: my </a:t>
+            </a:r>
+            <a:r>
+              <a:rPr lang="en-CA" sz="4400" dirty="0" err="1" smtClean="0">
+                <a:solidFill>
+                  <a:schemeClr val="accent2">
+                    <a:lumMod val="75000"/>
+                  </a:schemeClr>
+                </a:solidFill>
+              </a:rPr>
+              <a:t>bioinfo</a:t>
+            </a:r>
+            <a:r>
+              <a:rPr lang="en-CA" sz="4400" dirty="0" smtClean="0">
+                <a:solidFill>
+                  <a:schemeClr val="accent2">
+                    <a:lumMod val="75000"/>
+                  </a:schemeClr>
+                </a:solidFill>
+              </a:rPr>
+              <a:t> pipeline:</a:t>
+            </a:r>
+            <a:endParaRPr lang="en-CA" sz="4400" dirty="0">
+              <a:solidFill>
+                <a:schemeClr val="accent2">
+                  <a:lumMod val="75000"/>
+                </a:schemeClr>
+              </a:solidFill>
+            </a:endParaRPr>
+          </a:p>
+        </p:txBody>
+      </p:sp>
+      <p:sp>
+        <p:nvSpPr>
+          <p:cNvPr id="4" name="ZoneTexte 3"/>
+          <p:cNvSpPr txBox="1"/>
+          <p:nvPr/>
+        </p:nvSpPr>
+        <p:spPr>
+          <a:xfrm>
+            <a:off x="1805882" y="1995332"/>
             <a:ext cx="6978316" cy="3108543"/>
           </a:xfrm>
           <a:prstGeom prst="rect">
@@ -6918,6 +7983,635 @@
     <p:extLst>
       <p:ext uri="{BB962C8B-B14F-4D97-AF65-F5344CB8AC3E}">
         <p14:creationId xmlns:p14="http://schemas.microsoft.com/office/powerpoint/2010/main" val="1001020317"/>
+      </p:ext>
+    </p:extLst>
+  </p:cSld>
+  <p:clrMapOvr>
+    <a:masterClrMapping/>
+  </p:clrMapOvr>
+  <p:timing>
+    <p:tnLst>
+      <p:par>
+        <p:cTn id="1" dur="indefinite" restart="never" nodeType="tmRoot"/>
+      </p:par>
+    </p:tnLst>
+  </p:timing>
+</p:sld>
+</file>
+
+<file path=ppt/slides/slide27.xml><?xml version="1.0" encoding="utf-8"?>
+<p:sld xmlns:a="http://schemas.openxmlformats.org/drawingml/2006/main" xmlns:r="http://schemas.openxmlformats.org/officeDocument/2006/relationships" xmlns:p="http://schemas.openxmlformats.org/presentationml/2006/main">
+  <p:cSld>
+    <p:spTree>
+      <p:nvGrpSpPr>
+        <p:cNvPr id="1" name=""/>
+        <p:cNvGrpSpPr/>
+        <p:nvPr/>
+      </p:nvGrpSpPr>
+      <p:grpSpPr>
+        <a:xfrm>
+          <a:off x="0" y="0"/>
+          <a:ext cx="0" cy="0"/>
+          <a:chOff x="0" y="0"/>
+          <a:chExt cx="0" cy="0"/>
+        </a:xfrm>
+      </p:grpSpPr>
+      <p:pic>
+        <p:nvPicPr>
+          <p:cNvPr id="8" name="Image 7"/>
+          <p:cNvPicPr>
+            <a:picLocks noChangeAspect="1"/>
+          </p:cNvPicPr>
+          <p:nvPr/>
+        </p:nvPicPr>
+        <p:blipFill>
+          <a:blip r:embed="rId3">
+            <a:alphaModFix amt="24000"/>
+            <a:extLst>
+              <a:ext uri="{28A0092B-C50C-407E-A947-70E740481C1C}">
+                <a14:useLocalDpi xmlns:a14="http://schemas.microsoft.com/office/drawing/2010/main" val="0"/>
+              </a:ext>
+            </a:extLst>
+          </a:blip>
+          <a:stretch>
+            <a:fillRect/>
+          </a:stretch>
+        </p:blipFill>
+        <p:spPr>
+          <a:xfrm>
+            <a:off x="-2411662" y="16042"/>
+            <a:ext cx="17808514" cy="6858000"/>
+          </a:xfrm>
+          <a:prstGeom prst="rect">
+            <a:avLst/>
+          </a:prstGeom>
+        </p:spPr>
+      </p:pic>
+      <p:cxnSp>
+        <p:nvCxnSpPr>
+          <p:cNvPr id="9" name="Connecteur droit 8"/>
+          <p:cNvCxnSpPr/>
+          <p:nvPr/>
+        </p:nvCxnSpPr>
+        <p:spPr>
+          <a:xfrm>
+            <a:off x="3837117" y="1809700"/>
+            <a:ext cx="4702626" cy="0"/>
+          </a:xfrm>
+          <a:prstGeom prst="line">
+            <a:avLst/>
+          </a:prstGeom>
+          <a:ln>
+            <a:solidFill>
+              <a:schemeClr val="bg2">
+                <a:lumMod val="50000"/>
+              </a:schemeClr>
+            </a:solidFill>
+          </a:ln>
+        </p:spPr>
+        <p:style>
+          <a:lnRef idx="1">
+            <a:schemeClr val="accent1"/>
+          </a:lnRef>
+          <a:fillRef idx="0">
+            <a:schemeClr val="accent1"/>
+          </a:fillRef>
+          <a:effectRef idx="0">
+            <a:schemeClr val="accent1"/>
+          </a:effectRef>
+          <a:fontRef idx="minor">
+            <a:schemeClr val="tx1"/>
+          </a:fontRef>
+        </p:style>
+      </p:cxnSp>
+      <p:sp>
+        <p:nvSpPr>
+          <p:cNvPr id="10" name="ZoneTexte 9"/>
+          <p:cNvSpPr txBox="1"/>
+          <p:nvPr/>
+        </p:nvSpPr>
+        <p:spPr>
+          <a:xfrm>
+            <a:off x="4969231" y="921784"/>
+            <a:ext cx="4814161" cy="646331"/>
+          </a:xfrm>
+          <a:prstGeom prst="rect">
+            <a:avLst/>
+          </a:prstGeom>
+          <a:noFill/>
+        </p:spPr>
+        <p:txBody>
+          <a:bodyPr wrap="square" rtlCol="0">
+            <a:spAutoFit/>
+          </a:bodyPr>
+          <a:lstStyle/>
+          <a:p>
+            <a:r>
+              <a:rPr lang="fr-FR" sz="3600" dirty="0" err="1" smtClean="0"/>
+              <a:t>Thanks</a:t>
+            </a:r>
+            <a:endParaRPr lang="fr-FR" sz="3600" dirty="0"/>
+          </a:p>
+        </p:txBody>
+      </p:sp>
+      <p:sp>
+        <p:nvSpPr>
+          <p:cNvPr id="5" name="Rectangle 4">
+            <a:hlinkClick r:id="rId4"/>
+          </p:cNvPr>
+          <p:cNvSpPr/>
+          <p:nvPr/>
+        </p:nvSpPr>
+        <p:spPr>
+          <a:xfrm>
+            <a:off x="3437529" y="3137655"/>
+            <a:ext cx="1426994" cy="369332"/>
+          </a:xfrm>
+          <a:prstGeom prst="rect">
+            <a:avLst/>
+          </a:prstGeom>
+          <a:ln>
+            <a:solidFill>
+              <a:schemeClr val="accent1"/>
+            </a:solidFill>
+          </a:ln>
+        </p:spPr>
+        <p:txBody>
+          <a:bodyPr wrap="none">
+            <a:spAutoFit/>
+          </a:bodyPr>
+          <a:lstStyle/>
+          <a:p>
+            <a:r>
+              <a:rPr lang="en-AU" dirty="0" err="1" smtClean="0">
+                <a:solidFill>
+                  <a:schemeClr val="accent1">
+                    <a:lumMod val="75000"/>
+                  </a:schemeClr>
+                </a:solidFill>
+              </a:rPr>
+              <a:t>bit.ly</a:t>
+            </a:r>
+            <a:r>
+              <a:rPr lang="en-AU" dirty="0" smtClean="0">
+                <a:solidFill>
+                  <a:schemeClr val="accent1">
+                    <a:lumMod val="75000"/>
+                  </a:schemeClr>
+                </a:solidFill>
+              </a:rPr>
+              <a:t>/2SxJFlV</a:t>
+            </a:r>
+            <a:endParaRPr lang="en-AU" dirty="0">
+              <a:solidFill>
+                <a:schemeClr val="accent1">
+                  <a:lumMod val="75000"/>
+                </a:schemeClr>
+              </a:solidFill>
+            </a:endParaRPr>
+          </a:p>
+        </p:txBody>
+      </p:sp>
+      <p:sp>
+        <p:nvSpPr>
+          <p:cNvPr id="2" name="Rectangle 1"/>
+          <p:cNvSpPr/>
+          <p:nvPr/>
+        </p:nvSpPr>
+        <p:spPr>
+          <a:xfrm>
+            <a:off x="2020910" y="3060711"/>
+            <a:ext cx="1117614" cy="523220"/>
+          </a:xfrm>
+          <a:prstGeom prst="rect">
+            <a:avLst/>
+          </a:prstGeom>
+        </p:spPr>
+        <p:txBody>
+          <a:bodyPr wrap="none">
+            <a:spAutoFit/>
+          </a:bodyPr>
+          <a:lstStyle/>
+          <a:p>
+            <a:r>
+              <a:rPr lang="fr-FR" sz="2800" dirty="0" smtClean="0"/>
+              <a:t>Slides:</a:t>
+            </a:r>
+            <a:endParaRPr lang="fr-FR" sz="2800" dirty="0"/>
+          </a:p>
+        </p:txBody>
+      </p:sp>
+      <p:sp>
+        <p:nvSpPr>
+          <p:cNvPr id="7" name="Rectangle 6">
+            <a:hlinkClick r:id="rId5"/>
+          </p:cNvPr>
+          <p:cNvSpPr/>
+          <p:nvPr/>
+        </p:nvSpPr>
+        <p:spPr>
+          <a:xfrm>
+            <a:off x="3437529" y="3949007"/>
+            <a:ext cx="1543051" cy="369332"/>
+          </a:xfrm>
+          <a:prstGeom prst="rect">
+            <a:avLst/>
+          </a:prstGeom>
+          <a:ln>
+            <a:solidFill>
+              <a:schemeClr val="accent1"/>
+            </a:solidFill>
+          </a:ln>
+        </p:spPr>
+        <p:txBody>
+          <a:bodyPr wrap="none">
+            <a:spAutoFit/>
+          </a:bodyPr>
+          <a:lstStyle/>
+          <a:p>
+            <a:r>
+              <a:rPr lang="fr-FR" dirty="0" err="1">
+                <a:solidFill>
+                  <a:schemeClr val="accent1">
+                    <a:lumMod val="75000"/>
+                  </a:schemeClr>
+                </a:solidFill>
+              </a:rPr>
+              <a:t>bit.ly</a:t>
+            </a:r>
+            <a:r>
+              <a:rPr lang="fr-FR" dirty="0">
+                <a:solidFill>
+                  <a:schemeClr val="accent1">
+                    <a:lumMod val="75000"/>
+                  </a:schemeClr>
+                </a:solidFill>
+              </a:rPr>
+              <a:t>/2AZySd9</a:t>
+            </a:r>
+            <a:endParaRPr lang="en-AU" dirty="0">
+              <a:solidFill>
+                <a:schemeClr val="accent1">
+                  <a:lumMod val="75000"/>
+                </a:schemeClr>
+              </a:solidFill>
+            </a:endParaRPr>
+          </a:p>
+        </p:txBody>
+      </p:sp>
+      <p:sp>
+        <p:nvSpPr>
+          <p:cNvPr id="11" name="Rectangle 10"/>
+          <p:cNvSpPr/>
+          <p:nvPr/>
+        </p:nvSpPr>
+        <p:spPr>
+          <a:xfrm>
+            <a:off x="1106906" y="3871809"/>
+            <a:ext cx="2113372" cy="523220"/>
+          </a:xfrm>
+          <a:prstGeom prst="rect">
+            <a:avLst/>
+          </a:prstGeom>
+        </p:spPr>
+        <p:txBody>
+          <a:bodyPr wrap="square">
+            <a:spAutoFit/>
+          </a:bodyPr>
+          <a:lstStyle/>
+          <a:p>
+            <a:r>
+              <a:rPr lang="fr-FR" sz="2800" dirty="0" err="1" smtClean="0"/>
+              <a:t>Cheat</a:t>
+            </a:r>
+            <a:r>
+              <a:rPr lang="fr-FR" sz="2800" dirty="0" smtClean="0"/>
+              <a:t> </a:t>
+            </a:r>
+            <a:r>
+              <a:rPr lang="fr-FR" sz="2800" dirty="0" err="1" smtClean="0"/>
+              <a:t>Sheet</a:t>
+            </a:r>
+            <a:r>
+              <a:rPr lang="fr-FR" sz="2800" dirty="0" smtClean="0"/>
+              <a:t>:</a:t>
+            </a:r>
+            <a:endParaRPr lang="fr-FR" sz="2800" dirty="0"/>
+          </a:p>
+        </p:txBody>
+      </p:sp>
+      <p:sp>
+        <p:nvSpPr>
+          <p:cNvPr id="12" name="Rectangle 11">
+            <a:hlinkClick r:id="rId6"/>
+          </p:cNvPr>
+          <p:cNvSpPr/>
+          <p:nvPr/>
+        </p:nvSpPr>
+        <p:spPr>
+          <a:xfrm>
+            <a:off x="3437529" y="4760359"/>
+            <a:ext cx="1625510" cy="369332"/>
+          </a:xfrm>
+          <a:prstGeom prst="rect">
+            <a:avLst/>
+          </a:prstGeom>
+          <a:ln>
+            <a:solidFill>
+              <a:schemeClr val="accent1"/>
+            </a:solidFill>
+          </a:ln>
+        </p:spPr>
+        <p:txBody>
+          <a:bodyPr wrap="none">
+            <a:spAutoFit/>
+          </a:bodyPr>
+          <a:lstStyle/>
+          <a:p>
+            <a:r>
+              <a:rPr lang="fr-FR" dirty="0" err="1">
+                <a:solidFill>
+                  <a:schemeClr val="accent1">
+                    <a:lumMod val="75000"/>
+                  </a:schemeClr>
+                </a:solidFill>
+              </a:rPr>
+              <a:t>bit.ly</a:t>
+            </a:r>
+            <a:r>
+              <a:rPr lang="fr-FR" dirty="0">
+                <a:solidFill>
+                  <a:schemeClr val="accent1">
+                    <a:lumMod val="75000"/>
+                  </a:schemeClr>
+                </a:solidFill>
+              </a:rPr>
+              <a:t>/2QDX7Hz</a:t>
+            </a:r>
+            <a:endParaRPr lang="en-AU" dirty="0">
+              <a:solidFill>
+                <a:schemeClr val="accent1">
+                  <a:lumMod val="75000"/>
+                </a:schemeClr>
+              </a:solidFill>
+            </a:endParaRPr>
+          </a:p>
+        </p:txBody>
+      </p:sp>
+      <p:sp>
+        <p:nvSpPr>
+          <p:cNvPr id="13" name="Rectangle 12"/>
+          <p:cNvSpPr/>
+          <p:nvPr/>
+        </p:nvSpPr>
+        <p:spPr>
+          <a:xfrm>
+            <a:off x="906887" y="4692408"/>
+            <a:ext cx="2231637" cy="523220"/>
+          </a:xfrm>
+          <a:prstGeom prst="rect">
+            <a:avLst/>
+          </a:prstGeom>
+        </p:spPr>
+        <p:txBody>
+          <a:bodyPr wrap="none">
+            <a:spAutoFit/>
+          </a:bodyPr>
+          <a:lstStyle/>
+          <a:p>
+            <a:r>
+              <a:rPr lang="fr-FR" sz="2800" dirty="0" err="1" smtClean="0"/>
+              <a:t>Pimp</a:t>
+            </a:r>
+            <a:r>
+              <a:rPr lang="fr-FR" sz="2800" dirty="0" smtClean="0"/>
+              <a:t> </a:t>
+            </a:r>
+            <a:r>
+              <a:rPr lang="fr-FR" sz="2800" dirty="0" err="1" smtClean="0"/>
+              <a:t>my</a:t>
+            </a:r>
+            <a:r>
+              <a:rPr lang="fr-FR" sz="2800" dirty="0" smtClean="0"/>
+              <a:t> </a:t>
+            </a:r>
+            <a:r>
+              <a:rPr lang="fr-FR" sz="2800" dirty="0" err="1" smtClean="0"/>
+              <a:t>rmd</a:t>
+            </a:r>
+            <a:r>
+              <a:rPr lang="fr-FR" sz="2800" dirty="0" smtClean="0"/>
+              <a:t>:</a:t>
+            </a:r>
+            <a:endParaRPr lang="fr-FR" sz="2800" dirty="0"/>
+          </a:p>
+        </p:txBody>
+      </p:sp>
+      <p:sp>
+        <p:nvSpPr>
+          <p:cNvPr id="14" name="TextBox 6"/>
+          <p:cNvSpPr txBox="1"/>
+          <p:nvPr/>
+        </p:nvSpPr>
+        <p:spPr>
+          <a:xfrm>
+            <a:off x="7703068" y="2759996"/>
+            <a:ext cx="3485856" cy="1200329"/>
+          </a:xfrm>
+          <a:prstGeom prst="rect">
+            <a:avLst/>
+          </a:prstGeom>
+          <a:noFill/>
+        </p:spPr>
+        <p:txBody>
+          <a:bodyPr wrap="square" rtlCol="0">
+            <a:spAutoFit/>
+          </a:bodyPr>
+          <a:lstStyle/>
+          <a:p>
+            <a:r>
+              <a:rPr lang="en-US" sz="2400" dirty="0" smtClean="0">
+                <a:hlinkClick r:id="rId7"/>
+              </a:rPr>
+              <a:t>Yan.holtz.data@gmail.com</a:t>
+            </a:r>
+            <a:endParaRPr lang="en-US" sz="2400" dirty="0" smtClean="0"/>
+          </a:p>
+          <a:p>
+            <a:endParaRPr lang="en-US" sz="2400" dirty="0"/>
+          </a:p>
+          <a:p>
+            <a:r>
+              <a:rPr lang="en-US" sz="2400" dirty="0" err="1" smtClean="0"/>
+              <a:t>www.yan-holtz.com</a:t>
+            </a:r>
+            <a:endParaRPr lang="en-US" sz="2400" dirty="0"/>
+          </a:p>
+        </p:txBody>
+      </p:sp>
+      <p:pic>
+        <p:nvPicPr>
+          <p:cNvPr id="15" name="Picture 8"/>
+          <p:cNvPicPr>
+            <a:picLocks noChangeAspect="1"/>
+          </p:cNvPicPr>
+          <p:nvPr/>
+        </p:nvPicPr>
+        <p:blipFill>
+          <a:blip r:embed="rId8"/>
+          <a:stretch>
+            <a:fillRect/>
+          </a:stretch>
+        </p:blipFill>
+        <p:spPr>
+          <a:xfrm>
+            <a:off x="6866161" y="4242277"/>
+            <a:ext cx="406182" cy="363025"/>
+          </a:xfrm>
+          <a:prstGeom prst="rect">
+            <a:avLst/>
+          </a:prstGeom>
+        </p:spPr>
+      </p:pic>
+      <p:pic>
+        <p:nvPicPr>
+          <p:cNvPr id="16" name="Picture 9"/>
+          <p:cNvPicPr>
+            <a:picLocks noChangeAspect="1"/>
+          </p:cNvPicPr>
+          <p:nvPr/>
+        </p:nvPicPr>
+        <p:blipFill>
+          <a:blip r:embed="rId9"/>
+          <a:stretch>
+            <a:fillRect/>
+          </a:stretch>
+        </p:blipFill>
+        <p:spPr>
+          <a:xfrm>
+            <a:off x="6866161" y="2839447"/>
+            <a:ext cx="379473" cy="294937"/>
+          </a:xfrm>
+          <a:prstGeom prst="rect">
+            <a:avLst/>
+          </a:prstGeom>
+        </p:spPr>
+      </p:pic>
+      <p:sp>
+        <p:nvSpPr>
+          <p:cNvPr id="17" name="TextBox 11"/>
+          <p:cNvSpPr txBox="1"/>
+          <p:nvPr/>
+        </p:nvSpPr>
+        <p:spPr>
+          <a:xfrm>
+            <a:off x="7511253" y="4198897"/>
+            <a:ext cx="3485856" cy="1200329"/>
+          </a:xfrm>
+          <a:prstGeom prst="rect">
+            <a:avLst/>
+          </a:prstGeom>
+          <a:noFill/>
+        </p:spPr>
+        <p:txBody>
+          <a:bodyPr wrap="square" rtlCol="0">
+            <a:spAutoFit/>
+          </a:bodyPr>
+          <a:lstStyle/>
+          <a:p>
+            <a:r>
+              <a:rPr lang="en-US" sz="2400" dirty="0" smtClean="0"/>
+              <a:t>@</a:t>
+            </a:r>
+            <a:r>
+              <a:rPr lang="en-US" sz="2400" dirty="0" err="1" smtClean="0"/>
+              <a:t>R_Graph_Gallery</a:t>
+            </a:r>
+            <a:r>
+              <a:rPr lang="en-US" sz="2400" dirty="0" smtClean="0"/>
+              <a:t> </a:t>
+            </a:r>
+          </a:p>
+          <a:p>
+            <a:endParaRPr lang="en-US" sz="2400" dirty="0"/>
+          </a:p>
+          <a:p>
+            <a:r>
+              <a:rPr lang="en-US" sz="2400" dirty="0" smtClean="0">
+                <a:hlinkClick r:id="rId7"/>
+              </a:rPr>
+              <a:t>github.com/holtzy</a:t>
+            </a:r>
+            <a:endParaRPr lang="en-US" sz="2400" dirty="0">
+              <a:hlinkClick r:id="rId7"/>
+            </a:endParaRPr>
+          </a:p>
+        </p:txBody>
+      </p:sp>
+      <p:pic>
+        <p:nvPicPr>
+          <p:cNvPr id="18" name="Picture 14"/>
+          <p:cNvPicPr>
+            <a:picLocks noChangeAspect="1"/>
+          </p:cNvPicPr>
+          <p:nvPr/>
+        </p:nvPicPr>
+        <p:blipFill>
+          <a:blip r:embed="rId10">
+            <a:extLst>
+              <a:ext uri="{28A0092B-C50C-407E-A947-70E740481C1C}">
+                <a14:useLocalDpi xmlns:a14="http://schemas.microsoft.com/office/drawing/2010/main" val="0"/>
+              </a:ext>
+            </a:extLst>
+          </a:blip>
+          <a:stretch>
+            <a:fillRect/>
+          </a:stretch>
+        </p:blipFill>
+        <p:spPr>
+          <a:xfrm>
+            <a:off x="6892566" y="3477725"/>
+            <a:ext cx="390782" cy="398756"/>
+          </a:xfrm>
+          <a:prstGeom prst="rect">
+            <a:avLst/>
+          </a:prstGeom>
+        </p:spPr>
+      </p:pic>
+      <p:pic>
+        <p:nvPicPr>
+          <p:cNvPr id="19" name="Image 18"/>
+          <p:cNvPicPr>
+            <a:picLocks noChangeAspect="1"/>
+          </p:cNvPicPr>
+          <p:nvPr/>
+        </p:nvPicPr>
+        <p:blipFill>
+          <a:blip r:embed="rId11">
+            <a:extLst>
+              <a:ext uri="{28A0092B-C50C-407E-A947-70E740481C1C}">
+                <a14:useLocalDpi xmlns:a14="http://schemas.microsoft.com/office/drawing/2010/main" val="0"/>
+              </a:ext>
+            </a:extLst>
+          </a:blip>
+          <a:stretch>
+            <a:fillRect/>
+          </a:stretch>
+        </p:blipFill>
+        <p:spPr>
+          <a:xfrm>
+            <a:off x="6844972" y="4916626"/>
+            <a:ext cx="466558" cy="466558"/>
+          </a:xfrm>
+          <a:prstGeom prst="rect">
+            <a:avLst/>
+          </a:prstGeom>
+        </p:spPr>
+      </p:pic>
+    </p:spTree>
+    <p:extLst>
+      <p:ext uri="{BB962C8B-B14F-4D97-AF65-F5344CB8AC3E}">
+        <p14:creationId xmlns:p14="http://schemas.microsoft.com/office/powerpoint/2010/main" val="565921796"/>
       </p:ext>
     </p:extLst>
   </p:cSld>
@@ -9168,4 +10862,265 @@
     </a:ext>
   </a:extLst>
 </a:theme>
+</file>
+
+<file path=ppt/theme/theme2.xml><?xml version="1.0" encoding="utf-8"?>
+<a:theme xmlns:a="http://schemas.openxmlformats.org/drawingml/2006/main" name="Thème Office">
+  <a:themeElements>
+    <a:clrScheme name="Bureau">
+      <a:dk1>
+        <a:sysClr val="windowText" lastClr="000000"/>
+      </a:dk1>
+      <a:lt1>
+        <a:sysClr val="window" lastClr="FFFFFF"/>
+      </a:lt1>
+      <a:dk2>
+        <a:srgbClr val="44546A"/>
+      </a:dk2>
+      <a:lt2>
+        <a:srgbClr val="E7E6E6"/>
+      </a:lt2>
+      <a:accent1>
+        <a:srgbClr val="5B9BD5"/>
+      </a:accent1>
+      <a:accent2>
+        <a:srgbClr val="ED7D31"/>
+      </a:accent2>
+      <a:accent3>
+        <a:srgbClr val="A5A5A5"/>
+      </a:accent3>
+      <a:accent4>
+        <a:srgbClr val="FFC000"/>
+      </a:accent4>
+      <a:accent5>
+        <a:srgbClr val="4472C4"/>
+      </a:accent5>
+      <a:accent6>
+        <a:srgbClr val="70AD47"/>
+      </a:accent6>
+      <a:hlink>
+        <a:srgbClr val="0563C1"/>
+      </a:hlink>
+      <a:folHlink>
+        <a:srgbClr val="954F72"/>
+      </a:folHlink>
+    </a:clrScheme>
+    <a:fontScheme name="Bureau">
+      <a:majorFont>
+        <a:latin typeface="Calibri Light" panose="020F0302020204030204"/>
+        <a:ea typeface=""/>
+        <a:cs typeface=""/>
+        <a:font script="Jpan" typeface="ＭＳ Ｐゴシック"/>
+        <a:font script="Hang" typeface="맑은 고딕"/>
+        <a:font script="Hans" typeface="宋体"/>
+        <a:font script="Hant" typeface="新細明體"/>
+        <a:font script="Arab" typeface="Times New Roman"/>
+        <a:font script="Hebr" typeface="Times New Roman"/>
+        <a:font script="Thai" typeface="Angsana New"/>
+        <a:font script="Ethi" typeface="Nyala"/>
+        <a:font script="Beng" typeface="Vrinda"/>
+        <a:font script="Gujr" typeface="Shruti"/>
+        <a:font script="Khmr" typeface="MoolBoran"/>
+        <a:font script="Knda" typeface="Tunga"/>
+        <a:font script="Guru" typeface="Raavi"/>
+        <a:font script="Cans" typeface="Euphemia"/>
+        <a:font script="Cher" typeface="Plantagenet Cherokee"/>
+        <a:font script="Yiii" typeface="Microsoft Yi Baiti"/>
+        <a:font script="Tibt" typeface="Microsoft Himalaya"/>
+        <a:font script="Thaa" typeface="MV Boli"/>
+        <a:font script="Deva" typeface="Mangal"/>
+        <a:font script="Telu" typeface="Gautami"/>
+        <a:font script="Taml" typeface="Latha"/>
+        <a:font script="Syrc" typeface="Estrangelo Edessa"/>
+        <a:font script="Orya" typeface="Kalinga"/>
+        <a:font script="Mlym" typeface="Kartika"/>
+        <a:font script="Laoo" typeface="DokChampa"/>
+        <a:font script="Sinh" typeface="Iskoola Pota"/>
+        <a:font script="Mong" typeface="Mongolian Baiti"/>
+        <a:font script="Viet" typeface="Times New Roman"/>
+        <a:font script="Uigh" typeface="Microsoft Uighur"/>
+        <a:font script="Geor" typeface="Sylfaen"/>
+      </a:majorFont>
+      <a:minorFont>
+        <a:latin typeface="Calibri" panose="020F0502020204030204"/>
+        <a:ea typeface=""/>
+        <a:cs typeface=""/>
+        <a:font script="Jpan" typeface="ＭＳ Ｐゴシック"/>
+        <a:font script="Hang" typeface="맑은 고딕"/>
+        <a:font script="Hans" typeface="宋体"/>
+        <a:font script="Hant" typeface="新細明體"/>
+        <a:font script="Arab" typeface="Arial"/>
+        <a:font script="Hebr" typeface="Arial"/>
+        <a:font script="Thai" typeface="Cordia New"/>
+        <a:font script="Ethi" typeface="Nyala"/>
+        <a:font script="Beng" typeface="Vrinda"/>
+        <a:font script="Gujr" typeface="Shruti"/>
+        <a:font script="Khmr" typeface="DaunPenh"/>
+        <a:font script="Knda" typeface="Tunga"/>
+        <a:font script="Guru" typeface="Raavi"/>
+        <a:font script="Cans" typeface="Euphemia"/>
+        <a:font script="Cher" typeface="Plantagenet Cherokee"/>
+        <a:font script="Yiii" typeface="Microsoft Yi Baiti"/>
+        <a:font script="Tibt" typeface="Microsoft Himalaya"/>
+        <a:font script="Thaa" typeface="MV Boli"/>
+        <a:font script="Deva" typeface="Mangal"/>
+        <a:font script="Telu" typeface="Gautami"/>
+        <a:font script="Taml" typeface="Latha"/>
+        <a:font script="Syrc" typeface="Estrangelo Edessa"/>
+        <a:font script="Orya" typeface="Kalinga"/>
+        <a:font script="Mlym" typeface="Kartika"/>
+        <a:font script="Laoo" typeface="DokChampa"/>
+        <a:font script="Sinh" typeface="Iskoola Pota"/>
+        <a:font script="Mong" typeface="Mongolian Baiti"/>
+        <a:font script="Viet" typeface="Arial"/>
+        <a:font script="Uigh" typeface="Microsoft Uighur"/>
+        <a:font script="Geor" typeface="Sylfaen"/>
+      </a:minorFont>
+    </a:fontScheme>
+    <a:fmtScheme name="Bureau">
+      <a:fillStyleLst>
+        <a:solidFill>
+          <a:schemeClr val="phClr"/>
+        </a:solidFill>
+        <a:gradFill rotWithShape="1">
+          <a:gsLst>
+            <a:gs pos="0">
+              <a:schemeClr val="phClr">
+                <a:lumMod val="110000"/>
+                <a:satMod val="105000"/>
+                <a:tint val="67000"/>
+              </a:schemeClr>
+            </a:gs>
+            <a:gs pos="50000">
+              <a:schemeClr val="phClr">
+                <a:lumMod val="105000"/>
+                <a:satMod val="103000"/>
+                <a:tint val="73000"/>
+              </a:schemeClr>
+            </a:gs>
+            <a:gs pos="100000">
+              <a:schemeClr val="phClr">
+                <a:lumMod val="105000"/>
+                <a:satMod val="109000"/>
+                <a:tint val="81000"/>
+              </a:schemeClr>
+            </a:gs>
+          </a:gsLst>
+          <a:lin ang="5400000" scaled="0"/>
+        </a:gradFill>
+        <a:gradFill rotWithShape="1">
+          <a:gsLst>
+            <a:gs pos="0">
+              <a:schemeClr val="phClr">
+                <a:satMod val="103000"/>
+                <a:lumMod val="102000"/>
+                <a:tint val="94000"/>
+              </a:schemeClr>
+            </a:gs>
+            <a:gs pos="50000">
+              <a:schemeClr val="phClr">
+                <a:satMod val="110000"/>
+                <a:lumMod val="100000"/>
+                <a:shade val="100000"/>
+              </a:schemeClr>
+            </a:gs>
+            <a:gs pos="100000">
+              <a:schemeClr val="phClr">
+                <a:lumMod val="99000"/>
+                <a:satMod val="120000"/>
+                <a:shade val="78000"/>
+              </a:schemeClr>
+            </a:gs>
+          </a:gsLst>
+          <a:lin ang="5400000" scaled="0"/>
+        </a:gradFill>
+      </a:fillStyleLst>
+      <a:lnStyleLst>
+        <a:ln w="6350" cap="flat" cmpd="sng" algn="ctr">
+          <a:solidFill>
+            <a:schemeClr val="phClr"/>
+          </a:solidFill>
+          <a:prstDash val="solid"/>
+          <a:miter lim="800000"/>
+        </a:ln>
+        <a:ln w="12700" cap="flat" cmpd="sng" algn="ctr">
+          <a:solidFill>
+            <a:schemeClr val="phClr"/>
+          </a:solidFill>
+          <a:prstDash val="solid"/>
+          <a:miter lim="800000"/>
+        </a:ln>
+        <a:ln w="19050" cap="flat" cmpd="sng" algn="ctr">
+          <a:solidFill>
+            <a:schemeClr val="phClr"/>
+          </a:solidFill>
+          <a:prstDash val="solid"/>
+          <a:miter lim="800000"/>
+        </a:ln>
+      </a:lnStyleLst>
+      <a:effectStyleLst>
+        <a:effectStyle>
+          <a:effectLst/>
+        </a:effectStyle>
+        <a:effectStyle>
+          <a:effectLst/>
+        </a:effectStyle>
+        <a:effectStyle>
+          <a:effectLst>
+            <a:outerShdw blurRad="57150" dist="19050" dir="5400000" algn="ctr" rotWithShape="0">
+              <a:srgbClr val="000000">
+                <a:alpha val="63000"/>
+              </a:srgbClr>
+            </a:outerShdw>
+          </a:effectLst>
+        </a:effectStyle>
+      </a:effectStyleLst>
+      <a:bgFillStyleLst>
+        <a:solidFill>
+          <a:schemeClr val="phClr"/>
+        </a:solidFill>
+        <a:solidFill>
+          <a:schemeClr val="phClr">
+            <a:tint val="95000"/>
+            <a:satMod val="170000"/>
+          </a:schemeClr>
+        </a:solidFill>
+        <a:gradFill rotWithShape="1">
+          <a:gsLst>
+            <a:gs pos="0">
+              <a:schemeClr val="phClr">
+                <a:tint val="93000"/>
+                <a:satMod val="150000"/>
+                <a:shade val="98000"/>
+                <a:lumMod val="102000"/>
+              </a:schemeClr>
+            </a:gs>
+            <a:gs pos="50000">
+              <a:schemeClr val="phClr">
+                <a:tint val="98000"/>
+                <a:satMod val="130000"/>
+                <a:shade val="90000"/>
+                <a:lumMod val="103000"/>
+              </a:schemeClr>
+            </a:gs>
+            <a:gs pos="100000">
+              <a:schemeClr val="phClr">
+                <a:shade val="63000"/>
+                <a:satMod val="120000"/>
+              </a:schemeClr>
+            </a:gs>
+          </a:gsLst>
+          <a:lin ang="5400000" scaled="0"/>
+        </a:gradFill>
+      </a:bgFillStyleLst>
+    </a:fmtScheme>
+  </a:themeElements>
+  <a:objectDefaults/>
+  <a:extraClrSchemeLst/>
+  <a:extLst>
+    <a:ext uri="{05A4C25C-085E-4340-85A3-A5531E510DB2}">
+      <thm15:themeFamily xmlns:thm15="http://schemas.microsoft.com/office/thememl/2012/main" name="Office Theme" id="{62F939B6-93AF-4DB8-9C6B-D6C7DFDC589F}" vid="{4A3C46E8-61CC-4603-A589-7422A47A8E4A}"/>
+    </a:ext>
+  </a:extLst>
+</a:theme>
 </file>
--- a/2018/Introduction_to_Rmarkdown.pptx
+++ b/2018/Introduction_to_Rmarkdown.pptx
@@ -223,7 +223,7 @@
           <a:p>
             <a:fld id="{DE24B45D-B38B-5348-97F2-91F5A5915D4C}" type="datetimeFigureOut">
               <a:rPr lang="en-AU" smtClean="0"/>
-              <a:t>8/12/18</a:t>
+              <a:t>11/12/18</a:t>
             </a:fld>
             <a:endParaRPr lang="en-AU"/>
           </a:p>
@@ -706,7 +706,7 @@
           <a:p>
             <a:fld id="{95F34277-3EED-7A4D-A803-67027078CA3E}" type="datetimeFigureOut">
               <a:rPr lang="fr-FR" smtClean="0"/>
-              <a:t>08/12/2018</a:t>
+              <a:t>11/12/2018</a:t>
             </a:fld>
             <a:endParaRPr lang="fr-FR"/>
           </a:p>
@@ -876,7 +876,7 @@
           <a:p>
             <a:fld id="{95F34277-3EED-7A4D-A803-67027078CA3E}" type="datetimeFigureOut">
               <a:rPr lang="fr-FR" smtClean="0"/>
-              <a:t>08/12/2018</a:t>
+              <a:t>11/12/2018</a:t>
             </a:fld>
             <a:endParaRPr lang="fr-FR"/>
           </a:p>
@@ -1056,7 +1056,7 @@
           <a:p>
             <a:fld id="{95F34277-3EED-7A4D-A803-67027078CA3E}" type="datetimeFigureOut">
               <a:rPr lang="fr-FR" smtClean="0"/>
-              <a:t>08/12/2018</a:t>
+              <a:t>11/12/2018</a:t>
             </a:fld>
             <a:endParaRPr lang="fr-FR"/>
           </a:p>
@@ -1226,7 +1226,7 @@
           <a:p>
             <a:fld id="{95F34277-3EED-7A4D-A803-67027078CA3E}" type="datetimeFigureOut">
               <a:rPr lang="fr-FR" smtClean="0"/>
-              <a:t>08/12/2018</a:t>
+              <a:t>11/12/2018</a:t>
             </a:fld>
             <a:endParaRPr lang="fr-FR"/>
           </a:p>
@@ -1472,7 +1472,7 @@
           <a:p>
             <a:fld id="{95F34277-3EED-7A4D-A803-67027078CA3E}" type="datetimeFigureOut">
               <a:rPr lang="fr-FR" smtClean="0"/>
-              <a:t>08/12/2018</a:t>
+              <a:t>11/12/2018</a:t>
             </a:fld>
             <a:endParaRPr lang="fr-FR"/>
           </a:p>
@@ -1704,7 +1704,7 @@
           <a:p>
             <a:fld id="{95F34277-3EED-7A4D-A803-67027078CA3E}" type="datetimeFigureOut">
               <a:rPr lang="fr-FR" smtClean="0"/>
-              <a:t>08/12/2018</a:t>
+              <a:t>11/12/2018</a:t>
             </a:fld>
             <a:endParaRPr lang="fr-FR"/>
           </a:p>
@@ -2071,7 +2071,7 @@
           <a:p>
             <a:fld id="{95F34277-3EED-7A4D-A803-67027078CA3E}" type="datetimeFigureOut">
               <a:rPr lang="fr-FR" smtClean="0"/>
-              <a:t>08/12/2018</a:t>
+              <a:t>11/12/2018</a:t>
             </a:fld>
             <a:endParaRPr lang="fr-FR"/>
           </a:p>
@@ -2189,7 +2189,7 @@
           <a:p>
             <a:fld id="{95F34277-3EED-7A4D-A803-67027078CA3E}" type="datetimeFigureOut">
               <a:rPr lang="fr-FR" smtClean="0"/>
-              <a:t>08/12/2018</a:t>
+              <a:t>11/12/2018</a:t>
             </a:fld>
             <a:endParaRPr lang="fr-FR"/>
           </a:p>
@@ -2284,7 +2284,7 @@
           <a:p>
             <a:fld id="{95F34277-3EED-7A4D-A803-67027078CA3E}" type="datetimeFigureOut">
               <a:rPr lang="fr-FR" smtClean="0"/>
-              <a:t>08/12/2018</a:t>
+              <a:t>11/12/2018</a:t>
             </a:fld>
             <a:endParaRPr lang="fr-FR"/>
           </a:p>
@@ -2561,7 +2561,7 @@
           <a:p>
             <a:fld id="{95F34277-3EED-7A4D-A803-67027078CA3E}" type="datetimeFigureOut">
               <a:rPr lang="fr-FR" smtClean="0"/>
-              <a:t>08/12/2018</a:t>
+              <a:t>11/12/2018</a:t>
             </a:fld>
             <a:endParaRPr lang="fr-FR"/>
           </a:p>
@@ -2814,7 +2814,7 @@
           <a:p>
             <a:fld id="{95F34277-3EED-7A4D-A803-67027078CA3E}" type="datetimeFigureOut">
               <a:rPr lang="fr-FR" smtClean="0"/>
-              <a:t>08/12/2018</a:t>
+              <a:t>11/12/2018</a:t>
             </a:fld>
             <a:endParaRPr lang="fr-FR"/>
           </a:p>
@@ -3027,7 +3027,7 @@
           <a:p>
             <a:fld id="{95F34277-3EED-7A4D-A803-67027078CA3E}" type="datetimeFigureOut">
               <a:rPr lang="fr-FR" smtClean="0"/>
-              <a:t>08/12/2018</a:t>
+              <a:t>11/12/2018</a:t>
             </a:fld>
             <a:endParaRPr lang="fr-FR"/>
           </a:p>
@@ -3471,7 +3471,7 @@
         </p:nvSpPr>
         <p:spPr>
           <a:xfrm>
-            <a:off x="8636000" y="6415498"/>
+            <a:off x="8554720" y="6415498"/>
             <a:ext cx="3556000" cy="369332"/>
           </a:xfrm>
           <a:prstGeom prst="rect">
@@ -3493,27 +3493,7 @@
                   </a:schemeClr>
                 </a:solidFill>
               </a:rPr>
-              <a:t>Brisbane, Australia, </a:t>
-            </a:r>
-            <a:r>
-              <a:rPr lang="en-CA" dirty="0" smtClean="0">
-                <a:solidFill>
-                  <a:schemeClr val="bg1">
-                    <a:lumMod val="50000"/>
-                  </a:schemeClr>
-                </a:solidFill>
-              </a:rPr>
-              <a:t>December </a:t>
-            </a:r>
-            <a:r>
-              <a:rPr lang="en-CA" dirty="0" smtClean="0">
-                <a:solidFill>
-                  <a:schemeClr val="bg1">
-                    <a:lumMod val="50000"/>
-                  </a:schemeClr>
-                </a:solidFill>
-              </a:rPr>
-              <a:t>2018</a:t>
+              <a:t>Brisbane, Australia, December 2018</a:t>
             </a:r>
             <a:endParaRPr lang="en-CA" dirty="0">
               <a:solidFill>
@@ -3550,9 +3530,8 @@
             <a:pPr algn="ctr"/>
             <a:r>
               <a:rPr lang="en-CA" i="1" dirty="0" smtClean="0"/>
-              <a:t>Or how to boost reproducibility in your research projects</a:t>
-            </a:r>
-            <a:endParaRPr lang="en-CA" i="1" dirty="0" smtClean="0"/>
+              <a:t>Or how to boost reproducibility in your research</a:t>
+            </a:r>
           </a:p>
         </p:txBody>
       </p:sp>
@@ -3631,8 +3610,8 @@
         </p:nvSpPr>
         <p:spPr>
           <a:xfrm>
-            <a:off x="5646055" y="14514"/>
-            <a:ext cx="6691086" cy="369332"/>
+            <a:off x="6484777" y="49462"/>
+            <a:ext cx="5794105" cy="338554"/>
           </a:xfrm>
           <a:prstGeom prst="rect">
             <a:avLst/>
@@ -3659,18 +3638,17 @@
           </a:lstStyle>
           <a:p>
             <a:r>
-              <a:rPr lang="en-US" dirty="0"/>
+              <a:rPr lang="en-US" sz="1600" dirty="0"/>
               <a:t>A tutorial by Yan Holtz, Florian Rohart &amp; Baptiste </a:t>
             </a:r>
             <a:r>
-              <a:rPr lang="en-US" dirty="0" err="1"/>
+              <a:rPr lang="en-US" sz="1600" dirty="0" err="1"/>
               <a:t>Couvy</a:t>
             </a:r>
             <a:r>
-              <a:rPr lang="en-US" dirty="0"/>
+              <a:rPr lang="en-US" sz="1600" dirty="0"/>
               <a:t>-Duchesne</a:t>
             </a:r>
-            <a:endParaRPr lang="en-US" dirty="0"/>
           </a:p>
         </p:txBody>
       </p:sp>
@@ -3856,11 +3834,7 @@
           <a:p>
             <a:r>
               <a:rPr lang="fr-FR" sz="2400" dirty="0" smtClean="0"/>
-              <a:t>R Markdown cheat </a:t>
-            </a:r>
-            <a:r>
-              <a:rPr lang="fr-FR" sz="2400" dirty="0" smtClean="0"/>
-              <a:t>sheet</a:t>
+              <a:t>R Markdown cheat sheet</a:t>
             </a:r>
           </a:p>
         </p:txBody>
@@ -4049,11 +4023,11 @@
             </a:r>
             <a:r>
               <a:rPr lang="fr-FR" sz="3600" dirty="0" err="1" smtClean="0"/>
-              <a:t>chunks</a:t>
+              <a:t>chunk</a:t>
             </a:r>
             <a:r>
               <a:rPr lang="fr-FR" sz="3600" dirty="0" smtClean="0"/>
-              <a:t> option</a:t>
+              <a:t> options</a:t>
             </a:r>
             <a:endParaRPr lang="fr-FR" sz="3600" dirty="0"/>
           </a:p>
@@ -5832,17 +5806,7 @@
                   </a:schemeClr>
                 </a:solidFill>
               </a:rPr>
-              <a:t>Use Interactive </a:t>
-            </a:r>
-            <a:r>
-              <a:rPr lang="en-CA" sz="4400" dirty="0" smtClean="0">
-                <a:solidFill>
-                  <a:schemeClr val="accent2">
-                    <a:lumMod val="75000"/>
-                  </a:schemeClr>
-                </a:solidFill>
-              </a:rPr>
-              <a:t>charts</a:t>
+              <a:t>Use Interactive charts</a:t>
             </a:r>
             <a:endParaRPr lang="en-CA" sz="4400" dirty="0">
               <a:solidFill>
@@ -6280,13 +6244,6 @@
               </a:rPr>
               <a:t>What</a:t>
             </a:r>
-            <a:endParaRPr lang="en-CA" sz="4400" dirty="0" smtClean="0">
-              <a:solidFill>
-                <a:schemeClr val="accent2">
-                  <a:lumMod val="75000"/>
-                </a:schemeClr>
-              </a:solidFill>
-            </a:endParaRPr>
           </a:p>
           <a:p>
             <a:endParaRPr lang="en-CA" sz="3200" dirty="0" smtClean="0"/>
@@ -6380,13 +6337,6 @@
               </a:rPr>
               <a:t>Why</a:t>
             </a:r>
-            <a:endParaRPr lang="en-CA" sz="4400" dirty="0" smtClean="0">
-              <a:solidFill>
-                <a:schemeClr val="accent2">
-                  <a:lumMod val="75000"/>
-                </a:schemeClr>
-              </a:solidFill>
-            </a:endParaRPr>
           </a:p>
           <a:p>
             <a:endParaRPr lang="en-CA" sz="3200" dirty="0" smtClean="0"/>
@@ -6400,7 +6350,6 @@
               <a:rPr lang="en-CA" sz="3200" dirty="0" smtClean="0"/>
               <a:t>Efficiency</a:t>
             </a:r>
-            <a:endParaRPr lang="en-CA" sz="3200" dirty="0" smtClean="0"/>
           </a:p>
           <a:p>
             <a:pPr marL="914400" lvl="1" indent="-457200">
@@ -6411,7 +6360,6 @@
               <a:rPr lang="en-CA" sz="3200" dirty="0" smtClean="0"/>
               <a:t>Reproducibility</a:t>
             </a:r>
-            <a:endParaRPr lang="en-CA" sz="3200" dirty="0" smtClean="0"/>
           </a:p>
           <a:p>
             <a:pPr marL="914400" lvl="1" indent="-457200">
@@ -6422,7 +6370,6 @@
               <a:rPr lang="en-CA" sz="3200" dirty="0" smtClean="0"/>
               <a:t>Interactivity</a:t>
             </a:r>
-            <a:endParaRPr lang="en-CA" sz="3200" dirty="0" smtClean="0"/>
           </a:p>
           <a:p>
             <a:pPr marL="914400" lvl="1" indent="-457200">
@@ -9640,17 +9587,7 @@
                   </a:schemeClr>
                 </a:solidFill>
               </a:rPr>
-              <a:t>3 - Knit </a:t>
-            </a:r>
-            <a:r>
-              <a:rPr lang="en-CA" sz="4400" dirty="0" smtClean="0">
-                <a:solidFill>
-                  <a:schemeClr val="accent2">
-                    <a:lumMod val="75000"/>
-                  </a:schemeClr>
-                </a:solidFill>
-              </a:rPr>
-              <a:t>the .</a:t>
+              <a:t>3 - Knit the .</a:t>
             </a:r>
             <a:r>
               <a:rPr lang="en-CA" sz="4400" dirty="0" err="1" smtClean="0">
@@ -10004,17 +9941,7 @@
                   </a:schemeClr>
                 </a:solidFill>
               </a:rPr>
-              <a:t>4 - .HTML </a:t>
-            </a:r>
-            <a:r>
-              <a:rPr lang="en-CA" sz="4400" dirty="0" smtClean="0">
-                <a:solidFill>
-                  <a:schemeClr val="accent2">
-                    <a:lumMod val="75000"/>
-                  </a:schemeClr>
-                </a:solidFill>
-              </a:rPr>
-              <a:t>output is ready </a:t>
+              <a:t>4 - .HTML output is ready </a:t>
             </a:r>
           </a:p>
           <a:p>
@@ -10033,13 +9960,8 @@
             </a:pPr>
             <a:r>
               <a:rPr lang="en-CA" sz="3200" dirty="0" smtClean="0"/>
-              <a:t>Have a look to your current </a:t>
-            </a:r>
-            <a:r>
-              <a:rPr lang="en-CA" sz="3200" dirty="0" smtClean="0"/>
-              <a:t>directory</a:t>
-            </a:r>
-            <a:endParaRPr lang="en-CA" sz="3200" dirty="0" smtClean="0"/>
+              <a:t>Have a look to your current directory</a:t>
+            </a:r>
           </a:p>
           <a:p>
             <a:endParaRPr lang="en-CA" sz="3200" dirty="0" smtClean="0"/>
